--- a/003_게임기획서/노비의모험_전투시스템_김병훈_v001_200122.pptx
+++ b/003_게임기획서/노비의모험_전투시스템_김병훈_v001_200122.pptx
@@ -5,10 +5,10 @@
     <p:sldMasterId id="2147483696" r:id="rId1"/>
   </p:sldMasterIdLst>
   <p:notesMasterIdLst>
-    <p:notesMasterId r:id="rId25"/>
+    <p:notesMasterId r:id="rId26"/>
   </p:notesMasterIdLst>
   <p:handoutMasterIdLst>
-    <p:handoutMasterId r:id="rId26"/>
+    <p:handoutMasterId r:id="rId27"/>
   </p:handoutMasterIdLst>
   <p:sldIdLst>
     <p:sldId id="257" r:id="rId2"/>
@@ -19,21 +19,22 @@
     <p:sldId id="282" r:id="rId7"/>
     <p:sldId id="281" r:id="rId8"/>
     <p:sldId id="272" r:id="rId9"/>
-    <p:sldId id="285" r:id="rId10"/>
-    <p:sldId id="289" r:id="rId11"/>
-    <p:sldId id="284" r:id="rId12"/>
-    <p:sldId id="283" r:id="rId13"/>
-    <p:sldId id="280" r:id="rId14"/>
-    <p:sldId id="290" r:id="rId15"/>
-    <p:sldId id="274" r:id="rId16"/>
-    <p:sldId id="275" r:id="rId17"/>
-    <p:sldId id="276" r:id="rId18"/>
-    <p:sldId id="277" r:id="rId19"/>
-    <p:sldId id="278" r:id="rId20"/>
-    <p:sldId id="279" r:id="rId21"/>
-    <p:sldId id="286" r:id="rId22"/>
-    <p:sldId id="287" r:id="rId23"/>
-    <p:sldId id="288" r:id="rId24"/>
+    <p:sldId id="291" r:id="rId10"/>
+    <p:sldId id="292" r:id="rId11"/>
+    <p:sldId id="285" r:id="rId12"/>
+    <p:sldId id="289" r:id="rId13"/>
+    <p:sldId id="284" r:id="rId14"/>
+    <p:sldId id="283" r:id="rId15"/>
+    <p:sldId id="290" r:id="rId16"/>
+    <p:sldId id="274" r:id="rId17"/>
+    <p:sldId id="275" r:id="rId18"/>
+    <p:sldId id="276" r:id="rId19"/>
+    <p:sldId id="277" r:id="rId20"/>
+    <p:sldId id="278" r:id="rId21"/>
+    <p:sldId id="279" r:id="rId22"/>
+    <p:sldId id="286" r:id="rId23"/>
+    <p:sldId id="287" r:id="rId24"/>
+    <p:sldId id="288" r:id="rId25"/>
   </p:sldIdLst>
   <p:sldSz cx="12192000" cy="6858000"/>
   <p:notesSz cx="6858000" cy="9144000"/>
@@ -257,7 +258,7 @@
               <a:rPr lang="ko-KR" altLang="en-US" smtClean="0">
                 <a:latin typeface="맑은 고딕" panose="020B0503020000020004" pitchFamily="50" charset="-127"/>
               </a:rPr>
-              <a:t>2020년 1월 22일</a:t>
+              <a:t>2020년 1월 28일</a:t>
             </a:fld>
             <a:endParaRPr lang="ko-KR" altLang="en-US" dirty="0">
               <a:latin typeface="맑은 고딕" panose="020B0503020000020004" pitchFamily="50" charset="-127"/>
@@ -437,7 +438,7 @@
             <a:fld id="{258C430E-8468-4F52-A66F-3CC625A80D37}" type="datetime4">
               <a:rPr lang="ko-KR" altLang="en-US" smtClean="0"/>
               <a:pPr/>
-              <a:t>2020년 1월 22일</a:t>
+              <a:t>2020년 1월 28일</a:t>
             </a:fld>
             <a:endParaRPr lang="ko-KR" altLang="en-US" dirty="0"/>
           </a:p>
@@ -961,7 +962,7 @@
     </p:spTree>
     <p:extLst>
       <p:ext uri="{BB962C8B-B14F-4D97-AF65-F5344CB8AC3E}">
-        <p14:creationId xmlns:p14="http://schemas.microsoft.com/office/powerpoint/2010/main" val="679697199"/>
+        <p14:creationId xmlns:p14="http://schemas.microsoft.com/office/powerpoint/2010/main" val="4018211115"/>
       </p:ext>
     </p:extLst>
   </p:cSld>
@@ -1132,7 +1133,7 @@
     </p:spTree>
     <p:extLst>
       <p:ext uri="{BB962C8B-B14F-4D97-AF65-F5344CB8AC3E}">
-        <p14:creationId xmlns:p14="http://schemas.microsoft.com/office/powerpoint/2010/main" val="1532601218"/>
+        <p14:creationId xmlns:p14="http://schemas.microsoft.com/office/powerpoint/2010/main" val="848341613"/>
       </p:ext>
     </p:extLst>
   </p:cSld>
@@ -1303,7 +1304,7 @@
     </p:spTree>
     <p:extLst>
       <p:ext uri="{BB962C8B-B14F-4D97-AF65-F5344CB8AC3E}">
-        <p14:creationId xmlns:p14="http://schemas.microsoft.com/office/powerpoint/2010/main" val="2608844339"/>
+        <p14:creationId xmlns:p14="http://schemas.microsoft.com/office/powerpoint/2010/main" val="679697199"/>
       </p:ext>
     </p:extLst>
   </p:cSld>
@@ -1474,7 +1475,7 @@
     </p:spTree>
     <p:extLst>
       <p:ext uri="{BB962C8B-B14F-4D97-AF65-F5344CB8AC3E}">
-        <p14:creationId xmlns:p14="http://schemas.microsoft.com/office/powerpoint/2010/main" val="4063975339"/>
+        <p14:creationId xmlns:p14="http://schemas.microsoft.com/office/powerpoint/2010/main" val="1532601218"/>
       </p:ext>
     </p:extLst>
   </p:cSld>
@@ -1645,7 +1646,7 @@
     </p:spTree>
     <p:extLst>
       <p:ext uri="{BB962C8B-B14F-4D97-AF65-F5344CB8AC3E}">
-        <p14:creationId xmlns:p14="http://schemas.microsoft.com/office/powerpoint/2010/main" val="2538214017"/>
+        <p14:creationId xmlns:p14="http://schemas.microsoft.com/office/powerpoint/2010/main" val="2608844339"/>
       </p:ext>
     </p:extLst>
   </p:cSld>
@@ -1816,7 +1817,7 @@
     </p:spTree>
     <p:extLst>
       <p:ext uri="{BB962C8B-B14F-4D97-AF65-F5344CB8AC3E}">
-        <p14:creationId xmlns:p14="http://schemas.microsoft.com/office/powerpoint/2010/main" val="2955902316"/>
+        <p14:creationId xmlns:p14="http://schemas.microsoft.com/office/powerpoint/2010/main" val="2538214017"/>
       </p:ext>
     </p:extLst>
   </p:cSld>
@@ -1987,7 +1988,7 @@
     </p:spTree>
     <p:extLst>
       <p:ext uri="{BB962C8B-B14F-4D97-AF65-F5344CB8AC3E}">
-        <p14:creationId xmlns:p14="http://schemas.microsoft.com/office/powerpoint/2010/main" val="735981102"/>
+        <p14:creationId xmlns:p14="http://schemas.microsoft.com/office/powerpoint/2010/main" val="2955902316"/>
       </p:ext>
     </p:extLst>
   </p:cSld>
@@ -2158,7 +2159,7 @@
     </p:spTree>
     <p:extLst>
       <p:ext uri="{BB962C8B-B14F-4D97-AF65-F5344CB8AC3E}">
-        <p14:creationId xmlns:p14="http://schemas.microsoft.com/office/powerpoint/2010/main" val="1955706700"/>
+        <p14:creationId xmlns:p14="http://schemas.microsoft.com/office/powerpoint/2010/main" val="735981102"/>
       </p:ext>
     </p:extLst>
   </p:cSld>
@@ -2329,7 +2330,7 @@
     </p:spTree>
     <p:extLst>
       <p:ext uri="{BB962C8B-B14F-4D97-AF65-F5344CB8AC3E}">
-        <p14:creationId xmlns:p14="http://schemas.microsoft.com/office/powerpoint/2010/main" val="1031054668"/>
+        <p14:creationId xmlns:p14="http://schemas.microsoft.com/office/powerpoint/2010/main" val="1955706700"/>
       </p:ext>
     </p:extLst>
   </p:cSld>
@@ -2500,7 +2501,7 @@
     </p:spTree>
     <p:extLst>
       <p:ext uri="{BB962C8B-B14F-4D97-AF65-F5344CB8AC3E}">
-        <p14:creationId xmlns:p14="http://schemas.microsoft.com/office/powerpoint/2010/main" val="1765430350"/>
+        <p14:creationId xmlns:p14="http://schemas.microsoft.com/office/powerpoint/2010/main" val="1031054668"/>
       </p:ext>
     </p:extLst>
   </p:cSld>
@@ -2777,7 +2778,7 @@
     </p:spTree>
     <p:extLst>
       <p:ext uri="{BB962C8B-B14F-4D97-AF65-F5344CB8AC3E}">
-        <p14:creationId xmlns:p14="http://schemas.microsoft.com/office/powerpoint/2010/main" val="3299811029"/>
+        <p14:creationId xmlns:p14="http://schemas.microsoft.com/office/powerpoint/2010/main" val="1765430350"/>
       </p:ext>
     </p:extLst>
   </p:cSld>
@@ -2948,7 +2949,7 @@
     </p:spTree>
     <p:extLst>
       <p:ext uri="{BB962C8B-B14F-4D97-AF65-F5344CB8AC3E}">
-        <p14:creationId xmlns:p14="http://schemas.microsoft.com/office/powerpoint/2010/main" val="1734131379"/>
+        <p14:creationId xmlns:p14="http://schemas.microsoft.com/office/powerpoint/2010/main" val="3299811029"/>
       </p:ext>
     </p:extLst>
   </p:cSld>
@@ -3119,7 +3120,7 @@
     </p:spTree>
     <p:extLst>
       <p:ext uri="{BB962C8B-B14F-4D97-AF65-F5344CB8AC3E}">
-        <p14:creationId xmlns:p14="http://schemas.microsoft.com/office/powerpoint/2010/main" val="1226666936"/>
+        <p14:creationId xmlns:p14="http://schemas.microsoft.com/office/powerpoint/2010/main" val="1734131379"/>
       </p:ext>
     </p:extLst>
   </p:cSld>
@@ -3282,6 +3283,177 @@
             <a:fld id="{CF2FD335-6D8E-486A-8F5F-DFC7325903FF}" type="slidenum">
               <a:rPr lang="en-US" smtClean="0"/>
               <a:t>23</a:t>
+            </a:fld>
+            <a:endParaRPr lang="en-US" dirty="0"/>
+          </a:p>
+        </p:txBody>
+      </p:sp>
+    </p:spTree>
+    <p:extLst>
+      <p:ext uri="{BB962C8B-B14F-4D97-AF65-F5344CB8AC3E}">
+        <p14:creationId xmlns:p14="http://schemas.microsoft.com/office/powerpoint/2010/main" val="1226666936"/>
+      </p:ext>
+    </p:extLst>
+  </p:cSld>
+  <p:clrMapOvr>
+    <a:masterClrMapping/>
+  </p:clrMapOvr>
+</p:notes>
+</file>
+
+<file path=ppt/notesSlides/notesSlide24.xml><?xml version="1.0" encoding="utf-8"?>
+<p:notes xmlns:a="http://schemas.openxmlformats.org/drawingml/2006/main" xmlns:r="http://schemas.openxmlformats.org/officeDocument/2006/relationships" xmlns:p="http://schemas.openxmlformats.org/presentationml/2006/main">
+  <p:cSld>
+    <p:spTree>
+      <p:nvGrpSpPr>
+        <p:cNvPr id="1" name=""/>
+        <p:cNvGrpSpPr/>
+        <p:nvPr/>
+      </p:nvGrpSpPr>
+      <p:grpSpPr>
+        <a:xfrm>
+          <a:off x="0" y="0"/>
+          <a:ext cx="0" cy="0"/>
+          <a:chOff x="0" y="0"/>
+          <a:chExt cx="0" cy="0"/>
+        </a:xfrm>
+      </p:grpSpPr>
+      <p:sp>
+        <p:nvSpPr>
+          <p:cNvPr id="2" name="슬라이드 이미지 개체 틀 1"/>
+          <p:cNvSpPr>
+            <a:spLocks noGrp="1" noRot="1" noChangeAspect="1"/>
+          </p:cNvSpPr>
+          <p:nvPr>
+            <p:ph type="sldImg"/>
+          </p:nvPr>
+        </p:nvSpPr>
+        <p:spPr/>
+      </p:sp>
+      <p:sp>
+        <p:nvSpPr>
+          <p:cNvPr id="3" name="슬라이드 노트 개체 틀 2"/>
+          <p:cNvSpPr>
+            <a:spLocks noGrp="1"/>
+          </p:cNvSpPr>
+          <p:nvPr>
+            <p:ph type="body" idx="1"/>
+          </p:nvPr>
+        </p:nvSpPr>
+        <p:spPr/>
+        <p:txBody>
+          <a:bodyPr rtlCol="0"/>
+          <a:lstStyle/>
+          <a:p>
+            <a:pPr rtl="0"/>
+            <a:r>
+              <a:rPr lang="ko-KR" altLang="en-US" b="1" dirty="0">
+                <a:ea typeface="맑은 고딕" panose="020B0503020000020004" pitchFamily="50" charset="-127"/>
+              </a:rPr>
+              <a:t>목표 예</a:t>
+            </a:r>
+          </a:p>
+          <a:p>
+            <a:pPr marL="0" indent="0" rtl="0">
+              <a:buFont typeface="Arial" panose="020B0604020202020204" pitchFamily="34" charset="0"/>
+              <a:buNone/>
+            </a:pPr>
+            <a:r>
+              <a:rPr lang="ko-KR" altLang="en-US" dirty="0">
+                <a:ea typeface="맑은 고딕" panose="020B0503020000020004" pitchFamily="50" charset="-127"/>
+              </a:rPr>
+              <a:t>이 단원을 마치면 다음을 수행할 수 있습니다</a:t>
+            </a:r>
+            <a:r>
+              <a:rPr lang="en-US" altLang="ko-KR" dirty="0">
+                <a:ea typeface="맑은 고딕" panose="020B0503020000020004" pitchFamily="50" charset="-127"/>
+              </a:rPr>
+              <a:t>.</a:t>
+            </a:r>
+          </a:p>
+          <a:p>
+            <a:pPr marL="171450" indent="-171450" rtl="0">
+              <a:buFont typeface="Arial" panose="020B0604020202020204" pitchFamily="34" charset="0"/>
+              <a:buChar char="•"/>
+            </a:pPr>
+            <a:r>
+              <a:rPr lang="ko-KR" altLang="en-US" dirty="0">
+                <a:ea typeface="맑은 고딕" panose="020B0503020000020004" pitchFamily="50" charset="-127"/>
+              </a:rPr>
+              <a:t>팀 웹 서버에 파일을 저장합니다</a:t>
+            </a:r>
+            <a:r>
+              <a:rPr lang="en-US" altLang="ko-KR" dirty="0">
+                <a:ea typeface="맑은 고딕" panose="020B0503020000020004" pitchFamily="50" charset="-127"/>
+              </a:rPr>
+              <a:t>.</a:t>
+            </a:r>
+          </a:p>
+          <a:p>
+            <a:pPr marL="171450" indent="-171450" rtl="0">
+              <a:buFont typeface="Arial" panose="020B0604020202020204" pitchFamily="34" charset="0"/>
+              <a:buChar char="•"/>
+            </a:pPr>
+            <a:r>
+              <a:rPr lang="ko-KR" altLang="en-US" dirty="0">
+                <a:ea typeface="맑은 고딕" panose="020B0503020000020004" pitchFamily="50" charset="-127"/>
+              </a:rPr>
+              <a:t>팀 웹 서버의 다른 위치로 파일을 이동합니다</a:t>
+            </a:r>
+            <a:r>
+              <a:rPr lang="en-US" altLang="ko-KR" dirty="0">
+                <a:ea typeface="맑은 고딕" panose="020B0503020000020004" pitchFamily="50" charset="-127"/>
+              </a:rPr>
+              <a:t>.</a:t>
+            </a:r>
+          </a:p>
+          <a:p>
+            <a:pPr marL="171450" indent="-171450" rtl="0">
+              <a:buFont typeface="Arial" panose="020B0604020202020204" pitchFamily="34" charset="0"/>
+              <a:buChar char="•"/>
+            </a:pPr>
+            <a:r>
+              <a:rPr lang="ko-KR" altLang="en-US" dirty="0">
+                <a:ea typeface="맑은 고딕" panose="020B0503020000020004" pitchFamily="50" charset="-127"/>
+              </a:rPr>
+              <a:t>팀 웹 서버의 파일을 공유합니다</a:t>
+            </a:r>
+            <a:r>
+              <a:rPr lang="en-US" altLang="ko-KR" dirty="0">
+                <a:ea typeface="맑은 고딕" panose="020B0503020000020004" pitchFamily="50" charset="-127"/>
+              </a:rPr>
+              <a:t>.</a:t>
+            </a:r>
+          </a:p>
+          <a:p>
+            <a:pPr rtl="0"/>
+            <a:endParaRPr lang="ko-KR" altLang="en-US" noProof="0" dirty="0"/>
+          </a:p>
+          <a:p>
+            <a:pPr rtl="0"/>
+            <a:endParaRPr lang="ko-KR" altLang="en-US" noProof="0" dirty="0"/>
+          </a:p>
+        </p:txBody>
+      </p:sp>
+      <p:sp>
+        <p:nvSpPr>
+          <p:cNvPr id="4" name="슬라이드 번호 개체 틀 3"/>
+          <p:cNvSpPr>
+            <a:spLocks noGrp="1"/>
+          </p:cNvSpPr>
+          <p:nvPr>
+            <p:ph type="sldNum" sz="quarter" idx="10"/>
+          </p:nvPr>
+        </p:nvSpPr>
+        <p:spPr/>
+        <p:txBody>
+          <a:bodyPr rtlCol="0"/>
+          <a:lstStyle/>
+          <a:p>
+            <a:pPr rtl="0"/>
+            <a:fld id="{CF2FD335-6D8E-486A-8F5F-DFC7325903FF}" type="slidenum">
+              <a:rPr lang="en-US" smtClean="0"/>
+              <a:t>24</a:t>
             </a:fld>
             <a:endParaRPr lang="en-US" dirty="0"/>
           </a:p>
@@ -4411,7 +4583,7 @@
     </p:spTree>
     <p:extLst>
       <p:ext uri="{BB962C8B-B14F-4D97-AF65-F5344CB8AC3E}">
-        <p14:creationId xmlns:p14="http://schemas.microsoft.com/office/powerpoint/2010/main" val="848341613"/>
+        <p14:creationId xmlns:p14="http://schemas.microsoft.com/office/powerpoint/2010/main" val="2952872017"/>
       </p:ext>
     </p:extLst>
   </p:cSld>
@@ -5152,7 +5324,7 @@
             <a:fld id="{94694F25-D644-42F1-B3CC-9F453010BC16}" type="datetime4">
               <a:rPr lang="ko-KR" altLang="en-US" smtClean="0"/>
               <a:pPr/>
-              <a:t>2020년 1월 22일</a:t>
+              <a:t>2020년 1월 28일</a:t>
             </a:fld>
             <a:endParaRPr lang="ko-KR" altLang="en-US" dirty="0"/>
           </a:p>
@@ -5365,7 +5537,7 @@
             <a:fld id="{DFB6B5C9-4B18-4F34-8E3E-FAD2AE1D9784}" type="datetime4">
               <a:rPr lang="ko-KR" altLang="en-US" smtClean="0"/>
               <a:pPr/>
-              <a:t>2020년 1월 22일</a:t>
+              <a:t>2020년 1월 28일</a:t>
             </a:fld>
             <a:endParaRPr lang="ko-KR" altLang="en-US" dirty="0"/>
           </a:p>
@@ -5579,7 +5751,7 @@
             <a:fld id="{533A0385-CE73-423F-9B05-AF254D6215F2}" type="datetime4">
               <a:rPr lang="ko-KR" altLang="en-US" smtClean="0"/>
               <a:pPr/>
-              <a:t>2020년 1월 22일</a:t>
+              <a:t>2020년 1월 28일</a:t>
             </a:fld>
             <a:endParaRPr lang="ko-KR" altLang="en-US" dirty="0"/>
           </a:p>
@@ -5782,7 +5954,7 @@
             <a:fld id="{7F488AF3-E4C2-46C4-883C-60860EA77C5C}" type="datetime4">
               <a:rPr lang="ko-KR" altLang="en-US" smtClean="0"/>
               <a:pPr/>
-              <a:t>2020년 1월 22일</a:t>
+              <a:t>2020년 1월 28일</a:t>
             </a:fld>
             <a:endParaRPr lang="ko-KR" altLang="en-US" dirty="0"/>
           </a:p>
@@ -6025,7 +6197,7 @@
             <a:fld id="{82B6626D-13F9-4303-ACEA-CC76B0514040}" type="datetime4">
               <a:rPr lang="ko-KR" altLang="en-US" smtClean="0"/>
               <a:pPr/>
-              <a:t>2020년 1월 22일</a:t>
+              <a:t>2020년 1월 28일</a:t>
             </a:fld>
             <a:endParaRPr lang="ko-KR" altLang="en-US" dirty="0"/>
           </a:p>
@@ -6312,7 +6484,7 @@
             <a:fld id="{30EDF400-A36F-4704-AF2F-BBAC0CF33C56}" type="datetime4">
               <a:rPr lang="ko-KR" altLang="en-US" smtClean="0"/>
               <a:pPr/>
-              <a:t>2020년 1월 22일</a:t>
+              <a:t>2020년 1월 28일</a:t>
             </a:fld>
             <a:endParaRPr lang="ko-KR" altLang="en-US" dirty="0"/>
           </a:p>
@@ -6762,7 +6934,7 @@
             <a:fld id="{BE1F0414-1742-40E5-BCBF-A637EDE2C2BF}" type="datetime4">
               <a:rPr lang="ko-KR" altLang="en-US" smtClean="0"/>
               <a:pPr/>
-              <a:t>2020년 1월 22일</a:t>
+              <a:t>2020년 1월 28일</a:t>
             </a:fld>
             <a:endParaRPr lang="ko-KR" altLang="en-US" dirty="0"/>
           </a:p>
@@ -6926,7 +7098,7 @@
             <a:fld id="{12D8F88E-7F41-4146-ADAC-5DDED3CCCDF5}" type="datetime4">
               <a:rPr lang="ko-KR" altLang="en-US" smtClean="0"/>
               <a:pPr/>
-              <a:t>2020년 1월 22일</a:t>
+              <a:t>2020년 1월 28일</a:t>
             </a:fld>
             <a:endParaRPr lang="ko-KR" altLang="en-US" dirty="0"/>
           </a:p>
@@ -7048,7 +7220,7 @@
             <a:fld id="{6544992A-6B43-4D9C-91BA-45B4770FA9EC}" type="datetime4">
               <a:rPr lang="ko-KR" altLang="en-US" smtClean="0"/>
               <a:pPr/>
-              <a:t>2020년 1월 22일</a:t>
+              <a:t>2020년 1월 28일</a:t>
             </a:fld>
             <a:endParaRPr lang="ko-KR" altLang="en-US" dirty="0"/>
           </a:p>
@@ -7320,7 +7492,7 @@
             <a:fld id="{97EB5C94-FDA9-4D16-B72E-6A88FE13E8C6}" type="datetime4">
               <a:rPr lang="ko-KR" altLang="en-US" smtClean="0"/>
               <a:pPr/>
-              <a:t>2020년 1월 22일</a:t>
+              <a:t>2020년 1월 28일</a:t>
             </a:fld>
             <a:endParaRPr lang="ko-KR" altLang="en-US" dirty="0"/>
           </a:p>
@@ -7593,7 +7765,7 @@
             <a:fld id="{726E5215-DDDB-4AE1-BB3B-7D32E26C92B4}" type="datetime4">
               <a:rPr lang="ko-KR" altLang="en-US" smtClean="0"/>
               <a:pPr/>
-              <a:t>2020년 1월 22일</a:t>
+              <a:t>2020년 1월 28일</a:t>
             </a:fld>
             <a:endParaRPr lang="ko-KR" altLang="en-US" dirty="0"/>
           </a:p>
@@ -8486,7 +8658,7 @@
             <a:fld id="{65FF3804-A92E-4DFF-A0B3-62A49209ED6C}" type="datetime4">
               <a:rPr lang="ko-KR" altLang="en-US" smtClean="0"/>
               <a:pPr/>
-              <a:t>2020년 1월 22일</a:t>
+              <a:t>2020년 1월 28일</a:t>
             </a:fld>
             <a:endParaRPr lang="ko-KR" altLang="en-US" dirty="0"/>
           </a:p>
@@ -8978,6 +9150,226 @@
           </a:p>
         </p:txBody>
       </p:sp>
+      <p:sp>
+        <p:nvSpPr>
+          <p:cNvPr id="5" name="부제목 2"/>
+          <p:cNvSpPr txBox="1">
+            <a:spLocks/>
+          </p:cNvSpPr>
+          <p:nvPr/>
+        </p:nvSpPr>
+        <p:spPr>
+          <a:xfrm>
+            <a:off x="8043840" y="6103297"/>
+            <a:ext cx="3452835" cy="547138"/>
+          </a:xfrm>
+          <a:prstGeom prst="rect">
+            <a:avLst/>
+          </a:prstGeom>
+        </p:spPr>
+        <p:txBody>
+          <a:bodyPr vert="horz" rtlCol="0">
+            <a:normAutofit/>
+          </a:bodyPr>
+          <a:lstStyle>
+            <a:lvl1pPr marL="64008" indent="0" algn="l" rtl="0" eaLnBrk="1" latinLnBrk="1" hangingPunct="1">
+              <a:spcBef>
+                <a:spcPts val="300"/>
+              </a:spcBef>
+              <a:buClr>
+                <a:schemeClr val="accent3">
+                  <a:lumMod val="75000"/>
+                </a:schemeClr>
+              </a:buClr>
+              <a:buFont typeface="Georgia"/>
+              <a:buNone/>
+              <a:defRPr kumimoji="0" sz="2400" kern="1200">
+                <a:solidFill>
+                  <a:schemeClr val="tx2"/>
+                </a:solidFill>
+                <a:latin typeface="맑은 고딕" panose="020B0503020000020004" pitchFamily="50" charset="-127"/>
+                <a:ea typeface="+mn-ea"/>
+                <a:cs typeface="+mn-cs"/>
+              </a:defRPr>
+            </a:lvl1pPr>
+            <a:lvl2pPr marL="457200" indent="0" algn="ctr" rtl="0" eaLnBrk="1" latinLnBrk="1" hangingPunct="1">
+              <a:spcBef>
+                <a:spcPts val="300"/>
+              </a:spcBef>
+              <a:buClr>
+                <a:schemeClr val="accent2">
+                  <a:lumMod val="75000"/>
+                </a:schemeClr>
+              </a:buClr>
+              <a:buFont typeface="Georgia"/>
+              <a:buNone/>
+              <a:defRPr kumimoji="0" sz="2600" kern="1200">
+                <a:solidFill>
+                  <a:schemeClr val="tx2"/>
+                </a:solidFill>
+                <a:latin typeface="맑은 고딕" panose="020B0503020000020004" pitchFamily="50" charset="-127"/>
+                <a:ea typeface="+mn-ea"/>
+                <a:cs typeface="+mn-cs"/>
+              </a:defRPr>
+            </a:lvl2pPr>
+            <a:lvl3pPr marL="914400" indent="0" algn="ctr" rtl="0" eaLnBrk="1" latinLnBrk="1" hangingPunct="1">
+              <a:spcBef>
+                <a:spcPts val="300"/>
+              </a:spcBef>
+              <a:buClr>
+                <a:schemeClr val="accent1">
+                  <a:lumMod val="50000"/>
+                </a:schemeClr>
+              </a:buClr>
+              <a:buFont typeface="Wingdings 2" panose="05020102010507070707" pitchFamily="18" charset="2"/>
+              <a:buNone/>
+              <a:defRPr kumimoji="0" sz="2400" kern="1200">
+                <a:solidFill>
+                  <a:schemeClr val="tx2"/>
+                </a:solidFill>
+                <a:latin typeface="맑은 고딕" panose="020B0503020000020004" pitchFamily="50" charset="-127"/>
+                <a:ea typeface="+mn-ea"/>
+                <a:cs typeface="+mn-cs"/>
+              </a:defRPr>
+            </a:lvl3pPr>
+            <a:lvl4pPr marL="1371600" indent="0" algn="ctr" rtl="0" eaLnBrk="1" latinLnBrk="1" hangingPunct="1">
+              <a:spcBef>
+                <a:spcPts val="300"/>
+              </a:spcBef>
+              <a:buClr>
+                <a:schemeClr val="accent1">
+                  <a:lumMod val="50000"/>
+                </a:schemeClr>
+              </a:buClr>
+              <a:buFont typeface="Wingdings 2" panose="05020102010507070707" pitchFamily="18" charset="2"/>
+              <a:buNone/>
+              <a:defRPr kumimoji="0" sz="2200" kern="1200">
+                <a:solidFill>
+                  <a:schemeClr val="tx2"/>
+                </a:solidFill>
+                <a:latin typeface="맑은 고딕" panose="020B0503020000020004" pitchFamily="50" charset="-127"/>
+                <a:ea typeface="+mn-ea"/>
+                <a:cs typeface="+mn-cs"/>
+              </a:defRPr>
+            </a:lvl4pPr>
+            <a:lvl5pPr marL="1828800" indent="0" algn="ctr" rtl="0" eaLnBrk="1" latinLnBrk="1" hangingPunct="1">
+              <a:spcBef>
+                <a:spcPts val="300"/>
+              </a:spcBef>
+              <a:buClr>
+                <a:schemeClr val="accent1">
+                  <a:lumMod val="50000"/>
+                </a:schemeClr>
+              </a:buClr>
+              <a:buFont typeface="Wingdings 2" panose="05020102010507070707" pitchFamily="18" charset="2"/>
+              <a:buNone/>
+              <a:defRPr kumimoji="0" sz="2000" kern="1200">
+                <a:solidFill>
+                  <a:schemeClr val="tx2"/>
+                </a:solidFill>
+                <a:latin typeface="맑은 고딕" panose="020B0503020000020004" pitchFamily="50" charset="-127"/>
+                <a:ea typeface="+mn-ea"/>
+                <a:cs typeface="+mn-cs"/>
+              </a:defRPr>
+            </a:lvl5pPr>
+            <a:lvl6pPr marL="2286000" indent="0" algn="ctr" rtl="0" eaLnBrk="1" latinLnBrk="1" hangingPunct="1">
+              <a:spcBef>
+                <a:spcPts val="300"/>
+              </a:spcBef>
+              <a:buClr>
+                <a:schemeClr val="accent1">
+                  <a:lumMod val="50000"/>
+                </a:schemeClr>
+              </a:buClr>
+              <a:buFont typeface="Wingdings 2" panose="05020102010507070707" pitchFamily="18" charset="2"/>
+              <a:buNone/>
+              <a:defRPr kumimoji="0" sz="1800" kern="1200">
+                <a:solidFill>
+                  <a:schemeClr val="tx2"/>
+                </a:solidFill>
+                <a:latin typeface="+mn-lt"/>
+                <a:ea typeface="+mn-ea"/>
+                <a:cs typeface="+mn-cs"/>
+              </a:defRPr>
+            </a:lvl6pPr>
+            <a:lvl7pPr marL="2743200" indent="0" algn="ctr" rtl="0" eaLnBrk="1" latinLnBrk="1" hangingPunct="1">
+              <a:spcBef>
+                <a:spcPts val="300"/>
+              </a:spcBef>
+              <a:buClr>
+                <a:schemeClr val="accent1">
+                  <a:lumMod val="50000"/>
+                </a:schemeClr>
+              </a:buClr>
+              <a:buFont typeface="Wingdings 2" panose="05020102010507070707" pitchFamily="18" charset="2"/>
+              <a:buNone/>
+              <a:defRPr kumimoji="0" sz="1600" kern="1200">
+                <a:solidFill>
+                  <a:schemeClr val="tx2"/>
+                </a:solidFill>
+                <a:latin typeface="+mn-lt"/>
+                <a:ea typeface="+mn-ea"/>
+                <a:cs typeface="+mn-cs"/>
+              </a:defRPr>
+            </a:lvl7pPr>
+            <a:lvl8pPr marL="3200400" indent="0" algn="ctr" rtl="0" eaLnBrk="1" latinLnBrk="1" hangingPunct="1">
+              <a:spcBef>
+                <a:spcPts val="300"/>
+              </a:spcBef>
+              <a:buClr>
+                <a:schemeClr val="accent1">
+                  <a:lumMod val="50000"/>
+                </a:schemeClr>
+              </a:buClr>
+              <a:buFont typeface="Wingdings 2" panose="05020102010507070707" pitchFamily="18" charset="2"/>
+              <a:buNone/>
+              <a:defRPr kumimoji="0" sz="1500" kern="1200">
+                <a:solidFill>
+                  <a:schemeClr val="tx2"/>
+                </a:solidFill>
+                <a:latin typeface="+mn-lt"/>
+                <a:ea typeface="+mn-ea"/>
+                <a:cs typeface="+mn-cs"/>
+              </a:defRPr>
+            </a:lvl8pPr>
+            <a:lvl9pPr marL="3657600" indent="0" algn="ctr" rtl="0" eaLnBrk="1" latinLnBrk="1" hangingPunct="1">
+              <a:spcBef>
+                <a:spcPts val="300"/>
+              </a:spcBef>
+              <a:buClr>
+                <a:schemeClr val="accent1">
+                  <a:lumMod val="50000"/>
+                </a:schemeClr>
+              </a:buClr>
+              <a:buFont typeface="Wingdings 2" panose="05020102010507070707" pitchFamily="18" charset="2"/>
+              <a:buNone/>
+              <a:defRPr kumimoji="0" sz="1400" kern="1200" baseline="0">
+                <a:solidFill>
+                  <a:schemeClr val="tx2"/>
+                </a:solidFill>
+                <a:latin typeface="+mn-lt"/>
+                <a:ea typeface="+mn-ea"/>
+                <a:cs typeface="+mn-cs"/>
+              </a:defRPr>
+            </a:lvl9pPr>
+          </a:lstStyle>
+          <a:p>
+            <a:pPr algn="r"/>
+            <a:r>
+              <a:rPr lang="en-US" altLang="ko-KR" sz="1200" dirty="0" smtClean="0"/>
+              <a:t>2020.01</a:t>
+            </a:r>
+          </a:p>
+          <a:p>
+            <a:pPr algn="r"/>
+            <a:r>
+              <a:rPr lang="en-US" altLang="ko-KR" sz="1200" dirty="0" smtClean="0"/>
+              <a:t>V 0.01</a:t>
+            </a:r>
+            <a:endParaRPr lang="ko-KR" altLang="en-US" sz="1200" dirty="0"/>
+          </a:p>
+        </p:txBody>
+      </p:sp>
     </p:spTree>
     <p:extLst>
       <p:ext uri="{BB962C8B-B14F-4D97-AF65-F5344CB8AC3E}">
@@ -9056,15 +9448,19 @@
             </a:r>
             <a:r>
               <a:rPr lang="ko-KR" altLang="en-US" sz="2000" dirty="0" smtClean="0"/>
-              <a:t>연계</a:t>
+              <a:t>판정</a:t>
             </a:r>
             <a:r>
               <a:rPr lang="en-US" altLang="ko-KR" sz="2000" dirty="0" smtClean="0"/>
-              <a:t> </a:t>
-            </a:r>
-            <a:r>
-              <a:rPr lang="ko-KR" altLang="en-US" sz="2000" dirty="0" smtClean="0"/>
-              <a:t>전투</a:t>
+              <a:t>(</a:t>
+            </a:r>
+            <a:r>
+              <a:rPr lang="ko-KR" altLang="en-US" sz="2000" dirty="0" err="1" smtClean="0"/>
+              <a:t>작성중</a:t>
+            </a:r>
+            <a:r>
+              <a:rPr lang="en-US" altLang="ko-KR" sz="2000" dirty="0" smtClean="0"/>
+              <a:t>)</a:t>
             </a:r>
             <a:endParaRPr lang="ko-KR" altLang="en-US" sz="2000" dirty="0"/>
           </a:p>
@@ -9110,42 +9506,60 @@
           <a:p>
             <a:r>
               <a:rPr lang="ko-KR" altLang="en-US" sz="1400" dirty="0" smtClean="0"/>
-              <a:t>일반공격에서 </a:t>
-            </a:r>
-            <a:r>
-              <a:rPr lang="ko-KR" altLang="en-US" sz="1400" dirty="0" err="1"/>
-              <a:t>공격키</a:t>
-            </a:r>
-            <a:r>
-              <a:rPr lang="ko-KR" altLang="en-US" sz="1400" dirty="0"/>
-              <a:t> </a:t>
-            </a:r>
-            <a:r>
-              <a:rPr lang="ko-KR" altLang="en-US" sz="1400" dirty="0" err="1"/>
-              <a:t>연속입력시</a:t>
-            </a:r>
-            <a:r>
-              <a:rPr lang="ko-KR" altLang="en-US" sz="1400" dirty="0"/>
-              <a:t> 발생되는 전투행동</a:t>
+              <a:t>기능</a:t>
             </a:r>
             <a:endParaRPr lang="en-US" altLang="ko-KR" sz="1400" dirty="0"/>
           </a:p>
           <a:p>
-            <a:pPr marL="285750" indent="-285750">
-              <a:buFontTx/>
-              <a:buChar char="-"/>
-            </a:pPr>
-            <a:endParaRPr lang="en-US" altLang="ko-KR" sz="1400" dirty="0"/>
-          </a:p>
-          <a:p>
             <a:endParaRPr lang="en-US" altLang="ko-KR" sz="1400" dirty="0" smtClean="0"/>
+          </a:p>
+        </p:txBody>
+      </p:sp>
+      <p:sp>
+        <p:nvSpPr>
+          <p:cNvPr id="9" name="직사각형 8"/>
+          <p:cNvSpPr/>
+          <p:nvPr/>
+        </p:nvSpPr>
+        <p:spPr>
+          <a:xfrm>
+            <a:off x="6096000" y="3429000"/>
+            <a:ext cx="5400675" cy="3124200"/>
+          </a:xfrm>
+          <a:prstGeom prst="rect">
+            <a:avLst/>
+          </a:prstGeom>
+          <a:noFill/>
+        </p:spPr>
+        <p:style>
+          <a:lnRef idx="2">
+            <a:schemeClr val="accent1">
+              <a:shade val="50000"/>
+            </a:schemeClr>
+          </a:lnRef>
+          <a:fillRef idx="1">
+            <a:schemeClr val="accent1"/>
+          </a:fillRef>
+          <a:effectRef idx="0">
+            <a:schemeClr val="accent1"/>
+          </a:effectRef>
+          <a:fontRef idx="minor">
+            <a:schemeClr val="lt1"/>
+          </a:fontRef>
+        </p:style>
+        <p:txBody>
+          <a:bodyPr rtlCol="0" anchor="ctr"/>
+          <a:lstStyle/>
+          <a:p>
+            <a:pPr algn="ctr"/>
+            <a:endParaRPr lang="ko-KR" altLang="en-US"/>
           </a:p>
         </p:txBody>
       </p:sp>
     </p:spTree>
     <p:extLst>
       <p:ext uri="{BB962C8B-B14F-4D97-AF65-F5344CB8AC3E}">
-        <p14:creationId xmlns:p14="http://schemas.microsoft.com/office/powerpoint/2010/main" val="1069075235"/>
+        <p14:creationId xmlns:p14="http://schemas.microsoft.com/office/powerpoint/2010/main" val="3958493238"/>
       </p:ext>
     </p:extLst>
   </p:cSld>
@@ -9220,7 +9634,15 @@
             </a:r>
             <a:r>
               <a:rPr lang="ko-KR" altLang="en-US" sz="2000" dirty="0" smtClean="0"/>
-              <a:t>스킬 전투</a:t>
+              <a:t>일반</a:t>
+            </a:r>
+            <a:r>
+              <a:rPr lang="en-US" altLang="ko-KR" sz="2000" dirty="0"/>
+              <a:t> </a:t>
+            </a:r>
+            <a:r>
+              <a:rPr lang="ko-KR" altLang="en-US" sz="2000" dirty="0" smtClean="0"/>
+              <a:t>공격</a:t>
             </a:r>
             <a:endParaRPr lang="ko-KR" altLang="en-US" sz="2000" dirty="0"/>
           </a:p>
@@ -9228,7 +9650,7 @@
       </p:sp>
       <p:sp>
         <p:nvSpPr>
-          <p:cNvPr id="5" name="제목 1"/>
+          <p:cNvPr id="4" name="제목 1"/>
           <p:cNvSpPr txBox="1">
             <a:spLocks/>
           </p:cNvSpPr>
@@ -9236,8 +9658,8 @@
         </p:nvSpPr>
         <p:spPr>
           <a:xfrm>
-            <a:off x="720000" y="1440000"/>
-            <a:ext cx="5400675" cy="2275185"/>
+            <a:off x="720000" y="1440001"/>
+            <a:ext cx="5400675" cy="704110"/>
           </a:xfrm>
           <a:prstGeom prst="rect">
             <a:avLst/>
@@ -9265,38 +9687,795 @@
           </a:lstStyle>
           <a:p>
             <a:r>
+              <a:rPr lang="ko-KR" altLang="en-US" sz="1400" dirty="0" smtClean="0"/>
+              <a:t>일반 </a:t>
+            </a:r>
+            <a:r>
+              <a:rPr lang="ko-KR" altLang="en-US" sz="1400" dirty="0" err="1"/>
+              <a:t>공격키</a:t>
+            </a:r>
+            <a:r>
               <a:rPr lang="ko-KR" altLang="en-US" sz="1400" dirty="0"/>
-              <a:t>활성화 조건이 충족된 상태에서 </a:t>
-            </a:r>
-            <a:r>
-              <a:rPr lang="ko-KR" altLang="en-US" sz="1400" dirty="0" err="1"/>
-              <a:t>특수공격키를</a:t>
-            </a:r>
-            <a:r>
-              <a:rPr lang="ko-KR" altLang="en-US" sz="1400" dirty="0"/>
-              <a:t> 눌러 발생되는 전투행동</a:t>
-            </a:r>
+              <a:t> 입력으로 발생되는 </a:t>
+            </a:r>
+            <a:r>
+              <a:rPr lang="ko-KR" altLang="en-US" sz="1400" dirty="0" smtClean="0"/>
+              <a:t>전투 행동</a:t>
+            </a:r>
+            <a:r>
+              <a:rPr lang="en-US" altLang="ko-KR" sz="1400" dirty="0" smtClean="0"/>
+              <a:t>.</a:t>
+            </a:r>
+          </a:p>
+          <a:p>
+            <a:endParaRPr lang="en-US" altLang="ko-KR" sz="1400" dirty="0" smtClean="0"/>
+          </a:p>
+          <a:p>
+            <a:r>
+              <a:rPr lang="ko-KR" altLang="ko-KR" sz="1400" dirty="0" smtClean="0"/>
+              <a:t>사거리</a:t>
+            </a:r>
+            <a:r>
+              <a:rPr lang="en-US" altLang="ko-KR" sz="1400" dirty="0"/>
+              <a:t>, </a:t>
+            </a:r>
+            <a:r>
+              <a:rPr lang="ko-KR" altLang="ko-KR" sz="1400" dirty="0"/>
+              <a:t>범위는 캐릭터 정면을 </a:t>
+            </a:r>
+            <a:r>
+              <a:rPr lang="en-US" altLang="ko-KR" sz="1400" dirty="0"/>
+              <a:t>5</a:t>
+            </a:r>
+            <a:r>
+              <a:rPr lang="ko-KR" altLang="ko-KR" sz="1400" dirty="0"/>
+              <a:t>단계로 구분하여 </a:t>
+            </a:r>
+            <a:r>
+              <a:rPr lang="ko-KR" altLang="ko-KR" sz="1400" dirty="0" smtClean="0"/>
+              <a:t>분류</a:t>
+            </a:r>
+            <a:r>
+              <a:rPr lang="en-US" altLang="ko-KR" sz="1400" dirty="0" smtClean="0"/>
+              <a:t>.</a:t>
+            </a:r>
+          </a:p>
+          <a:p>
+            <a:pPr marL="285750" indent="-285750">
+              <a:buFontTx/>
+              <a:buChar char="-"/>
+            </a:pPr>
+            <a:endParaRPr lang="en-US" altLang="ko-KR" sz="1400" dirty="0" smtClean="0"/>
+          </a:p>
+          <a:p>
             <a:endParaRPr lang="en-US" altLang="ko-KR" sz="1400" dirty="0"/>
+          </a:p>
+          <a:p>
+            <a:endParaRPr lang="en-US" altLang="ko-KR" sz="1400" dirty="0" smtClean="0"/>
           </a:p>
         </p:txBody>
       </p:sp>
+      <p:sp>
+        <p:nvSpPr>
+          <p:cNvPr id="7" name="제목 1"/>
+          <p:cNvSpPr txBox="1">
+            <a:spLocks/>
+          </p:cNvSpPr>
+          <p:nvPr/>
+        </p:nvSpPr>
+        <p:spPr>
+          <a:xfrm>
+            <a:off x="720000" y="4513968"/>
+            <a:ext cx="5400675" cy="1035186"/>
+          </a:xfrm>
+          <a:prstGeom prst="rect">
+            <a:avLst/>
+          </a:prstGeom>
+        </p:spPr>
+        <p:txBody>
+          <a:bodyPr vert="horz" rtlCol="0" anchor="t">
+            <a:noAutofit/>
+          </a:bodyPr>
+          <a:lstStyle>
+            <a:lvl1pPr algn="l" rtl="0" eaLnBrk="1" latinLnBrk="1" hangingPunct="1">
+              <a:spcBef>
+                <a:spcPct val="0"/>
+              </a:spcBef>
+              <a:buNone/>
+              <a:defRPr kumimoji="0" sz="4000" kern="1200">
+                <a:solidFill>
+                  <a:schemeClr val="tx2"/>
+                </a:solidFill>
+                <a:latin typeface="맑은 고딕" panose="020B0503020000020004" pitchFamily="50" charset="-127"/>
+                <a:ea typeface="+mj-ea"/>
+                <a:cs typeface="+mj-cs"/>
+              </a:defRPr>
+            </a:lvl1pPr>
+          </a:lstStyle>
+          <a:p>
+            <a:r>
+              <a:rPr lang="ko-KR" altLang="ko-KR" sz="1400" dirty="0" smtClean="0"/>
+              <a:t>활을 </a:t>
+            </a:r>
+            <a:r>
+              <a:rPr lang="ko-KR" altLang="ko-KR" sz="1400" dirty="0"/>
+              <a:t>이용한 </a:t>
+            </a:r>
+            <a:r>
+              <a:rPr lang="ko-KR" altLang="ko-KR" sz="1400" dirty="0" err="1"/>
+              <a:t>공격시</a:t>
+            </a:r>
+            <a:r>
+              <a:rPr lang="ko-KR" altLang="ko-KR" sz="1400" dirty="0"/>
+              <a:t> 사거리 안에 들어오는 경우에만 피해를 입는다</a:t>
+            </a:r>
+            <a:r>
+              <a:rPr lang="en-US" altLang="ko-KR" sz="1400" dirty="0"/>
+              <a:t>. </a:t>
+            </a:r>
+            <a:r>
+              <a:rPr lang="ko-KR" altLang="ko-KR" sz="1400" dirty="0"/>
+              <a:t>사거리 바깥으로 나가 있으면 피해 </a:t>
+            </a:r>
+            <a:r>
+              <a:rPr lang="ko-KR" altLang="ko-KR" sz="1400" dirty="0" smtClean="0"/>
+              <a:t>없</a:t>
+            </a:r>
+            <a:r>
+              <a:rPr lang="ko-KR" altLang="en-US" sz="1400" dirty="0" smtClean="0"/>
+              <a:t>음</a:t>
+            </a:r>
+            <a:r>
+              <a:rPr lang="en-US" altLang="ko-KR" sz="1400" dirty="0" smtClean="0"/>
+              <a:t>.</a:t>
+            </a:r>
+          </a:p>
+        </p:txBody>
+      </p:sp>
+      <p:grpSp>
+        <p:nvGrpSpPr>
+          <p:cNvPr id="8" name="그룹 7"/>
+          <p:cNvGrpSpPr/>
+          <p:nvPr/>
+        </p:nvGrpSpPr>
+        <p:grpSpPr>
+          <a:xfrm>
+            <a:off x="6503205" y="4259355"/>
+            <a:ext cx="5024519" cy="2167363"/>
+            <a:chOff x="6159270" y="1094389"/>
+            <a:chExt cx="5337406" cy="2302329"/>
+          </a:xfrm>
+        </p:grpSpPr>
+        <p:pic>
+          <p:nvPicPr>
+            <p:cNvPr id="9" name="그림 8"/>
+            <p:cNvPicPr/>
+            <p:nvPr/>
+          </p:nvPicPr>
+          <p:blipFill>
+            <a:blip r:embed="rId3">
+              <a:extLst>
+                <a:ext uri="{28A0092B-C50C-407E-A947-70E740481C1C}">
+                  <a14:useLocalDpi xmlns:a14="http://schemas.microsoft.com/office/drawing/2010/main" val="0"/>
+                </a:ext>
+              </a:extLst>
+            </a:blip>
+            <a:stretch>
+              <a:fillRect/>
+            </a:stretch>
+          </p:blipFill>
+          <p:spPr>
+            <a:xfrm>
+              <a:off x="6159270" y="1094389"/>
+              <a:ext cx="5337406" cy="2302329"/>
+            </a:xfrm>
+            <a:prstGeom prst="rect">
+              <a:avLst/>
+            </a:prstGeom>
+          </p:spPr>
+        </p:pic>
+        <p:cxnSp>
+          <p:nvCxnSpPr>
+            <p:cNvPr id="10" name="직선 화살표 연결선 9"/>
+            <p:cNvCxnSpPr/>
+            <p:nvPr/>
+          </p:nvCxnSpPr>
+          <p:spPr>
+            <a:xfrm>
+              <a:off x="7719935" y="2263515"/>
+              <a:ext cx="1918741" cy="0"/>
+            </a:xfrm>
+            <a:prstGeom prst="straightConnector1">
+              <a:avLst/>
+            </a:prstGeom>
+            <a:ln>
+              <a:solidFill>
+                <a:schemeClr val="tx1">
+                  <a:lumMod val="75000"/>
+                  <a:lumOff val="25000"/>
+                </a:schemeClr>
+              </a:solidFill>
+              <a:headEnd type="triangle"/>
+              <a:tailEnd type="triangle"/>
+            </a:ln>
+          </p:spPr>
+          <p:style>
+            <a:lnRef idx="1">
+              <a:schemeClr val="accent1"/>
+            </a:lnRef>
+            <a:fillRef idx="0">
+              <a:schemeClr val="accent1"/>
+            </a:fillRef>
+            <a:effectRef idx="0">
+              <a:schemeClr val="accent1"/>
+            </a:effectRef>
+            <a:fontRef idx="minor">
+              <a:schemeClr val="tx1"/>
+            </a:fontRef>
+          </p:style>
+        </p:cxnSp>
+      </p:grpSp>
+      <p:sp>
+        <p:nvSpPr>
+          <p:cNvPr id="11" name="제목 1"/>
+          <p:cNvSpPr txBox="1">
+            <a:spLocks/>
+          </p:cNvSpPr>
+          <p:nvPr/>
+        </p:nvSpPr>
+        <p:spPr>
+          <a:xfrm>
+            <a:off x="720000" y="3639726"/>
+            <a:ext cx="5400675" cy="1035186"/>
+          </a:xfrm>
+          <a:prstGeom prst="rect">
+            <a:avLst/>
+          </a:prstGeom>
+        </p:spPr>
+        <p:txBody>
+          <a:bodyPr vert="horz" rtlCol="0" anchor="t">
+            <a:noAutofit/>
+          </a:bodyPr>
+          <a:lstStyle>
+            <a:lvl1pPr algn="l" rtl="0" eaLnBrk="1" latinLnBrk="1" hangingPunct="1">
+              <a:spcBef>
+                <a:spcPct val="0"/>
+              </a:spcBef>
+              <a:buNone/>
+              <a:defRPr kumimoji="0" sz="4000" kern="1200">
+                <a:solidFill>
+                  <a:schemeClr val="tx2"/>
+                </a:solidFill>
+                <a:latin typeface="맑은 고딕" panose="020B0503020000020004" pitchFamily="50" charset="-127"/>
+                <a:ea typeface="+mj-ea"/>
+                <a:cs typeface="+mj-cs"/>
+              </a:defRPr>
+            </a:lvl1pPr>
+          </a:lstStyle>
+          <a:p>
+            <a:r>
+              <a:rPr lang="ko-KR" altLang="en-US" sz="1400" dirty="0" err="1" smtClean="0"/>
+              <a:t>몬스터가</a:t>
+            </a:r>
+            <a:r>
+              <a:rPr lang="ko-KR" altLang="en-US" sz="1400" dirty="0" smtClean="0"/>
+              <a:t> </a:t>
+            </a:r>
+            <a:r>
+              <a:rPr lang="ko-KR" altLang="en-US" sz="1400" dirty="0"/>
+              <a:t>스테이지에 들어오면 캐릭터에 접근</a:t>
+            </a:r>
+            <a:r>
+              <a:rPr lang="en-US" altLang="ko-KR" sz="1400" dirty="0" smtClean="0"/>
+              <a:t>.</a:t>
+            </a:r>
+            <a:endParaRPr lang="en-US" altLang="ko-KR" sz="1400" dirty="0"/>
+          </a:p>
+          <a:p>
+            <a:r>
+              <a:rPr lang="ko-KR" altLang="en-US" sz="1400" dirty="0" err="1"/>
+              <a:t>몬스터의</a:t>
+            </a:r>
+            <a:r>
+              <a:rPr lang="ko-KR" altLang="en-US" sz="1400" dirty="0"/>
+              <a:t> 범위 </a:t>
+            </a:r>
+            <a:r>
+              <a:rPr lang="en-US" altLang="ko-KR" sz="1400" dirty="0"/>
+              <a:t>3</a:t>
+            </a:r>
+            <a:r>
+              <a:rPr lang="ko-KR" altLang="en-US" sz="1400" dirty="0"/>
+              <a:t>이하</a:t>
+            </a:r>
+            <a:r>
+              <a:rPr lang="en-US" altLang="ko-KR" sz="1400" dirty="0"/>
+              <a:t>(</a:t>
+            </a:r>
+            <a:r>
+              <a:rPr lang="ko-KR" altLang="en-US" sz="1400" dirty="0"/>
+              <a:t>원거리 </a:t>
+            </a:r>
+            <a:r>
+              <a:rPr lang="en-US" altLang="ko-KR" sz="1400" dirty="0"/>
+              <a:t>5</a:t>
+            </a:r>
+            <a:r>
+              <a:rPr lang="ko-KR" altLang="en-US" sz="1400" dirty="0"/>
+              <a:t>이하</a:t>
+            </a:r>
+            <a:r>
+              <a:rPr lang="en-US" altLang="ko-KR" sz="1400" dirty="0"/>
+              <a:t>)</a:t>
+            </a:r>
+            <a:r>
+              <a:rPr lang="ko-KR" altLang="en-US" sz="1400" dirty="0"/>
+              <a:t>에 캐릭터가 들어오면 공격시작</a:t>
+            </a:r>
+            <a:r>
+              <a:rPr lang="en-US" altLang="ko-KR" sz="1400" dirty="0"/>
+              <a:t>.</a:t>
+            </a:r>
+          </a:p>
+        </p:txBody>
+      </p:sp>
+      <p:graphicFrame>
+        <p:nvGraphicFramePr>
+          <p:cNvPr id="3" name="표 2"/>
+          <p:cNvGraphicFramePr>
+            <a:graphicFrameLocks noGrp="1"/>
+          </p:cNvGraphicFramePr>
+          <p:nvPr>
+            <p:extLst>
+              <p:ext uri="{D42A27DB-BD31-4B8C-83A1-F6EECF244321}">
+                <p14:modId xmlns:p14="http://schemas.microsoft.com/office/powerpoint/2010/main" val="1430958796"/>
+              </p:ext>
+            </p:extLst>
+          </p:nvPr>
+        </p:nvGraphicFramePr>
+        <p:xfrm>
+          <a:off x="720001" y="2302758"/>
+          <a:ext cx="5372274" cy="1152000"/>
+        </p:xfrm>
+        <a:graphic>
+          <a:graphicData uri="http://schemas.openxmlformats.org/drawingml/2006/table">
+            <a:tbl>
+              <a:tblPr firstRow="1" bandRow="1">
+                <a:tableStyleId>{69CF1AB2-1976-4502-BF36-3FF5EA218861}</a:tableStyleId>
+              </a:tblPr>
+              <a:tblGrid>
+                <a:gridCol w="1029971"/>
+                <a:gridCol w="1403131"/>
+                <a:gridCol w="2939172"/>
+              </a:tblGrid>
+              <a:tr h="288000">
+                <a:tc>
+                  <a:txBody>
+                    <a:bodyPr/>
+                    <a:lstStyle/>
+                    <a:p>
+                      <a:pPr algn="ctr" latinLnBrk="1"/>
+                      <a:r>
+                        <a:rPr lang="ko-KR" altLang="en-US" sz="1200" dirty="0" smtClean="0"/>
+                        <a:t>사거리 단계</a:t>
+                      </a:r>
+                      <a:endParaRPr lang="ko-KR" altLang="en-US" sz="1200" b="0" dirty="0">
+                        <a:solidFill>
+                          <a:schemeClr val="accent1">
+                            <a:lumMod val="50000"/>
+                          </a:schemeClr>
+                        </a:solidFill>
+                      </a:endParaRPr>
+                    </a:p>
+                  </a:txBody>
+                  <a:tcPr anchor="ctr"/>
+                </a:tc>
+                <a:tc>
+                  <a:txBody>
+                    <a:bodyPr/>
+                    <a:lstStyle/>
+                    <a:p>
+                      <a:pPr algn="ctr" latinLnBrk="1"/>
+                      <a:r>
+                        <a:rPr lang="ko-KR" altLang="en-US" sz="1200" dirty="0" smtClean="0"/>
+                        <a:t>구분</a:t>
+                      </a:r>
+                      <a:endParaRPr lang="ko-KR" altLang="en-US" sz="1200" b="0" dirty="0">
+                        <a:solidFill>
+                          <a:schemeClr val="accent1">
+                            <a:lumMod val="50000"/>
+                          </a:schemeClr>
+                        </a:solidFill>
+                      </a:endParaRPr>
+                    </a:p>
+                  </a:txBody>
+                  <a:tcPr anchor="ctr"/>
+                </a:tc>
+                <a:tc>
+                  <a:txBody>
+                    <a:bodyPr/>
+                    <a:lstStyle/>
+                    <a:p>
+                      <a:pPr algn="ctr" latinLnBrk="1"/>
+                      <a:r>
+                        <a:rPr lang="ko-KR" altLang="en-US" sz="1200" dirty="0" smtClean="0"/>
+                        <a:t>무기</a:t>
+                      </a:r>
+                      <a:endParaRPr lang="ko-KR" altLang="en-US" sz="1200" b="0" dirty="0">
+                        <a:solidFill>
+                          <a:schemeClr val="accent1">
+                            <a:lumMod val="50000"/>
+                          </a:schemeClr>
+                        </a:solidFill>
+                      </a:endParaRPr>
+                    </a:p>
+                  </a:txBody>
+                  <a:tcPr anchor="ctr"/>
+                </a:tc>
+              </a:tr>
+              <a:tr h="288000">
+                <a:tc>
+                  <a:txBody>
+                    <a:bodyPr/>
+                    <a:lstStyle/>
+                    <a:p>
+                      <a:pPr latinLnBrk="1"/>
+                      <a:r>
+                        <a:rPr lang="en-US" altLang="ko-KR" sz="1200" dirty="0" smtClean="0"/>
+                        <a:t>1,</a:t>
+                      </a:r>
+                      <a:r>
+                        <a:rPr lang="en-US" altLang="ko-KR" sz="1200" baseline="0" dirty="0" smtClean="0"/>
+                        <a:t> </a:t>
+                      </a:r>
+                      <a:r>
+                        <a:rPr lang="en-US" altLang="ko-KR" sz="1200" dirty="0" smtClean="0"/>
+                        <a:t>2</a:t>
+                      </a:r>
+                      <a:endParaRPr lang="ko-KR" altLang="en-US" sz="1200" b="0" dirty="0">
+                        <a:solidFill>
+                          <a:schemeClr val="accent1">
+                            <a:lumMod val="50000"/>
+                          </a:schemeClr>
+                        </a:solidFill>
+                      </a:endParaRPr>
+                    </a:p>
+                  </a:txBody>
+                  <a:tcPr anchor="ctr"/>
+                </a:tc>
+                <a:tc>
+                  <a:txBody>
+                    <a:bodyPr/>
+                    <a:lstStyle/>
+                    <a:p>
+                      <a:pPr latinLnBrk="1"/>
+                      <a:r>
+                        <a:rPr lang="ko-KR" altLang="en-US" sz="1200" dirty="0" smtClean="0"/>
+                        <a:t>근거리공격</a:t>
+                      </a:r>
+                      <a:endParaRPr lang="ko-KR" altLang="en-US" sz="1200" b="0" dirty="0">
+                        <a:solidFill>
+                          <a:schemeClr val="accent1">
+                            <a:lumMod val="50000"/>
+                          </a:schemeClr>
+                        </a:solidFill>
+                      </a:endParaRPr>
+                    </a:p>
+                  </a:txBody>
+                  <a:tcPr anchor="ctr"/>
+                </a:tc>
+                <a:tc>
+                  <a:txBody>
+                    <a:bodyPr/>
+                    <a:lstStyle/>
+                    <a:p>
+                      <a:pPr latinLnBrk="1"/>
+                      <a:r>
+                        <a:rPr lang="ko-KR" altLang="en-US" sz="1200" dirty="0" smtClean="0"/>
+                        <a:t>몽둥이</a:t>
+                      </a:r>
+                      <a:r>
+                        <a:rPr lang="en-US" altLang="ko-KR" sz="1200" dirty="0" smtClean="0"/>
+                        <a:t>,</a:t>
+                      </a:r>
+                      <a:r>
+                        <a:rPr lang="en-US" altLang="ko-KR" sz="1200" baseline="0" dirty="0" smtClean="0"/>
+                        <a:t> </a:t>
+                      </a:r>
+                      <a:r>
+                        <a:rPr lang="ko-KR" altLang="en-US" sz="1200" dirty="0" smtClean="0"/>
+                        <a:t>검</a:t>
+                      </a:r>
+                      <a:endParaRPr lang="ko-KR" altLang="en-US" sz="1200" b="0" dirty="0">
+                        <a:solidFill>
+                          <a:schemeClr val="accent1">
+                            <a:lumMod val="50000"/>
+                          </a:schemeClr>
+                        </a:solidFill>
+                      </a:endParaRPr>
+                    </a:p>
+                  </a:txBody>
+                  <a:tcPr anchor="ctr"/>
+                </a:tc>
+              </a:tr>
+              <a:tr h="288000">
+                <a:tc>
+                  <a:txBody>
+                    <a:bodyPr/>
+                    <a:lstStyle/>
+                    <a:p>
+                      <a:pPr latinLnBrk="1"/>
+                      <a:r>
+                        <a:rPr lang="en-US" altLang="ko-KR" sz="1200" dirty="0" smtClean="0"/>
+                        <a:t>3</a:t>
+                      </a:r>
+                      <a:endParaRPr lang="ko-KR" altLang="en-US" sz="1200" b="0" dirty="0">
+                        <a:solidFill>
+                          <a:schemeClr val="accent1">
+                            <a:lumMod val="50000"/>
+                          </a:schemeClr>
+                        </a:solidFill>
+                      </a:endParaRPr>
+                    </a:p>
+                  </a:txBody>
+                  <a:tcPr anchor="ctr"/>
+                </a:tc>
+                <a:tc>
+                  <a:txBody>
+                    <a:bodyPr/>
+                    <a:lstStyle/>
+                    <a:p>
+                      <a:pPr latinLnBrk="1"/>
+                      <a:r>
+                        <a:rPr lang="ko-KR" altLang="en-US" sz="1200" dirty="0" smtClean="0"/>
+                        <a:t>중거리공격</a:t>
+                      </a:r>
+                      <a:endParaRPr lang="ko-KR" altLang="en-US" sz="1200" b="0" dirty="0">
+                        <a:solidFill>
+                          <a:schemeClr val="accent1">
+                            <a:lumMod val="50000"/>
+                          </a:schemeClr>
+                        </a:solidFill>
+                      </a:endParaRPr>
+                    </a:p>
+                  </a:txBody>
+                  <a:tcPr anchor="ctr"/>
+                </a:tc>
+                <a:tc>
+                  <a:txBody>
+                    <a:bodyPr/>
+                    <a:lstStyle/>
+                    <a:p>
+                      <a:pPr latinLnBrk="1"/>
+                      <a:r>
+                        <a:rPr lang="ko-KR" altLang="en-US" sz="1200" dirty="0" smtClean="0"/>
+                        <a:t>창</a:t>
+                      </a:r>
+                      <a:endParaRPr lang="ko-KR" altLang="en-US" sz="1200" b="0" dirty="0">
+                        <a:solidFill>
+                          <a:schemeClr val="accent1">
+                            <a:lumMod val="50000"/>
+                          </a:schemeClr>
+                        </a:solidFill>
+                      </a:endParaRPr>
+                    </a:p>
+                  </a:txBody>
+                  <a:tcPr anchor="ctr"/>
+                </a:tc>
+              </a:tr>
+              <a:tr h="288000">
+                <a:tc>
+                  <a:txBody>
+                    <a:bodyPr/>
+                    <a:lstStyle/>
+                    <a:p>
+                      <a:pPr latinLnBrk="1"/>
+                      <a:r>
+                        <a:rPr lang="en-US" altLang="ko-KR" sz="1200" dirty="0" smtClean="0"/>
+                        <a:t>4,</a:t>
+                      </a:r>
+                      <a:r>
+                        <a:rPr lang="en-US" altLang="ko-KR" sz="1200" baseline="0" dirty="0" smtClean="0"/>
+                        <a:t> </a:t>
+                      </a:r>
+                      <a:r>
+                        <a:rPr lang="en-US" altLang="ko-KR" sz="1200" dirty="0" smtClean="0"/>
+                        <a:t>5</a:t>
+                      </a:r>
+                      <a:endParaRPr lang="ko-KR" altLang="en-US" sz="1200" b="0" dirty="0">
+                        <a:solidFill>
+                          <a:schemeClr val="accent1">
+                            <a:lumMod val="50000"/>
+                          </a:schemeClr>
+                        </a:solidFill>
+                      </a:endParaRPr>
+                    </a:p>
+                  </a:txBody>
+                  <a:tcPr anchor="ctr"/>
+                </a:tc>
+                <a:tc>
+                  <a:txBody>
+                    <a:bodyPr/>
+                    <a:lstStyle/>
+                    <a:p>
+                      <a:pPr latinLnBrk="1"/>
+                      <a:r>
+                        <a:rPr lang="ko-KR" altLang="en-US" sz="1200" dirty="0" smtClean="0"/>
+                        <a:t>원거리공격</a:t>
+                      </a:r>
+                      <a:endParaRPr lang="ko-KR" altLang="en-US" sz="1200" b="0" dirty="0">
+                        <a:solidFill>
+                          <a:schemeClr val="accent1">
+                            <a:lumMod val="50000"/>
+                          </a:schemeClr>
+                        </a:solidFill>
+                      </a:endParaRPr>
+                    </a:p>
+                  </a:txBody>
+                  <a:tcPr anchor="ctr"/>
+                </a:tc>
+                <a:tc>
+                  <a:txBody>
+                    <a:bodyPr/>
+                    <a:lstStyle/>
+                    <a:p>
+                      <a:pPr latinLnBrk="1"/>
+                      <a:r>
+                        <a:rPr lang="ko-KR" altLang="en-US" sz="1200" dirty="0" smtClean="0"/>
+                        <a:t>활</a:t>
+                      </a:r>
+                      <a:r>
+                        <a:rPr lang="en-US" altLang="ko-KR" sz="1200" dirty="0" smtClean="0"/>
+                        <a:t>, </a:t>
+                      </a:r>
+                      <a:r>
+                        <a:rPr lang="ko-KR" altLang="en-US" sz="1200" dirty="0" err="1" smtClean="0"/>
+                        <a:t>투척형</a:t>
+                      </a:r>
+                      <a:r>
+                        <a:rPr lang="ko-KR" altLang="en-US" sz="1200" dirty="0" smtClean="0"/>
+                        <a:t> 소모성 무기</a:t>
+                      </a:r>
+                      <a:r>
+                        <a:rPr lang="en-US" altLang="ko-KR" sz="1200" dirty="0" smtClean="0"/>
+                        <a:t>(</a:t>
+                      </a:r>
+                      <a:r>
+                        <a:rPr lang="ko-KR" altLang="en-US" sz="1200" dirty="0" smtClean="0"/>
+                        <a:t>응용전투 참조</a:t>
+                      </a:r>
+                      <a:r>
+                        <a:rPr lang="en-US" altLang="ko-KR" sz="1200" dirty="0" smtClean="0"/>
+                        <a:t>)</a:t>
+                      </a:r>
+                      <a:endParaRPr lang="ko-KR" altLang="en-US" sz="1200" b="0" dirty="0">
+                        <a:solidFill>
+                          <a:schemeClr val="accent1">
+                            <a:lumMod val="50000"/>
+                          </a:schemeClr>
+                        </a:solidFill>
+                      </a:endParaRPr>
+                    </a:p>
+                  </a:txBody>
+                  <a:tcPr anchor="ctr"/>
+                </a:tc>
+              </a:tr>
+            </a:tbl>
+          </a:graphicData>
+        </a:graphic>
+      </p:graphicFrame>
+      <p:grpSp>
+        <p:nvGrpSpPr>
+          <p:cNvPr id="30" name="그룹 29"/>
+          <p:cNvGrpSpPr/>
+          <p:nvPr/>
+        </p:nvGrpSpPr>
+        <p:grpSpPr>
+          <a:xfrm>
+            <a:off x="7241833" y="1064523"/>
+            <a:ext cx="3962525" cy="2686455"/>
+            <a:chOff x="6996171" y="1237777"/>
+            <a:chExt cx="4008939" cy="2717922"/>
+          </a:xfrm>
+        </p:grpSpPr>
+        <p:pic>
+          <p:nvPicPr>
+            <p:cNvPr id="5" name="그림 4"/>
+            <p:cNvPicPr/>
+            <p:nvPr/>
+          </p:nvPicPr>
+          <p:blipFill>
+            <a:blip r:embed="rId4">
+              <a:extLst>
+                <a:ext uri="{28A0092B-C50C-407E-A947-70E740481C1C}">
+                  <a14:useLocalDpi xmlns:a14="http://schemas.microsoft.com/office/drawing/2010/main" val="0"/>
+                </a:ext>
+              </a:extLst>
+            </a:blip>
+            <a:stretch>
+              <a:fillRect/>
+            </a:stretch>
+          </p:blipFill>
+          <p:spPr bwMode="auto">
+            <a:xfrm>
+              <a:off x="6996171" y="1440001"/>
+              <a:ext cx="3979943" cy="2515698"/>
+            </a:xfrm>
+            <a:prstGeom prst="rect">
+              <a:avLst/>
+            </a:prstGeom>
+            <a:noFill/>
+            <a:ln>
+              <a:noFill/>
+            </a:ln>
+          </p:spPr>
+        </p:pic>
+        <p:sp>
+          <p:nvSpPr>
+            <p:cNvPr id="12" name="직사각형 11"/>
+            <p:cNvSpPr/>
+            <p:nvPr/>
+          </p:nvSpPr>
+          <p:spPr>
+            <a:xfrm>
+              <a:off x="7972382" y="1237777"/>
+              <a:ext cx="3032728" cy="1041400"/>
+            </a:xfrm>
+            <a:prstGeom prst="rect">
+              <a:avLst/>
+            </a:prstGeom>
+            <a:solidFill>
+              <a:schemeClr val="bg1"/>
+            </a:solidFill>
+            <a:ln>
+              <a:solidFill>
+                <a:schemeClr val="bg1"/>
+              </a:solidFill>
+            </a:ln>
+          </p:spPr>
+          <p:style>
+            <a:lnRef idx="2">
+              <a:schemeClr val="accent1">
+                <a:shade val="50000"/>
+              </a:schemeClr>
+            </a:lnRef>
+            <a:fillRef idx="1">
+              <a:schemeClr val="accent1"/>
+            </a:fillRef>
+            <a:effectRef idx="0">
+              <a:schemeClr val="accent1"/>
+            </a:effectRef>
+            <a:fontRef idx="minor">
+              <a:schemeClr val="lt1"/>
+            </a:fontRef>
+          </p:style>
+          <p:txBody>
+            <a:bodyPr rtlCol="0" anchor="ctr"/>
+            <a:lstStyle/>
+            <a:p>
+              <a:pPr algn="ctr"/>
+              <a:endParaRPr lang="ko-KR" altLang="en-US"/>
+            </a:p>
+          </p:txBody>
+        </p:sp>
+      </p:grpSp>
     </p:spTree>
     <p:extLst>
       <p:ext uri="{BB962C8B-B14F-4D97-AF65-F5344CB8AC3E}">
-        <p14:creationId xmlns:p14="http://schemas.microsoft.com/office/powerpoint/2010/main" val="1125373735"/>
+        <p14:creationId xmlns:p14="http://schemas.microsoft.com/office/powerpoint/2010/main" val="1655201676"/>
       </p:ext>
     </p:extLst>
   </p:cSld>
   <p:clrMapOvr>
     <a:masterClrMapping/>
   </p:clrMapOvr>
-  <mc:AlternateContent xmlns:mc="http://schemas.openxmlformats.org/markup-compatibility/2006">
-    <mc:Choice xmlns:p14="http://schemas.microsoft.com/office/powerpoint/2010/main" Requires="p14">
+  <mc:AlternateContent xmlns:mc="http://schemas.openxmlformats.org/markup-compatibility/2006" xmlns:p14="http://schemas.microsoft.com/office/powerpoint/2010/main">
+    <mc:Choice Requires="p14">
       <p:transition spd="med" p14:dur="700">
         <p:fade/>
       </p:transition>
     </mc:Choice>
-    <mc:Fallback>
+    <mc:Fallback xmlns="">
       <p:transition spd="med">
         <p:fade/>
       </p:transition>
@@ -9355,6 +10534,322 @@
             <a:r>
               <a:rPr lang="en-US" altLang="ko-KR" sz="2000" dirty="0" smtClean="0"/>
               <a:t>2-5. </a:t>
+            </a:r>
+            <a:r>
+              <a:rPr lang="ko-KR" altLang="en-US" sz="2000" dirty="0" smtClean="0"/>
+              <a:t>연계</a:t>
+            </a:r>
+            <a:r>
+              <a:rPr lang="en-US" altLang="ko-KR" sz="2000" dirty="0" smtClean="0"/>
+              <a:t> </a:t>
+            </a:r>
+            <a:r>
+              <a:rPr lang="ko-KR" altLang="en-US" sz="2000" dirty="0" smtClean="0"/>
+              <a:t>공격</a:t>
+            </a:r>
+            <a:endParaRPr lang="ko-KR" altLang="en-US" sz="2000" dirty="0"/>
+          </a:p>
+        </p:txBody>
+      </p:sp>
+      <p:sp>
+        <p:nvSpPr>
+          <p:cNvPr id="4" name="제목 1"/>
+          <p:cNvSpPr txBox="1">
+            <a:spLocks/>
+          </p:cNvSpPr>
+          <p:nvPr/>
+        </p:nvSpPr>
+        <p:spPr>
+          <a:xfrm>
+            <a:off x="720000" y="1440000"/>
+            <a:ext cx="5400675" cy="2275185"/>
+          </a:xfrm>
+          <a:prstGeom prst="rect">
+            <a:avLst/>
+          </a:prstGeom>
+        </p:spPr>
+        <p:txBody>
+          <a:bodyPr vert="horz" rtlCol="0" anchor="t">
+            <a:noAutofit/>
+          </a:bodyPr>
+          <a:lstStyle>
+            <a:lvl1pPr algn="l" rtl="0" eaLnBrk="1" latinLnBrk="1" hangingPunct="1">
+              <a:spcBef>
+                <a:spcPct val="0"/>
+              </a:spcBef>
+              <a:buNone/>
+              <a:defRPr kumimoji="0" sz="4000" kern="1200">
+                <a:solidFill>
+                  <a:schemeClr val="tx2"/>
+                </a:solidFill>
+                <a:latin typeface="맑은 고딕" panose="020B0503020000020004" pitchFamily="50" charset="-127"/>
+                <a:ea typeface="+mj-ea"/>
+                <a:cs typeface="+mj-cs"/>
+              </a:defRPr>
+            </a:lvl1pPr>
+          </a:lstStyle>
+          <a:p>
+            <a:r>
+              <a:rPr lang="ko-KR" altLang="en-US" sz="1400" dirty="0" smtClean="0"/>
+              <a:t>일반공격에서 </a:t>
+            </a:r>
+            <a:r>
+              <a:rPr lang="ko-KR" altLang="en-US" sz="1400" dirty="0" err="1"/>
+              <a:t>공격키</a:t>
+            </a:r>
+            <a:r>
+              <a:rPr lang="ko-KR" altLang="en-US" sz="1400" dirty="0"/>
+              <a:t> </a:t>
+            </a:r>
+            <a:r>
+              <a:rPr lang="ko-KR" altLang="en-US" sz="1400" dirty="0" err="1"/>
+              <a:t>연속입력시</a:t>
+            </a:r>
+            <a:r>
+              <a:rPr lang="ko-KR" altLang="en-US" sz="1400" dirty="0"/>
+              <a:t> 발생되는 </a:t>
+            </a:r>
+            <a:r>
+              <a:rPr lang="ko-KR" altLang="en-US" sz="1400" dirty="0"/>
+              <a:t>전투 행동</a:t>
+            </a:r>
+            <a:r>
+              <a:rPr lang="en-US" altLang="ko-KR" sz="1400" dirty="0"/>
+              <a:t>.</a:t>
+            </a:r>
+          </a:p>
+          <a:p>
+            <a:endParaRPr lang="en-US" altLang="ko-KR" sz="1400" dirty="0" smtClean="0"/>
+          </a:p>
+        </p:txBody>
+      </p:sp>
+    </p:spTree>
+    <p:extLst>
+      <p:ext uri="{BB962C8B-B14F-4D97-AF65-F5344CB8AC3E}">
+        <p14:creationId xmlns:p14="http://schemas.microsoft.com/office/powerpoint/2010/main" val="1069075235"/>
+      </p:ext>
+    </p:extLst>
+  </p:cSld>
+  <p:clrMapOvr>
+    <a:masterClrMapping/>
+  </p:clrMapOvr>
+  <mc:AlternateContent xmlns:mc="http://schemas.openxmlformats.org/markup-compatibility/2006" xmlns:p14="http://schemas.microsoft.com/office/powerpoint/2010/main">
+    <mc:Choice Requires="p14">
+      <p:transition spd="med" p14:dur="700">
+        <p:fade/>
+      </p:transition>
+    </mc:Choice>
+    <mc:Fallback xmlns="">
+      <p:transition spd="med">
+        <p:fade/>
+      </p:transition>
+    </mc:Fallback>
+  </mc:AlternateContent>
+  <p:timing>
+    <p:tnLst>
+      <p:par>
+        <p:cTn id="1" dur="indefinite" restart="never" nodeType="tmRoot"/>
+      </p:par>
+    </p:tnLst>
+  </p:timing>
+</p:sld>
+</file>
+
+<file path=ppt/slides/slide13.xml><?xml version="1.0" encoding="utf-8"?>
+<p:sld xmlns:a="http://schemas.openxmlformats.org/drawingml/2006/main" xmlns:r="http://schemas.openxmlformats.org/officeDocument/2006/relationships" xmlns:p="http://schemas.openxmlformats.org/presentationml/2006/main">
+  <p:cSld>
+    <p:spTree>
+      <p:nvGrpSpPr>
+        <p:cNvPr id="1" name=""/>
+        <p:cNvGrpSpPr/>
+        <p:nvPr/>
+      </p:nvGrpSpPr>
+      <p:grpSpPr>
+        <a:xfrm>
+          <a:off x="0" y="0"/>
+          <a:ext cx="0" cy="0"/>
+          <a:chOff x="0" y="0"/>
+          <a:chExt cx="0" cy="0"/>
+        </a:xfrm>
+      </p:grpSpPr>
+      <p:sp>
+        <p:nvSpPr>
+          <p:cNvPr id="6" name="제목 1"/>
+          <p:cNvSpPr>
+            <a:spLocks noGrp="1"/>
+          </p:cNvSpPr>
+          <p:nvPr>
+            <p:ph type="title"/>
+          </p:nvPr>
+        </p:nvSpPr>
+        <p:spPr>
+          <a:xfrm>
+            <a:off x="720000" y="468000"/>
+            <a:ext cx="10801350" cy="402465"/>
+          </a:xfrm>
+        </p:spPr>
+        <p:txBody>
+          <a:bodyPr rtlCol="0">
+            <a:normAutofit/>
+          </a:bodyPr>
+          <a:lstStyle/>
+          <a:p>
+            <a:pPr rtl="0"/>
+            <a:r>
+              <a:rPr lang="en-US" altLang="ko-KR" sz="2000" dirty="0" smtClean="0"/>
+              <a:t>2-6. </a:t>
+            </a:r>
+            <a:r>
+              <a:rPr lang="ko-KR" altLang="en-US" sz="2000" dirty="0" smtClean="0"/>
+              <a:t>스킬 </a:t>
+            </a:r>
+            <a:r>
+              <a:rPr lang="ko-KR" altLang="en-US" sz="2000" dirty="0" smtClean="0"/>
+              <a:t>공격</a:t>
+            </a:r>
+            <a:endParaRPr lang="ko-KR" altLang="en-US" sz="2000" dirty="0"/>
+          </a:p>
+        </p:txBody>
+      </p:sp>
+      <p:sp>
+        <p:nvSpPr>
+          <p:cNvPr id="5" name="제목 1"/>
+          <p:cNvSpPr txBox="1">
+            <a:spLocks/>
+          </p:cNvSpPr>
+          <p:nvPr/>
+        </p:nvSpPr>
+        <p:spPr>
+          <a:xfrm>
+            <a:off x="720000" y="1440000"/>
+            <a:ext cx="5400675" cy="2275185"/>
+          </a:xfrm>
+          <a:prstGeom prst="rect">
+            <a:avLst/>
+          </a:prstGeom>
+        </p:spPr>
+        <p:txBody>
+          <a:bodyPr vert="horz" rtlCol="0" anchor="t">
+            <a:noAutofit/>
+          </a:bodyPr>
+          <a:lstStyle>
+            <a:lvl1pPr algn="l" rtl="0" eaLnBrk="1" latinLnBrk="1" hangingPunct="1">
+              <a:spcBef>
+                <a:spcPct val="0"/>
+              </a:spcBef>
+              <a:buNone/>
+              <a:defRPr kumimoji="0" sz="4000" kern="1200">
+                <a:solidFill>
+                  <a:schemeClr val="tx2"/>
+                </a:solidFill>
+                <a:latin typeface="맑은 고딕" panose="020B0503020000020004" pitchFamily="50" charset="-127"/>
+                <a:ea typeface="+mj-ea"/>
+                <a:cs typeface="+mj-cs"/>
+              </a:defRPr>
+            </a:lvl1pPr>
+          </a:lstStyle>
+          <a:p>
+            <a:r>
+              <a:rPr lang="ko-KR" altLang="en-US" sz="1400" dirty="0"/>
+              <a:t>활성화 조건이 충족된 상태에서 </a:t>
+            </a:r>
+            <a:r>
+              <a:rPr lang="ko-KR" altLang="en-US" sz="1400" dirty="0" err="1"/>
+              <a:t>특수공격키를</a:t>
+            </a:r>
+            <a:r>
+              <a:rPr lang="ko-KR" altLang="en-US" sz="1400" dirty="0"/>
+              <a:t> 눌러 발생되는 </a:t>
+            </a:r>
+            <a:r>
+              <a:rPr lang="ko-KR" altLang="en-US" sz="1400" dirty="0"/>
+              <a:t>전투 행동</a:t>
+            </a:r>
+            <a:r>
+              <a:rPr lang="en-US" altLang="ko-KR" sz="1400" dirty="0"/>
+              <a:t>.</a:t>
+            </a:r>
+          </a:p>
+          <a:p>
+            <a:endParaRPr lang="en-US" altLang="ko-KR" sz="1400" dirty="0"/>
+          </a:p>
+        </p:txBody>
+      </p:sp>
+    </p:spTree>
+    <p:extLst>
+      <p:ext uri="{BB962C8B-B14F-4D97-AF65-F5344CB8AC3E}">
+        <p14:creationId xmlns:p14="http://schemas.microsoft.com/office/powerpoint/2010/main" val="1125373735"/>
+      </p:ext>
+    </p:extLst>
+  </p:cSld>
+  <p:clrMapOvr>
+    <a:masterClrMapping/>
+  </p:clrMapOvr>
+  <mc:AlternateContent xmlns:mc="http://schemas.openxmlformats.org/markup-compatibility/2006" xmlns:p14="http://schemas.microsoft.com/office/powerpoint/2010/main">
+    <mc:Choice Requires="p14">
+      <p:transition spd="med" p14:dur="700">
+        <p:fade/>
+      </p:transition>
+    </mc:Choice>
+    <mc:Fallback xmlns="">
+      <p:transition spd="med">
+        <p:fade/>
+      </p:transition>
+    </mc:Fallback>
+  </mc:AlternateContent>
+  <p:timing>
+    <p:tnLst>
+      <p:par>
+        <p:cTn id="1" dur="indefinite" restart="never" nodeType="tmRoot"/>
+      </p:par>
+    </p:tnLst>
+  </p:timing>
+</p:sld>
+</file>
+
+<file path=ppt/slides/slide14.xml><?xml version="1.0" encoding="utf-8"?>
+<p:sld xmlns:a="http://schemas.openxmlformats.org/drawingml/2006/main" xmlns:r="http://schemas.openxmlformats.org/officeDocument/2006/relationships" xmlns:p="http://schemas.openxmlformats.org/presentationml/2006/main">
+  <p:cSld>
+    <p:spTree>
+      <p:nvGrpSpPr>
+        <p:cNvPr id="1" name=""/>
+        <p:cNvGrpSpPr/>
+        <p:nvPr/>
+      </p:nvGrpSpPr>
+      <p:grpSpPr>
+        <a:xfrm>
+          <a:off x="0" y="0"/>
+          <a:ext cx="0" cy="0"/>
+          <a:chOff x="0" y="0"/>
+          <a:chExt cx="0" cy="0"/>
+        </a:xfrm>
+      </p:grpSpPr>
+      <p:sp>
+        <p:nvSpPr>
+          <p:cNvPr id="6" name="제목 1"/>
+          <p:cNvSpPr>
+            <a:spLocks noGrp="1"/>
+          </p:cNvSpPr>
+          <p:nvPr>
+            <p:ph type="title"/>
+          </p:nvPr>
+        </p:nvSpPr>
+        <p:spPr>
+          <a:xfrm>
+            <a:off x="720000" y="468000"/>
+            <a:ext cx="10801350" cy="402465"/>
+          </a:xfrm>
+        </p:spPr>
+        <p:txBody>
+          <a:bodyPr rtlCol="0">
+            <a:normAutofit/>
+          </a:bodyPr>
+          <a:lstStyle/>
+          <a:p>
+            <a:pPr rtl="0"/>
+            <a:r>
+              <a:rPr lang="en-US" altLang="ko-KR" sz="2000" dirty="0" smtClean="0"/>
+              <a:t>2-7. </a:t>
             </a:r>
             <a:r>
               <a:rPr lang="ko-KR" altLang="en-US" sz="2000" dirty="0" smtClean="0"/>
@@ -9447,12 +10942,26 @@
               <a:t> 사거리 안에 들어오는 경우에만 피해를 입는다</a:t>
             </a:r>
             <a:r>
-              <a:rPr lang="en-US" altLang="ko-KR" sz="1400" dirty="0"/>
-              <a:t>. </a:t>
+              <a:rPr lang="en-US" altLang="ko-KR" sz="1400" dirty="0" smtClean="0"/>
+              <a:t>.</a:t>
+            </a:r>
+          </a:p>
+          <a:p>
+            <a:r>
+              <a:rPr lang="ko-KR" altLang="en-US" sz="1400" dirty="0" err="1" smtClean="0"/>
+              <a:t>몬스터가</a:t>
+            </a:r>
+            <a:r>
+              <a:rPr lang="ko-KR" altLang="en-US" sz="1400" dirty="0" smtClean="0"/>
+              <a:t> </a:t>
+            </a:r>
+            <a:r>
+              <a:rPr lang="ko-KR" altLang="ko-KR" sz="1400" dirty="0" smtClean="0"/>
+              <a:t>사거리 </a:t>
             </a:r>
             <a:r>
               <a:rPr lang="ko-KR" altLang="ko-KR" sz="1400" dirty="0"/>
-              <a:t>사거리 바깥으로 나가 있으면 피해 없음</a:t>
+              <a:t>바깥으로 나가 있으면 피해 없음</a:t>
             </a:r>
             <a:r>
               <a:rPr lang="en-US" altLang="ko-KR" sz="1400" dirty="0"/>
@@ -9520,6 +11029,8 @@
               <a:rPr lang="en-US" altLang="ko-KR" sz="1400" dirty="0" smtClean="0"/>
               <a:t>.</a:t>
             </a:r>
+          </a:p>
+          <a:p>
             <a:endParaRPr lang="ko-KR" altLang="ko-KR" sz="1400" dirty="0"/>
           </a:p>
         </p:txBody>
@@ -9659,9 +11170,16 @@
             </a:r>
             <a:r>
               <a:rPr lang="ko-KR" altLang="en-US" sz="1400" dirty="0"/>
-              <a:t>아이템을 소모하여 발생되는 전투행동</a:t>
-            </a:r>
-            <a:endParaRPr lang="ko-KR" altLang="ko-KR" sz="1400" dirty="0"/>
+              <a:t>아이템을 소모하여 발생되는 </a:t>
+            </a:r>
+            <a:r>
+              <a:rPr lang="ko-KR" altLang="en-US" sz="1400" dirty="0"/>
+              <a:t>전투 행동</a:t>
+            </a:r>
+            <a:r>
+              <a:rPr lang="en-US" altLang="ko-KR" sz="1400" dirty="0"/>
+              <a:t>.</a:t>
+            </a:r>
           </a:p>
         </p:txBody>
       </p:sp>
@@ -9675,181 +11193,13 @@
   <p:clrMapOvr>
     <a:masterClrMapping/>
   </p:clrMapOvr>
-  <mc:AlternateContent xmlns:mc="http://schemas.openxmlformats.org/markup-compatibility/2006">
-    <mc:Choice xmlns:p14="http://schemas.microsoft.com/office/powerpoint/2010/main" Requires="p14">
+  <mc:AlternateContent xmlns:mc="http://schemas.openxmlformats.org/markup-compatibility/2006" xmlns:p14="http://schemas.microsoft.com/office/powerpoint/2010/main">
+    <mc:Choice Requires="p14">
       <p:transition spd="med" p14:dur="700">
         <p:fade/>
       </p:transition>
     </mc:Choice>
-    <mc:Fallback>
-      <p:transition spd="med">
-        <p:fade/>
-      </p:transition>
-    </mc:Fallback>
-  </mc:AlternateContent>
-  <p:timing>
-    <p:tnLst>
-      <p:par>
-        <p:cTn id="1" dur="indefinite" restart="never" nodeType="tmRoot"/>
-      </p:par>
-    </p:tnLst>
-  </p:timing>
-</p:sld>
-</file>
-
-<file path=ppt/slides/slide13.xml><?xml version="1.0" encoding="utf-8"?>
-<p:sld xmlns:a="http://schemas.openxmlformats.org/drawingml/2006/main" xmlns:r="http://schemas.openxmlformats.org/officeDocument/2006/relationships" xmlns:p="http://schemas.openxmlformats.org/presentationml/2006/main">
-  <p:cSld>
-    <p:spTree>
-      <p:nvGrpSpPr>
-        <p:cNvPr id="1" name=""/>
-        <p:cNvGrpSpPr/>
-        <p:nvPr/>
-      </p:nvGrpSpPr>
-      <p:grpSpPr>
-        <a:xfrm>
-          <a:off x="0" y="0"/>
-          <a:ext cx="0" cy="0"/>
-          <a:chOff x="0" y="0"/>
-          <a:chExt cx="0" cy="0"/>
-        </a:xfrm>
-      </p:grpSpPr>
-      <p:sp>
-        <p:nvSpPr>
-          <p:cNvPr id="5" name="제목 1"/>
-          <p:cNvSpPr>
-            <a:spLocks noGrp="1"/>
-          </p:cNvSpPr>
-          <p:nvPr>
-            <p:ph type="title"/>
-          </p:nvPr>
-        </p:nvSpPr>
-        <p:spPr>
-          <a:xfrm>
-            <a:off x="720000" y="468000"/>
-            <a:ext cx="10801350" cy="402465"/>
-          </a:xfrm>
-        </p:spPr>
-        <p:txBody>
-          <a:bodyPr rtlCol="0">
-            <a:normAutofit/>
-          </a:bodyPr>
-          <a:lstStyle/>
-          <a:p>
-            <a:pPr rtl="0"/>
-            <a:r>
-              <a:rPr lang="en-US" altLang="ko-KR" sz="2000" dirty="0" smtClean="0"/>
-              <a:t>2-6. </a:t>
-            </a:r>
-            <a:r>
-              <a:rPr lang="ko-KR" altLang="en-US" sz="2000" dirty="0" smtClean="0"/>
-              <a:t>판정 시스템</a:t>
-            </a:r>
-            <a:endParaRPr lang="ko-KR" altLang="en-US" sz="2000" dirty="0"/>
-          </a:p>
-        </p:txBody>
-      </p:sp>
-    </p:spTree>
-    <p:extLst>
-      <p:ext uri="{BB962C8B-B14F-4D97-AF65-F5344CB8AC3E}">
-        <p14:creationId xmlns:p14="http://schemas.microsoft.com/office/powerpoint/2010/main" val="3610539334"/>
-      </p:ext>
-    </p:extLst>
-  </p:cSld>
-  <p:clrMapOvr>
-    <a:masterClrMapping/>
-  </p:clrMapOvr>
-  <mc:AlternateContent xmlns:mc="http://schemas.openxmlformats.org/markup-compatibility/2006">
-    <mc:Choice xmlns:p14="http://schemas.microsoft.com/office/powerpoint/2010/main" Requires="p14">
-      <p:transition spd="med" p14:dur="700">
-        <p:fade/>
-      </p:transition>
-    </mc:Choice>
-    <mc:Fallback>
-      <p:transition spd="med">
-        <p:fade/>
-      </p:transition>
-    </mc:Fallback>
-  </mc:AlternateContent>
-  <p:timing>
-    <p:tnLst>
-      <p:par>
-        <p:cTn id="1" dur="indefinite" restart="never" nodeType="tmRoot"/>
-      </p:par>
-    </p:tnLst>
-  </p:timing>
-</p:sld>
-</file>
-
-<file path=ppt/slides/slide14.xml><?xml version="1.0" encoding="utf-8"?>
-<p:sld xmlns:a="http://schemas.openxmlformats.org/drawingml/2006/main" xmlns:r="http://schemas.openxmlformats.org/officeDocument/2006/relationships" xmlns:p="http://schemas.openxmlformats.org/presentationml/2006/main">
-  <p:cSld>
-    <p:spTree>
-      <p:nvGrpSpPr>
-        <p:cNvPr id="1" name=""/>
-        <p:cNvGrpSpPr/>
-        <p:nvPr/>
-      </p:nvGrpSpPr>
-      <p:grpSpPr>
-        <a:xfrm>
-          <a:off x="0" y="0"/>
-          <a:ext cx="0" cy="0"/>
-          <a:chOff x="0" y="0"/>
-          <a:chExt cx="0" cy="0"/>
-        </a:xfrm>
-      </p:grpSpPr>
-      <p:sp>
-        <p:nvSpPr>
-          <p:cNvPr id="6" name="제목 1"/>
-          <p:cNvSpPr>
-            <a:spLocks noGrp="1"/>
-          </p:cNvSpPr>
-          <p:nvPr>
-            <p:ph type="title"/>
-          </p:nvPr>
-        </p:nvSpPr>
-        <p:spPr>
-          <a:xfrm>
-            <a:off x="695325" y="3026535"/>
-            <a:ext cx="10801350" cy="402465"/>
-          </a:xfrm>
-        </p:spPr>
-        <p:txBody>
-          <a:bodyPr rtlCol="0">
-            <a:normAutofit/>
-          </a:bodyPr>
-          <a:lstStyle/>
-          <a:p>
-            <a:pPr rtl="0"/>
-            <a:r>
-              <a:rPr lang="en-US" altLang="ko-KR" sz="2000" dirty="0" smtClean="0"/>
-              <a:t>3. </a:t>
-            </a:r>
-            <a:r>
-              <a:rPr lang="ko-KR" altLang="en-US" sz="2000" dirty="0" smtClean="0"/>
-              <a:t>캐릭터 설계</a:t>
-            </a:r>
-            <a:endParaRPr lang="ko-KR" altLang="en-US" sz="2000" dirty="0"/>
-          </a:p>
-        </p:txBody>
-      </p:sp>
-    </p:spTree>
-    <p:extLst>
-      <p:ext uri="{BB962C8B-B14F-4D97-AF65-F5344CB8AC3E}">
-        <p14:creationId xmlns:p14="http://schemas.microsoft.com/office/powerpoint/2010/main" val="1912764249"/>
-      </p:ext>
-    </p:extLst>
-  </p:cSld>
-  <p:clrMapOvr>
-    <a:masterClrMapping/>
-  </p:clrMapOvr>
-  <mc:AlternateContent xmlns:mc="http://schemas.openxmlformats.org/markup-compatibility/2006">
-    <mc:Choice xmlns:p14="http://schemas.microsoft.com/office/powerpoint/2010/main" Requires="p14">
-      <p:transition spd="med" p14:dur="700">
-        <p:fade/>
-      </p:transition>
-    </mc:Choice>
-    <mc:Fallback>
+    <mc:Fallback xmlns="">
       <p:transition spd="med">
         <p:fade/>
       </p:transition>
@@ -9894,6 +11244,90 @@
         </p:nvSpPr>
         <p:spPr>
           <a:xfrm>
+            <a:off x="695325" y="3026535"/>
+            <a:ext cx="10801350" cy="402465"/>
+          </a:xfrm>
+        </p:spPr>
+        <p:txBody>
+          <a:bodyPr rtlCol="0">
+            <a:normAutofit/>
+          </a:bodyPr>
+          <a:lstStyle/>
+          <a:p>
+            <a:pPr rtl="0"/>
+            <a:r>
+              <a:rPr lang="en-US" altLang="ko-KR" sz="2000" dirty="0" smtClean="0"/>
+              <a:t>3. </a:t>
+            </a:r>
+            <a:r>
+              <a:rPr lang="ko-KR" altLang="en-US" sz="2000" dirty="0" smtClean="0"/>
+              <a:t>캐릭터 설계</a:t>
+            </a:r>
+            <a:endParaRPr lang="ko-KR" altLang="en-US" sz="2000" dirty="0"/>
+          </a:p>
+        </p:txBody>
+      </p:sp>
+    </p:spTree>
+    <p:extLst>
+      <p:ext uri="{BB962C8B-B14F-4D97-AF65-F5344CB8AC3E}">
+        <p14:creationId xmlns:p14="http://schemas.microsoft.com/office/powerpoint/2010/main" val="1912764249"/>
+      </p:ext>
+    </p:extLst>
+  </p:cSld>
+  <p:clrMapOvr>
+    <a:masterClrMapping/>
+  </p:clrMapOvr>
+  <mc:AlternateContent xmlns:mc="http://schemas.openxmlformats.org/markup-compatibility/2006" xmlns:p14="http://schemas.microsoft.com/office/powerpoint/2010/main">
+    <mc:Choice Requires="p14">
+      <p:transition spd="med" p14:dur="700">
+        <p:fade/>
+      </p:transition>
+    </mc:Choice>
+    <mc:Fallback xmlns="">
+      <p:transition spd="med">
+        <p:fade/>
+      </p:transition>
+    </mc:Fallback>
+  </mc:AlternateContent>
+  <p:timing>
+    <p:tnLst>
+      <p:par>
+        <p:cTn id="1" dur="indefinite" restart="never" nodeType="tmRoot"/>
+      </p:par>
+    </p:tnLst>
+  </p:timing>
+</p:sld>
+</file>
+
+<file path=ppt/slides/slide16.xml><?xml version="1.0" encoding="utf-8"?>
+<p:sld xmlns:a="http://schemas.openxmlformats.org/drawingml/2006/main" xmlns:r="http://schemas.openxmlformats.org/officeDocument/2006/relationships" xmlns:p="http://schemas.openxmlformats.org/presentationml/2006/main">
+  <p:cSld>
+    <p:spTree>
+      <p:nvGrpSpPr>
+        <p:cNvPr id="1" name=""/>
+        <p:cNvGrpSpPr/>
+        <p:nvPr/>
+      </p:nvGrpSpPr>
+      <p:grpSpPr>
+        <a:xfrm>
+          <a:off x="0" y="0"/>
+          <a:ext cx="0" cy="0"/>
+          <a:chOff x="0" y="0"/>
+          <a:chExt cx="0" cy="0"/>
+        </a:xfrm>
+      </p:grpSpPr>
+      <p:sp>
+        <p:nvSpPr>
+          <p:cNvPr id="6" name="제목 1"/>
+          <p:cNvSpPr>
+            <a:spLocks noGrp="1"/>
+          </p:cNvSpPr>
+          <p:nvPr>
+            <p:ph type="title"/>
+          </p:nvPr>
+        </p:nvSpPr>
+        <p:spPr>
+          <a:xfrm>
             <a:off x="720000" y="468000"/>
             <a:ext cx="10801350" cy="402465"/>
           </a:xfrm>
@@ -10315,13 +11749,13 @@
   <p:clrMapOvr>
     <a:masterClrMapping/>
   </p:clrMapOvr>
-  <mc:AlternateContent xmlns:mc="http://schemas.openxmlformats.org/markup-compatibility/2006">
-    <mc:Choice xmlns:p14="http://schemas.microsoft.com/office/powerpoint/2010/main" Requires="p14">
+  <mc:AlternateContent xmlns:mc="http://schemas.openxmlformats.org/markup-compatibility/2006" xmlns:p14="http://schemas.microsoft.com/office/powerpoint/2010/main">
+    <mc:Choice Requires="p14">
       <p:transition spd="med" p14:dur="700">
         <p:fade/>
       </p:transition>
     </mc:Choice>
-    <mc:Fallback>
+    <mc:Fallback xmlns="">
       <p:transition spd="med">
         <p:fade/>
       </p:transition>
@@ -10337,7 +11771,7 @@
 </p:sld>
 </file>
 
-<file path=ppt/slides/slide16.xml><?xml version="1.0" encoding="utf-8"?>
+<file path=ppt/slides/slide17.xml><?xml version="1.0" encoding="utf-8"?>
 <p:sld xmlns:a="http://schemas.openxmlformats.org/drawingml/2006/main" xmlns:r="http://schemas.openxmlformats.org/officeDocument/2006/relationships" xmlns:p="http://schemas.openxmlformats.org/presentationml/2006/main">
   <p:cSld>
     <p:spTree>
@@ -12038,148 +13472,13 @@
   <p:clrMapOvr>
     <a:masterClrMapping/>
   </p:clrMapOvr>
-  <mc:AlternateContent xmlns:mc="http://schemas.openxmlformats.org/markup-compatibility/2006">
-    <mc:Choice xmlns:p14="http://schemas.microsoft.com/office/powerpoint/2010/main" Requires="p14">
+  <mc:AlternateContent xmlns:mc="http://schemas.openxmlformats.org/markup-compatibility/2006" xmlns:p14="http://schemas.microsoft.com/office/powerpoint/2010/main">
+    <mc:Choice Requires="p14">
       <p:transition spd="med" p14:dur="700">
         <p:fade/>
       </p:transition>
     </mc:Choice>
-    <mc:Fallback>
-      <p:transition spd="med">
-        <p:fade/>
-      </p:transition>
-    </mc:Fallback>
-  </mc:AlternateContent>
-  <p:timing>
-    <p:tnLst>
-      <p:par>
-        <p:cTn id="1" dur="indefinite" restart="never" nodeType="tmRoot"/>
-      </p:par>
-    </p:tnLst>
-  </p:timing>
-</p:sld>
-</file>
-
-<file path=ppt/slides/slide17.xml><?xml version="1.0" encoding="utf-8"?>
-<p:sld xmlns:a="http://schemas.openxmlformats.org/drawingml/2006/main" xmlns:r="http://schemas.openxmlformats.org/officeDocument/2006/relationships" xmlns:p="http://schemas.openxmlformats.org/presentationml/2006/main">
-  <p:cSld>
-    <p:spTree>
-      <p:nvGrpSpPr>
-        <p:cNvPr id="1" name=""/>
-        <p:cNvGrpSpPr/>
-        <p:nvPr/>
-      </p:nvGrpSpPr>
-      <p:grpSpPr>
-        <a:xfrm>
-          <a:off x="0" y="0"/>
-          <a:ext cx="0" cy="0"/>
-          <a:chOff x="0" y="0"/>
-          <a:chExt cx="0" cy="0"/>
-        </a:xfrm>
-      </p:grpSpPr>
-      <p:sp>
-        <p:nvSpPr>
-          <p:cNvPr id="6" name="제목 1"/>
-          <p:cNvSpPr>
-            <a:spLocks noGrp="1"/>
-          </p:cNvSpPr>
-          <p:nvPr>
-            <p:ph type="title"/>
-          </p:nvPr>
-        </p:nvSpPr>
-        <p:spPr>
-          <a:xfrm>
-            <a:off x="720000" y="468000"/>
-            <a:ext cx="10801350" cy="402465"/>
-          </a:xfrm>
-        </p:spPr>
-        <p:txBody>
-          <a:bodyPr rtlCol="0">
-            <a:normAutofit/>
-          </a:bodyPr>
-          <a:lstStyle/>
-          <a:p>
-            <a:pPr rtl="0"/>
-            <a:r>
-              <a:rPr lang="en-US" altLang="ko-KR" sz="2000" dirty="0" smtClean="0"/>
-              <a:t>3-3. </a:t>
-            </a:r>
-            <a:r>
-              <a:rPr lang="ko-KR" altLang="en-US" sz="2000" dirty="0" err="1" smtClean="0"/>
-              <a:t>스탯</a:t>
-            </a:r>
-            <a:r>
-              <a:rPr lang="ko-KR" altLang="en-US" sz="2000" dirty="0" smtClean="0"/>
-              <a:t> </a:t>
-            </a:r>
-            <a:r>
-              <a:rPr lang="en-US" altLang="ko-KR" sz="2000" dirty="0" smtClean="0"/>
-              <a:t>UI</a:t>
-            </a:r>
-            <a:endParaRPr lang="ko-KR" altLang="en-US" sz="2000" dirty="0"/>
-          </a:p>
-        </p:txBody>
-      </p:sp>
-      <p:sp>
-        <p:nvSpPr>
-          <p:cNvPr id="2" name="직사각형 1"/>
-          <p:cNvSpPr/>
-          <p:nvPr/>
-        </p:nvSpPr>
-        <p:spPr>
-          <a:xfrm>
-            <a:off x="4540434" y="1345959"/>
-            <a:ext cx="3160482" cy="4405648"/>
-          </a:xfrm>
-          <a:prstGeom prst="rect">
-            <a:avLst/>
-          </a:prstGeom>
-          <a:solidFill>
-            <a:schemeClr val="bg1"/>
-          </a:solidFill>
-        </p:spPr>
-        <p:style>
-          <a:lnRef idx="2">
-            <a:schemeClr val="accent1">
-              <a:shade val="50000"/>
-            </a:schemeClr>
-          </a:lnRef>
-          <a:fillRef idx="1">
-            <a:schemeClr val="accent1"/>
-          </a:fillRef>
-          <a:effectRef idx="0">
-            <a:schemeClr val="accent1"/>
-          </a:effectRef>
-          <a:fontRef idx="minor">
-            <a:schemeClr val="lt1"/>
-          </a:fontRef>
-        </p:style>
-        <p:txBody>
-          <a:bodyPr rtlCol="0" anchor="ctr"/>
-          <a:lstStyle/>
-          <a:p>
-            <a:pPr algn="ctr"/>
-            <a:endParaRPr lang="ko-KR" altLang="en-US"/>
-          </a:p>
-        </p:txBody>
-      </p:sp>
-    </p:spTree>
-    <p:extLst>
-      <p:ext uri="{BB962C8B-B14F-4D97-AF65-F5344CB8AC3E}">
-        <p14:creationId xmlns:p14="http://schemas.microsoft.com/office/powerpoint/2010/main" val="1299677815"/>
-      </p:ext>
-    </p:extLst>
-  </p:cSld>
-  <p:clrMapOvr>
-    <a:masterClrMapping/>
-  </p:clrMapOvr>
-  <mc:AlternateContent xmlns:mc="http://schemas.openxmlformats.org/markup-compatibility/2006">
-    <mc:Choice xmlns:p14="http://schemas.microsoft.com/office/powerpoint/2010/main" Requires="p14">
-      <p:transition spd="med" p14:dur="700">
-        <p:fade/>
-      </p:transition>
-    </mc:Choice>
-    <mc:Fallback>
+    <mc:Fallback xmlns="">
       <p:transition spd="med">
         <p:fade/>
       </p:transition>
@@ -12237,6 +13536,141 @@
             <a:pPr rtl="0"/>
             <a:r>
               <a:rPr lang="en-US" altLang="ko-KR" sz="2000" dirty="0" smtClean="0"/>
+              <a:t>3-3. </a:t>
+            </a:r>
+            <a:r>
+              <a:rPr lang="ko-KR" altLang="en-US" sz="2000" dirty="0" err="1" smtClean="0"/>
+              <a:t>스탯</a:t>
+            </a:r>
+            <a:r>
+              <a:rPr lang="ko-KR" altLang="en-US" sz="2000" dirty="0" smtClean="0"/>
+              <a:t> </a:t>
+            </a:r>
+            <a:r>
+              <a:rPr lang="en-US" altLang="ko-KR" sz="2000" dirty="0" smtClean="0"/>
+              <a:t>UI</a:t>
+            </a:r>
+            <a:endParaRPr lang="ko-KR" altLang="en-US" sz="2000" dirty="0"/>
+          </a:p>
+        </p:txBody>
+      </p:sp>
+      <p:sp>
+        <p:nvSpPr>
+          <p:cNvPr id="2" name="직사각형 1"/>
+          <p:cNvSpPr/>
+          <p:nvPr/>
+        </p:nvSpPr>
+        <p:spPr>
+          <a:xfrm>
+            <a:off x="4540434" y="1345959"/>
+            <a:ext cx="3160482" cy="4405648"/>
+          </a:xfrm>
+          <a:prstGeom prst="rect">
+            <a:avLst/>
+          </a:prstGeom>
+          <a:solidFill>
+            <a:schemeClr val="bg1"/>
+          </a:solidFill>
+        </p:spPr>
+        <p:style>
+          <a:lnRef idx="2">
+            <a:schemeClr val="accent1">
+              <a:shade val="50000"/>
+            </a:schemeClr>
+          </a:lnRef>
+          <a:fillRef idx="1">
+            <a:schemeClr val="accent1"/>
+          </a:fillRef>
+          <a:effectRef idx="0">
+            <a:schemeClr val="accent1"/>
+          </a:effectRef>
+          <a:fontRef idx="minor">
+            <a:schemeClr val="lt1"/>
+          </a:fontRef>
+        </p:style>
+        <p:txBody>
+          <a:bodyPr rtlCol="0" anchor="ctr"/>
+          <a:lstStyle/>
+          <a:p>
+            <a:pPr algn="ctr"/>
+            <a:endParaRPr lang="ko-KR" altLang="en-US"/>
+          </a:p>
+        </p:txBody>
+      </p:sp>
+    </p:spTree>
+    <p:extLst>
+      <p:ext uri="{BB962C8B-B14F-4D97-AF65-F5344CB8AC3E}">
+        <p14:creationId xmlns:p14="http://schemas.microsoft.com/office/powerpoint/2010/main" val="1299677815"/>
+      </p:ext>
+    </p:extLst>
+  </p:cSld>
+  <p:clrMapOvr>
+    <a:masterClrMapping/>
+  </p:clrMapOvr>
+  <mc:AlternateContent xmlns:mc="http://schemas.openxmlformats.org/markup-compatibility/2006" xmlns:p14="http://schemas.microsoft.com/office/powerpoint/2010/main">
+    <mc:Choice Requires="p14">
+      <p:transition spd="med" p14:dur="700">
+        <p:fade/>
+      </p:transition>
+    </mc:Choice>
+    <mc:Fallback xmlns="">
+      <p:transition spd="med">
+        <p:fade/>
+      </p:transition>
+    </mc:Fallback>
+  </mc:AlternateContent>
+  <p:timing>
+    <p:tnLst>
+      <p:par>
+        <p:cTn id="1" dur="indefinite" restart="never" nodeType="tmRoot"/>
+      </p:par>
+    </p:tnLst>
+  </p:timing>
+</p:sld>
+</file>
+
+<file path=ppt/slides/slide19.xml><?xml version="1.0" encoding="utf-8"?>
+<p:sld xmlns:a="http://schemas.openxmlformats.org/drawingml/2006/main" xmlns:r="http://schemas.openxmlformats.org/officeDocument/2006/relationships" xmlns:p="http://schemas.openxmlformats.org/presentationml/2006/main">
+  <p:cSld>
+    <p:spTree>
+      <p:nvGrpSpPr>
+        <p:cNvPr id="1" name=""/>
+        <p:cNvGrpSpPr/>
+        <p:nvPr/>
+      </p:nvGrpSpPr>
+      <p:grpSpPr>
+        <a:xfrm>
+          <a:off x="0" y="0"/>
+          <a:ext cx="0" cy="0"/>
+          <a:chOff x="0" y="0"/>
+          <a:chExt cx="0" cy="0"/>
+        </a:xfrm>
+      </p:grpSpPr>
+      <p:sp>
+        <p:nvSpPr>
+          <p:cNvPr id="6" name="제목 1"/>
+          <p:cNvSpPr>
+            <a:spLocks noGrp="1"/>
+          </p:cNvSpPr>
+          <p:nvPr>
+            <p:ph type="title"/>
+          </p:nvPr>
+        </p:nvSpPr>
+        <p:spPr>
+          <a:xfrm>
+            <a:off x="720000" y="468000"/>
+            <a:ext cx="10801350" cy="402465"/>
+          </a:xfrm>
+        </p:spPr>
+        <p:txBody>
+          <a:bodyPr rtlCol="0">
+            <a:normAutofit/>
+          </a:bodyPr>
+          <a:lstStyle/>
+          <a:p>
+            <a:pPr rtl="0"/>
+            <a:r>
+              <a:rPr lang="en-US" altLang="ko-KR" sz="2000" dirty="0" smtClean="0"/>
               <a:t>3-4. </a:t>
             </a:r>
             <a:r>
@@ -12263,7 +13697,7 @@
         </p:nvGraphicFramePr>
         <p:xfrm>
           <a:off x="720000" y="1440001"/>
-          <a:ext cx="10776676" cy="5142588"/>
+          <a:ext cx="10776676" cy="5170527"/>
         </p:xfrm>
         <a:graphic>
           <a:graphicData uri="http://schemas.openxmlformats.org/drawingml/2006/table">
@@ -15190,13 +16624,13 @@
   <p:clrMapOvr>
     <a:masterClrMapping/>
   </p:clrMapOvr>
-  <mc:AlternateContent xmlns:mc="http://schemas.openxmlformats.org/markup-compatibility/2006">
-    <mc:Choice xmlns:p14="http://schemas.microsoft.com/office/powerpoint/2010/main" Requires="p14">
+  <mc:AlternateContent xmlns:mc="http://schemas.openxmlformats.org/markup-compatibility/2006" xmlns:p14="http://schemas.microsoft.com/office/powerpoint/2010/main">
+    <mc:Choice Requires="p14">
       <p:transition spd="med" p14:dur="700">
         <p:fade/>
       </p:transition>
     </mc:Choice>
-    <mc:Fallback>
+    <mc:Fallback xmlns="">
       <p:transition spd="med">
         <p:fade/>
       </p:transition>
@@ -15212,7 +16646,1283 @@
 </p:sld>
 </file>
 
-<file path=ppt/slides/slide19.xml><?xml version="1.0" encoding="utf-8"?>
+<file path=ppt/slides/slide2.xml><?xml version="1.0" encoding="utf-8"?>
+<p:sld xmlns:a="http://schemas.openxmlformats.org/drawingml/2006/main" xmlns:r="http://schemas.openxmlformats.org/officeDocument/2006/relationships" xmlns:p="http://schemas.openxmlformats.org/presentationml/2006/main">
+  <p:cSld>
+    <p:spTree>
+      <p:nvGrpSpPr>
+        <p:cNvPr id="1" name=""/>
+        <p:cNvGrpSpPr/>
+        <p:nvPr/>
+      </p:nvGrpSpPr>
+      <p:grpSpPr>
+        <a:xfrm>
+          <a:off x="0" y="0"/>
+          <a:ext cx="0" cy="0"/>
+          <a:chOff x="0" y="0"/>
+          <a:chExt cx="0" cy="0"/>
+        </a:xfrm>
+      </p:grpSpPr>
+      <p:sp>
+        <p:nvSpPr>
+          <p:cNvPr id="2" name="제목 1"/>
+          <p:cNvSpPr>
+            <a:spLocks noGrp="1"/>
+          </p:cNvSpPr>
+          <p:nvPr>
+            <p:ph type="title"/>
+          </p:nvPr>
+        </p:nvSpPr>
+        <p:spPr>
+          <a:xfrm>
+            <a:off x="695325" y="1143000"/>
+            <a:ext cx="10801350" cy="402465"/>
+          </a:xfrm>
+        </p:spPr>
+        <p:txBody>
+          <a:bodyPr rtlCol="0">
+            <a:normAutofit/>
+          </a:bodyPr>
+          <a:lstStyle/>
+          <a:p>
+            <a:pPr rtl="0"/>
+            <a:r>
+              <a:rPr lang="ko-KR" altLang="en-US" sz="2000" dirty="0" smtClean="0"/>
+              <a:t>업데이트 내용</a:t>
+            </a:r>
+            <a:endParaRPr lang="ko-KR" altLang="en-US" sz="2000" dirty="0"/>
+          </a:p>
+        </p:txBody>
+      </p:sp>
+      <p:graphicFrame>
+        <p:nvGraphicFramePr>
+          <p:cNvPr id="5" name="표 4"/>
+          <p:cNvGraphicFramePr>
+            <a:graphicFrameLocks noGrp="1"/>
+          </p:cNvGraphicFramePr>
+          <p:nvPr>
+            <p:extLst>
+              <p:ext uri="{D42A27DB-BD31-4B8C-83A1-F6EECF244321}">
+                <p14:modId xmlns:p14="http://schemas.microsoft.com/office/powerpoint/2010/main" val="26740010"/>
+              </p:ext>
+            </p:extLst>
+          </p:nvPr>
+        </p:nvGraphicFramePr>
+        <p:xfrm>
+          <a:off x="695325" y="1930280"/>
+          <a:ext cx="10801350" cy="3708400"/>
+        </p:xfrm>
+        <a:graphic>
+          <a:graphicData uri="http://schemas.openxmlformats.org/drawingml/2006/table">
+            <a:tbl>
+              <a:tblPr firstRow="1" bandRow="1">
+                <a:tableStyleId>{5DA37D80-6434-44D0-A028-1B22A696006F}</a:tableStyleId>
+              </a:tblPr>
+              <a:tblGrid>
+                <a:gridCol w="1288021"/>
+                <a:gridCol w="1287888"/>
+                <a:gridCol w="2824766"/>
+                <a:gridCol w="1463899"/>
+                <a:gridCol w="2524259"/>
+                <a:gridCol w="1412517"/>
+              </a:tblGrid>
+              <a:tr h="370840">
+                <a:tc>
+                  <a:txBody>
+                    <a:bodyPr/>
+                    <a:lstStyle/>
+                    <a:p>
+                      <a:pPr algn="ctr" latinLnBrk="1"/>
+                      <a:r>
+                        <a:rPr lang="ko-KR" altLang="en-US" sz="1200" dirty="0" smtClean="0">
+                          <a:solidFill>
+                            <a:schemeClr val="accent1">
+                              <a:lumMod val="50000"/>
+                            </a:schemeClr>
+                          </a:solidFill>
+                        </a:rPr>
+                        <a:t>작성날짜</a:t>
+                      </a:r>
+                      <a:endParaRPr lang="ko-KR" altLang="en-US" sz="1200" b="0" dirty="0">
+                        <a:solidFill>
+                          <a:schemeClr val="accent1">
+                            <a:lumMod val="50000"/>
+                          </a:schemeClr>
+                        </a:solidFill>
+                      </a:endParaRPr>
+                    </a:p>
+                  </a:txBody>
+                  <a:tcPr/>
+                </a:tc>
+                <a:tc>
+                  <a:txBody>
+                    <a:bodyPr/>
+                    <a:lstStyle/>
+                    <a:p>
+                      <a:pPr algn="ctr" latinLnBrk="1"/>
+                      <a:r>
+                        <a:rPr lang="ko-KR" altLang="en-US" sz="1200" dirty="0" smtClean="0">
+                          <a:solidFill>
+                            <a:schemeClr val="accent1">
+                              <a:lumMod val="50000"/>
+                            </a:schemeClr>
+                          </a:solidFill>
+                        </a:rPr>
+                        <a:t>작성자</a:t>
+                      </a:r>
+                      <a:endParaRPr lang="ko-KR" altLang="en-US" sz="1200" b="0" dirty="0">
+                        <a:solidFill>
+                          <a:schemeClr val="accent1">
+                            <a:lumMod val="50000"/>
+                          </a:schemeClr>
+                        </a:solidFill>
+                      </a:endParaRPr>
+                    </a:p>
+                  </a:txBody>
+                  <a:tcPr/>
+                </a:tc>
+                <a:tc>
+                  <a:txBody>
+                    <a:bodyPr/>
+                    <a:lstStyle/>
+                    <a:p>
+                      <a:pPr algn="ctr" latinLnBrk="1"/>
+                      <a:r>
+                        <a:rPr lang="ko-KR" altLang="en-US" sz="1200" dirty="0" smtClean="0">
+                          <a:solidFill>
+                            <a:schemeClr val="accent1">
+                              <a:lumMod val="50000"/>
+                            </a:schemeClr>
+                          </a:solidFill>
+                        </a:rPr>
+                        <a:t>최초작성목록</a:t>
+                      </a:r>
+                      <a:endParaRPr lang="ko-KR" altLang="en-US" sz="1200" b="0" dirty="0">
+                        <a:solidFill>
+                          <a:schemeClr val="accent1">
+                            <a:lumMod val="50000"/>
+                          </a:schemeClr>
+                        </a:solidFill>
+                      </a:endParaRPr>
+                    </a:p>
+                  </a:txBody>
+                  <a:tcPr/>
+                </a:tc>
+                <a:tc>
+                  <a:txBody>
+                    <a:bodyPr/>
+                    <a:lstStyle/>
+                    <a:p>
+                      <a:pPr algn="ctr" latinLnBrk="1"/>
+                      <a:r>
+                        <a:rPr lang="ko-KR" altLang="en-US" sz="1200" dirty="0" smtClean="0">
+                          <a:solidFill>
+                            <a:schemeClr val="accent1">
+                              <a:lumMod val="50000"/>
+                            </a:schemeClr>
+                          </a:solidFill>
+                        </a:rPr>
+                        <a:t>수정항목</a:t>
+                      </a:r>
+                      <a:endParaRPr lang="ko-KR" altLang="en-US" sz="1200" b="0" dirty="0">
+                        <a:solidFill>
+                          <a:schemeClr val="accent1">
+                            <a:lumMod val="50000"/>
+                          </a:schemeClr>
+                        </a:solidFill>
+                      </a:endParaRPr>
+                    </a:p>
+                  </a:txBody>
+                  <a:tcPr/>
+                </a:tc>
+                <a:tc>
+                  <a:txBody>
+                    <a:bodyPr/>
+                    <a:lstStyle/>
+                    <a:p>
+                      <a:pPr algn="ctr" latinLnBrk="1"/>
+                      <a:r>
+                        <a:rPr lang="ko-KR" altLang="en-US" sz="1200" dirty="0" smtClean="0">
+                          <a:solidFill>
+                            <a:schemeClr val="accent1">
+                              <a:lumMod val="50000"/>
+                            </a:schemeClr>
+                          </a:solidFill>
+                        </a:rPr>
+                        <a:t>수정내용</a:t>
+                      </a:r>
+                      <a:endParaRPr lang="ko-KR" altLang="en-US" sz="1200" b="0" dirty="0">
+                        <a:solidFill>
+                          <a:schemeClr val="accent1">
+                            <a:lumMod val="50000"/>
+                          </a:schemeClr>
+                        </a:solidFill>
+                      </a:endParaRPr>
+                    </a:p>
+                  </a:txBody>
+                  <a:tcPr/>
+                </a:tc>
+                <a:tc>
+                  <a:txBody>
+                    <a:bodyPr/>
+                    <a:lstStyle/>
+                    <a:p>
+                      <a:pPr algn="ctr" latinLnBrk="1"/>
+                      <a:r>
+                        <a:rPr lang="ko-KR" altLang="en-US" sz="1200" dirty="0" smtClean="0">
+                          <a:solidFill>
+                            <a:schemeClr val="accent1">
+                              <a:lumMod val="50000"/>
+                            </a:schemeClr>
+                          </a:solidFill>
+                        </a:rPr>
+                        <a:t>버전</a:t>
+                      </a:r>
+                      <a:endParaRPr lang="ko-KR" altLang="en-US" sz="1200" b="0" dirty="0">
+                        <a:solidFill>
+                          <a:schemeClr val="accent1">
+                            <a:lumMod val="50000"/>
+                          </a:schemeClr>
+                        </a:solidFill>
+                      </a:endParaRPr>
+                    </a:p>
+                  </a:txBody>
+                  <a:tcPr/>
+                </a:tc>
+              </a:tr>
+              <a:tr h="370840">
+                <a:tc>
+                  <a:txBody>
+                    <a:bodyPr/>
+                    <a:lstStyle/>
+                    <a:p>
+                      <a:pPr latinLnBrk="1"/>
+                      <a:r>
+                        <a:rPr lang="en-US" altLang="ko-KR" sz="1200" dirty="0" smtClean="0">
+                          <a:solidFill>
+                            <a:schemeClr val="accent1">
+                              <a:lumMod val="50000"/>
+                            </a:schemeClr>
+                          </a:solidFill>
+                        </a:rPr>
+                        <a:t>2020.01.22</a:t>
+                      </a:r>
+                      <a:endParaRPr lang="ko-KR" altLang="en-US" sz="1200" dirty="0">
+                        <a:solidFill>
+                          <a:schemeClr val="accent1">
+                            <a:lumMod val="50000"/>
+                          </a:schemeClr>
+                        </a:solidFill>
+                      </a:endParaRPr>
+                    </a:p>
+                  </a:txBody>
+                  <a:tcPr anchor="ctr"/>
+                </a:tc>
+                <a:tc>
+                  <a:txBody>
+                    <a:bodyPr/>
+                    <a:lstStyle/>
+                    <a:p>
+                      <a:pPr latinLnBrk="1"/>
+                      <a:r>
+                        <a:rPr lang="ko-KR" altLang="en-US" sz="1200" dirty="0" smtClean="0">
+                          <a:solidFill>
+                            <a:schemeClr val="accent1">
+                              <a:lumMod val="50000"/>
+                            </a:schemeClr>
+                          </a:solidFill>
+                        </a:rPr>
+                        <a:t>김병훈</a:t>
+                      </a:r>
+                      <a:endParaRPr lang="ko-KR" altLang="en-US" sz="1200" dirty="0">
+                        <a:solidFill>
+                          <a:schemeClr val="accent1">
+                            <a:lumMod val="50000"/>
+                          </a:schemeClr>
+                        </a:solidFill>
+                      </a:endParaRPr>
+                    </a:p>
+                  </a:txBody>
+                  <a:tcPr anchor="ctr"/>
+                </a:tc>
+                <a:tc>
+                  <a:txBody>
+                    <a:bodyPr/>
+                    <a:lstStyle/>
+                    <a:p>
+                      <a:pPr latinLnBrk="1"/>
+                      <a:r>
+                        <a:rPr lang="ko-KR" altLang="en-US" sz="1200" dirty="0" smtClean="0">
+                          <a:solidFill>
+                            <a:schemeClr val="accent1">
+                              <a:lumMod val="50000"/>
+                            </a:schemeClr>
+                          </a:solidFill>
+                        </a:rPr>
+                        <a:t>디자인</a:t>
+                      </a:r>
+                      <a:r>
+                        <a:rPr lang="en-US" altLang="ko-KR" sz="1200" dirty="0" smtClean="0">
+                          <a:solidFill>
+                            <a:schemeClr val="accent1">
+                              <a:lumMod val="50000"/>
+                            </a:schemeClr>
+                          </a:solidFill>
+                        </a:rPr>
+                        <a:t>, </a:t>
+                      </a:r>
+                      <a:r>
+                        <a:rPr lang="ko-KR" altLang="en-US" sz="1200" dirty="0" smtClean="0">
+                          <a:solidFill>
+                            <a:schemeClr val="accent1">
+                              <a:lumMod val="50000"/>
+                            </a:schemeClr>
+                          </a:solidFill>
+                        </a:rPr>
+                        <a:t>구성</a:t>
+                      </a:r>
+                      <a:endParaRPr lang="ko-KR" altLang="en-US" sz="1200" dirty="0">
+                        <a:solidFill>
+                          <a:schemeClr val="accent1">
+                            <a:lumMod val="50000"/>
+                          </a:schemeClr>
+                        </a:solidFill>
+                      </a:endParaRPr>
+                    </a:p>
+                  </a:txBody>
+                  <a:tcPr anchor="ctr"/>
+                </a:tc>
+                <a:tc>
+                  <a:txBody>
+                    <a:bodyPr/>
+                    <a:lstStyle/>
+                    <a:p>
+                      <a:pPr latinLnBrk="1"/>
+                      <a:endParaRPr lang="ko-KR" altLang="en-US" sz="1200">
+                        <a:solidFill>
+                          <a:schemeClr val="accent1">
+                            <a:lumMod val="50000"/>
+                          </a:schemeClr>
+                        </a:solidFill>
+                      </a:endParaRPr>
+                    </a:p>
+                  </a:txBody>
+                  <a:tcPr anchor="ctr"/>
+                </a:tc>
+                <a:tc>
+                  <a:txBody>
+                    <a:bodyPr/>
+                    <a:lstStyle/>
+                    <a:p>
+                      <a:pPr latinLnBrk="1"/>
+                      <a:endParaRPr lang="ko-KR" altLang="en-US" sz="1200" dirty="0">
+                        <a:solidFill>
+                          <a:schemeClr val="accent1">
+                            <a:lumMod val="50000"/>
+                          </a:schemeClr>
+                        </a:solidFill>
+                      </a:endParaRPr>
+                    </a:p>
+                  </a:txBody>
+                  <a:tcPr anchor="ctr"/>
+                </a:tc>
+                <a:tc>
+                  <a:txBody>
+                    <a:bodyPr/>
+                    <a:lstStyle/>
+                    <a:p>
+                      <a:pPr latinLnBrk="1"/>
+                      <a:r>
+                        <a:rPr lang="en-US" altLang="ko-KR" sz="1200" dirty="0" smtClean="0">
+                          <a:solidFill>
+                            <a:schemeClr val="accent1">
+                              <a:lumMod val="50000"/>
+                            </a:schemeClr>
+                          </a:solidFill>
+                        </a:rPr>
+                        <a:t>0.01</a:t>
+                      </a:r>
+                      <a:endParaRPr lang="ko-KR" altLang="en-US" sz="1200" dirty="0">
+                        <a:solidFill>
+                          <a:schemeClr val="accent1">
+                            <a:lumMod val="50000"/>
+                          </a:schemeClr>
+                        </a:solidFill>
+                      </a:endParaRPr>
+                    </a:p>
+                  </a:txBody>
+                  <a:tcPr anchor="ctr"/>
+                </a:tc>
+              </a:tr>
+              <a:tr h="370840">
+                <a:tc>
+                  <a:txBody>
+                    <a:bodyPr/>
+                    <a:lstStyle/>
+                    <a:p>
+                      <a:pPr latinLnBrk="1"/>
+                      <a:endParaRPr lang="ko-KR" altLang="en-US" sz="1200" dirty="0">
+                        <a:solidFill>
+                          <a:schemeClr val="accent1">
+                            <a:lumMod val="50000"/>
+                          </a:schemeClr>
+                        </a:solidFill>
+                      </a:endParaRPr>
+                    </a:p>
+                  </a:txBody>
+                  <a:tcPr anchor="ctr"/>
+                </a:tc>
+                <a:tc>
+                  <a:txBody>
+                    <a:bodyPr/>
+                    <a:lstStyle/>
+                    <a:p>
+                      <a:pPr latinLnBrk="1"/>
+                      <a:endParaRPr lang="ko-KR" altLang="en-US" sz="1200" dirty="0">
+                        <a:solidFill>
+                          <a:schemeClr val="accent1">
+                            <a:lumMod val="50000"/>
+                          </a:schemeClr>
+                        </a:solidFill>
+                      </a:endParaRPr>
+                    </a:p>
+                  </a:txBody>
+                  <a:tcPr anchor="ctr"/>
+                </a:tc>
+                <a:tc>
+                  <a:txBody>
+                    <a:bodyPr/>
+                    <a:lstStyle/>
+                    <a:p>
+                      <a:pPr latinLnBrk="1"/>
+                      <a:endParaRPr lang="ko-KR" altLang="en-US" sz="1200" dirty="0">
+                        <a:solidFill>
+                          <a:schemeClr val="accent1">
+                            <a:lumMod val="50000"/>
+                          </a:schemeClr>
+                        </a:solidFill>
+                      </a:endParaRPr>
+                    </a:p>
+                  </a:txBody>
+                  <a:tcPr anchor="ctr"/>
+                </a:tc>
+                <a:tc>
+                  <a:txBody>
+                    <a:bodyPr/>
+                    <a:lstStyle/>
+                    <a:p>
+                      <a:pPr latinLnBrk="1"/>
+                      <a:endParaRPr lang="ko-KR" altLang="en-US" sz="1200" dirty="0">
+                        <a:solidFill>
+                          <a:schemeClr val="accent1">
+                            <a:lumMod val="50000"/>
+                          </a:schemeClr>
+                        </a:solidFill>
+                      </a:endParaRPr>
+                    </a:p>
+                  </a:txBody>
+                  <a:tcPr anchor="ctr"/>
+                </a:tc>
+                <a:tc>
+                  <a:txBody>
+                    <a:bodyPr/>
+                    <a:lstStyle/>
+                    <a:p>
+                      <a:pPr latinLnBrk="1"/>
+                      <a:endParaRPr lang="ko-KR" altLang="en-US" sz="1200">
+                        <a:solidFill>
+                          <a:schemeClr val="accent1">
+                            <a:lumMod val="50000"/>
+                          </a:schemeClr>
+                        </a:solidFill>
+                      </a:endParaRPr>
+                    </a:p>
+                  </a:txBody>
+                  <a:tcPr anchor="ctr"/>
+                </a:tc>
+                <a:tc>
+                  <a:txBody>
+                    <a:bodyPr/>
+                    <a:lstStyle/>
+                    <a:p>
+                      <a:pPr latinLnBrk="1"/>
+                      <a:endParaRPr lang="ko-KR" altLang="en-US" sz="1200">
+                        <a:solidFill>
+                          <a:schemeClr val="accent1">
+                            <a:lumMod val="50000"/>
+                          </a:schemeClr>
+                        </a:solidFill>
+                      </a:endParaRPr>
+                    </a:p>
+                  </a:txBody>
+                  <a:tcPr anchor="ctr"/>
+                </a:tc>
+              </a:tr>
+              <a:tr h="370840">
+                <a:tc>
+                  <a:txBody>
+                    <a:bodyPr/>
+                    <a:lstStyle/>
+                    <a:p>
+                      <a:pPr latinLnBrk="1"/>
+                      <a:endParaRPr lang="ko-KR" altLang="en-US" sz="1200" dirty="0">
+                        <a:solidFill>
+                          <a:schemeClr val="accent1">
+                            <a:lumMod val="50000"/>
+                          </a:schemeClr>
+                        </a:solidFill>
+                      </a:endParaRPr>
+                    </a:p>
+                  </a:txBody>
+                  <a:tcPr anchor="ctr"/>
+                </a:tc>
+                <a:tc>
+                  <a:txBody>
+                    <a:bodyPr/>
+                    <a:lstStyle/>
+                    <a:p>
+                      <a:pPr latinLnBrk="1"/>
+                      <a:endParaRPr lang="ko-KR" altLang="en-US" sz="1200" dirty="0">
+                        <a:solidFill>
+                          <a:schemeClr val="accent1">
+                            <a:lumMod val="50000"/>
+                          </a:schemeClr>
+                        </a:solidFill>
+                      </a:endParaRPr>
+                    </a:p>
+                  </a:txBody>
+                  <a:tcPr anchor="ctr"/>
+                </a:tc>
+                <a:tc>
+                  <a:txBody>
+                    <a:bodyPr/>
+                    <a:lstStyle/>
+                    <a:p>
+                      <a:pPr latinLnBrk="1"/>
+                      <a:endParaRPr lang="ko-KR" altLang="en-US" sz="1200" dirty="0">
+                        <a:solidFill>
+                          <a:schemeClr val="accent1">
+                            <a:lumMod val="50000"/>
+                          </a:schemeClr>
+                        </a:solidFill>
+                      </a:endParaRPr>
+                    </a:p>
+                  </a:txBody>
+                  <a:tcPr anchor="ctr"/>
+                </a:tc>
+                <a:tc>
+                  <a:txBody>
+                    <a:bodyPr/>
+                    <a:lstStyle/>
+                    <a:p>
+                      <a:pPr latinLnBrk="1"/>
+                      <a:endParaRPr lang="ko-KR" altLang="en-US" sz="1200" dirty="0">
+                        <a:solidFill>
+                          <a:schemeClr val="accent1">
+                            <a:lumMod val="50000"/>
+                          </a:schemeClr>
+                        </a:solidFill>
+                      </a:endParaRPr>
+                    </a:p>
+                  </a:txBody>
+                  <a:tcPr anchor="ctr"/>
+                </a:tc>
+                <a:tc>
+                  <a:txBody>
+                    <a:bodyPr/>
+                    <a:lstStyle/>
+                    <a:p>
+                      <a:pPr latinLnBrk="1"/>
+                      <a:endParaRPr lang="ko-KR" altLang="en-US" sz="1200" dirty="0">
+                        <a:solidFill>
+                          <a:schemeClr val="accent1">
+                            <a:lumMod val="50000"/>
+                          </a:schemeClr>
+                        </a:solidFill>
+                      </a:endParaRPr>
+                    </a:p>
+                  </a:txBody>
+                  <a:tcPr anchor="ctr"/>
+                </a:tc>
+                <a:tc>
+                  <a:txBody>
+                    <a:bodyPr/>
+                    <a:lstStyle/>
+                    <a:p>
+                      <a:pPr latinLnBrk="1"/>
+                      <a:endParaRPr lang="ko-KR" altLang="en-US" sz="1200">
+                        <a:solidFill>
+                          <a:schemeClr val="accent1">
+                            <a:lumMod val="50000"/>
+                          </a:schemeClr>
+                        </a:solidFill>
+                      </a:endParaRPr>
+                    </a:p>
+                  </a:txBody>
+                  <a:tcPr anchor="ctr"/>
+                </a:tc>
+              </a:tr>
+              <a:tr h="370840">
+                <a:tc>
+                  <a:txBody>
+                    <a:bodyPr/>
+                    <a:lstStyle/>
+                    <a:p>
+                      <a:pPr latinLnBrk="1"/>
+                      <a:endParaRPr lang="ko-KR" altLang="en-US" sz="1200">
+                        <a:solidFill>
+                          <a:schemeClr val="accent1">
+                            <a:lumMod val="50000"/>
+                          </a:schemeClr>
+                        </a:solidFill>
+                      </a:endParaRPr>
+                    </a:p>
+                  </a:txBody>
+                  <a:tcPr anchor="ctr"/>
+                </a:tc>
+                <a:tc>
+                  <a:txBody>
+                    <a:bodyPr/>
+                    <a:lstStyle/>
+                    <a:p>
+                      <a:pPr latinLnBrk="1"/>
+                      <a:endParaRPr lang="ko-KR" altLang="en-US" sz="1200" dirty="0">
+                        <a:solidFill>
+                          <a:schemeClr val="accent1">
+                            <a:lumMod val="50000"/>
+                          </a:schemeClr>
+                        </a:solidFill>
+                      </a:endParaRPr>
+                    </a:p>
+                  </a:txBody>
+                  <a:tcPr anchor="ctr"/>
+                </a:tc>
+                <a:tc>
+                  <a:txBody>
+                    <a:bodyPr/>
+                    <a:lstStyle/>
+                    <a:p>
+                      <a:pPr latinLnBrk="1"/>
+                      <a:endParaRPr lang="ko-KR" altLang="en-US" sz="1200" dirty="0">
+                        <a:solidFill>
+                          <a:schemeClr val="accent1">
+                            <a:lumMod val="50000"/>
+                          </a:schemeClr>
+                        </a:solidFill>
+                      </a:endParaRPr>
+                    </a:p>
+                  </a:txBody>
+                  <a:tcPr anchor="ctr"/>
+                </a:tc>
+                <a:tc>
+                  <a:txBody>
+                    <a:bodyPr/>
+                    <a:lstStyle/>
+                    <a:p>
+                      <a:pPr latinLnBrk="1"/>
+                      <a:endParaRPr lang="ko-KR" altLang="en-US" sz="1200" dirty="0">
+                        <a:solidFill>
+                          <a:schemeClr val="accent1">
+                            <a:lumMod val="50000"/>
+                          </a:schemeClr>
+                        </a:solidFill>
+                      </a:endParaRPr>
+                    </a:p>
+                  </a:txBody>
+                  <a:tcPr anchor="ctr"/>
+                </a:tc>
+                <a:tc>
+                  <a:txBody>
+                    <a:bodyPr/>
+                    <a:lstStyle/>
+                    <a:p>
+                      <a:pPr latinLnBrk="1"/>
+                      <a:endParaRPr lang="ko-KR" altLang="en-US" sz="1200" dirty="0">
+                        <a:solidFill>
+                          <a:schemeClr val="accent1">
+                            <a:lumMod val="50000"/>
+                          </a:schemeClr>
+                        </a:solidFill>
+                      </a:endParaRPr>
+                    </a:p>
+                  </a:txBody>
+                  <a:tcPr anchor="ctr"/>
+                </a:tc>
+                <a:tc>
+                  <a:txBody>
+                    <a:bodyPr/>
+                    <a:lstStyle/>
+                    <a:p>
+                      <a:pPr latinLnBrk="1"/>
+                      <a:endParaRPr lang="ko-KR" altLang="en-US" sz="1200" dirty="0">
+                        <a:solidFill>
+                          <a:schemeClr val="accent1">
+                            <a:lumMod val="50000"/>
+                          </a:schemeClr>
+                        </a:solidFill>
+                      </a:endParaRPr>
+                    </a:p>
+                  </a:txBody>
+                  <a:tcPr anchor="ctr"/>
+                </a:tc>
+              </a:tr>
+              <a:tr h="370840">
+                <a:tc>
+                  <a:txBody>
+                    <a:bodyPr/>
+                    <a:lstStyle/>
+                    <a:p>
+                      <a:pPr latinLnBrk="1"/>
+                      <a:endParaRPr lang="ko-KR" altLang="en-US" sz="1200">
+                        <a:solidFill>
+                          <a:schemeClr val="accent1">
+                            <a:lumMod val="50000"/>
+                          </a:schemeClr>
+                        </a:solidFill>
+                      </a:endParaRPr>
+                    </a:p>
+                  </a:txBody>
+                  <a:tcPr anchor="ctr"/>
+                </a:tc>
+                <a:tc>
+                  <a:txBody>
+                    <a:bodyPr/>
+                    <a:lstStyle/>
+                    <a:p>
+                      <a:pPr latinLnBrk="1"/>
+                      <a:endParaRPr lang="ko-KR" altLang="en-US" sz="1200">
+                        <a:solidFill>
+                          <a:schemeClr val="accent1">
+                            <a:lumMod val="50000"/>
+                          </a:schemeClr>
+                        </a:solidFill>
+                      </a:endParaRPr>
+                    </a:p>
+                  </a:txBody>
+                  <a:tcPr anchor="ctr"/>
+                </a:tc>
+                <a:tc>
+                  <a:txBody>
+                    <a:bodyPr/>
+                    <a:lstStyle/>
+                    <a:p>
+                      <a:pPr latinLnBrk="1"/>
+                      <a:endParaRPr lang="ko-KR" altLang="en-US" sz="1200" dirty="0">
+                        <a:solidFill>
+                          <a:schemeClr val="accent1">
+                            <a:lumMod val="50000"/>
+                          </a:schemeClr>
+                        </a:solidFill>
+                      </a:endParaRPr>
+                    </a:p>
+                  </a:txBody>
+                  <a:tcPr anchor="ctr"/>
+                </a:tc>
+                <a:tc>
+                  <a:txBody>
+                    <a:bodyPr/>
+                    <a:lstStyle/>
+                    <a:p>
+                      <a:pPr latinLnBrk="1"/>
+                      <a:endParaRPr lang="ko-KR" altLang="en-US" sz="1200" dirty="0">
+                        <a:solidFill>
+                          <a:schemeClr val="accent1">
+                            <a:lumMod val="50000"/>
+                          </a:schemeClr>
+                        </a:solidFill>
+                      </a:endParaRPr>
+                    </a:p>
+                  </a:txBody>
+                  <a:tcPr anchor="ctr"/>
+                </a:tc>
+                <a:tc>
+                  <a:txBody>
+                    <a:bodyPr/>
+                    <a:lstStyle/>
+                    <a:p>
+                      <a:pPr latinLnBrk="1"/>
+                      <a:endParaRPr lang="ko-KR" altLang="en-US" sz="1200" dirty="0">
+                        <a:solidFill>
+                          <a:schemeClr val="accent1">
+                            <a:lumMod val="50000"/>
+                          </a:schemeClr>
+                        </a:solidFill>
+                      </a:endParaRPr>
+                    </a:p>
+                  </a:txBody>
+                  <a:tcPr anchor="ctr"/>
+                </a:tc>
+                <a:tc>
+                  <a:txBody>
+                    <a:bodyPr/>
+                    <a:lstStyle/>
+                    <a:p>
+                      <a:pPr latinLnBrk="1"/>
+                      <a:endParaRPr lang="ko-KR" altLang="en-US" sz="1200" dirty="0">
+                        <a:solidFill>
+                          <a:schemeClr val="accent1">
+                            <a:lumMod val="50000"/>
+                          </a:schemeClr>
+                        </a:solidFill>
+                      </a:endParaRPr>
+                    </a:p>
+                  </a:txBody>
+                  <a:tcPr anchor="ctr"/>
+                </a:tc>
+              </a:tr>
+              <a:tr h="370840">
+                <a:tc>
+                  <a:txBody>
+                    <a:bodyPr/>
+                    <a:lstStyle/>
+                    <a:p>
+                      <a:pPr latinLnBrk="1"/>
+                      <a:endParaRPr lang="ko-KR" altLang="en-US" sz="1200" dirty="0">
+                        <a:solidFill>
+                          <a:schemeClr val="accent1">
+                            <a:lumMod val="50000"/>
+                          </a:schemeClr>
+                        </a:solidFill>
+                      </a:endParaRPr>
+                    </a:p>
+                  </a:txBody>
+                  <a:tcPr anchor="ctr"/>
+                </a:tc>
+                <a:tc>
+                  <a:txBody>
+                    <a:bodyPr/>
+                    <a:lstStyle/>
+                    <a:p>
+                      <a:pPr latinLnBrk="1"/>
+                      <a:endParaRPr lang="ko-KR" altLang="en-US" sz="1200" dirty="0">
+                        <a:solidFill>
+                          <a:schemeClr val="accent1">
+                            <a:lumMod val="50000"/>
+                          </a:schemeClr>
+                        </a:solidFill>
+                      </a:endParaRPr>
+                    </a:p>
+                  </a:txBody>
+                  <a:tcPr anchor="ctr"/>
+                </a:tc>
+                <a:tc>
+                  <a:txBody>
+                    <a:bodyPr/>
+                    <a:lstStyle/>
+                    <a:p>
+                      <a:pPr latinLnBrk="1"/>
+                      <a:endParaRPr lang="ko-KR" altLang="en-US" sz="1200" dirty="0">
+                        <a:solidFill>
+                          <a:schemeClr val="accent1">
+                            <a:lumMod val="50000"/>
+                          </a:schemeClr>
+                        </a:solidFill>
+                      </a:endParaRPr>
+                    </a:p>
+                  </a:txBody>
+                  <a:tcPr anchor="ctr"/>
+                </a:tc>
+                <a:tc>
+                  <a:txBody>
+                    <a:bodyPr/>
+                    <a:lstStyle/>
+                    <a:p>
+                      <a:pPr latinLnBrk="1"/>
+                      <a:endParaRPr lang="ko-KR" altLang="en-US" sz="1200" dirty="0">
+                        <a:solidFill>
+                          <a:schemeClr val="accent1">
+                            <a:lumMod val="50000"/>
+                          </a:schemeClr>
+                        </a:solidFill>
+                      </a:endParaRPr>
+                    </a:p>
+                  </a:txBody>
+                  <a:tcPr anchor="ctr"/>
+                </a:tc>
+                <a:tc>
+                  <a:txBody>
+                    <a:bodyPr/>
+                    <a:lstStyle/>
+                    <a:p>
+                      <a:pPr latinLnBrk="1"/>
+                      <a:endParaRPr lang="ko-KR" altLang="en-US" sz="1200" dirty="0">
+                        <a:solidFill>
+                          <a:schemeClr val="accent1">
+                            <a:lumMod val="50000"/>
+                          </a:schemeClr>
+                        </a:solidFill>
+                      </a:endParaRPr>
+                    </a:p>
+                  </a:txBody>
+                  <a:tcPr anchor="ctr"/>
+                </a:tc>
+                <a:tc>
+                  <a:txBody>
+                    <a:bodyPr/>
+                    <a:lstStyle/>
+                    <a:p>
+                      <a:pPr latinLnBrk="1"/>
+                      <a:endParaRPr lang="ko-KR" altLang="en-US" sz="1200" dirty="0">
+                        <a:solidFill>
+                          <a:schemeClr val="accent1">
+                            <a:lumMod val="50000"/>
+                          </a:schemeClr>
+                        </a:solidFill>
+                      </a:endParaRPr>
+                    </a:p>
+                  </a:txBody>
+                  <a:tcPr anchor="ctr"/>
+                </a:tc>
+              </a:tr>
+              <a:tr h="370840">
+                <a:tc>
+                  <a:txBody>
+                    <a:bodyPr/>
+                    <a:lstStyle/>
+                    <a:p>
+                      <a:pPr latinLnBrk="1"/>
+                      <a:endParaRPr lang="ko-KR" altLang="en-US" sz="1200" dirty="0">
+                        <a:solidFill>
+                          <a:schemeClr val="accent1">
+                            <a:lumMod val="50000"/>
+                          </a:schemeClr>
+                        </a:solidFill>
+                      </a:endParaRPr>
+                    </a:p>
+                  </a:txBody>
+                  <a:tcPr anchor="ctr"/>
+                </a:tc>
+                <a:tc>
+                  <a:txBody>
+                    <a:bodyPr/>
+                    <a:lstStyle/>
+                    <a:p>
+                      <a:pPr latinLnBrk="1"/>
+                      <a:endParaRPr lang="ko-KR" altLang="en-US" sz="1200" dirty="0">
+                        <a:solidFill>
+                          <a:schemeClr val="accent1">
+                            <a:lumMod val="50000"/>
+                          </a:schemeClr>
+                        </a:solidFill>
+                      </a:endParaRPr>
+                    </a:p>
+                  </a:txBody>
+                  <a:tcPr anchor="ctr"/>
+                </a:tc>
+                <a:tc>
+                  <a:txBody>
+                    <a:bodyPr/>
+                    <a:lstStyle/>
+                    <a:p>
+                      <a:pPr latinLnBrk="1"/>
+                      <a:endParaRPr lang="ko-KR" altLang="en-US" sz="1200" dirty="0">
+                        <a:solidFill>
+                          <a:schemeClr val="accent1">
+                            <a:lumMod val="50000"/>
+                          </a:schemeClr>
+                        </a:solidFill>
+                      </a:endParaRPr>
+                    </a:p>
+                  </a:txBody>
+                  <a:tcPr anchor="ctr"/>
+                </a:tc>
+                <a:tc>
+                  <a:txBody>
+                    <a:bodyPr/>
+                    <a:lstStyle/>
+                    <a:p>
+                      <a:pPr latinLnBrk="1"/>
+                      <a:endParaRPr lang="ko-KR" altLang="en-US" sz="1200" dirty="0">
+                        <a:solidFill>
+                          <a:schemeClr val="accent1">
+                            <a:lumMod val="50000"/>
+                          </a:schemeClr>
+                        </a:solidFill>
+                      </a:endParaRPr>
+                    </a:p>
+                  </a:txBody>
+                  <a:tcPr anchor="ctr"/>
+                </a:tc>
+                <a:tc>
+                  <a:txBody>
+                    <a:bodyPr/>
+                    <a:lstStyle/>
+                    <a:p>
+                      <a:pPr latinLnBrk="1"/>
+                      <a:endParaRPr lang="ko-KR" altLang="en-US" sz="1200" dirty="0">
+                        <a:solidFill>
+                          <a:schemeClr val="accent1">
+                            <a:lumMod val="50000"/>
+                          </a:schemeClr>
+                        </a:solidFill>
+                      </a:endParaRPr>
+                    </a:p>
+                  </a:txBody>
+                  <a:tcPr anchor="ctr"/>
+                </a:tc>
+                <a:tc>
+                  <a:txBody>
+                    <a:bodyPr/>
+                    <a:lstStyle/>
+                    <a:p>
+                      <a:pPr latinLnBrk="1"/>
+                      <a:endParaRPr lang="ko-KR" altLang="en-US" sz="1200" dirty="0">
+                        <a:solidFill>
+                          <a:schemeClr val="accent1">
+                            <a:lumMod val="50000"/>
+                          </a:schemeClr>
+                        </a:solidFill>
+                      </a:endParaRPr>
+                    </a:p>
+                  </a:txBody>
+                  <a:tcPr anchor="ctr"/>
+                </a:tc>
+              </a:tr>
+              <a:tr h="370840">
+                <a:tc>
+                  <a:txBody>
+                    <a:bodyPr/>
+                    <a:lstStyle/>
+                    <a:p>
+                      <a:pPr latinLnBrk="1"/>
+                      <a:endParaRPr lang="ko-KR" altLang="en-US" sz="1200" dirty="0">
+                        <a:solidFill>
+                          <a:schemeClr val="accent1">
+                            <a:lumMod val="50000"/>
+                          </a:schemeClr>
+                        </a:solidFill>
+                      </a:endParaRPr>
+                    </a:p>
+                  </a:txBody>
+                  <a:tcPr anchor="ctr"/>
+                </a:tc>
+                <a:tc>
+                  <a:txBody>
+                    <a:bodyPr/>
+                    <a:lstStyle/>
+                    <a:p>
+                      <a:pPr latinLnBrk="1"/>
+                      <a:endParaRPr lang="ko-KR" altLang="en-US" sz="1200" dirty="0">
+                        <a:solidFill>
+                          <a:schemeClr val="accent1">
+                            <a:lumMod val="50000"/>
+                          </a:schemeClr>
+                        </a:solidFill>
+                      </a:endParaRPr>
+                    </a:p>
+                  </a:txBody>
+                  <a:tcPr anchor="ctr"/>
+                </a:tc>
+                <a:tc>
+                  <a:txBody>
+                    <a:bodyPr/>
+                    <a:lstStyle/>
+                    <a:p>
+                      <a:pPr latinLnBrk="1"/>
+                      <a:endParaRPr lang="ko-KR" altLang="en-US" sz="1200" dirty="0">
+                        <a:solidFill>
+                          <a:schemeClr val="accent1">
+                            <a:lumMod val="50000"/>
+                          </a:schemeClr>
+                        </a:solidFill>
+                      </a:endParaRPr>
+                    </a:p>
+                  </a:txBody>
+                  <a:tcPr anchor="ctr"/>
+                </a:tc>
+                <a:tc>
+                  <a:txBody>
+                    <a:bodyPr/>
+                    <a:lstStyle/>
+                    <a:p>
+                      <a:pPr latinLnBrk="1"/>
+                      <a:endParaRPr lang="ko-KR" altLang="en-US" sz="1200" dirty="0">
+                        <a:solidFill>
+                          <a:schemeClr val="accent1">
+                            <a:lumMod val="50000"/>
+                          </a:schemeClr>
+                        </a:solidFill>
+                      </a:endParaRPr>
+                    </a:p>
+                  </a:txBody>
+                  <a:tcPr anchor="ctr"/>
+                </a:tc>
+                <a:tc>
+                  <a:txBody>
+                    <a:bodyPr/>
+                    <a:lstStyle/>
+                    <a:p>
+                      <a:pPr latinLnBrk="1"/>
+                      <a:endParaRPr lang="ko-KR" altLang="en-US" sz="1200" dirty="0">
+                        <a:solidFill>
+                          <a:schemeClr val="accent1">
+                            <a:lumMod val="50000"/>
+                          </a:schemeClr>
+                        </a:solidFill>
+                      </a:endParaRPr>
+                    </a:p>
+                  </a:txBody>
+                  <a:tcPr anchor="ctr"/>
+                </a:tc>
+                <a:tc>
+                  <a:txBody>
+                    <a:bodyPr/>
+                    <a:lstStyle/>
+                    <a:p>
+                      <a:pPr latinLnBrk="1"/>
+                      <a:endParaRPr lang="ko-KR" altLang="en-US" sz="1200" dirty="0">
+                        <a:solidFill>
+                          <a:schemeClr val="accent1">
+                            <a:lumMod val="50000"/>
+                          </a:schemeClr>
+                        </a:solidFill>
+                      </a:endParaRPr>
+                    </a:p>
+                  </a:txBody>
+                  <a:tcPr anchor="ctr"/>
+                </a:tc>
+              </a:tr>
+              <a:tr h="370840">
+                <a:tc>
+                  <a:txBody>
+                    <a:bodyPr/>
+                    <a:lstStyle/>
+                    <a:p>
+                      <a:pPr latinLnBrk="1"/>
+                      <a:endParaRPr lang="ko-KR" altLang="en-US" sz="1200" dirty="0">
+                        <a:solidFill>
+                          <a:schemeClr val="accent1">
+                            <a:lumMod val="50000"/>
+                          </a:schemeClr>
+                        </a:solidFill>
+                      </a:endParaRPr>
+                    </a:p>
+                  </a:txBody>
+                  <a:tcPr anchor="ctr"/>
+                </a:tc>
+                <a:tc>
+                  <a:txBody>
+                    <a:bodyPr/>
+                    <a:lstStyle/>
+                    <a:p>
+                      <a:pPr latinLnBrk="1"/>
+                      <a:endParaRPr lang="ko-KR" altLang="en-US" sz="1200" dirty="0">
+                        <a:solidFill>
+                          <a:schemeClr val="accent1">
+                            <a:lumMod val="50000"/>
+                          </a:schemeClr>
+                        </a:solidFill>
+                      </a:endParaRPr>
+                    </a:p>
+                  </a:txBody>
+                  <a:tcPr anchor="ctr"/>
+                </a:tc>
+                <a:tc>
+                  <a:txBody>
+                    <a:bodyPr/>
+                    <a:lstStyle/>
+                    <a:p>
+                      <a:pPr latinLnBrk="1"/>
+                      <a:endParaRPr lang="ko-KR" altLang="en-US" sz="1200" dirty="0">
+                        <a:solidFill>
+                          <a:schemeClr val="accent1">
+                            <a:lumMod val="50000"/>
+                          </a:schemeClr>
+                        </a:solidFill>
+                      </a:endParaRPr>
+                    </a:p>
+                  </a:txBody>
+                  <a:tcPr anchor="ctr"/>
+                </a:tc>
+                <a:tc>
+                  <a:txBody>
+                    <a:bodyPr/>
+                    <a:lstStyle/>
+                    <a:p>
+                      <a:pPr latinLnBrk="1"/>
+                      <a:endParaRPr lang="ko-KR" altLang="en-US" sz="1200" dirty="0">
+                        <a:solidFill>
+                          <a:schemeClr val="accent1">
+                            <a:lumMod val="50000"/>
+                          </a:schemeClr>
+                        </a:solidFill>
+                      </a:endParaRPr>
+                    </a:p>
+                  </a:txBody>
+                  <a:tcPr anchor="ctr"/>
+                </a:tc>
+                <a:tc>
+                  <a:txBody>
+                    <a:bodyPr/>
+                    <a:lstStyle/>
+                    <a:p>
+                      <a:pPr latinLnBrk="1"/>
+                      <a:endParaRPr lang="ko-KR" altLang="en-US" sz="1200" dirty="0">
+                        <a:solidFill>
+                          <a:schemeClr val="accent1">
+                            <a:lumMod val="50000"/>
+                          </a:schemeClr>
+                        </a:solidFill>
+                      </a:endParaRPr>
+                    </a:p>
+                  </a:txBody>
+                  <a:tcPr anchor="ctr"/>
+                </a:tc>
+                <a:tc>
+                  <a:txBody>
+                    <a:bodyPr/>
+                    <a:lstStyle/>
+                    <a:p>
+                      <a:pPr latinLnBrk="1"/>
+                      <a:endParaRPr lang="ko-KR" altLang="en-US" sz="1200" dirty="0">
+                        <a:solidFill>
+                          <a:schemeClr val="accent1">
+                            <a:lumMod val="50000"/>
+                          </a:schemeClr>
+                        </a:solidFill>
+                      </a:endParaRPr>
+                    </a:p>
+                  </a:txBody>
+                  <a:tcPr anchor="ctr"/>
+                </a:tc>
+              </a:tr>
+            </a:tbl>
+          </a:graphicData>
+        </a:graphic>
+      </p:graphicFrame>
+    </p:spTree>
+    <p:extLst>
+      <p:ext uri="{BB962C8B-B14F-4D97-AF65-F5344CB8AC3E}">
+        <p14:creationId xmlns:p14="http://schemas.microsoft.com/office/powerpoint/2010/main" val="1851896080"/>
+      </p:ext>
+    </p:extLst>
+  </p:cSld>
+  <p:clrMapOvr>
+    <a:masterClrMapping/>
+  </p:clrMapOvr>
+  <mc:AlternateContent xmlns:mc="http://schemas.openxmlformats.org/markup-compatibility/2006" xmlns:p14="http://schemas.microsoft.com/office/powerpoint/2010/main">
+    <mc:Choice Requires="p14">
+      <p:transition spd="med" p14:dur="700">
+        <p:fade/>
+      </p:transition>
+    </mc:Choice>
+    <mc:Fallback xmlns="">
+      <p:transition spd="med">
+        <p:fade/>
+      </p:transition>
+    </mc:Fallback>
+  </mc:AlternateContent>
+  <p:timing>
+    <p:tnLst>
+      <p:par>
+        <p:cTn id="1" dur="indefinite" restart="never" nodeType="tmRoot"/>
+      </p:par>
+    </p:tnLst>
+  </p:timing>
+</p:sld>
+</file>
+
+<file path=ppt/slides/slide20.xml><?xml version="1.0" encoding="utf-8"?>
 <p:sld xmlns:a="http://schemas.openxmlformats.org/drawingml/2006/main" xmlns:r="http://schemas.openxmlformats.org/officeDocument/2006/relationships" xmlns:p="http://schemas.openxmlformats.org/presentationml/2006/main">
   <p:cSld>
     <p:spTree>
@@ -19724,1282 +22434,6 @@
   <p:clrMapOvr>
     <a:masterClrMapping/>
   </p:clrMapOvr>
-  <mc:AlternateContent xmlns:mc="http://schemas.openxmlformats.org/markup-compatibility/2006">
-    <mc:Choice xmlns:p14="http://schemas.microsoft.com/office/powerpoint/2010/main" Requires="p14">
-      <p:transition spd="med" p14:dur="700">
-        <p:fade/>
-      </p:transition>
-    </mc:Choice>
-    <mc:Fallback>
-      <p:transition spd="med">
-        <p:fade/>
-      </p:transition>
-    </mc:Fallback>
-  </mc:AlternateContent>
-  <p:timing>
-    <p:tnLst>
-      <p:par>
-        <p:cTn id="1" dur="indefinite" restart="never" nodeType="tmRoot"/>
-      </p:par>
-    </p:tnLst>
-  </p:timing>
-</p:sld>
-</file>
-
-<file path=ppt/slides/slide2.xml><?xml version="1.0" encoding="utf-8"?>
-<p:sld xmlns:a="http://schemas.openxmlformats.org/drawingml/2006/main" xmlns:r="http://schemas.openxmlformats.org/officeDocument/2006/relationships" xmlns:p="http://schemas.openxmlformats.org/presentationml/2006/main">
-  <p:cSld>
-    <p:spTree>
-      <p:nvGrpSpPr>
-        <p:cNvPr id="1" name=""/>
-        <p:cNvGrpSpPr/>
-        <p:nvPr/>
-      </p:nvGrpSpPr>
-      <p:grpSpPr>
-        <a:xfrm>
-          <a:off x="0" y="0"/>
-          <a:ext cx="0" cy="0"/>
-          <a:chOff x="0" y="0"/>
-          <a:chExt cx="0" cy="0"/>
-        </a:xfrm>
-      </p:grpSpPr>
-      <p:sp>
-        <p:nvSpPr>
-          <p:cNvPr id="2" name="제목 1"/>
-          <p:cNvSpPr>
-            <a:spLocks noGrp="1"/>
-          </p:cNvSpPr>
-          <p:nvPr>
-            <p:ph type="title"/>
-          </p:nvPr>
-        </p:nvSpPr>
-        <p:spPr>
-          <a:xfrm>
-            <a:off x="695325" y="1143000"/>
-            <a:ext cx="10801350" cy="402465"/>
-          </a:xfrm>
-        </p:spPr>
-        <p:txBody>
-          <a:bodyPr rtlCol="0">
-            <a:normAutofit/>
-          </a:bodyPr>
-          <a:lstStyle/>
-          <a:p>
-            <a:pPr rtl="0"/>
-            <a:r>
-              <a:rPr lang="ko-KR" altLang="en-US" sz="2000" dirty="0" smtClean="0"/>
-              <a:t>업데이트 내용</a:t>
-            </a:r>
-            <a:endParaRPr lang="ko-KR" altLang="en-US" sz="2000" dirty="0"/>
-          </a:p>
-        </p:txBody>
-      </p:sp>
-      <p:graphicFrame>
-        <p:nvGraphicFramePr>
-          <p:cNvPr id="5" name="표 4"/>
-          <p:cNvGraphicFramePr>
-            <a:graphicFrameLocks noGrp="1"/>
-          </p:cNvGraphicFramePr>
-          <p:nvPr>
-            <p:extLst>
-              <p:ext uri="{D42A27DB-BD31-4B8C-83A1-F6EECF244321}">
-                <p14:modId xmlns:p14="http://schemas.microsoft.com/office/powerpoint/2010/main" val="3982984794"/>
-              </p:ext>
-            </p:extLst>
-          </p:nvPr>
-        </p:nvGraphicFramePr>
-        <p:xfrm>
-          <a:off x="695325" y="1930280"/>
-          <a:ext cx="10801350" cy="3708400"/>
-        </p:xfrm>
-        <a:graphic>
-          <a:graphicData uri="http://schemas.openxmlformats.org/drawingml/2006/table">
-            <a:tbl>
-              <a:tblPr firstRow="1" bandRow="1">
-                <a:tableStyleId>{5DA37D80-6434-44D0-A028-1B22A696006F}</a:tableStyleId>
-              </a:tblPr>
-              <a:tblGrid>
-                <a:gridCol w="1288021"/>
-                <a:gridCol w="1287888"/>
-                <a:gridCol w="2824766"/>
-                <a:gridCol w="1463899"/>
-                <a:gridCol w="2524259"/>
-                <a:gridCol w="1412517"/>
-              </a:tblGrid>
-              <a:tr h="370840">
-                <a:tc>
-                  <a:txBody>
-                    <a:bodyPr/>
-                    <a:lstStyle/>
-                    <a:p>
-                      <a:pPr algn="ctr" latinLnBrk="1"/>
-                      <a:r>
-                        <a:rPr lang="ko-KR" altLang="en-US" sz="1200" dirty="0" smtClean="0">
-                          <a:solidFill>
-                            <a:schemeClr val="accent1">
-                              <a:lumMod val="50000"/>
-                            </a:schemeClr>
-                          </a:solidFill>
-                        </a:rPr>
-                        <a:t>작성날짜</a:t>
-                      </a:r>
-                      <a:endParaRPr lang="ko-KR" altLang="en-US" sz="1200" b="0" dirty="0">
-                        <a:solidFill>
-                          <a:schemeClr val="accent1">
-                            <a:lumMod val="50000"/>
-                          </a:schemeClr>
-                        </a:solidFill>
-                      </a:endParaRPr>
-                    </a:p>
-                  </a:txBody>
-                  <a:tcPr/>
-                </a:tc>
-                <a:tc>
-                  <a:txBody>
-                    <a:bodyPr/>
-                    <a:lstStyle/>
-                    <a:p>
-                      <a:pPr algn="ctr" latinLnBrk="1"/>
-                      <a:r>
-                        <a:rPr lang="ko-KR" altLang="en-US" sz="1200" dirty="0" smtClean="0">
-                          <a:solidFill>
-                            <a:schemeClr val="accent1">
-                              <a:lumMod val="50000"/>
-                            </a:schemeClr>
-                          </a:solidFill>
-                        </a:rPr>
-                        <a:t>작성자</a:t>
-                      </a:r>
-                      <a:endParaRPr lang="ko-KR" altLang="en-US" sz="1200" b="0" dirty="0">
-                        <a:solidFill>
-                          <a:schemeClr val="accent1">
-                            <a:lumMod val="50000"/>
-                          </a:schemeClr>
-                        </a:solidFill>
-                      </a:endParaRPr>
-                    </a:p>
-                  </a:txBody>
-                  <a:tcPr/>
-                </a:tc>
-                <a:tc>
-                  <a:txBody>
-                    <a:bodyPr/>
-                    <a:lstStyle/>
-                    <a:p>
-                      <a:pPr algn="ctr" latinLnBrk="1"/>
-                      <a:r>
-                        <a:rPr lang="ko-KR" altLang="en-US" sz="1200" dirty="0" smtClean="0">
-                          <a:solidFill>
-                            <a:schemeClr val="accent1">
-                              <a:lumMod val="50000"/>
-                            </a:schemeClr>
-                          </a:solidFill>
-                        </a:rPr>
-                        <a:t>최초작성목록</a:t>
-                      </a:r>
-                      <a:endParaRPr lang="ko-KR" altLang="en-US" sz="1200" b="0" dirty="0">
-                        <a:solidFill>
-                          <a:schemeClr val="accent1">
-                            <a:lumMod val="50000"/>
-                          </a:schemeClr>
-                        </a:solidFill>
-                      </a:endParaRPr>
-                    </a:p>
-                  </a:txBody>
-                  <a:tcPr/>
-                </a:tc>
-                <a:tc>
-                  <a:txBody>
-                    <a:bodyPr/>
-                    <a:lstStyle/>
-                    <a:p>
-                      <a:pPr algn="ctr" latinLnBrk="1"/>
-                      <a:r>
-                        <a:rPr lang="ko-KR" altLang="en-US" sz="1200" dirty="0" smtClean="0">
-                          <a:solidFill>
-                            <a:schemeClr val="accent1">
-                              <a:lumMod val="50000"/>
-                            </a:schemeClr>
-                          </a:solidFill>
-                        </a:rPr>
-                        <a:t>수정항목</a:t>
-                      </a:r>
-                      <a:endParaRPr lang="ko-KR" altLang="en-US" sz="1200" b="0" dirty="0">
-                        <a:solidFill>
-                          <a:schemeClr val="accent1">
-                            <a:lumMod val="50000"/>
-                          </a:schemeClr>
-                        </a:solidFill>
-                      </a:endParaRPr>
-                    </a:p>
-                  </a:txBody>
-                  <a:tcPr/>
-                </a:tc>
-                <a:tc>
-                  <a:txBody>
-                    <a:bodyPr/>
-                    <a:lstStyle/>
-                    <a:p>
-                      <a:pPr algn="ctr" latinLnBrk="1"/>
-                      <a:r>
-                        <a:rPr lang="ko-KR" altLang="en-US" sz="1200" dirty="0" smtClean="0">
-                          <a:solidFill>
-                            <a:schemeClr val="accent1">
-                              <a:lumMod val="50000"/>
-                            </a:schemeClr>
-                          </a:solidFill>
-                        </a:rPr>
-                        <a:t>수정내용</a:t>
-                      </a:r>
-                      <a:endParaRPr lang="ko-KR" altLang="en-US" sz="1200" b="0" dirty="0">
-                        <a:solidFill>
-                          <a:schemeClr val="accent1">
-                            <a:lumMod val="50000"/>
-                          </a:schemeClr>
-                        </a:solidFill>
-                      </a:endParaRPr>
-                    </a:p>
-                  </a:txBody>
-                  <a:tcPr/>
-                </a:tc>
-                <a:tc>
-                  <a:txBody>
-                    <a:bodyPr/>
-                    <a:lstStyle/>
-                    <a:p>
-                      <a:pPr algn="ctr" latinLnBrk="1"/>
-                      <a:r>
-                        <a:rPr lang="ko-KR" altLang="en-US" sz="1200" dirty="0" smtClean="0">
-                          <a:solidFill>
-                            <a:schemeClr val="accent1">
-                              <a:lumMod val="50000"/>
-                            </a:schemeClr>
-                          </a:solidFill>
-                        </a:rPr>
-                        <a:t>버전</a:t>
-                      </a:r>
-                      <a:endParaRPr lang="ko-KR" altLang="en-US" sz="1200" b="0" dirty="0">
-                        <a:solidFill>
-                          <a:schemeClr val="accent1">
-                            <a:lumMod val="50000"/>
-                          </a:schemeClr>
-                        </a:solidFill>
-                      </a:endParaRPr>
-                    </a:p>
-                  </a:txBody>
-                  <a:tcPr/>
-                </a:tc>
-              </a:tr>
-              <a:tr h="370840">
-                <a:tc>
-                  <a:txBody>
-                    <a:bodyPr/>
-                    <a:lstStyle/>
-                    <a:p>
-                      <a:pPr latinLnBrk="1"/>
-                      <a:r>
-                        <a:rPr lang="en-US" altLang="ko-KR" sz="1400" dirty="0" smtClean="0">
-                          <a:solidFill>
-                            <a:schemeClr val="accent1">
-                              <a:lumMod val="50000"/>
-                            </a:schemeClr>
-                          </a:solidFill>
-                        </a:rPr>
-                        <a:t>2020.01.22</a:t>
-                      </a:r>
-                      <a:endParaRPr lang="ko-KR" altLang="en-US" sz="1400" dirty="0">
-                        <a:solidFill>
-                          <a:schemeClr val="accent1">
-                            <a:lumMod val="50000"/>
-                          </a:schemeClr>
-                        </a:solidFill>
-                      </a:endParaRPr>
-                    </a:p>
-                  </a:txBody>
-                  <a:tcPr/>
-                </a:tc>
-                <a:tc>
-                  <a:txBody>
-                    <a:bodyPr/>
-                    <a:lstStyle/>
-                    <a:p>
-                      <a:pPr latinLnBrk="1"/>
-                      <a:r>
-                        <a:rPr lang="ko-KR" altLang="en-US" sz="1400" dirty="0" smtClean="0">
-                          <a:solidFill>
-                            <a:schemeClr val="accent1">
-                              <a:lumMod val="50000"/>
-                            </a:schemeClr>
-                          </a:solidFill>
-                        </a:rPr>
-                        <a:t>김병훈</a:t>
-                      </a:r>
-                      <a:endParaRPr lang="ko-KR" altLang="en-US" sz="1400" dirty="0">
-                        <a:solidFill>
-                          <a:schemeClr val="accent1">
-                            <a:lumMod val="50000"/>
-                          </a:schemeClr>
-                        </a:solidFill>
-                      </a:endParaRPr>
-                    </a:p>
-                  </a:txBody>
-                  <a:tcPr/>
-                </a:tc>
-                <a:tc>
-                  <a:txBody>
-                    <a:bodyPr/>
-                    <a:lstStyle/>
-                    <a:p>
-                      <a:pPr latinLnBrk="1"/>
-                      <a:r>
-                        <a:rPr lang="ko-KR" altLang="en-US" sz="1400" dirty="0" smtClean="0">
-                          <a:solidFill>
-                            <a:schemeClr val="accent1">
-                              <a:lumMod val="50000"/>
-                            </a:schemeClr>
-                          </a:solidFill>
-                        </a:rPr>
-                        <a:t>디자인</a:t>
-                      </a:r>
-                      <a:r>
-                        <a:rPr lang="en-US" altLang="ko-KR" sz="1400" dirty="0" smtClean="0">
-                          <a:solidFill>
-                            <a:schemeClr val="accent1">
-                              <a:lumMod val="50000"/>
-                            </a:schemeClr>
-                          </a:solidFill>
-                        </a:rPr>
-                        <a:t>, </a:t>
-                      </a:r>
-                      <a:r>
-                        <a:rPr lang="ko-KR" altLang="en-US" sz="1400" dirty="0" smtClean="0">
-                          <a:solidFill>
-                            <a:schemeClr val="accent1">
-                              <a:lumMod val="50000"/>
-                            </a:schemeClr>
-                          </a:solidFill>
-                        </a:rPr>
-                        <a:t>구성</a:t>
-                      </a:r>
-                      <a:endParaRPr lang="ko-KR" altLang="en-US" sz="1400" dirty="0">
-                        <a:solidFill>
-                          <a:schemeClr val="accent1">
-                            <a:lumMod val="50000"/>
-                          </a:schemeClr>
-                        </a:solidFill>
-                      </a:endParaRPr>
-                    </a:p>
-                  </a:txBody>
-                  <a:tcPr/>
-                </a:tc>
-                <a:tc>
-                  <a:txBody>
-                    <a:bodyPr/>
-                    <a:lstStyle/>
-                    <a:p>
-                      <a:pPr latinLnBrk="1"/>
-                      <a:endParaRPr lang="ko-KR" altLang="en-US" sz="1400">
-                        <a:solidFill>
-                          <a:schemeClr val="accent1">
-                            <a:lumMod val="50000"/>
-                          </a:schemeClr>
-                        </a:solidFill>
-                      </a:endParaRPr>
-                    </a:p>
-                  </a:txBody>
-                  <a:tcPr/>
-                </a:tc>
-                <a:tc>
-                  <a:txBody>
-                    <a:bodyPr/>
-                    <a:lstStyle/>
-                    <a:p>
-                      <a:pPr latinLnBrk="1"/>
-                      <a:endParaRPr lang="ko-KR" altLang="en-US" sz="1400" dirty="0">
-                        <a:solidFill>
-                          <a:schemeClr val="accent1">
-                            <a:lumMod val="50000"/>
-                          </a:schemeClr>
-                        </a:solidFill>
-                      </a:endParaRPr>
-                    </a:p>
-                  </a:txBody>
-                  <a:tcPr/>
-                </a:tc>
-                <a:tc>
-                  <a:txBody>
-                    <a:bodyPr/>
-                    <a:lstStyle/>
-                    <a:p>
-                      <a:pPr latinLnBrk="1"/>
-                      <a:r>
-                        <a:rPr lang="en-US" altLang="ko-KR" sz="1400" dirty="0" smtClean="0">
-                          <a:solidFill>
-                            <a:schemeClr val="accent1">
-                              <a:lumMod val="50000"/>
-                            </a:schemeClr>
-                          </a:solidFill>
-                        </a:rPr>
-                        <a:t>0.01</a:t>
-                      </a:r>
-                      <a:endParaRPr lang="ko-KR" altLang="en-US" sz="1400" dirty="0">
-                        <a:solidFill>
-                          <a:schemeClr val="accent1">
-                            <a:lumMod val="50000"/>
-                          </a:schemeClr>
-                        </a:solidFill>
-                      </a:endParaRPr>
-                    </a:p>
-                  </a:txBody>
-                  <a:tcPr/>
-                </a:tc>
-              </a:tr>
-              <a:tr h="370840">
-                <a:tc>
-                  <a:txBody>
-                    <a:bodyPr/>
-                    <a:lstStyle/>
-                    <a:p>
-                      <a:pPr latinLnBrk="1"/>
-                      <a:endParaRPr lang="ko-KR" altLang="en-US" sz="1400" dirty="0">
-                        <a:solidFill>
-                          <a:schemeClr val="accent1">
-                            <a:lumMod val="50000"/>
-                          </a:schemeClr>
-                        </a:solidFill>
-                      </a:endParaRPr>
-                    </a:p>
-                  </a:txBody>
-                  <a:tcPr/>
-                </a:tc>
-                <a:tc>
-                  <a:txBody>
-                    <a:bodyPr/>
-                    <a:lstStyle/>
-                    <a:p>
-                      <a:pPr latinLnBrk="1"/>
-                      <a:endParaRPr lang="ko-KR" altLang="en-US" sz="1400" dirty="0">
-                        <a:solidFill>
-                          <a:schemeClr val="accent1">
-                            <a:lumMod val="50000"/>
-                          </a:schemeClr>
-                        </a:solidFill>
-                      </a:endParaRPr>
-                    </a:p>
-                  </a:txBody>
-                  <a:tcPr/>
-                </a:tc>
-                <a:tc>
-                  <a:txBody>
-                    <a:bodyPr/>
-                    <a:lstStyle/>
-                    <a:p>
-                      <a:pPr latinLnBrk="1"/>
-                      <a:endParaRPr lang="ko-KR" altLang="en-US" sz="1400" dirty="0">
-                        <a:solidFill>
-                          <a:schemeClr val="accent1">
-                            <a:lumMod val="50000"/>
-                          </a:schemeClr>
-                        </a:solidFill>
-                      </a:endParaRPr>
-                    </a:p>
-                  </a:txBody>
-                  <a:tcPr/>
-                </a:tc>
-                <a:tc>
-                  <a:txBody>
-                    <a:bodyPr/>
-                    <a:lstStyle/>
-                    <a:p>
-                      <a:pPr latinLnBrk="1"/>
-                      <a:endParaRPr lang="ko-KR" altLang="en-US" sz="1400" dirty="0">
-                        <a:solidFill>
-                          <a:schemeClr val="accent1">
-                            <a:lumMod val="50000"/>
-                          </a:schemeClr>
-                        </a:solidFill>
-                      </a:endParaRPr>
-                    </a:p>
-                  </a:txBody>
-                  <a:tcPr/>
-                </a:tc>
-                <a:tc>
-                  <a:txBody>
-                    <a:bodyPr/>
-                    <a:lstStyle/>
-                    <a:p>
-                      <a:pPr latinLnBrk="1"/>
-                      <a:endParaRPr lang="ko-KR" altLang="en-US" sz="1400">
-                        <a:solidFill>
-                          <a:schemeClr val="accent1">
-                            <a:lumMod val="50000"/>
-                          </a:schemeClr>
-                        </a:solidFill>
-                      </a:endParaRPr>
-                    </a:p>
-                  </a:txBody>
-                  <a:tcPr/>
-                </a:tc>
-                <a:tc>
-                  <a:txBody>
-                    <a:bodyPr/>
-                    <a:lstStyle/>
-                    <a:p>
-                      <a:pPr latinLnBrk="1"/>
-                      <a:endParaRPr lang="ko-KR" altLang="en-US" sz="1400">
-                        <a:solidFill>
-                          <a:schemeClr val="accent1">
-                            <a:lumMod val="50000"/>
-                          </a:schemeClr>
-                        </a:solidFill>
-                      </a:endParaRPr>
-                    </a:p>
-                  </a:txBody>
-                  <a:tcPr/>
-                </a:tc>
-              </a:tr>
-              <a:tr h="370840">
-                <a:tc>
-                  <a:txBody>
-                    <a:bodyPr/>
-                    <a:lstStyle/>
-                    <a:p>
-                      <a:pPr latinLnBrk="1"/>
-                      <a:endParaRPr lang="ko-KR" altLang="en-US" sz="1400" dirty="0">
-                        <a:solidFill>
-                          <a:schemeClr val="accent1">
-                            <a:lumMod val="50000"/>
-                          </a:schemeClr>
-                        </a:solidFill>
-                      </a:endParaRPr>
-                    </a:p>
-                  </a:txBody>
-                  <a:tcPr/>
-                </a:tc>
-                <a:tc>
-                  <a:txBody>
-                    <a:bodyPr/>
-                    <a:lstStyle/>
-                    <a:p>
-                      <a:pPr latinLnBrk="1"/>
-                      <a:endParaRPr lang="ko-KR" altLang="en-US" sz="1400" dirty="0">
-                        <a:solidFill>
-                          <a:schemeClr val="accent1">
-                            <a:lumMod val="50000"/>
-                          </a:schemeClr>
-                        </a:solidFill>
-                      </a:endParaRPr>
-                    </a:p>
-                  </a:txBody>
-                  <a:tcPr/>
-                </a:tc>
-                <a:tc>
-                  <a:txBody>
-                    <a:bodyPr/>
-                    <a:lstStyle/>
-                    <a:p>
-                      <a:pPr latinLnBrk="1"/>
-                      <a:endParaRPr lang="ko-KR" altLang="en-US" sz="1400" dirty="0">
-                        <a:solidFill>
-                          <a:schemeClr val="accent1">
-                            <a:lumMod val="50000"/>
-                          </a:schemeClr>
-                        </a:solidFill>
-                      </a:endParaRPr>
-                    </a:p>
-                  </a:txBody>
-                  <a:tcPr/>
-                </a:tc>
-                <a:tc>
-                  <a:txBody>
-                    <a:bodyPr/>
-                    <a:lstStyle/>
-                    <a:p>
-                      <a:pPr latinLnBrk="1"/>
-                      <a:endParaRPr lang="ko-KR" altLang="en-US" sz="1400" dirty="0">
-                        <a:solidFill>
-                          <a:schemeClr val="accent1">
-                            <a:lumMod val="50000"/>
-                          </a:schemeClr>
-                        </a:solidFill>
-                      </a:endParaRPr>
-                    </a:p>
-                  </a:txBody>
-                  <a:tcPr/>
-                </a:tc>
-                <a:tc>
-                  <a:txBody>
-                    <a:bodyPr/>
-                    <a:lstStyle/>
-                    <a:p>
-                      <a:pPr latinLnBrk="1"/>
-                      <a:endParaRPr lang="ko-KR" altLang="en-US" sz="1400" dirty="0">
-                        <a:solidFill>
-                          <a:schemeClr val="accent1">
-                            <a:lumMod val="50000"/>
-                          </a:schemeClr>
-                        </a:solidFill>
-                      </a:endParaRPr>
-                    </a:p>
-                  </a:txBody>
-                  <a:tcPr/>
-                </a:tc>
-                <a:tc>
-                  <a:txBody>
-                    <a:bodyPr/>
-                    <a:lstStyle/>
-                    <a:p>
-                      <a:pPr latinLnBrk="1"/>
-                      <a:endParaRPr lang="ko-KR" altLang="en-US" sz="1400">
-                        <a:solidFill>
-                          <a:schemeClr val="accent1">
-                            <a:lumMod val="50000"/>
-                          </a:schemeClr>
-                        </a:solidFill>
-                      </a:endParaRPr>
-                    </a:p>
-                  </a:txBody>
-                  <a:tcPr/>
-                </a:tc>
-              </a:tr>
-              <a:tr h="370840">
-                <a:tc>
-                  <a:txBody>
-                    <a:bodyPr/>
-                    <a:lstStyle/>
-                    <a:p>
-                      <a:pPr latinLnBrk="1"/>
-                      <a:endParaRPr lang="ko-KR" altLang="en-US" sz="1400">
-                        <a:solidFill>
-                          <a:schemeClr val="accent1">
-                            <a:lumMod val="50000"/>
-                          </a:schemeClr>
-                        </a:solidFill>
-                      </a:endParaRPr>
-                    </a:p>
-                  </a:txBody>
-                  <a:tcPr/>
-                </a:tc>
-                <a:tc>
-                  <a:txBody>
-                    <a:bodyPr/>
-                    <a:lstStyle/>
-                    <a:p>
-                      <a:pPr latinLnBrk="1"/>
-                      <a:endParaRPr lang="ko-KR" altLang="en-US" sz="1400" dirty="0">
-                        <a:solidFill>
-                          <a:schemeClr val="accent1">
-                            <a:lumMod val="50000"/>
-                          </a:schemeClr>
-                        </a:solidFill>
-                      </a:endParaRPr>
-                    </a:p>
-                  </a:txBody>
-                  <a:tcPr/>
-                </a:tc>
-                <a:tc>
-                  <a:txBody>
-                    <a:bodyPr/>
-                    <a:lstStyle/>
-                    <a:p>
-                      <a:pPr latinLnBrk="1"/>
-                      <a:endParaRPr lang="ko-KR" altLang="en-US" sz="1400" dirty="0">
-                        <a:solidFill>
-                          <a:schemeClr val="accent1">
-                            <a:lumMod val="50000"/>
-                          </a:schemeClr>
-                        </a:solidFill>
-                      </a:endParaRPr>
-                    </a:p>
-                  </a:txBody>
-                  <a:tcPr/>
-                </a:tc>
-                <a:tc>
-                  <a:txBody>
-                    <a:bodyPr/>
-                    <a:lstStyle/>
-                    <a:p>
-                      <a:pPr latinLnBrk="1"/>
-                      <a:endParaRPr lang="ko-KR" altLang="en-US" sz="1400" dirty="0">
-                        <a:solidFill>
-                          <a:schemeClr val="accent1">
-                            <a:lumMod val="50000"/>
-                          </a:schemeClr>
-                        </a:solidFill>
-                      </a:endParaRPr>
-                    </a:p>
-                  </a:txBody>
-                  <a:tcPr/>
-                </a:tc>
-                <a:tc>
-                  <a:txBody>
-                    <a:bodyPr/>
-                    <a:lstStyle/>
-                    <a:p>
-                      <a:pPr latinLnBrk="1"/>
-                      <a:endParaRPr lang="ko-KR" altLang="en-US" sz="1400" dirty="0">
-                        <a:solidFill>
-                          <a:schemeClr val="accent1">
-                            <a:lumMod val="50000"/>
-                          </a:schemeClr>
-                        </a:solidFill>
-                      </a:endParaRPr>
-                    </a:p>
-                  </a:txBody>
-                  <a:tcPr/>
-                </a:tc>
-                <a:tc>
-                  <a:txBody>
-                    <a:bodyPr/>
-                    <a:lstStyle/>
-                    <a:p>
-                      <a:pPr latinLnBrk="1"/>
-                      <a:endParaRPr lang="ko-KR" altLang="en-US" sz="1400" dirty="0">
-                        <a:solidFill>
-                          <a:schemeClr val="accent1">
-                            <a:lumMod val="50000"/>
-                          </a:schemeClr>
-                        </a:solidFill>
-                      </a:endParaRPr>
-                    </a:p>
-                  </a:txBody>
-                  <a:tcPr/>
-                </a:tc>
-              </a:tr>
-              <a:tr h="370840">
-                <a:tc>
-                  <a:txBody>
-                    <a:bodyPr/>
-                    <a:lstStyle/>
-                    <a:p>
-                      <a:pPr latinLnBrk="1"/>
-                      <a:endParaRPr lang="ko-KR" altLang="en-US" sz="1400">
-                        <a:solidFill>
-                          <a:schemeClr val="accent1">
-                            <a:lumMod val="50000"/>
-                          </a:schemeClr>
-                        </a:solidFill>
-                      </a:endParaRPr>
-                    </a:p>
-                  </a:txBody>
-                  <a:tcPr/>
-                </a:tc>
-                <a:tc>
-                  <a:txBody>
-                    <a:bodyPr/>
-                    <a:lstStyle/>
-                    <a:p>
-                      <a:pPr latinLnBrk="1"/>
-                      <a:endParaRPr lang="ko-KR" altLang="en-US" sz="1400">
-                        <a:solidFill>
-                          <a:schemeClr val="accent1">
-                            <a:lumMod val="50000"/>
-                          </a:schemeClr>
-                        </a:solidFill>
-                      </a:endParaRPr>
-                    </a:p>
-                  </a:txBody>
-                  <a:tcPr/>
-                </a:tc>
-                <a:tc>
-                  <a:txBody>
-                    <a:bodyPr/>
-                    <a:lstStyle/>
-                    <a:p>
-                      <a:pPr latinLnBrk="1"/>
-                      <a:endParaRPr lang="ko-KR" altLang="en-US" sz="1400" dirty="0">
-                        <a:solidFill>
-                          <a:schemeClr val="accent1">
-                            <a:lumMod val="50000"/>
-                          </a:schemeClr>
-                        </a:solidFill>
-                      </a:endParaRPr>
-                    </a:p>
-                  </a:txBody>
-                  <a:tcPr/>
-                </a:tc>
-                <a:tc>
-                  <a:txBody>
-                    <a:bodyPr/>
-                    <a:lstStyle/>
-                    <a:p>
-                      <a:pPr latinLnBrk="1"/>
-                      <a:endParaRPr lang="ko-KR" altLang="en-US" sz="1400" dirty="0">
-                        <a:solidFill>
-                          <a:schemeClr val="accent1">
-                            <a:lumMod val="50000"/>
-                          </a:schemeClr>
-                        </a:solidFill>
-                      </a:endParaRPr>
-                    </a:p>
-                  </a:txBody>
-                  <a:tcPr/>
-                </a:tc>
-                <a:tc>
-                  <a:txBody>
-                    <a:bodyPr/>
-                    <a:lstStyle/>
-                    <a:p>
-                      <a:pPr latinLnBrk="1"/>
-                      <a:endParaRPr lang="ko-KR" altLang="en-US" sz="1400" dirty="0">
-                        <a:solidFill>
-                          <a:schemeClr val="accent1">
-                            <a:lumMod val="50000"/>
-                          </a:schemeClr>
-                        </a:solidFill>
-                      </a:endParaRPr>
-                    </a:p>
-                  </a:txBody>
-                  <a:tcPr/>
-                </a:tc>
-                <a:tc>
-                  <a:txBody>
-                    <a:bodyPr/>
-                    <a:lstStyle/>
-                    <a:p>
-                      <a:pPr latinLnBrk="1"/>
-                      <a:endParaRPr lang="ko-KR" altLang="en-US" sz="1400" dirty="0">
-                        <a:solidFill>
-                          <a:schemeClr val="accent1">
-                            <a:lumMod val="50000"/>
-                          </a:schemeClr>
-                        </a:solidFill>
-                      </a:endParaRPr>
-                    </a:p>
-                  </a:txBody>
-                  <a:tcPr/>
-                </a:tc>
-              </a:tr>
-              <a:tr h="370840">
-                <a:tc>
-                  <a:txBody>
-                    <a:bodyPr/>
-                    <a:lstStyle/>
-                    <a:p>
-                      <a:pPr latinLnBrk="1"/>
-                      <a:endParaRPr lang="ko-KR" altLang="en-US" sz="1400" dirty="0">
-                        <a:solidFill>
-                          <a:schemeClr val="accent1">
-                            <a:lumMod val="50000"/>
-                          </a:schemeClr>
-                        </a:solidFill>
-                      </a:endParaRPr>
-                    </a:p>
-                  </a:txBody>
-                  <a:tcPr/>
-                </a:tc>
-                <a:tc>
-                  <a:txBody>
-                    <a:bodyPr/>
-                    <a:lstStyle/>
-                    <a:p>
-                      <a:pPr latinLnBrk="1"/>
-                      <a:endParaRPr lang="ko-KR" altLang="en-US" sz="1400" dirty="0">
-                        <a:solidFill>
-                          <a:schemeClr val="accent1">
-                            <a:lumMod val="50000"/>
-                          </a:schemeClr>
-                        </a:solidFill>
-                      </a:endParaRPr>
-                    </a:p>
-                  </a:txBody>
-                  <a:tcPr/>
-                </a:tc>
-                <a:tc>
-                  <a:txBody>
-                    <a:bodyPr/>
-                    <a:lstStyle/>
-                    <a:p>
-                      <a:pPr latinLnBrk="1"/>
-                      <a:endParaRPr lang="ko-KR" altLang="en-US" sz="1400" dirty="0">
-                        <a:solidFill>
-                          <a:schemeClr val="accent1">
-                            <a:lumMod val="50000"/>
-                          </a:schemeClr>
-                        </a:solidFill>
-                      </a:endParaRPr>
-                    </a:p>
-                  </a:txBody>
-                  <a:tcPr/>
-                </a:tc>
-                <a:tc>
-                  <a:txBody>
-                    <a:bodyPr/>
-                    <a:lstStyle/>
-                    <a:p>
-                      <a:pPr latinLnBrk="1"/>
-                      <a:endParaRPr lang="ko-KR" altLang="en-US" sz="1400" dirty="0">
-                        <a:solidFill>
-                          <a:schemeClr val="accent1">
-                            <a:lumMod val="50000"/>
-                          </a:schemeClr>
-                        </a:solidFill>
-                      </a:endParaRPr>
-                    </a:p>
-                  </a:txBody>
-                  <a:tcPr/>
-                </a:tc>
-                <a:tc>
-                  <a:txBody>
-                    <a:bodyPr/>
-                    <a:lstStyle/>
-                    <a:p>
-                      <a:pPr latinLnBrk="1"/>
-                      <a:endParaRPr lang="ko-KR" altLang="en-US" sz="1400" dirty="0">
-                        <a:solidFill>
-                          <a:schemeClr val="accent1">
-                            <a:lumMod val="50000"/>
-                          </a:schemeClr>
-                        </a:solidFill>
-                      </a:endParaRPr>
-                    </a:p>
-                  </a:txBody>
-                  <a:tcPr/>
-                </a:tc>
-                <a:tc>
-                  <a:txBody>
-                    <a:bodyPr/>
-                    <a:lstStyle/>
-                    <a:p>
-                      <a:pPr latinLnBrk="1"/>
-                      <a:endParaRPr lang="ko-KR" altLang="en-US" sz="1400" dirty="0">
-                        <a:solidFill>
-                          <a:schemeClr val="accent1">
-                            <a:lumMod val="50000"/>
-                          </a:schemeClr>
-                        </a:solidFill>
-                      </a:endParaRPr>
-                    </a:p>
-                  </a:txBody>
-                  <a:tcPr/>
-                </a:tc>
-              </a:tr>
-              <a:tr h="370840">
-                <a:tc>
-                  <a:txBody>
-                    <a:bodyPr/>
-                    <a:lstStyle/>
-                    <a:p>
-                      <a:pPr latinLnBrk="1"/>
-                      <a:endParaRPr lang="ko-KR" altLang="en-US" sz="1400" dirty="0">
-                        <a:solidFill>
-                          <a:schemeClr val="accent1">
-                            <a:lumMod val="50000"/>
-                          </a:schemeClr>
-                        </a:solidFill>
-                      </a:endParaRPr>
-                    </a:p>
-                  </a:txBody>
-                  <a:tcPr/>
-                </a:tc>
-                <a:tc>
-                  <a:txBody>
-                    <a:bodyPr/>
-                    <a:lstStyle/>
-                    <a:p>
-                      <a:pPr latinLnBrk="1"/>
-                      <a:endParaRPr lang="ko-KR" altLang="en-US" sz="1400" dirty="0">
-                        <a:solidFill>
-                          <a:schemeClr val="accent1">
-                            <a:lumMod val="50000"/>
-                          </a:schemeClr>
-                        </a:solidFill>
-                      </a:endParaRPr>
-                    </a:p>
-                  </a:txBody>
-                  <a:tcPr/>
-                </a:tc>
-                <a:tc>
-                  <a:txBody>
-                    <a:bodyPr/>
-                    <a:lstStyle/>
-                    <a:p>
-                      <a:pPr latinLnBrk="1"/>
-                      <a:endParaRPr lang="ko-KR" altLang="en-US" sz="1400" dirty="0">
-                        <a:solidFill>
-                          <a:schemeClr val="accent1">
-                            <a:lumMod val="50000"/>
-                          </a:schemeClr>
-                        </a:solidFill>
-                      </a:endParaRPr>
-                    </a:p>
-                  </a:txBody>
-                  <a:tcPr/>
-                </a:tc>
-                <a:tc>
-                  <a:txBody>
-                    <a:bodyPr/>
-                    <a:lstStyle/>
-                    <a:p>
-                      <a:pPr latinLnBrk="1"/>
-                      <a:endParaRPr lang="ko-KR" altLang="en-US" sz="1400" dirty="0">
-                        <a:solidFill>
-                          <a:schemeClr val="accent1">
-                            <a:lumMod val="50000"/>
-                          </a:schemeClr>
-                        </a:solidFill>
-                      </a:endParaRPr>
-                    </a:p>
-                  </a:txBody>
-                  <a:tcPr/>
-                </a:tc>
-                <a:tc>
-                  <a:txBody>
-                    <a:bodyPr/>
-                    <a:lstStyle/>
-                    <a:p>
-                      <a:pPr latinLnBrk="1"/>
-                      <a:endParaRPr lang="ko-KR" altLang="en-US" sz="1400" dirty="0">
-                        <a:solidFill>
-                          <a:schemeClr val="accent1">
-                            <a:lumMod val="50000"/>
-                          </a:schemeClr>
-                        </a:solidFill>
-                      </a:endParaRPr>
-                    </a:p>
-                  </a:txBody>
-                  <a:tcPr/>
-                </a:tc>
-                <a:tc>
-                  <a:txBody>
-                    <a:bodyPr/>
-                    <a:lstStyle/>
-                    <a:p>
-                      <a:pPr latinLnBrk="1"/>
-                      <a:endParaRPr lang="ko-KR" altLang="en-US" sz="1400" dirty="0">
-                        <a:solidFill>
-                          <a:schemeClr val="accent1">
-                            <a:lumMod val="50000"/>
-                          </a:schemeClr>
-                        </a:solidFill>
-                      </a:endParaRPr>
-                    </a:p>
-                  </a:txBody>
-                  <a:tcPr/>
-                </a:tc>
-              </a:tr>
-              <a:tr h="370840">
-                <a:tc>
-                  <a:txBody>
-                    <a:bodyPr/>
-                    <a:lstStyle/>
-                    <a:p>
-                      <a:pPr latinLnBrk="1"/>
-                      <a:endParaRPr lang="ko-KR" altLang="en-US" sz="1400" dirty="0">
-                        <a:solidFill>
-                          <a:schemeClr val="accent1">
-                            <a:lumMod val="50000"/>
-                          </a:schemeClr>
-                        </a:solidFill>
-                      </a:endParaRPr>
-                    </a:p>
-                  </a:txBody>
-                  <a:tcPr/>
-                </a:tc>
-                <a:tc>
-                  <a:txBody>
-                    <a:bodyPr/>
-                    <a:lstStyle/>
-                    <a:p>
-                      <a:pPr latinLnBrk="1"/>
-                      <a:endParaRPr lang="ko-KR" altLang="en-US" sz="1400" dirty="0">
-                        <a:solidFill>
-                          <a:schemeClr val="accent1">
-                            <a:lumMod val="50000"/>
-                          </a:schemeClr>
-                        </a:solidFill>
-                      </a:endParaRPr>
-                    </a:p>
-                  </a:txBody>
-                  <a:tcPr/>
-                </a:tc>
-                <a:tc>
-                  <a:txBody>
-                    <a:bodyPr/>
-                    <a:lstStyle/>
-                    <a:p>
-                      <a:pPr latinLnBrk="1"/>
-                      <a:endParaRPr lang="ko-KR" altLang="en-US" sz="1400" dirty="0">
-                        <a:solidFill>
-                          <a:schemeClr val="accent1">
-                            <a:lumMod val="50000"/>
-                          </a:schemeClr>
-                        </a:solidFill>
-                      </a:endParaRPr>
-                    </a:p>
-                  </a:txBody>
-                  <a:tcPr/>
-                </a:tc>
-                <a:tc>
-                  <a:txBody>
-                    <a:bodyPr/>
-                    <a:lstStyle/>
-                    <a:p>
-                      <a:pPr latinLnBrk="1"/>
-                      <a:endParaRPr lang="ko-KR" altLang="en-US" sz="1400" dirty="0">
-                        <a:solidFill>
-                          <a:schemeClr val="accent1">
-                            <a:lumMod val="50000"/>
-                          </a:schemeClr>
-                        </a:solidFill>
-                      </a:endParaRPr>
-                    </a:p>
-                  </a:txBody>
-                  <a:tcPr/>
-                </a:tc>
-                <a:tc>
-                  <a:txBody>
-                    <a:bodyPr/>
-                    <a:lstStyle/>
-                    <a:p>
-                      <a:pPr latinLnBrk="1"/>
-                      <a:endParaRPr lang="ko-KR" altLang="en-US" sz="1400" dirty="0">
-                        <a:solidFill>
-                          <a:schemeClr val="accent1">
-                            <a:lumMod val="50000"/>
-                          </a:schemeClr>
-                        </a:solidFill>
-                      </a:endParaRPr>
-                    </a:p>
-                  </a:txBody>
-                  <a:tcPr/>
-                </a:tc>
-                <a:tc>
-                  <a:txBody>
-                    <a:bodyPr/>
-                    <a:lstStyle/>
-                    <a:p>
-                      <a:pPr latinLnBrk="1"/>
-                      <a:endParaRPr lang="ko-KR" altLang="en-US" sz="1400" dirty="0">
-                        <a:solidFill>
-                          <a:schemeClr val="accent1">
-                            <a:lumMod val="50000"/>
-                          </a:schemeClr>
-                        </a:solidFill>
-                      </a:endParaRPr>
-                    </a:p>
-                  </a:txBody>
-                  <a:tcPr/>
-                </a:tc>
-              </a:tr>
-              <a:tr h="370840">
-                <a:tc>
-                  <a:txBody>
-                    <a:bodyPr/>
-                    <a:lstStyle/>
-                    <a:p>
-                      <a:pPr latinLnBrk="1"/>
-                      <a:endParaRPr lang="ko-KR" altLang="en-US" sz="1400" dirty="0">
-                        <a:solidFill>
-                          <a:schemeClr val="accent1">
-                            <a:lumMod val="50000"/>
-                          </a:schemeClr>
-                        </a:solidFill>
-                      </a:endParaRPr>
-                    </a:p>
-                  </a:txBody>
-                  <a:tcPr/>
-                </a:tc>
-                <a:tc>
-                  <a:txBody>
-                    <a:bodyPr/>
-                    <a:lstStyle/>
-                    <a:p>
-                      <a:pPr latinLnBrk="1"/>
-                      <a:endParaRPr lang="ko-KR" altLang="en-US" sz="1400" dirty="0">
-                        <a:solidFill>
-                          <a:schemeClr val="accent1">
-                            <a:lumMod val="50000"/>
-                          </a:schemeClr>
-                        </a:solidFill>
-                      </a:endParaRPr>
-                    </a:p>
-                  </a:txBody>
-                  <a:tcPr/>
-                </a:tc>
-                <a:tc>
-                  <a:txBody>
-                    <a:bodyPr/>
-                    <a:lstStyle/>
-                    <a:p>
-                      <a:pPr latinLnBrk="1"/>
-                      <a:endParaRPr lang="ko-KR" altLang="en-US" sz="1400" dirty="0">
-                        <a:solidFill>
-                          <a:schemeClr val="accent1">
-                            <a:lumMod val="50000"/>
-                          </a:schemeClr>
-                        </a:solidFill>
-                      </a:endParaRPr>
-                    </a:p>
-                  </a:txBody>
-                  <a:tcPr/>
-                </a:tc>
-                <a:tc>
-                  <a:txBody>
-                    <a:bodyPr/>
-                    <a:lstStyle/>
-                    <a:p>
-                      <a:pPr latinLnBrk="1"/>
-                      <a:endParaRPr lang="ko-KR" altLang="en-US" sz="1400" dirty="0">
-                        <a:solidFill>
-                          <a:schemeClr val="accent1">
-                            <a:lumMod val="50000"/>
-                          </a:schemeClr>
-                        </a:solidFill>
-                      </a:endParaRPr>
-                    </a:p>
-                  </a:txBody>
-                  <a:tcPr/>
-                </a:tc>
-                <a:tc>
-                  <a:txBody>
-                    <a:bodyPr/>
-                    <a:lstStyle/>
-                    <a:p>
-                      <a:pPr latinLnBrk="1"/>
-                      <a:endParaRPr lang="ko-KR" altLang="en-US" sz="1400" dirty="0">
-                        <a:solidFill>
-                          <a:schemeClr val="accent1">
-                            <a:lumMod val="50000"/>
-                          </a:schemeClr>
-                        </a:solidFill>
-                      </a:endParaRPr>
-                    </a:p>
-                  </a:txBody>
-                  <a:tcPr/>
-                </a:tc>
-                <a:tc>
-                  <a:txBody>
-                    <a:bodyPr/>
-                    <a:lstStyle/>
-                    <a:p>
-                      <a:pPr latinLnBrk="1"/>
-                      <a:endParaRPr lang="ko-KR" altLang="en-US" sz="1400" dirty="0">
-                        <a:solidFill>
-                          <a:schemeClr val="accent1">
-                            <a:lumMod val="50000"/>
-                          </a:schemeClr>
-                        </a:solidFill>
-                      </a:endParaRPr>
-                    </a:p>
-                  </a:txBody>
-                  <a:tcPr/>
-                </a:tc>
-              </a:tr>
-            </a:tbl>
-          </a:graphicData>
-        </a:graphic>
-      </p:graphicFrame>
-    </p:spTree>
-    <p:extLst>
-      <p:ext uri="{BB962C8B-B14F-4D97-AF65-F5344CB8AC3E}">
-        <p14:creationId xmlns:p14="http://schemas.microsoft.com/office/powerpoint/2010/main" val="1851896080"/>
-      </p:ext>
-    </p:extLst>
-  </p:cSld>
-  <p:clrMapOvr>
-    <a:masterClrMapping/>
-  </p:clrMapOvr>
   <mc:AlternateContent xmlns:mc="http://schemas.openxmlformats.org/markup-compatibility/2006" xmlns:p14="http://schemas.microsoft.com/office/powerpoint/2010/main">
     <mc:Choice Requires="p14">
       <p:transition spd="med" p14:dur="700">
@@ -21022,7 +22456,7 @@
 </p:sld>
 </file>
 
-<file path=ppt/slides/slide20.xml><?xml version="1.0" encoding="utf-8"?>
+<file path=ppt/slides/slide21.xml><?xml version="1.0" encoding="utf-8"?>
 <p:sld xmlns:a="http://schemas.openxmlformats.org/drawingml/2006/main" xmlns:r="http://schemas.openxmlformats.org/officeDocument/2006/relationships" xmlns:p="http://schemas.openxmlformats.org/presentationml/2006/main">
   <p:cSld>
     <p:spTree>
@@ -21120,109 +22554,13 @@
   <p:clrMapOvr>
     <a:masterClrMapping/>
   </p:clrMapOvr>
-  <mc:AlternateContent xmlns:mc="http://schemas.openxmlformats.org/markup-compatibility/2006">
-    <mc:Choice xmlns:p14="http://schemas.microsoft.com/office/powerpoint/2010/main" Requires="p14">
+  <mc:AlternateContent xmlns:mc="http://schemas.openxmlformats.org/markup-compatibility/2006" xmlns:p14="http://schemas.microsoft.com/office/powerpoint/2010/main">
+    <mc:Choice Requires="p14">
       <p:transition spd="med" p14:dur="700">
         <p:fade/>
       </p:transition>
     </mc:Choice>
-    <mc:Fallback>
-      <p:transition spd="med">
-        <p:fade/>
-      </p:transition>
-    </mc:Fallback>
-  </mc:AlternateContent>
-  <p:timing>
-    <p:tnLst>
-      <p:par>
-        <p:cTn id="1" dur="indefinite" restart="never" nodeType="tmRoot"/>
-      </p:par>
-    </p:tnLst>
-  </p:timing>
-</p:sld>
-</file>
-
-<file path=ppt/slides/slide21.xml><?xml version="1.0" encoding="utf-8"?>
-<p:sld xmlns:a="http://schemas.openxmlformats.org/drawingml/2006/main" xmlns:r="http://schemas.openxmlformats.org/officeDocument/2006/relationships" xmlns:p="http://schemas.openxmlformats.org/presentationml/2006/main">
-  <p:cSld>
-    <p:spTree>
-      <p:nvGrpSpPr>
-        <p:cNvPr id="1" name=""/>
-        <p:cNvGrpSpPr/>
-        <p:nvPr/>
-      </p:nvGrpSpPr>
-      <p:grpSpPr>
-        <a:xfrm>
-          <a:off x="0" y="0"/>
-          <a:ext cx="0" cy="0"/>
-          <a:chOff x="0" y="0"/>
-          <a:chExt cx="0" cy="0"/>
-        </a:xfrm>
-      </p:grpSpPr>
-      <p:sp>
-        <p:nvSpPr>
-          <p:cNvPr id="6" name="제목 1"/>
-          <p:cNvSpPr>
-            <a:spLocks noGrp="1"/>
-          </p:cNvSpPr>
-          <p:nvPr>
-            <p:ph type="title"/>
-          </p:nvPr>
-        </p:nvSpPr>
-        <p:spPr>
-          <a:xfrm>
-            <a:off x="695325" y="3026535"/>
-            <a:ext cx="10801350" cy="402465"/>
-          </a:xfrm>
-        </p:spPr>
-        <p:txBody>
-          <a:bodyPr rtlCol="0">
-            <a:normAutofit/>
-          </a:bodyPr>
-          <a:lstStyle/>
-          <a:p>
-            <a:pPr rtl="0"/>
-            <a:r>
-              <a:rPr lang="en-US" altLang="ko-KR" sz="2000" dirty="0"/>
-              <a:t>4</a:t>
-            </a:r>
-            <a:r>
-              <a:rPr lang="en-US" altLang="ko-KR" sz="2000" dirty="0" smtClean="0"/>
-              <a:t>. </a:t>
-            </a:r>
-            <a:r>
-              <a:rPr lang="ko-KR" altLang="en-US" sz="2000" dirty="0" err="1" smtClean="0"/>
-              <a:t>몬스</a:t>
-            </a:r>
-            <a:r>
-              <a:rPr lang="ko-KR" altLang="en-US" sz="2000" dirty="0" err="1" smtClean="0"/>
-              <a:t>터</a:t>
-            </a:r>
-            <a:r>
-              <a:rPr lang="ko-KR" altLang="en-US" sz="2000" dirty="0" smtClean="0"/>
-              <a:t> 설계</a:t>
-            </a:r>
-            <a:endParaRPr lang="ko-KR" altLang="en-US" sz="2000" dirty="0"/>
-          </a:p>
-        </p:txBody>
-      </p:sp>
-    </p:spTree>
-    <p:extLst>
-      <p:ext uri="{BB962C8B-B14F-4D97-AF65-F5344CB8AC3E}">
-        <p14:creationId xmlns:p14="http://schemas.microsoft.com/office/powerpoint/2010/main" val="993162189"/>
-      </p:ext>
-    </p:extLst>
-  </p:cSld>
-  <p:clrMapOvr>
-    <a:masterClrMapping/>
-  </p:clrMapOvr>
-  <mc:AlternateContent xmlns:mc="http://schemas.openxmlformats.org/markup-compatibility/2006">
-    <mc:Choice xmlns:p14="http://schemas.microsoft.com/office/powerpoint/2010/main" Requires="p14">
-      <p:transition spd="med" p14:dur="700">
-        <p:fade/>
-      </p:transition>
-    </mc:Choice>
-    <mc:Fallback>
+    <mc:Fallback xmlns="">
       <p:transition spd="med">
         <p:fade/>
       </p:transition>
@@ -21267,7 +22605,7 @@
         </p:nvSpPr>
         <p:spPr>
           <a:xfrm>
-            <a:off x="720000" y="468000"/>
+            <a:off x="695325" y="3026535"/>
             <a:ext cx="10801350" cy="402465"/>
           </a:xfrm>
         </p:spPr>
@@ -21284,15 +22622,15 @@
             </a:r>
             <a:r>
               <a:rPr lang="en-US" altLang="ko-KR" sz="2000" dirty="0" smtClean="0"/>
-              <a:t>-1. </a:t>
-            </a:r>
-            <a:r>
-              <a:rPr lang="ko-KR" altLang="en-US" sz="2000" dirty="0" err="1" smtClean="0"/>
-              <a:t>일반</a:t>
+              <a:t>. </a:t>
             </a:r>
             <a:r>
               <a:rPr lang="ko-KR" altLang="en-US" sz="2000" dirty="0" err="1" smtClean="0"/>
               <a:t>몬스터</a:t>
+            </a:r>
+            <a:r>
+              <a:rPr lang="ko-KR" altLang="en-US" sz="2000" dirty="0" smtClean="0"/>
+              <a:t> 설계</a:t>
             </a:r>
             <a:endParaRPr lang="ko-KR" altLang="en-US" sz="2000" dirty="0"/>
           </a:p>
@@ -21301,20 +22639,20 @@
     </p:spTree>
     <p:extLst>
       <p:ext uri="{BB962C8B-B14F-4D97-AF65-F5344CB8AC3E}">
-        <p14:creationId xmlns:p14="http://schemas.microsoft.com/office/powerpoint/2010/main" val="3199937654"/>
+        <p14:creationId xmlns:p14="http://schemas.microsoft.com/office/powerpoint/2010/main" val="993162189"/>
       </p:ext>
     </p:extLst>
   </p:cSld>
   <p:clrMapOvr>
     <a:masterClrMapping/>
   </p:clrMapOvr>
-  <mc:AlternateContent xmlns:mc="http://schemas.openxmlformats.org/markup-compatibility/2006">
-    <mc:Choice xmlns:p14="http://schemas.microsoft.com/office/powerpoint/2010/main" Requires="p14">
+  <mc:AlternateContent xmlns:mc="http://schemas.openxmlformats.org/markup-compatibility/2006" xmlns:p14="http://schemas.microsoft.com/office/powerpoint/2010/main">
+    <mc:Choice Requires="p14">
       <p:transition spd="med" p14:dur="700">
         <p:fade/>
       </p:transition>
     </mc:Choice>
-    <mc:Fallback>
+    <mc:Fallback xmlns="">
       <p:transition spd="med">
         <p:fade/>
       </p:transition>
@@ -21331,6 +22669,94 @@
 </file>
 
 <file path=ppt/slides/slide23.xml><?xml version="1.0" encoding="utf-8"?>
+<p:sld xmlns:a="http://schemas.openxmlformats.org/drawingml/2006/main" xmlns:r="http://schemas.openxmlformats.org/officeDocument/2006/relationships" xmlns:p="http://schemas.openxmlformats.org/presentationml/2006/main">
+  <p:cSld>
+    <p:spTree>
+      <p:nvGrpSpPr>
+        <p:cNvPr id="1" name=""/>
+        <p:cNvGrpSpPr/>
+        <p:nvPr/>
+      </p:nvGrpSpPr>
+      <p:grpSpPr>
+        <a:xfrm>
+          <a:off x="0" y="0"/>
+          <a:ext cx="0" cy="0"/>
+          <a:chOff x="0" y="0"/>
+          <a:chExt cx="0" cy="0"/>
+        </a:xfrm>
+      </p:grpSpPr>
+      <p:sp>
+        <p:nvSpPr>
+          <p:cNvPr id="6" name="제목 1"/>
+          <p:cNvSpPr>
+            <a:spLocks noGrp="1"/>
+          </p:cNvSpPr>
+          <p:nvPr>
+            <p:ph type="title"/>
+          </p:nvPr>
+        </p:nvSpPr>
+        <p:spPr>
+          <a:xfrm>
+            <a:off x="720000" y="468000"/>
+            <a:ext cx="10801350" cy="402465"/>
+          </a:xfrm>
+        </p:spPr>
+        <p:txBody>
+          <a:bodyPr rtlCol="0">
+            <a:normAutofit/>
+          </a:bodyPr>
+          <a:lstStyle/>
+          <a:p>
+            <a:pPr rtl="0"/>
+            <a:r>
+              <a:rPr lang="en-US" altLang="ko-KR" sz="2000" dirty="0"/>
+              <a:t>4</a:t>
+            </a:r>
+            <a:r>
+              <a:rPr lang="en-US" altLang="ko-KR" sz="2000" dirty="0" smtClean="0"/>
+              <a:t>-1. </a:t>
+            </a:r>
+            <a:r>
+              <a:rPr lang="ko-KR" altLang="en-US" sz="2000" dirty="0" err="1" smtClean="0"/>
+              <a:t>일반몬스터</a:t>
+            </a:r>
+            <a:endParaRPr lang="ko-KR" altLang="en-US" sz="2000" dirty="0"/>
+          </a:p>
+        </p:txBody>
+      </p:sp>
+    </p:spTree>
+    <p:extLst>
+      <p:ext uri="{BB962C8B-B14F-4D97-AF65-F5344CB8AC3E}">
+        <p14:creationId xmlns:p14="http://schemas.microsoft.com/office/powerpoint/2010/main" val="3199937654"/>
+      </p:ext>
+    </p:extLst>
+  </p:cSld>
+  <p:clrMapOvr>
+    <a:masterClrMapping/>
+  </p:clrMapOvr>
+  <mc:AlternateContent xmlns:mc="http://schemas.openxmlformats.org/markup-compatibility/2006" xmlns:p14="http://schemas.microsoft.com/office/powerpoint/2010/main">
+    <mc:Choice Requires="p14">
+      <p:transition spd="med" p14:dur="700">
+        <p:fade/>
+      </p:transition>
+    </mc:Choice>
+    <mc:Fallback xmlns="">
+      <p:transition spd="med">
+        <p:fade/>
+      </p:transition>
+    </mc:Fallback>
+  </mc:AlternateContent>
+  <p:timing>
+    <p:tnLst>
+      <p:par>
+        <p:cTn id="1" dur="indefinite" restart="never" nodeType="tmRoot"/>
+      </p:par>
+    </p:tnLst>
+  </p:timing>
+</p:sld>
+</file>
+
+<file path=ppt/slides/slide24.xml><?xml version="1.0" encoding="utf-8"?>
 <p:sld xmlns:a="http://schemas.openxmlformats.org/drawingml/2006/main" xmlns:r="http://schemas.openxmlformats.org/officeDocument/2006/relationships" xmlns:p="http://schemas.openxmlformats.org/presentationml/2006/main">
   <p:cSld>
     <p:spTree>
@@ -22257,13 +23683,13 @@
   <p:clrMapOvr>
     <a:masterClrMapping/>
   </p:clrMapOvr>
-  <mc:AlternateContent xmlns:mc="http://schemas.openxmlformats.org/markup-compatibility/2006">
-    <mc:Choice xmlns:p14="http://schemas.microsoft.com/office/powerpoint/2010/main" Requires="p14">
+  <mc:AlternateContent xmlns:mc="http://schemas.openxmlformats.org/markup-compatibility/2006" xmlns:p14="http://schemas.microsoft.com/office/powerpoint/2010/main">
+    <mc:Choice Requires="p14">
       <p:transition spd="med" p14:dur="700">
         <p:fade/>
       </p:transition>
     </mc:Choice>
-    <mc:Fallback>
+    <mc:Fallback xmlns="">
       <p:transition spd="med">
         <p:fade/>
       </p:transition>
@@ -23075,7 +24501,25 @@
               </a:r>
               <a:r>
                 <a:rPr lang="ko-KR" altLang="en-US" sz="1800" dirty="0" smtClean="0"/>
-                <a:t>전투 정의</a:t>
+                <a:t>전투 </a:t>
+              </a:r>
+              <a:r>
+                <a:rPr lang="ko-KR" altLang="en-US" sz="1800" dirty="0" smtClean="0"/>
+                <a:t>정의</a:t>
+              </a:r>
+              <a:endParaRPr lang="en-US" altLang="ko-KR" sz="1800" dirty="0" smtClean="0"/>
+            </a:p>
+            <a:p>
+              <a:pPr marL="109728" indent="0">
+                <a:buNone/>
+              </a:pPr>
+              <a:r>
+                <a:rPr lang="en-US" altLang="ko-KR" sz="1800" dirty="0" smtClean="0"/>
+                <a:t>2-2 </a:t>
+              </a:r>
+              <a:r>
+                <a:rPr lang="ko-KR" altLang="en-US" sz="1800" dirty="0" smtClean="0"/>
+                <a:t>이동과 판정</a:t>
               </a:r>
               <a:endParaRPr lang="en-US" altLang="ko-KR" sz="1800" dirty="0" smtClean="0"/>
             </a:p>
@@ -23135,29 +24579,12 @@
               </a:r>
               <a:r>
                 <a:rPr lang="ko-KR" altLang="en-US" sz="1800" dirty="0" smtClean="0"/>
-                <a:t>응용 전투</a:t>
-              </a:r>
-              <a:endParaRPr lang="en-US" altLang="ko-KR" sz="1800" dirty="0" smtClean="0"/>
-            </a:p>
-            <a:p>
-              <a:pPr marL="109728" indent="0">
-                <a:buNone/>
-              </a:pPr>
-              <a:r>
-                <a:rPr lang="en-US" altLang="ko-KR" sz="1800" dirty="0" smtClean="0"/>
-                <a:t>2-6 </a:t>
+                <a:t>응용 </a:t>
               </a:r>
               <a:r>
                 <a:rPr lang="ko-KR" altLang="en-US" sz="1800" dirty="0" smtClean="0"/>
-                <a:t>판정 시스템</a:t>
+                <a:t>전투</a:t>
               </a:r>
-              <a:endParaRPr lang="en-US" altLang="ko-KR" sz="1800" dirty="0"/>
-            </a:p>
-            <a:p>
-              <a:pPr marL="624078" indent="-514350">
-                <a:buFont typeface="Georgia"/>
-                <a:buAutoNum type="arabicPeriod"/>
-              </a:pPr>
               <a:endParaRPr lang="en-US" altLang="ko-KR" sz="1800" dirty="0" smtClean="0"/>
             </a:p>
             <a:p>
@@ -23638,7 +25065,7 @@
         </p:nvGrpSpPr>
         <p:grpSpPr>
           <a:xfrm>
-            <a:off x="4690004" y="1527504"/>
+            <a:off x="4258734" y="1527504"/>
             <a:ext cx="4487333" cy="2179177"/>
             <a:chOff x="609599" y="5350432"/>
             <a:chExt cx="4487333" cy="2179177"/>
@@ -24659,7 +26086,7 @@
         </p:nvGrpSpPr>
         <p:grpSpPr>
           <a:xfrm>
-            <a:off x="4690004" y="3874990"/>
+            <a:off x="4258734" y="3874990"/>
             <a:ext cx="4487333" cy="1260227"/>
             <a:chOff x="609599" y="5350432"/>
             <a:chExt cx="4487333" cy="1260227"/>
@@ -25381,6 +26808,18 @@
               <a:rPr lang="ko-KR" altLang="en-US" sz="2000" dirty="0" smtClean="0"/>
               <a:t>기획의도</a:t>
             </a:r>
+            <a:r>
+              <a:rPr lang="en-US" altLang="ko-KR" sz="2000" dirty="0" smtClean="0"/>
+              <a:t>(</a:t>
+            </a:r>
+            <a:r>
+              <a:rPr lang="ko-KR" altLang="en-US" sz="2000" dirty="0" err="1" smtClean="0"/>
+              <a:t>작성중</a:t>
+            </a:r>
+            <a:r>
+              <a:rPr lang="en-US" altLang="ko-KR" sz="2000" dirty="0" smtClean="0"/>
+              <a:t>)</a:t>
+            </a:r>
             <a:endParaRPr lang="ko-KR" altLang="en-US" sz="2000" dirty="0"/>
           </a:p>
         </p:txBody>
@@ -25425,12 +26864,9 @@
           <a:p>
             <a:r>
               <a:rPr lang="ko-KR" altLang="en-US" sz="2000" dirty="0" smtClean="0"/>
-              <a:t>누구나 할 수 있는 게임</a:t>
-            </a:r>
-            <a:r>
-              <a:rPr lang="en-US" altLang="ko-KR" sz="2000" dirty="0" smtClean="0"/>
-              <a:t>.</a:t>
-            </a:r>
+              <a:t>빠른 템포의 전투</a:t>
+            </a:r>
+            <a:endParaRPr lang="en-US" altLang="ko-KR" sz="2000" dirty="0" smtClean="0"/>
           </a:p>
         </p:txBody>
       </p:sp>
@@ -25474,40 +26910,50 @@
           <a:p>
             <a:r>
               <a:rPr lang="ko-KR" altLang="en-US" sz="1400" dirty="0" smtClean="0"/>
-              <a:t>간편한 조작과 단순한 </a:t>
+              <a:t>한 스테이지의 총 플레이 시간을 </a:t>
             </a:r>
             <a:r>
               <a:rPr lang="en-US" altLang="ko-KR" sz="1400" dirty="0" smtClean="0"/>
-              <a:t>UI, </a:t>
+              <a:t>3</a:t>
             </a:r>
             <a:r>
               <a:rPr lang="ko-KR" altLang="en-US" sz="1400" dirty="0" smtClean="0"/>
-              <a:t>한눈에 들어오는 전투 상황을 유저에게 제공하고자 하였다</a:t>
+              <a:t>분 이하로 한다</a:t>
             </a:r>
             <a:r>
               <a:rPr lang="en-US" altLang="ko-KR" sz="1400" dirty="0" smtClean="0"/>
               <a:t>.</a:t>
             </a:r>
+          </a:p>
+          <a:p>
             <a:r>
               <a:rPr lang="ko-KR" altLang="en-US" sz="1400" dirty="0" smtClean="0"/>
-              <a:t> </a:t>
+              <a:t>간편한 </a:t>
+            </a:r>
+            <a:r>
+              <a:rPr lang="en-US" altLang="ko-KR" sz="1400" dirty="0" smtClean="0"/>
+              <a:t>UI </a:t>
+            </a:r>
+            <a:r>
+              <a:rPr lang="ko-KR" altLang="en-US" sz="1400" dirty="0" smtClean="0"/>
+              <a:t>디자인으로</a:t>
             </a:r>
             <a:r>
               <a:rPr lang="en-US" altLang="ko-KR" sz="1400" dirty="0" smtClean="0"/>
               <a:t> </a:t>
             </a:r>
-          </a:p>
-          <a:p>
             <a:r>
               <a:rPr lang="ko-KR" altLang="en-US" sz="1400" dirty="0" smtClean="0"/>
-              <a:t>진입 장벽을 낮추어 누구나 손쉽게 할 수 있는 게임을 기획하고자 노력하였다</a:t>
+              <a:t>전투 중 빠른 스킬 사용과 아이템 선택 및 사용이 가능하도록 할 것이다</a:t>
             </a:r>
             <a:r>
               <a:rPr lang="en-US" altLang="ko-KR" sz="1400" dirty="0" smtClean="0"/>
               <a:t>.</a:t>
             </a:r>
-          </a:p>
-          <a:p>
+            <a:r>
+              <a:rPr lang="ko-KR" altLang="en-US" sz="1400" dirty="0" smtClean="0"/>
+              <a:t>  </a:t>
+            </a:r>
             <a:endParaRPr lang="en-US" altLang="ko-KR" sz="1400" dirty="0" smtClean="0"/>
           </a:p>
         </p:txBody>
@@ -25627,10 +27073,14 @@
           <a:p>
             <a:r>
               <a:rPr lang="ko-KR" altLang="en-US" sz="1400" dirty="0" smtClean="0"/>
-              <a:t>진입 장벽을 낮추어 누구나 손쉽게 할 수 있는 게임을 기획하고자 노력하였다</a:t>
-            </a:r>
-            <a:r>
-              <a:rPr lang="en-US" altLang="ko-KR" sz="1400" dirty="0" smtClean="0"/>
+              <a:t>진입 장벽을 낮추어 누구나 손쉽게 할 수 있는 게임을 </a:t>
+            </a:r>
+            <a:r>
+              <a:rPr lang="ko-KR" altLang="en-US" sz="1400" dirty="0"/>
+              <a:t>기획하고자 하였다</a:t>
+            </a:r>
+            <a:r>
+              <a:rPr lang="en-US" altLang="ko-KR" sz="1400" dirty="0"/>
               <a:t>.</a:t>
             </a:r>
           </a:p>
@@ -25768,7 +27218,11 @@
             <a:p>
               <a:r>
                 <a:rPr lang="ko-KR" altLang="en-US" sz="1400" dirty="0" smtClean="0"/>
-                <a:t>진입 장벽을 낮추어 누구나 손쉽게 할 수 있는 게임을 기획하고자 노력하였다</a:t>
+                <a:t>진입 장벽을 낮추어 누구나 손쉽게 할 수 있는 게임을 기획하고자 </a:t>
+              </a:r>
+              <a:r>
+                <a:rPr lang="ko-KR" altLang="en-US" sz="1400" dirty="0" smtClean="0"/>
+                <a:t>하였다</a:t>
               </a:r>
               <a:r>
                 <a:rPr lang="en-US" altLang="ko-KR" sz="1400" dirty="0" smtClean="0"/>
@@ -25791,13 +27245,13 @@
   <p:clrMapOvr>
     <a:masterClrMapping/>
   </p:clrMapOvr>
-  <mc:AlternateContent xmlns:mc="http://schemas.openxmlformats.org/markup-compatibility/2006">
-    <mc:Choice xmlns:p14="http://schemas.microsoft.com/office/powerpoint/2010/main" Requires="p14">
+  <mc:AlternateContent xmlns:mc="http://schemas.openxmlformats.org/markup-compatibility/2006" xmlns:p14="http://schemas.microsoft.com/office/powerpoint/2010/main">
+    <mc:Choice Requires="p14">
       <p:transition spd="med" p14:dur="700">
         <p:fade/>
       </p:transition>
     </mc:Choice>
-    <mc:Fallback>
+    <mc:Fallback xmlns="">
       <p:transition spd="med">
         <p:fade/>
       </p:transition>
@@ -25865,6 +27319,18 @@
               <a:rPr lang="ko-KR" altLang="en-US" sz="2000" dirty="0" err="1" smtClean="0"/>
               <a:t>컨셉</a:t>
             </a:r>
+            <a:r>
+              <a:rPr lang="en-US" altLang="ko-KR" sz="2000" dirty="0" smtClean="0"/>
+              <a:t>(</a:t>
+            </a:r>
+            <a:r>
+              <a:rPr lang="ko-KR" altLang="en-US" sz="2000" dirty="0" err="1" smtClean="0"/>
+              <a:t>작성중</a:t>
+            </a:r>
+            <a:r>
+              <a:rPr lang="en-US" altLang="ko-KR" sz="2000" dirty="0" smtClean="0"/>
+              <a:t>)</a:t>
+            </a:r>
             <a:endParaRPr lang="ko-KR" altLang="en-US" sz="2000" dirty="0"/>
           </a:p>
         </p:txBody>
@@ -25938,7 +27404,7 @@
         <p:spPr>
           <a:xfrm>
             <a:off x="1063015" y="1907628"/>
-            <a:ext cx="5032985" cy="4639872"/>
+            <a:ext cx="5032985" cy="1521372"/>
           </a:xfrm>
           <a:prstGeom prst="rect">
             <a:avLst/>
@@ -25999,22 +27465,37 @@
             </a:r>
             <a:r>
               <a:rPr lang="ko-KR" altLang="en-US" sz="1400" dirty="0" smtClean="0"/>
-              <a:t> 스타일의 게임</a:t>
+              <a:t> 스타일의 </a:t>
+            </a:r>
+            <a:r>
+              <a:rPr lang="ko-KR" altLang="en-US" sz="1400" dirty="0" err="1" smtClean="0"/>
+              <a:t>횡스크롤</a:t>
+            </a:r>
+            <a:r>
+              <a:rPr lang="ko-KR" altLang="en-US" sz="1400" dirty="0" smtClean="0"/>
+              <a:t> 액션 게임</a:t>
             </a:r>
             <a:r>
               <a:rPr lang="en-US" altLang="ko-KR" sz="1400" dirty="0" smtClean="0"/>
-              <a:t>.</a:t>
-            </a:r>
-          </a:p>
-          <a:p>
+              <a:t>. (</a:t>
+            </a:r>
             <a:r>
               <a:rPr lang="ko-KR" altLang="en-US" sz="1400" dirty="0" smtClean="0"/>
-              <a:t>좌에서 우로 게임을 진행해 나간다</a:t>
+              <a:t>좌에서 </a:t>
+            </a:r>
+            <a:r>
+              <a:rPr lang="ko-KR" altLang="en-US" sz="1400" dirty="0" smtClean="0"/>
+              <a:t>우로 게임을 </a:t>
+            </a:r>
+            <a:r>
+              <a:rPr lang="ko-KR" altLang="en-US" sz="1400" dirty="0" smtClean="0"/>
+              <a:t>진행</a:t>
             </a:r>
             <a:r>
               <a:rPr lang="en-US" altLang="ko-KR" sz="1400" dirty="0" smtClean="0"/>
-              <a:t>.</a:t>
-            </a:r>
+              <a:t>.)</a:t>
+            </a:r>
+            <a:endParaRPr lang="en-US" altLang="ko-KR" sz="1400" dirty="0" smtClean="0"/>
           </a:p>
         </p:txBody>
       </p:sp>
@@ -26125,13 +27606,13 @@
   <p:clrMapOvr>
     <a:masterClrMapping/>
   </p:clrMapOvr>
-  <mc:AlternateContent xmlns:mc="http://schemas.openxmlformats.org/markup-compatibility/2006">
-    <mc:Choice xmlns:p14="http://schemas.microsoft.com/office/powerpoint/2010/main" Requires="p14">
+  <mc:AlternateContent xmlns:mc="http://schemas.openxmlformats.org/markup-compatibility/2006" xmlns:p14="http://schemas.microsoft.com/office/powerpoint/2010/main">
+    <mc:Choice Requires="p14">
       <p:transition spd="med" p14:dur="700">
         <p:fade/>
       </p:transition>
     </mc:Choice>
-    <mc:Fallback>
+    <mc:Fallback xmlns="">
       <p:transition spd="med">
         <p:fade/>
       </p:transition>
@@ -26213,13 +27694,13 @@
   <p:clrMapOvr>
     <a:masterClrMapping/>
   </p:clrMapOvr>
-  <mc:AlternateContent xmlns:mc="http://schemas.openxmlformats.org/markup-compatibility/2006">
-    <mc:Choice xmlns:p14="http://schemas.microsoft.com/office/powerpoint/2010/main" Requires="p14">
+  <mc:AlternateContent xmlns:mc="http://schemas.openxmlformats.org/markup-compatibility/2006" xmlns:p14="http://schemas.microsoft.com/office/powerpoint/2010/main">
+    <mc:Choice Requires="p14">
       <p:transition spd="med" p14:dur="700">
         <p:fade/>
       </p:transition>
     </mc:Choice>
-    <mc:Fallback>
+    <mc:Fallback xmlns="">
       <p:transition spd="med">
         <p:fade/>
       </p:transition>
@@ -26374,12 +27855,12 @@
               <a:buFontTx/>
               <a:buChar char="-"/>
             </a:pPr>
-            <a:endParaRPr lang="en-US" altLang="ko-KR" sz="1400" dirty="0"/>
+            <a:endParaRPr lang="en-US" altLang="ko-KR" sz="1400" dirty="0" smtClean="0"/>
           </a:p>
           <a:p>
             <a:r>
               <a:rPr lang="ko-KR" altLang="en-US" sz="1400" dirty="0" smtClean="0"/>
-              <a:t>일반전투 </a:t>
+              <a:t>일반공격 </a:t>
             </a:r>
             <a:r>
               <a:rPr lang="en-US" altLang="ko-KR" sz="1400" dirty="0" smtClean="0"/>
@@ -26404,8 +27885,8 @@
           </a:p>
           <a:p>
             <a:r>
-              <a:rPr lang="ko-KR" altLang="en-US" sz="1400" dirty="0" smtClean="0"/>
-              <a:t>연계전투 </a:t>
+              <a:rPr lang="ko-KR" altLang="en-US" sz="1400" dirty="0"/>
+              <a:t>연계공격 </a:t>
             </a:r>
             <a:r>
               <a:rPr lang="en-US" altLang="ko-KR" sz="1400" dirty="0" smtClean="0"/>
@@ -26436,11 +27917,11 @@
           <a:p>
             <a:pPr marL="800100" indent="-800100"/>
             <a:r>
-              <a:rPr lang="ko-KR" altLang="en-US" sz="1400" dirty="0" err="1" smtClean="0"/>
-              <a:t>스킬전투</a:t>
-            </a:r>
-            <a:r>
-              <a:rPr lang="ko-KR" altLang="en-US" sz="1400" dirty="0" smtClean="0"/>
+              <a:rPr lang="ko-KR" altLang="en-US" sz="1400" dirty="0" err="1"/>
+              <a:t>스킬공격</a:t>
+            </a:r>
+            <a:r>
+              <a:rPr lang="ko-KR" altLang="en-US" sz="1400" dirty="0"/>
               <a:t> </a:t>
             </a:r>
             <a:r>
@@ -26463,8 +27944,8 @@
           </a:p>
           <a:p>
             <a:r>
-              <a:rPr lang="ko-KR" altLang="en-US" sz="1400" dirty="0" smtClean="0"/>
-              <a:t>응용전투 </a:t>
+              <a:rPr lang="ko-KR" altLang="en-US" sz="1400" dirty="0"/>
+              <a:t>응용공격 </a:t>
             </a:r>
             <a:r>
               <a:rPr lang="en-US" altLang="ko-KR" sz="1400" dirty="0" smtClean="0"/>
@@ -26480,15 +27961,7 @@
             </a:r>
             <a:r>
               <a:rPr lang="ko-KR" altLang="en-US" sz="1400" dirty="0" smtClean="0"/>
-              <a:t>아이템을 소모하여 발생되</a:t>
-            </a:r>
-            <a:r>
-              <a:rPr lang="ko-KR" altLang="en-US" sz="1400" dirty="0" smtClean="0"/>
-              <a:t>는</a:t>
-            </a:r>
-            <a:r>
-              <a:rPr lang="ko-KR" altLang="en-US" sz="1400" dirty="0" smtClean="0"/>
-              <a:t> 전투행동</a:t>
+              <a:t>아이템을 소모하여 발생되는 전투행동</a:t>
             </a:r>
             <a:r>
               <a:rPr lang="en-US" altLang="ko-KR" sz="1400" dirty="0" smtClean="0"/>
@@ -26548,7 +28021,7 @@
         <p:spPr>
           <a:xfrm>
             <a:off x="7130764" y="955130"/>
-            <a:ext cx="3590818" cy="2993592"/>
+            <a:ext cx="3590817" cy="2993592"/>
           </a:xfrm>
           <a:prstGeom prst="rect">
             <a:avLst/>
@@ -27474,13 +28947,13 @@
   <p:clrMapOvr>
     <a:masterClrMapping/>
   </p:clrMapOvr>
-  <mc:AlternateContent xmlns:mc="http://schemas.openxmlformats.org/markup-compatibility/2006">
-    <mc:Choice xmlns:p14="http://schemas.microsoft.com/office/powerpoint/2010/main" Requires="p14">
+  <mc:AlternateContent xmlns:mc="http://schemas.openxmlformats.org/markup-compatibility/2006" xmlns:p14="http://schemas.microsoft.com/office/powerpoint/2010/main">
+    <mc:Choice Requires="p14">
       <p:transition spd="med" p14:dur="700">
         <p:fade/>
       </p:transition>
     </mc:Choice>
-    <mc:Fallback>
+    <mc:Fallback xmlns="">
       <p:transition spd="med">
         <p:fade/>
       </p:transition>
@@ -27542,15 +29015,7 @@
             </a:r>
             <a:r>
               <a:rPr lang="ko-KR" altLang="en-US" sz="2000" dirty="0" smtClean="0"/>
-              <a:t>일반</a:t>
-            </a:r>
-            <a:r>
-              <a:rPr lang="en-US" altLang="ko-KR" sz="2000" dirty="0"/>
-              <a:t> </a:t>
-            </a:r>
-            <a:r>
-              <a:rPr lang="ko-KR" altLang="en-US" sz="2000" dirty="0" smtClean="0"/>
-              <a:t>전투</a:t>
+              <a:t>이동</a:t>
             </a:r>
             <a:endParaRPr lang="ko-KR" altLang="en-US" sz="2000" dirty="0"/>
           </a:p>
@@ -27566,8 +29031,8 @@
         </p:nvSpPr>
         <p:spPr>
           <a:xfrm>
-            <a:off x="720000" y="1440001"/>
-            <a:ext cx="5400675" cy="704110"/>
+            <a:off x="720000" y="1440000"/>
+            <a:ext cx="5400675" cy="2275185"/>
           </a:xfrm>
           <a:prstGeom prst="rect">
             <a:avLst/>
@@ -27596,15 +29061,164 @@
           <a:p>
             <a:r>
               <a:rPr lang="ko-KR" altLang="en-US" sz="1400" dirty="0" smtClean="0"/>
-              <a:t>일반 </a:t>
-            </a:r>
-            <a:r>
-              <a:rPr lang="ko-KR" altLang="en-US" sz="1400" dirty="0" err="1"/>
-              <a:t>공격키</a:t>
-            </a:r>
+              <a:t>기능</a:t>
+            </a:r>
+            <a:endParaRPr lang="en-US" altLang="ko-KR" sz="1400" dirty="0" smtClean="0"/>
+          </a:p>
+          <a:p>
+            <a:endParaRPr lang="en-US" altLang="ko-KR" sz="1400" dirty="0" smtClean="0"/>
+          </a:p>
+          <a:p>
+            <a:r>
+              <a:rPr lang="ko-KR" altLang="en-US" sz="1400" dirty="0" smtClean="0"/>
+              <a:t>캐릭터는</a:t>
+            </a:r>
+            <a:r>
+              <a:rPr lang="ko-KR" altLang="en-US" sz="1400" dirty="0" smtClean="0"/>
+              <a:t> 오른쪽</a:t>
+            </a:r>
+            <a:r>
+              <a:rPr lang="en-US" altLang="ko-KR" sz="1400" dirty="0" smtClean="0"/>
+              <a:t>(</a:t>
+            </a:r>
+            <a:r>
+              <a:rPr lang="ko-KR" altLang="en-US" sz="1400" dirty="0" smtClean="0"/>
+              <a:t>전진</a:t>
+            </a:r>
+            <a:r>
+              <a:rPr lang="en-US" altLang="ko-KR" sz="1400" dirty="0" smtClean="0"/>
+              <a:t>), </a:t>
+            </a:r>
+            <a:r>
+              <a:rPr lang="ko-KR" altLang="en-US" sz="1400" dirty="0" smtClean="0"/>
+              <a:t>왼쪽</a:t>
+            </a:r>
+            <a:r>
+              <a:rPr lang="en-US" altLang="ko-KR" sz="1400" dirty="0" smtClean="0"/>
+              <a:t>(</a:t>
+            </a:r>
+            <a:r>
+              <a:rPr lang="ko-KR" altLang="en-US" sz="1400" dirty="0" smtClean="0"/>
+              <a:t>후진</a:t>
+            </a:r>
+            <a:r>
+              <a:rPr lang="en-US" altLang="ko-KR" sz="1400" dirty="0" smtClean="0"/>
+              <a:t>), </a:t>
+            </a:r>
+            <a:r>
+              <a:rPr lang="ko-KR" altLang="en-US" sz="1400" dirty="0" smtClean="0"/>
+              <a:t>상</a:t>
+            </a:r>
+            <a:r>
+              <a:rPr lang="en-US" altLang="ko-KR" sz="1400" dirty="0" smtClean="0"/>
+              <a:t>,</a:t>
+            </a:r>
+            <a:r>
+              <a:rPr lang="ko-KR" altLang="en-US" sz="1400" dirty="0" smtClean="0"/>
+              <a:t> 하로 이동 가능하다</a:t>
+            </a:r>
+            <a:r>
+              <a:rPr lang="en-US" altLang="ko-KR" sz="1400" dirty="0" smtClean="0"/>
+              <a:t>.</a:t>
+            </a:r>
+            <a:r>
+              <a:rPr lang="ko-KR" altLang="en-US" sz="1400" dirty="0" smtClean="0"/>
+              <a:t> </a:t>
+            </a:r>
+            <a:endParaRPr lang="en-US" altLang="ko-KR" sz="1400" dirty="0" smtClean="0"/>
+          </a:p>
+          <a:p>
+            <a:r>
+              <a:rPr lang="ko-KR" altLang="en-US" sz="1400" dirty="0" smtClean="0"/>
+              <a:t> </a:t>
+            </a:r>
+            <a:endParaRPr lang="en-US" altLang="ko-KR" sz="1400" dirty="0" smtClean="0"/>
+          </a:p>
+          <a:p>
+            <a:endParaRPr lang="en-US" altLang="ko-KR" sz="1400" dirty="0" smtClean="0"/>
+          </a:p>
+          <a:p>
+            <a:r>
+              <a:rPr lang="ko-KR" altLang="en-US" sz="1400" dirty="0" smtClean="0"/>
+              <a:t>규칙</a:t>
+            </a:r>
+            <a:endParaRPr lang="en-US" altLang="ko-KR" sz="1400" dirty="0" smtClean="0"/>
+          </a:p>
+          <a:p>
+            <a:endParaRPr lang="en-US" altLang="ko-KR" sz="1400" dirty="0"/>
+          </a:p>
+          <a:p>
+            <a:r>
+              <a:rPr lang="ko-KR" altLang="en-US" sz="1400" dirty="0" smtClean="0"/>
+              <a:t>상하로 이동 중 공격은 불가능하다</a:t>
+            </a:r>
+            <a:r>
+              <a:rPr lang="en-US" altLang="ko-KR" sz="1400" dirty="0" smtClean="0"/>
+              <a:t>.</a:t>
+            </a:r>
+          </a:p>
+          <a:p>
+            <a:r>
+              <a:rPr lang="ko-KR" altLang="en-US" sz="1400" dirty="0" smtClean="0"/>
+              <a:t>좌우 이동 시 </a:t>
+            </a:r>
+            <a:r>
+              <a:rPr lang="ko-KR" altLang="en-US" sz="1400" dirty="0" err="1" smtClean="0"/>
+              <a:t>이동키를</a:t>
+            </a:r>
+            <a:r>
+              <a:rPr lang="ko-KR" altLang="en-US" sz="1400" dirty="0" smtClean="0"/>
+              <a:t> </a:t>
+            </a:r>
+            <a:r>
+              <a:rPr lang="ko-KR" altLang="en-US" sz="1400" dirty="0" err="1" smtClean="0"/>
+              <a:t>두번</a:t>
+            </a:r>
+            <a:r>
+              <a:rPr lang="ko-KR" altLang="en-US" sz="1400" dirty="0" smtClean="0"/>
+              <a:t> 연타하면 달리기 가능</a:t>
+            </a:r>
+            <a:r>
+              <a:rPr lang="en-US" altLang="ko-KR" sz="1400" dirty="0" smtClean="0"/>
+              <a:t>.</a:t>
+            </a:r>
+          </a:p>
+          <a:p>
             <a:r>
               <a:rPr lang="ko-KR" altLang="en-US" sz="1400" dirty="0"/>
-              <a:t> 입력으로 발생되는 전투행동</a:t>
+              <a:t>왼쪽</a:t>
+            </a:r>
+            <a:r>
+              <a:rPr lang="en-US" altLang="ko-KR" sz="1400" dirty="0"/>
+              <a:t>(</a:t>
+            </a:r>
+            <a:r>
+              <a:rPr lang="ko-KR" altLang="en-US" sz="1400" dirty="0"/>
+              <a:t>후진</a:t>
+            </a:r>
+            <a:r>
+              <a:rPr lang="en-US" altLang="ko-KR" sz="1400" dirty="0"/>
+              <a:t>)</a:t>
+            </a:r>
+            <a:r>
+              <a:rPr lang="ko-KR" altLang="en-US" sz="1400" dirty="0"/>
+              <a:t>은 오른쪽</a:t>
+            </a:r>
+            <a:r>
+              <a:rPr lang="en-US" altLang="ko-KR" sz="1400" dirty="0"/>
+              <a:t>(</a:t>
+            </a:r>
+            <a:r>
+              <a:rPr lang="ko-KR" altLang="en-US" sz="1400" dirty="0"/>
+              <a:t>전진</a:t>
+            </a:r>
+            <a:r>
+              <a:rPr lang="en-US" altLang="ko-KR" sz="1400" dirty="0"/>
+              <a:t>) </a:t>
+            </a:r>
+            <a:r>
+              <a:rPr lang="ko-KR" altLang="en-US" sz="1400" dirty="0"/>
+              <a:t>이동 애니메이션의 좌우반전이다</a:t>
             </a:r>
             <a:r>
               <a:rPr lang="en-US" altLang="ko-KR" sz="1400" dirty="0"/>
@@ -27615,758 +29229,44 @@
             <a:endParaRPr lang="en-US" altLang="ko-KR" sz="1400" dirty="0" smtClean="0"/>
           </a:p>
           <a:p>
-            <a:r>
-              <a:rPr lang="ko-KR" altLang="ko-KR" sz="1400" dirty="0" smtClean="0"/>
-              <a:t>사거리</a:t>
-            </a:r>
-            <a:r>
-              <a:rPr lang="en-US" altLang="ko-KR" sz="1400" dirty="0"/>
-              <a:t>, </a:t>
-            </a:r>
-            <a:r>
-              <a:rPr lang="ko-KR" altLang="ko-KR" sz="1400" dirty="0"/>
-              <a:t>범위는 캐릭터 정면을 </a:t>
-            </a:r>
-            <a:r>
-              <a:rPr lang="en-US" altLang="ko-KR" sz="1400" dirty="0"/>
-              <a:t>5</a:t>
-            </a:r>
-            <a:r>
-              <a:rPr lang="ko-KR" altLang="ko-KR" sz="1400" dirty="0"/>
-              <a:t>단계로 구분하여 </a:t>
-            </a:r>
-            <a:r>
-              <a:rPr lang="ko-KR" altLang="ko-KR" sz="1400" dirty="0" smtClean="0"/>
-              <a:t>분류</a:t>
-            </a:r>
-            <a:r>
-              <a:rPr lang="en-US" altLang="ko-KR" sz="1400" dirty="0" smtClean="0"/>
-              <a:t>.</a:t>
-            </a:r>
-          </a:p>
-          <a:p>
-            <a:pPr marL="285750" indent="-285750">
-              <a:buFontTx/>
-              <a:buChar char="-"/>
-            </a:pPr>
-            <a:endParaRPr lang="en-US" altLang="ko-KR" sz="1400" dirty="0" smtClean="0"/>
-          </a:p>
-          <a:p>
-            <a:endParaRPr lang="en-US" altLang="ko-KR" sz="1400" dirty="0"/>
-          </a:p>
-          <a:p>
             <a:endParaRPr lang="en-US" altLang="ko-KR" sz="1400" dirty="0" smtClean="0"/>
           </a:p>
         </p:txBody>
       </p:sp>
-      <p:sp>
-        <p:nvSpPr>
-          <p:cNvPr id="7" name="제목 1"/>
-          <p:cNvSpPr txBox="1">
-            <a:spLocks/>
-          </p:cNvSpPr>
+      <p:pic>
+        <p:nvPicPr>
+          <p:cNvPr id="3" name="그림 2"/>
+          <p:cNvPicPr>
+            <a:picLocks noChangeAspect="1"/>
+          </p:cNvPicPr>
           <p:nvPr/>
-        </p:nvSpPr>
+        </p:nvPicPr>
+        <p:blipFill>
+          <a:blip r:embed="rId3">
+            <a:extLst>
+              <a:ext uri="{28A0092B-C50C-407E-A947-70E740481C1C}">
+                <a14:useLocalDpi xmlns:a14="http://schemas.microsoft.com/office/drawing/2010/main" val="0"/>
+              </a:ext>
+            </a:extLst>
+          </a:blip>
+          <a:stretch>
+            <a:fillRect/>
+          </a:stretch>
+        </p:blipFill>
         <p:spPr>
           <a:xfrm>
-            <a:off x="720000" y="4680000"/>
-            <a:ext cx="5400675" cy="1035186"/>
+            <a:off x="6096000" y="0"/>
+            <a:ext cx="5045525" cy="4436772"/>
           </a:xfrm>
           <a:prstGeom prst="rect">
             <a:avLst/>
           </a:prstGeom>
         </p:spPr>
-        <p:txBody>
-          <a:bodyPr vert="horz" rtlCol="0" anchor="t">
-            <a:noAutofit/>
-          </a:bodyPr>
-          <a:lstStyle>
-            <a:lvl1pPr algn="l" rtl="0" eaLnBrk="1" latinLnBrk="1" hangingPunct="1">
-              <a:spcBef>
-                <a:spcPct val="0"/>
-              </a:spcBef>
-              <a:buNone/>
-              <a:defRPr kumimoji="0" sz="4000" kern="1200">
-                <a:solidFill>
-                  <a:schemeClr val="tx2"/>
-                </a:solidFill>
-                <a:latin typeface="맑은 고딕" panose="020B0503020000020004" pitchFamily="50" charset="-127"/>
-                <a:ea typeface="+mj-ea"/>
-                <a:cs typeface="+mj-cs"/>
-              </a:defRPr>
-            </a:lvl1pPr>
-          </a:lstStyle>
-          <a:p>
-            <a:r>
-              <a:rPr lang="ko-KR" altLang="ko-KR" sz="1400" dirty="0" smtClean="0"/>
-              <a:t>활을 </a:t>
-            </a:r>
-            <a:r>
-              <a:rPr lang="ko-KR" altLang="ko-KR" sz="1400" dirty="0"/>
-              <a:t>이용한 </a:t>
-            </a:r>
-            <a:r>
-              <a:rPr lang="ko-KR" altLang="ko-KR" sz="1400" dirty="0" err="1"/>
-              <a:t>공격시</a:t>
-            </a:r>
-            <a:r>
-              <a:rPr lang="ko-KR" altLang="ko-KR" sz="1400" dirty="0"/>
-              <a:t> 사거리 안에 들어오는 경우에만 피해를 입는다</a:t>
-            </a:r>
-            <a:r>
-              <a:rPr lang="en-US" altLang="ko-KR" sz="1400" dirty="0"/>
-              <a:t>. </a:t>
-            </a:r>
-            <a:r>
-              <a:rPr lang="ko-KR" altLang="ko-KR" sz="1400" dirty="0"/>
-              <a:t>사거리 바깥으로 나가 있으면 피해 </a:t>
-            </a:r>
-            <a:r>
-              <a:rPr lang="ko-KR" altLang="ko-KR" sz="1400" dirty="0" smtClean="0"/>
-              <a:t>없</a:t>
-            </a:r>
-            <a:r>
-              <a:rPr lang="ko-KR" altLang="en-US" sz="1400" dirty="0" smtClean="0"/>
-              <a:t>음</a:t>
-            </a:r>
-            <a:r>
-              <a:rPr lang="en-US" altLang="ko-KR" sz="1400" dirty="0" smtClean="0"/>
-              <a:t>.</a:t>
-            </a:r>
-          </a:p>
-        </p:txBody>
-      </p:sp>
-      <p:grpSp>
-        <p:nvGrpSpPr>
-          <p:cNvPr id="8" name="그룹 7"/>
-          <p:cNvGrpSpPr/>
-          <p:nvPr/>
-        </p:nvGrpSpPr>
-        <p:grpSpPr>
-          <a:xfrm>
-            <a:off x="6503205" y="4259355"/>
-            <a:ext cx="5024519" cy="2167363"/>
-            <a:chOff x="6159270" y="1094389"/>
-            <a:chExt cx="5337406" cy="2302329"/>
-          </a:xfrm>
-        </p:grpSpPr>
-        <p:pic>
-          <p:nvPicPr>
-            <p:cNvPr id="9" name="그림 8"/>
-            <p:cNvPicPr/>
-            <p:nvPr/>
-          </p:nvPicPr>
-          <p:blipFill>
-            <a:blip r:embed="rId3">
-              <a:extLst>
-                <a:ext uri="{28A0092B-C50C-407E-A947-70E740481C1C}">
-                  <a14:useLocalDpi xmlns:a14="http://schemas.microsoft.com/office/drawing/2010/main" val="0"/>
-                </a:ext>
-              </a:extLst>
-            </a:blip>
-            <a:stretch>
-              <a:fillRect/>
-            </a:stretch>
-          </p:blipFill>
-          <p:spPr>
-            <a:xfrm>
-              <a:off x="6159270" y="1094389"/>
-              <a:ext cx="5337406" cy="2302329"/>
-            </a:xfrm>
-            <a:prstGeom prst="rect">
-              <a:avLst/>
-            </a:prstGeom>
-          </p:spPr>
-        </p:pic>
-        <p:cxnSp>
-          <p:nvCxnSpPr>
-            <p:cNvPr id="10" name="직선 화살표 연결선 9"/>
-            <p:cNvCxnSpPr/>
-            <p:nvPr/>
-          </p:nvCxnSpPr>
-          <p:spPr>
-            <a:xfrm>
-              <a:off x="7719935" y="2263515"/>
-              <a:ext cx="1918741" cy="0"/>
-            </a:xfrm>
-            <a:prstGeom prst="straightConnector1">
-              <a:avLst/>
-            </a:prstGeom>
-            <a:ln>
-              <a:solidFill>
-                <a:schemeClr val="tx1">
-                  <a:lumMod val="75000"/>
-                  <a:lumOff val="25000"/>
-                </a:schemeClr>
-              </a:solidFill>
-              <a:headEnd type="triangle"/>
-              <a:tailEnd type="triangle"/>
-            </a:ln>
-          </p:spPr>
-          <p:style>
-            <a:lnRef idx="1">
-              <a:schemeClr val="accent1"/>
-            </a:lnRef>
-            <a:fillRef idx="0">
-              <a:schemeClr val="accent1"/>
-            </a:fillRef>
-            <a:effectRef idx="0">
-              <a:schemeClr val="accent1"/>
-            </a:effectRef>
-            <a:fontRef idx="minor">
-              <a:schemeClr val="tx1"/>
-            </a:fontRef>
-          </p:style>
-        </p:cxnSp>
-      </p:grpSp>
-      <p:sp>
-        <p:nvSpPr>
-          <p:cNvPr id="11" name="제목 1"/>
-          <p:cNvSpPr txBox="1">
-            <a:spLocks/>
-          </p:cNvSpPr>
-          <p:nvPr/>
-        </p:nvSpPr>
-        <p:spPr>
-          <a:xfrm>
-            <a:off x="720000" y="3780000"/>
-            <a:ext cx="5400675" cy="1035186"/>
-          </a:xfrm>
-          <a:prstGeom prst="rect">
-            <a:avLst/>
-          </a:prstGeom>
-        </p:spPr>
-        <p:txBody>
-          <a:bodyPr vert="horz" rtlCol="0" anchor="t">
-            <a:noAutofit/>
-          </a:bodyPr>
-          <a:lstStyle>
-            <a:lvl1pPr algn="l" rtl="0" eaLnBrk="1" latinLnBrk="1" hangingPunct="1">
-              <a:spcBef>
-                <a:spcPct val="0"/>
-              </a:spcBef>
-              <a:buNone/>
-              <a:defRPr kumimoji="0" sz="4000" kern="1200">
-                <a:solidFill>
-                  <a:schemeClr val="tx2"/>
-                </a:solidFill>
-                <a:latin typeface="맑은 고딕" panose="020B0503020000020004" pitchFamily="50" charset="-127"/>
-                <a:ea typeface="+mj-ea"/>
-                <a:cs typeface="+mj-cs"/>
-              </a:defRPr>
-            </a:lvl1pPr>
-          </a:lstStyle>
-          <a:p>
-            <a:r>
-              <a:rPr lang="ko-KR" altLang="en-US" sz="1400" dirty="0" err="1" smtClean="0"/>
-              <a:t>몬스터가</a:t>
-            </a:r>
-            <a:r>
-              <a:rPr lang="ko-KR" altLang="en-US" sz="1400" dirty="0" smtClean="0"/>
-              <a:t> </a:t>
-            </a:r>
-            <a:r>
-              <a:rPr lang="ko-KR" altLang="en-US" sz="1400" dirty="0"/>
-              <a:t>스테이지에 들어오면 캐릭터에 접근</a:t>
-            </a:r>
-            <a:r>
-              <a:rPr lang="en-US" altLang="ko-KR" sz="1400" dirty="0" smtClean="0"/>
-              <a:t>.</a:t>
-            </a:r>
-            <a:endParaRPr lang="en-US" altLang="ko-KR" sz="1400" dirty="0"/>
-          </a:p>
-          <a:p>
-            <a:r>
-              <a:rPr lang="ko-KR" altLang="en-US" sz="1400" dirty="0" err="1"/>
-              <a:t>몬스터의</a:t>
-            </a:r>
-            <a:r>
-              <a:rPr lang="ko-KR" altLang="en-US" sz="1400" dirty="0"/>
-              <a:t> 범위 </a:t>
-            </a:r>
-            <a:r>
-              <a:rPr lang="en-US" altLang="ko-KR" sz="1400" dirty="0"/>
-              <a:t>3</a:t>
-            </a:r>
-            <a:r>
-              <a:rPr lang="ko-KR" altLang="en-US" sz="1400" dirty="0"/>
-              <a:t>이하</a:t>
-            </a:r>
-            <a:r>
-              <a:rPr lang="en-US" altLang="ko-KR" sz="1400" dirty="0"/>
-              <a:t>(</a:t>
-            </a:r>
-            <a:r>
-              <a:rPr lang="ko-KR" altLang="en-US" sz="1400" dirty="0"/>
-              <a:t>원거리 </a:t>
-            </a:r>
-            <a:r>
-              <a:rPr lang="en-US" altLang="ko-KR" sz="1400" dirty="0"/>
-              <a:t>5</a:t>
-            </a:r>
-            <a:r>
-              <a:rPr lang="ko-KR" altLang="en-US" sz="1400" dirty="0"/>
-              <a:t>이하</a:t>
-            </a:r>
-            <a:r>
-              <a:rPr lang="en-US" altLang="ko-KR" sz="1400" dirty="0"/>
-              <a:t>)</a:t>
-            </a:r>
-            <a:r>
-              <a:rPr lang="ko-KR" altLang="en-US" sz="1400" dirty="0"/>
-              <a:t>에 캐릭터가 들어오면 공격시작</a:t>
-            </a:r>
-            <a:r>
-              <a:rPr lang="en-US" altLang="ko-KR" sz="1400" dirty="0"/>
-              <a:t>.</a:t>
-            </a:r>
-          </a:p>
-        </p:txBody>
-      </p:sp>
-      <p:graphicFrame>
-        <p:nvGraphicFramePr>
-          <p:cNvPr id="3" name="표 2"/>
-          <p:cNvGraphicFramePr>
-            <a:graphicFrameLocks noGrp="1"/>
-          </p:cNvGraphicFramePr>
-          <p:nvPr>
-            <p:extLst>
-              <p:ext uri="{D42A27DB-BD31-4B8C-83A1-F6EECF244321}">
-                <p14:modId xmlns:p14="http://schemas.microsoft.com/office/powerpoint/2010/main" val="604768787"/>
-              </p:ext>
-            </p:extLst>
-          </p:nvPr>
-        </p:nvGraphicFramePr>
-        <p:xfrm>
-          <a:off x="720001" y="2340000"/>
-          <a:ext cx="5372274" cy="1152000"/>
-        </p:xfrm>
-        <a:graphic>
-          <a:graphicData uri="http://schemas.openxmlformats.org/drawingml/2006/table">
-            <a:tbl>
-              <a:tblPr firstRow="1" bandRow="1">
-                <a:tableStyleId>{69CF1AB2-1976-4502-BF36-3FF5EA218861}</a:tableStyleId>
-              </a:tblPr>
-              <a:tblGrid>
-                <a:gridCol w="1029971"/>
-                <a:gridCol w="1403131"/>
-                <a:gridCol w="2939172"/>
-              </a:tblGrid>
-              <a:tr h="288000">
-                <a:tc>
-                  <a:txBody>
-                    <a:bodyPr/>
-                    <a:lstStyle/>
-                    <a:p>
-                      <a:pPr algn="ctr" latinLnBrk="1"/>
-                      <a:r>
-                        <a:rPr lang="ko-KR" altLang="en-US" sz="1200" dirty="0" smtClean="0"/>
-                        <a:t>사거리 단계</a:t>
-                      </a:r>
-                      <a:endParaRPr lang="ko-KR" altLang="en-US" sz="1200" b="0" dirty="0">
-                        <a:solidFill>
-                          <a:schemeClr val="accent1">
-                            <a:lumMod val="50000"/>
-                          </a:schemeClr>
-                        </a:solidFill>
-                      </a:endParaRPr>
-                    </a:p>
-                  </a:txBody>
-                  <a:tcPr anchor="ctr"/>
-                </a:tc>
-                <a:tc>
-                  <a:txBody>
-                    <a:bodyPr/>
-                    <a:lstStyle/>
-                    <a:p>
-                      <a:pPr algn="ctr" latinLnBrk="1"/>
-                      <a:r>
-                        <a:rPr lang="ko-KR" altLang="en-US" sz="1200" dirty="0" smtClean="0"/>
-                        <a:t>구분</a:t>
-                      </a:r>
-                      <a:endParaRPr lang="ko-KR" altLang="en-US" sz="1200" b="0" dirty="0">
-                        <a:solidFill>
-                          <a:schemeClr val="accent1">
-                            <a:lumMod val="50000"/>
-                          </a:schemeClr>
-                        </a:solidFill>
-                      </a:endParaRPr>
-                    </a:p>
-                  </a:txBody>
-                  <a:tcPr anchor="ctr"/>
-                </a:tc>
-                <a:tc>
-                  <a:txBody>
-                    <a:bodyPr/>
-                    <a:lstStyle/>
-                    <a:p>
-                      <a:pPr algn="ctr" latinLnBrk="1"/>
-                      <a:r>
-                        <a:rPr lang="ko-KR" altLang="en-US" sz="1200" dirty="0" smtClean="0"/>
-                        <a:t>무기</a:t>
-                      </a:r>
-                      <a:endParaRPr lang="ko-KR" altLang="en-US" sz="1200" b="0" dirty="0">
-                        <a:solidFill>
-                          <a:schemeClr val="accent1">
-                            <a:lumMod val="50000"/>
-                          </a:schemeClr>
-                        </a:solidFill>
-                      </a:endParaRPr>
-                    </a:p>
-                  </a:txBody>
-                  <a:tcPr anchor="ctr"/>
-                </a:tc>
-              </a:tr>
-              <a:tr h="288000">
-                <a:tc>
-                  <a:txBody>
-                    <a:bodyPr/>
-                    <a:lstStyle/>
-                    <a:p>
-                      <a:pPr latinLnBrk="1"/>
-                      <a:r>
-                        <a:rPr lang="en-US" altLang="ko-KR" sz="1200" dirty="0" smtClean="0"/>
-                        <a:t>1,</a:t>
-                      </a:r>
-                      <a:r>
-                        <a:rPr lang="en-US" altLang="ko-KR" sz="1200" baseline="0" dirty="0" smtClean="0"/>
-                        <a:t> </a:t>
-                      </a:r>
-                      <a:r>
-                        <a:rPr lang="en-US" altLang="ko-KR" sz="1200" dirty="0" smtClean="0"/>
-                        <a:t>2</a:t>
-                      </a:r>
-                      <a:endParaRPr lang="ko-KR" altLang="en-US" sz="1200" b="0" dirty="0">
-                        <a:solidFill>
-                          <a:schemeClr val="accent1">
-                            <a:lumMod val="50000"/>
-                          </a:schemeClr>
-                        </a:solidFill>
-                      </a:endParaRPr>
-                    </a:p>
-                  </a:txBody>
-                  <a:tcPr anchor="ctr"/>
-                </a:tc>
-                <a:tc>
-                  <a:txBody>
-                    <a:bodyPr/>
-                    <a:lstStyle/>
-                    <a:p>
-                      <a:pPr latinLnBrk="1"/>
-                      <a:r>
-                        <a:rPr lang="ko-KR" altLang="en-US" sz="1200" dirty="0" smtClean="0"/>
-                        <a:t>근거리공격</a:t>
-                      </a:r>
-                      <a:endParaRPr lang="ko-KR" altLang="en-US" sz="1200" b="0" dirty="0">
-                        <a:solidFill>
-                          <a:schemeClr val="accent1">
-                            <a:lumMod val="50000"/>
-                          </a:schemeClr>
-                        </a:solidFill>
-                      </a:endParaRPr>
-                    </a:p>
-                  </a:txBody>
-                  <a:tcPr anchor="ctr"/>
-                </a:tc>
-                <a:tc>
-                  <a:txBody>
-                    <a:bodyPr/>
-                    <a:lstStyle/>
-                    <a:p>
-                      <a:pPr latinLnBrk="1"/>
-                      <a:r>
-                        <a:rPr lang="ko-KR" altLang="en-US" sz="1200" dirty="0" smtClean="0"/>
-                        <a:t>몽둥이</a:t>
-                      </a:r>
-                      <a:r>
-                        <a:rPr lang="en-US" altLang="ko-KR" sz="1200" dirty="0" smtClean="0"/>
-                        <a:t>,</a:t>
-                      </a:r>
-                      <a:r>
-                        <a:rPr lang="en-US" altLang="ko-KR" sz="1200" baseline="0" dirty="0" smtClean="0"/>
-                        <a:t> </a:t>
-                      </a:r>
-                      <a:r>
-                        <a:rPr lang="ko-KR" altLang="en-US" sz="1200" dirty="0" smtClean="0"/>
-                        <a:t>검</a:t>
-                      </a:r>
-                      <a:endParaRPr lang="ko-KR" altLang="en-US" sz="1200" b="0" dirty="0">
-                        <a:solidFill>
-                          <a:schemeClr val="accent1">
-                            <a:lumMod val="50000"/>
-                          </a:schemeClr>
-                        </a:solidFill>
-                      </a:endParaRPr>
-                    </a:p>
-                  </a:txBody>
-                  <a:tcPr anchor="ctr"/>
-                </a:tc>
-              </a:tr>
-              <a:tr h="288000">
-                <a:tc>
-                  <a:txBody>
-                    <a:bodyPr/>
-                    <a:lstStyle/>
-                    <a:p>
-                      <a:pPr latinLnBrk="1"/>
-                      <a:r>
-                        <a:rPr lang="en-US" altLang="ko-KR" sz="1200" dirty="0" smtClean="0"/>
-                        <a:t>3</a:t>
-                      </a:r>
-                      <a:endParaRPr lang="ko-KR" altLang="en-US" sz="1200" b="0" dirty="0">
-                        <a:solidFill>
-                          <a:schemeClr val="accent1">
-                            <a:lumMod val="50000"/>
-                          </a:schemeClr>
-                        </a:solidFill>
-                      </a:endParaRPr>
-                    </a:p>
-                  </a:txBody>
-                  <a:tcPr anchor="ctr"/>
-                </a:tc>
-                <a:tc>
-                  <a:txBody>
-                    <a:bodyPr/>
-                    <a:lstStyle/>
-                    <a:p>
-                      <a:pPr latinLnBrk="1"/>
-                      <a:r>
-                        <a:rPr lang="ko-KR" altLang="en-US" sz="1200" dirty="0" smtClean="0"/>
-                        <a:t>중거리공격</a:t>
-                      </a:r>
-                      <a:endParaRPr lang="ko-KR" altLang="en-US" sz="1200" b="0" dirty="0">
-                        <a:solidFill>
-                          <a:schemeClr val="accent1">
-                            <a:lumMod val="50000"/>
-                          </a:schemeClr>
-                        </a:solidFill>
-                      </a:endParaRPr>
-                    </a:p>
-                  </a:txBody>
-                  <a:tcPr anchor="ctr"/>
-                </a:tc>
-                <a:tc>
-                  <a:txBody>
-                    <a:bodyPr/>
-                    <a:lstStyle/>
-                    <a:p>
-                      <a:pPr latinLnBrk="1"/>
-                      <a:r>
-                        <a:rPr lang="ko-KR" altLang="en-US" sz="1200" dirty="0" smtClean="0"/>
-                        <a:t>창</a:t>
-                      </a:r>
-                      <a:endParaRPr lang="ko-KR" altLang="en-US" sz="1200" b="0" dirty="0">
-                        <a:solidFill>
-                          <a:schemeClr val="accent1">
-                            <a:lumMod val="50000"/>
-                          </a:schemeClr>
-                        </a:solidFill>
-                      </a:endParaRPr>
-                    </a:p>
-                  </a:txBody>
-                  <a:tcPr anchor="ctr"/>
-                </a:tc>
-              </a:tr>
-              <a:tr h="288000">
-                <a:tc>
-                  <a:txBody>
-                    <a:bodyPr/>
-                    <a:lstStyle/>
-                    <a:p>
-                      <a:pPr latinLnBrk="1"/>
-                      <a:r>
-                        <a:rPr lang="en-US" altLang="ko-KR" sz="1200" dirty="0" smtClean="0"/>
-                        <a:t>4,</a:t>
-                      </a:r>
-                      <a:r>
-                        <a:rPr lang="en-US" altLang="ko-KR" sz="1200" baseline="0" dirty="0" smtClean="0"/>
-                        <a:t> </a:t>
-                      </a:r>
-                      <a:r>
-                        <a:rPr lang="en-US" altLang="ko-KR" sz="1200" dirty="0" smtClean="0"/>
-                        <a:t>5</a:t>
-                      </a:r>
-                      <a:endParaRPr lang="ko-KR" altLang="en-US" sz="1200" b="0" dirty="0">
-                        <a:solidFill>
-                          <a:schemeClr val="accent1">
-                            <a:lumMod val="50000"/>
-                          </a:schemeClr>
-                        </a:solidFill>
-                      </a:endParaRPr>
-                    </a:p>
-                  </a:txBody>
-                  <a:tcPr anchor="ctr"/>
-                </a:tc>
-                <a:tc>
-                  <a:txBody>
-                    <a:bodyPr/>
-                    <a:lstStyle/>
-                    <a:p>
-                      <a:pPr latinLnBrk="1"/>
-                      <a:r>
-                        <a:rPr lang="ko-KR" altLang="en-US" sz="1200" dirty="0" smtClean="0"/>
-                        <a:t>원거리공격</a:t>
-                      </a:r>
-                      <a:endParaRPr lang="ko-KR" altLang="en-US" sz="1200" b="0" dirty="0">
-                        <a:solidFill>
-                          <a:schemeClr val="accent1">
-                            <a:lumMod val="50000"/>
-                          </a:schemeClr>
-                        </a:solidFill>
-                      </a:endParaRPr>
-                    </a:p>
-                  </a:txBody>
-                  <a:tcPr anchor="ctr"/>
-                </a:tc>
-                <a:tc>
-                  <a:txBody>
-                    <a:bodyPr/>
-                    <a:lstStyle/>
-                    <a:p>
-                      <a:pPr latinLnBrk="1"/>
-                      <a:r>
-                        <a:rPr lang="ko-KR" altLang="en-US" sz="1200" dirty="0" smtClean="0"/>
-                        <a:t>활</a:t>
-                      </a:r>
-                      <a:r>
-                        <a:rPr lang="en-US" altLang="ko-KR" sz="1200" dirty="0" smtClean="0"/>
-                        <a:t>, </a:t>
-                      </a:r>
-                      <a:r>
-                        <a:rPr lang="ko-KR" altLang="en-US" sz="1200" dirty="0" err="1" smtClean="0"/>
-                        <a:t>투척형</a:t>
-                      </a:r>
-                      <a:r>
-                        <a:rPr lang="ko-KR" altLang="en-US" sz="1200" dirty="0" smtClean="0"/>
-                        <a:t> 소모성 무기</a:t>
-                      </a:r>
-                      <a:r>
-                        <a:rPr lang="en-US" altLang="ko-KR" sz="1200" dirty="0" smtClean="0"/>
-                        <a:t>(</a:t>
-                      </a:r>
-                      <a:r>
-                        <a:rPr lang="ko-KR" altLang="en-US" sz="1200" dirty="0" smtClean="0"/>
-                        <a:t>응용전투 참조</a:t>
-                      </a:r>
-                      <a:r>
-                        <a:rPr lang="en-US" altLang="ko-KR" sz="1200" dirty="0" smtClean="0"/>
-                        <a:t>)</a:t>
-                      </a:r>
-                      <a:endParaRPr lang="ko-KR" altLang="en-US" sz="1200" b="0" dirty="0">
-                        <a:solidFill>
-                          <a:schemeClr val="accent1">
-                            <a:lumMod val="50000"/>
-                          </a:schemeClr>
-                        </a:solidFill>
-                      </a:endParaRPr>
-                    </a:p>
-                  </a:txBody>
-                  <a:tcPr anchor="ctr"/>
-                </a:tc>
-              </a:tr>
-            </a:tbl>
-          </a:graphicData>
-        </a:graphic>
-      </p:graphicFrame>
-      <p:grpSp>
-        <p:nvGrpSpPr>
-          <p:cNvPr id="30" name="그룹 29"/>
-          <p:cNvGrpSpPr/>
-          <p:nvPr/>
-        </p:nvGrpSpPr>
-        <p:grpSpPr>
-          <a:xfrm>
-            <a:off x="7241833" y="1064523"/>
-            <a:ext cx="3962525" cy="2686455"/>
-            <a:chOff x="6996171" y="1237777"/>
-            <a:chExt cx="4008939" cy="2717922"/>
-          </a:xfrm>
-        </p:grpSpPr>
-        <p:pic>
-          <p:nvPicPr>
-            <p:cNvPr id="5" name="그림 4"/>
-            <p:cNvPicPr/>
-            <p:nvPr/>
-          </p:nvPicPr>
-          <p:blipFill>
-            <a:blip r:embed="rId4">
-              <a:extLst>
-                <a:ext uri="{28A0092B-C50C-407E-A947-70E740481C1C}">
-                  <a14:useLocalDpi xmlns:a14="http://schemas.microsoft.com/office/drawing/2010/main" val="0"/>
-                </a:ext>
-              </a:extLst>
-            </a:blip>
-            <a:stretch>
-              <a:fillRect/>
-            </a:stretch>
-          </p:blipFill>
-          <p:spPr bwMode="auto">
-            <a:xfrm>
-              <a:off x="6996171" y="1440001"/>
-              <a:ext cx="3979943" cy="2515698"/>
-            </a:xfrm>
-            <a:prstGeom prst="rect">
-              <a:avLst/>
-            </a:prstGeom>
-            <a:noFill/>
-            <a:ln>
-              <a:noFill/>
-            </a:ln>
-          </p:spPr>
-        </p:pic>
-        <p:sp>
-          <p:nvSpPr>
-            <p:cNvPr id="12" name="직사각형 11"/>
-            <p:cNvSpPr/>
-            <p:nvPr/>
-          </p:nvSpPr>
-          <p:spPr>
-            <a:xfrm>
-              <a:off x="7972382" y="1237777"/>
-              <a:ext cx="3032728" cy="1041400"/>
-            </a:xfrm>
-            <a:prstGeom prst="rect">
-              <a:avLst/>
-            </a:prstGeom>
-            <a:solidFill>
-              <a:schemeClr val="bg1"/>
-            </a:solidFill>
-            <a:ln>
-              <a:solidFill>
-                <a:schemeClr val="bg1"/>
-              </a:solidFill>
-            </a:ln>
-          </p:spPr>
-          <p:style>
-            <a:lnRef idx="2">
-              <a:schemeClr val="accent1">
-                <a:shade val="50000"/>
-              </a:schemeClr>
-            </a:lnRef>
-            <a:fillRef idx="1">
-              <a:schemeClr val="accent1"/>
-            </a:fillRef>
-            <a:effectRef idx="0">
-              <a:schemeClr val="accent1"/>
-            </a:effectRef>
-            <a:fontRef idx="minor">
-              <a:schemeClr val="lt1"/>
-            </a:fontRef>
-          </p:style>
-          <p:txBody>
-            <a:bodyPr rtlCol="0" anchor="ctr"/>
-            <a:lstStyle/>
-            <a:p>
-              <a:pPr algn="ctr"/>
-              <a:endParaRPr lang="ko-KR" altLang="en-US"/>
-            </a:p>
-          </p:txBody>
-        </p:sp>
-      </p:grpSp>
+      </p:pic>
     </p:spTree>
     <p:extLst>
       <p:ext uri="{BB962C8B-B14F-4D97-AF65-F5344CB8AC3E}">
-        <p14:creationId xmlns:p14="http://schemas.microsoft.com/office/powerpoint/2010/main" val="1655201676"/>
+        <p14:creationId xmlns:p14="http://schemas.microsoft.com/office/powerpoint/2010/main" val="3702051790"/>
       </p:ext>
     </p:extLst>
   </p:cSld>

--- a/003_게임기획서/노비의모험_전투시스템_김병훈_v001_200122.pptx
+++ b/003_게임기획서/노비의모험_전투시스템_김병훈_v001_200122.pptx
@@ -9566,13 +9566,13 @@
   <p:clrMapOvr>
     <a:masterClrMapping/>
   </p:clrMapOvr>
-  <mc:AlternateContent xmlns:mc="http://schemas.openxmlformats.org/markup-compatibility/2006">
-    <mc:Choice xmlns:p14="http://schemas.microsoft.com/office/powerpoint/2010/main" Requires="p14">
+  <mc:AlternateContent xmlns:mc="http://schemas.openxmlformats.org/markup-compatibility/2006" xmlns:p14="http://schemas.microsoft.com/office/powerpoint/2010/main">
+    <mc:Choice Requires="p14">
       <p:transition spd="med" p14:dur="700">
         <p:fade/>
       </p:transition>
     </mc:Choice>
-    <mc:Fallback>
+    <mc:Fallback xmlns="">
       <p:transition spd="med">
         <p:fade/>
       </p:transition>
@@ -9832,89 +9832,6 @@
           </a:p>
         </p:txBody>
       </p:sp>
-      <p:grpSp>
-        <p:nvGrpSpPr>
-          <p:cNvPr id="8" name="그룹 7"/>
-          <p:cNvGrpSpPr/>
-          <p:nvPr/>
-        </p:nvGrpSpPr>
-        <p:grpSpPr>
-          <a:xfrm>
-            <a:off x="6503205" y="4259355"/>
-            <a:ext cx="5024519" cy="2167363"/>
-            <a:chOff x="6159270" y="1094389"/>
-            <a:chExt cx="5337406" cy="2302329"/>
-          </a:xfrm>
-        </p:grpSpPr>
-        <p:pic>
-          <p:nvPicPr>
-            <p:cNvPr id="9" name="그림 8"/>
-            <p:cNvPicPr/>
-            <p:nvPr/>
-          </p:nvPicPr>
-          <p:blipFill>
-            <a:blip r:embed="rId3">
-              <a:extLst>
-                <a:ext uri="{28A0092B-C50C-407E-A947-70E740481C1C}">
-                  <a14:useLocalDpi xmlns:a14="http://schemas.microsoft.com/office/drawing/2010/main" val="0"/>
-                </a:ext>
-              </a:extLst>
-            </a:blip>
-            <a:stretch>
-              <a:fillRect/>
-            </a:stretch>
-          </p:blipFill>
-          <p:spPr>
-            <a:xfrm>
-              <a:off x="6159270" y="1094389"/>
-              <a:ext cx="5337406" cy="2302329"/>
-            </a:xfrm>
-            <a:prstGeom prst="rect">
-              <a:avLst/>
-            </a:prstGeom>
-          </p:spPr>
-        </p:pic>
-        <p:cxnSp>
-          <p:nvCxnSpPr>
-            <p:cNvPr id="10" name="직선 화살표 연결선 9"/>
-            <p:cNvCxnSpPr/>
-            <p:nvPr/>
-          </p:nvCxnSpPr>
-          <p:spPr>
-            <a:xfrm>
-              <a:off x="7719935" y="2263515"/>
-              <a:ext cx="1918741" cy="0"/>
-            </a:xfrm>
-            <a:prstGeom prst="straightConnector1">
-              <a:avLst/>
-            </a:prstGeom>
-            <a:ln>
-              <a:solidFill>
-                <a:schemeClr val="tx1">
-                  <a:lumMod val="75000"/>
-                  <a:lumOff val="25000"/>
-                </a:schemeClr>
-              </a:solidFill>
-              <a:headEnd type="triangle"/>
-              <a:tailEnd type="triangle"/>
-            </a:ln>
-          </p:spPr>
-          <p:style>
-            <a:lnRef idx="1">
-              <a:schemeClr val="accent1"/>
-            </a:lnRef>
-            <a:fillRef idx="0">
-              <a:schemeClr val="accent1"/>
-            </a:fillRef>
-            <a:effectRef idx="0">
-              <a:schemeClr val="accent1"/>
-            </a:effectRef>
-            <a:fontRef idx="minor">
-              <a:schemeClr val="tx1"/>
-            </a:fontRef>
-          </p:style>
-        </p:cxnSp>
-      </p:grpSp>
       <p:sp>
         <p:nvSpPr>
           <p:cNvPr id="11" name="제목 1"/>
@@ -10044,9 +9961,27 @@
                 <a:tableStyleId>{69CF1AB2-1976-4502-BF36-3FF5EA218861}</a:tableStyleId>
               </a:tblPr>
               <a:tblGrid>
-                <a:gridCol w="1029971"/>
-                <a:gridCol w="1403131"/>
-                <a:gridCol w="2939172"/>
+                <a:gridCol w="1029971">
+                  <a:extLst>
+                    <a:ext uri="{9D8B030D-6E8A-4147-A177-3AD203B41FA5}">
+                      <a16:colId xmlns:a16="http://schemas.microsoft.com/office/drawing/2014/main" val="20000"/>
+                    </a:ext>
+                  </a:extLst>
+                </a:gridCol>
+                <a:gridCol w="1403131">
+                  <a:extLst>
+                    <a:ext uri="{9D8B030D-6E8A-4147-A177-3AD203B41FA5}">
+                      <a16:colId xmlns:a16="http://schemas.microsoft.com/office/drawing/2014/main" val="20001"/>
+                    </a:ext>
+                  </a:extLst>
+                </a:gridCol>
+                <a:gridCol w="2939172">
+                  <a:extLst>
+                    <a:ext uri="{9D8B030D-6E8A-4147-A177-3AD203B41FA5}">
+                      <a16:colId xmlns:a16="http://schemas.microsoft.com/office/drawing/2014/main" val="20002"/>
+                    </a:ext>
+                  </a:extLst>
+                </a:gridCol>
               </a:tblGrid>
               <a:tr h="288000">
                 <a:tc>
@@ -10112,6 +10047,11 @@
                   </a:txBody>
                   <a:tcPr anchor="ctr"/>
                 </a:tc>
+                <a:extLst>
+                  <a:ext uri="{0D108BD9-81ED-4DB2-BD59-A6C34878D82A}">
+                    <a16:rowId xmlns:a16="http://schemas.microsoft.com/office/drawing/2014/main" val="10000"/>
+                  </a:ext>
+                </a:extLst>
               </a:tr>
               <a:tr h="288000">
                 <a:tc>
@@ -10197,6 +10137,11 @@
                   </a:txBody>
                   <a:tcPr anchor="ctr"/>
                 </a:tc>
+                <a:extLst>
+                  <a:ext uri="{0D108BD9-81ED-4DB2-BD59-A6C34878D82A}">
+                    <a16:rowId xmlns:a16="http://schemas.microsoft.com/office/drawing/2014/main" val="10001"/>
+                  </a:ext>
+                </a:extLst>
               </a:tr>
               <a:tr h="288000">
                 <a:tc>
@@ -10262,6 +10207,11 @@
                   </a:txBody>
                   <a:tcPr anchor="ctr"/>
                 </a:tc>
+                <a:extLst>
+                  <a:ext uri="{0D108BD9-81ED-4DB2-BD59-A6C34878D82A}">
+                    <a16:rowId xmlns:a16="http://schemas.microsoft.com/office/drawing/2014/main" val="10002"/>
+                  </a:ext>
+                </a:extLst>
               </a:tr>
               <a:tr h="288000">
                 <a:tc>
@@ -10359,6 +10309,11 @@
                   </a:txBody>
                   <a:tcPr anchor="ctr"/>
                 </a:tc>
+                <a:extLst>
+                  <a:ext uri="{0D108BD9-81ED-4DB2-BD59-A6C34878D82A}">
+                    <a16:rowId xmlns:a16="http://schemas.microsoft.com/office/drawing/2014/main" val="10003"/>
+                  </a:ext>
+                </a:extLst>
               </a:tr>
             </a:tbl>
           </a:graphicData>
@@ -10366,71 +10321,132 @@
       </p:graphicFrame>
       <p:grpSp>
         <p:nvGrpSpPr>
-          <p:cNvPr id="30" name="그룹 29"/>
+          <p:cNvPr id="15" name="그룹 14"/>
           <p:cNvGrpSpPr/>
           <p:nvPr/>
         </p:nvGrpSpPr>
         <p:grpSpPr>
           <a:xfrm>
-            <a:off x="7241833" y="1064523"/>
-            <a:ext cx="3962525" cy="2686455"/>
-            <a:chOff x="6996171" y="1237777"/>
-            <a:chExt cx="4008939" cy="2717922"/>
+            <a:off x="7549291" y="1308675"/>
+            <a:ext cx="3471134" cy="2146083"/>
+            <a:chOff x="7241833" y="1064523"/>
+            <a:chExt cx="3962525" cy="2686455"/>
           </a:xfrm>
         </p:grpSpPr>
-        <p:pic>
-          <p:nvPicPr>
-            <p:cNvPr id="5" name="그림 4"/>
-            <p:cNvPicPr/>
+        <p:grpSp>
+          <p:nvGrpSpPr>
+            <p:cNvPr id="30" name="그룹 29"/>
+            <p:cNvGrpSpPr/>
             <p:nvPr/>
-          </p:nvPicPr>
-          <p:blipFill>
-            <a:blip r:embed="rId4">
-              <a:extLst>
-                <a:ext uri="{28A0092B-C50C-407E-A947-70E740481C1C}">
-                  <a14:useLocalDpi xmlns:a14="http://schemas.microsoft.com/office/drawing/2010/main" val="0"/>
-                </a:ext>
-              </a:extLst>
-            </a:blip>
-            <a:stretch>
-              <a:fillRect/>
-            </a:stretch>
-          </p:blipFill>
-          <p:spPr bwMode="auto">
+          </p:nvGrpSpPr>
+          <p:grpSpPr>
             <a:xfrm>
-              <a:off x="6996171" y="1440001"/>
-              <a:ext cx="3979943" cy="2515698"/>
+              <a:off x="7241833" y="1064523"/>
+              <a:ext cx="3962525" cy="2686455"/>
+              <a:chOff x="6996171" y="1237777"/>
+              <a:chExt cx="4008939" cy="2717922"/>
             </a:xfrm>
-            <a:prstGeom prst="rect">
-              <a:avLst/>
-            </a:prstGeom>
-            <a:noFill/>
-            <a:ln>
+          </p:grpSpPr>
+          <p:pic>
+            <p:nvPicPr>
+              <p:cNvPr id="5" name="그림 4"/>
+              <p:cNvPicPr/>
+              <p:nvPr/>
+            </p:nvPicPr>
+            <p:blipFill>
+              <a:blip r:embed="rId3">
+                <a:extLst>
+                  <a:ext uri="{28A0092B-C50C-407E-A947-70E740481C1C}">
+                    <a14:useLocalDpi xmlns:a14="http://schemas.microsoft.com/office/drawing/2010/main" val="0"/>
+                  </a:ext>
+                </a:extLst>
+              </a:blip>
+              <a:stretch>
+                <a:fillRect/>
+              </a:stretch>
+            </p:blipFill>
+            <p:spPr bwMode="auto">
+              <a:xfrm>
+                <a:off x="6996171" y="1440001"/>
+                <a:ext cx="3979943" cy="2515698"/>
+              </a:xfrm>
+              <a:prstGeom prst="rect">
+                <a:avLst/>
+              </a:prstGeom>
               <a:noFill/>
-            </a:ln>
-          </p:spPr>
-        </p:pic>
+              <a:ln>
+                <a:noFill/>
+              </a:ln>
+            </p:spPr>
+          </p:pic>
+          <p:sp>
+            <p:nvSpPr>
+              <p:cNvPr id="12" name="직사각형 11"/>
+              <p:cNvSpPr/>
+              <p:nvPr/>
+            </p:nvSpPr>
+            <p:spPr>
+              <a:xfrm>
+                <a:off x="7972382" y="1237777"/>
+                <a:ext cx="3032728" cy="1041400"/>
+              </a:xfrm>
+              <a:prstGeom prst="rect">
+                <a:avLst/>
+              </a:prstGeom>
+              <a:solidFill>
+                <a:schemeClr val="bg1"/>
+              </a:solidFill>
+              <a:ln>
+                <a:solidFill>
+                  <a:schemeClr val="bg1"/>
+                </a:solidFill>
+              </a:ln>
+            </p:spPr>
+            <p:style>
+              <a:lnRef idx="2">
+                <a:schemeClr val="accent1">
+                  <a:shade val="50000"/>
+                </a:schemeClr>
+              </a:lnRef>
+              <a:fillRef idx="1">
+                <a:schemeClr val="accent1"/>
+              </a:fillRef>
+              <a:effectRef idx="0">
+                <a:schemeClr val="accent1"/>
+              </a:effectRef>
+              <a:fontRef idx="minor">
+                <a:schemeClr val="lt1"/>
+              </a:fontRef>
+            </p:style>
+            <p:txBody>
+              <a:bodyPr rtlCol="0" anchor="ctr"/>
+              <a:lstStyle/>
+              <a:p>
+                <a:pPr algn="ctr"/>
+                <a:endParaRPr lang="ko-KR" altLang="en-US"/>
+              </a:p>
+            </p:txBody>
+          </p:sp>
+        </p:grpSp>
         <p:sp>
           <p:nvSpPr>
-            <p:cNvPr id="12" name="직사각형 11"/>
+            <p:cNvPr id="14" name="모서리가 둥근 직사각형 13"/>
             <p:cNvSpPr/>
             <p:nvPr/>
           </p:nvSpPr>
           <p:spPr>
             <a:xfrm>
-              <a:off x="7972382" y="1237777"/>
-              <a:ext cx="3032728" cy="1041400"/>
+              <a:off x="7241833" y="1202155"/>
+              <a:ext cx="412364" cy="1545505"/>
             </a:xfrm>
-            <a:prstGeom prst="rect">
+            <a:prstGeom prst="roundRect">
               <a:avLst/>
             </a:prstGeom>
             <a:solidFill>
               <a:schemeClr val="bg1"/>
             </a:solidFill>
             <a:ln>
-              <a:solidFill>
-                <a:schemeClr val="bg1"/>
-              </a:solidFill>
+              <a:noFill/>
             </a:ln>
           </p:spPr>
           <p:style>
@@ -10459,6 +10475,317 @@
           </p:txBody>
         </p:sp>
       </p:grpSp>
+      <p:pic>
+        <p:nvPicPr>
+          <p:cNvPr id="2" name="그림 1"/>
+          <p:cNvPicPr>
+            <a:picLocks noChangeAspect="1"/>
+          </p:cNvPicPr>
+          <p:nvPr/>
+        </p:nvPicPr>
+        <p:blipFill>
+          <a:blip r:embed="rId4" cstate="print">
+            <a:extLst>
+              <a:ext uri="{28A0092B-C50C-407E-A947-70E740481C1C}">
+                <a14:useLocalDpi xmlns:a14="http://schemas.microsoft.com/office/drawing/2010/main" val="0"/>
+              </a:ext>
+            </a:extLst>
+          </a:blip>
+          <a:stretch>
+            <a:fillRect/>
+          </a:stretch>
+        </p:blipFill>
+        <p:spPr>
+          <a:xfrm>
+            <a:off x="6959034" y="1426520"/>
+            <a:ext cx="1219048" cy="1466486"/>
+          </a:xfrm>
+          <a:prstGeom prst="rect">
+            <a:avLst/>
+          </a:prstGeom>
+        </p:spPr>
+      </p:pic>
+      <p:pic>
+        <p:nvPicPr>
+          <p:cNvPr id="16" name="그림 15"/>
+          <p:cNvPicPr>
+            <a:picLocks noChangeAspect="1"/>
+          </p:cNvPicPr>
+          <p:nvPr/>
+        </p:nvPicPr>
+        <p:blipFill>
+          <a:blip r:embed="rId5" cstate="print">
+            <a:extLst>
+              <a:ext uri="{28A0092B-C50C-407E-A947-70E740481C1C}">
+                <a14:useLocalDpi xmlns:a14="http://schemas.microsoft.com/office/drawing/2010/main" val="0"/>
+              </a:ext>
+            </a:extLst>
+          </a:blip>
+          <a:stretch>
+            <a:fillRect/>
+          </a:stretch>
+        </p:blipFill>
+        <p:spPr>
+          <a:xfrm>
+            <a:off x="7076616" y="4082668"/>
+            <a:ext cx="1219047" cy="1466486"/>
+          </a:xfrm>
+          <a:prstGeom prst="rect">
+            <a:avLst/>
+          </a:prstGeom>
+        </p:spPr>
+      </p:pic>
+      <p:pic>
+        <p:nvPicPr>
+          <p:cNvPr id="17" name="그림 16"/>
+          <p:cNvPicPr>
+            <a:picLocks noChangeAspect="1"/>
+          </p:cNvPicPr>
+          <p:nvPr/>
+        </p:nvPicPr>
+        <p:blipFill>
+          <a:blip r:embed="rId6" cstate="print">
+            <a:extLst>
+              <a:ext uri="{28A0092B-C50C-407E-A947-70E740481C1C}">
+                <a14:useLocalDpi xmlns:a14="http://schemas.microsoft.com/office/drawing/2010/main" val="0"/>
+              </a:ext>
+            </a:extLst>
+          </a:blip>
+          <a:stretch>
+            <a:fillRect/>
+          </a:stretch>
+        </p:blipFill>
+        <p:spPr>
+          <a:xfrm>
+            <a:off x="9160604" y="4082668"/>
+            <a:ext cx="1219047" cy="1466485"/>
+          </a:xfrm>
+          <a:prstGeom prst="rect">
+            <a:avLst/>
+          </a:prstGeom>
+        </p:spPr>
+      </p:pic>
+      <p:sp>
+        <p:nvSpPr>
+          <p:cNvPr id="18" name="제목 1"/>
+          <p:cNvSpPr txBox="1">
+            <a:spLocks/>
+          </p:cNvSpPr>
+          <p:nvPr/>
+        </p:nvSpPr>
+        <p:spPr>
+          <a:xfrm>
+            <a:off x="7251358" y="5596679"/>
+            <a:ext cx="727341" cy="303215"/>
+          </a:xfrm>
+          <a:prstGeom prst="rect">
+            <a:avLst/>
+          </a:prstGeom>
+        </p:spPr>
+        <p:txBody>
+          <a:bodyPr vert="horz" rtlCol="0" anchor="t">
+            <a:noAutofit/>
+          </a:bodyPr>
+          <a:lstStyle>
+            <a:lvl1pPr algn="l" rtl="0" eaLnBrk="1" latinLnBrk="1" hangingPunct="1">
+              <a:spcBef>
+                <a:spcPct val="0"/>
+              </a:spcBef>
+              <a:buNone/>
+              <a:defRPr kumimoji="0" sz="4000" kern="1200">
+                <a:solidFill>
+                  <a:schemeClr val="tx2"/>
+                </a:solidFill>
+                <a:latin typeface="맑은 고딕" panose="020B0503020000020004" pitchFamily="50" charset="-127"/>
+                <a:ea typeface="+mj-ea"/>
+                <a:cs typeface="+mj-cs"/>
+              </a:defRPr>
+            </a:lvl1pPr>
+          </a:lstStyle>
+          <a:p>
+            <a:r>
+              <a:rPr lang="ko-KR" altLang="en-US" sz="1000" dirty="0" smtClean="0"/>
+              <a:t>캐릭터</a:t>
+            </a:r>
+            <a:endParaRPr lang="en-US" altLang="ko-KR" sz="1000" dirty="0"/>
+          </a:p>
+        </p:txBody>
+      </p:sp>
+      <p:sp>
+        <p:nvSpPr>
+          <p:cNvPr id="19" name="제목 1"/>
+          <p:cNvSpPr txBox="1">
+            <a:spLocks/>
+          </p:cNvSpPr>
+          <p:nvPr/>
+        </p:nvSpPr>
+        <p:spPr>
+          <a:xfrm>
+            <a:off x="9530281" y="5596679"/>
+            <a:ext cx="727341" cy="303215"/>
+          </a:xfrm>
+          <a:prstGeom prst="rect">
+            <a:avLst/>
+          </a:prstGeom>
+        </p:spPr>
+        <p:txBody>
+          <a:bodyPr vert="horz" rtlCol="0" anchor="t">
+            <a:noAutofit/>
+          </a:bodyPr>
+          <a:lstStyle>
+            <a:lvl1pPr algn="l" rtl="0" eaLnBrk="1" latinLnBrk="1" hangingPunct="1">
+              <a:spcBef>
+                <a:spcPct val="0"/>
+              </a:spcBef>
+              <a:buNone/>
+              <a:defRPr kumimoji="0" sz="4000" kern="1200">
+                <a:solidFill>
+                  <a:schemeClr val="tx2"/>
+                </a:solidFill>
+                <a:latin typeface="맑은 고딕" panose="020B0503020000020004" pitchFamily="50" charset="-127"/>
+                <a:ea typeface="+mj-ea"/>
+                <a:cs typeface="+mj-cs"/>
+              </a:defRPr>
+            </a:lvl1pPr>
+          </a:lstStyle>
+          <a:p>
+            <a:r>
+              <a:rPr lang="ko-KR" altLang="en-US" sz="1000" dirty="0" smtClean="0"/>
+              <a:t>몬스터</a:t>
+            </a:r>
+            <a:endParaRPr lang="en-US" altLang="ko-KR" sz="1000" dirty="0"/>
+          </a:p>
+        </p:txBody>
+      </p:sp>
+      <p:sp>
+        <p:nvSpPr>
+          <p:cNvPr id="22" name="제목 1"/>
+          <p:cNvSpPr txBox="1">
+            <a:spLocks/>
+          </p:cNvSpPr>
+          <p:nvPr/>
+        </p:nvSpPr>
+        <p:spPr>
+          <a:xfrm>
+            <a:off x="7213173" y="1167573"/>
+            <a:ext cx="727341" cy="303215"/>
+          </a:xfrm>
+          <a:prstGeom prst="rect">
+            <a:avLst/>
+          </a:prstGeom>
+        </p:spPr>
+        <p:txBody>
+          <a:bodyPr vert="horz" rtlCol="0" anchor="t">
+            <a:noAutofit/>
+          </a:bodyPr>
+          <a:lstStyle>
+            <a:lvl1pPr algn="l" rtl="0" eaLnBrk="1" latinLnBrk="1" hangingPunct="1">
+              <a:spcBef>
+                <a:spcPct val="0"/>
+              </a:spcBef>
+              <a:buNone/>
+              <a:defRPr kumimoji="0" sz="4000" kern="1200">
+                <a:solidFill>
+                  <a:schemeClr val="tx2"/>
+                </a:solidFill>
+                <a:latin typeface="맑은 고딕" panose="020B0503020000020004" pitchFamily="50" charset="-127"/>
+                <a:ea typeface="+mj-ea"/>
+                <a:cs typeface="+mj-cs"/>
+              </a:defRPr>
+            </a:lvl1pPr>
+          </a:lstStyle>
+          <a:p>
+            <a:r>
+              <a:rPr lang="ko-KR" altLang="en-US" sz="1000" dirty="0" smtClean="0"/>
+              <a:t>캐릭터</a:t>
+            </a:r>
+            <a:endParaRPr lang="en-US" altLang="ko-KR" sz="1000" dirty="0"/>
+          </a:p>
+        </p:txBody>
+      </p:sp>
+      <p:cxnSp>
+        <p:nvCxnSpPr>
+          <p:cNvPr id="23" name="직선 화살표 연결선 22"/>
+          <p:cNvCxnSpPr/>
+          <p:nvPr/>
+        </p:nvCxnSpPr>
+        <p:spPr>
+          <a:xfrm>
+            <a:off x="7962636" y="5453288"/>
+            <a:ext cx="1491080" cy="0"/>
+          </a:xfrm>
+          <a:prstGeom prst="straightConnector1">
+            <a:avLst/>
+          </a:prstGeom>
+          <a:ln>
+            <a:solidFill>
+              <a:schemeClr val="tx1"/>
+            </a:solidFill>
+            <a:headEnd type="triangle"/>
+            <a:tailEnd type="triangle"/>
+          </a:ln>
+        </p:spPr>
+        <p:style>
+          <a:lnRef idx="1">
+            <a:schemeClr val="accent1"/>
+          </a:lnRef>
+          <a:fillRef idx="0">
+            <a:schemeClr val="accent1"/>
+          </a:fillRef>
+          <a:effectRef idx="0">
+            <a:schemeClr val="accent1"/>
+          </a:effectRef>
+          <a:fontRef idx="minor">
+            <a:schemeClr val="tx1"/>
+          </a:fontRef>
+        </p:style>
+      </p:cxnSp>
+      <p:sp>
+        <p:nvSpPr>
+          <p:cNvPr id="27" name="제목 1"/>
+          <p:cNvSpPr txBox="1">
+            <a:spLocks/>
+          </p:cNvSpPr>
+          <p:nvPr/>
+        </p:nvSpPr>
+        <p:spPr>
+          <a:xfrm>
+            <a:off x="8416388" y="5596679"/>
+            <a:ext cx="583575" cy="303215"/>
+          </a:xfrm>
+          <a:prstGeom prst="rect">
+            <a:avLst/>
+          </a:prstGeom>
+        </p:spPr>
+        <p:txBody>
+          <a:bodyPr vert="horz" rtlCol="0" anchor="t">
+            <a:noAutofit/>
+          </a:bodyPr>
+          <a:lstStyle>
+            <a:lvl1pPr algn="l" rtl="0" eaLnBrk="1" latinLnBrk="1" hangingPunct="1">
+              <a:spcBef>
+                <a:spcPct val="0"/>
+              </a:spcBef>
+              <a:buNone/>
+              <a:defRPr kumimoji="0" sz="4000" kern="1200">
+                <a:solidFill>
+                  <a:schemeClr val="tx2"/>
+                </a:solidFill>
+                <a:latin typeface="맑은 고딕" panose="020B0503020000020004" pitchFamily="50" charset="-127"/>
+                <a:ea typeface="+mj-ea"/>
+                <a:cs typeface="+mj-cs"/>
+              </a:defRPr>
+            </a:lvl1pPr>
+          </a:lstStyle>
+          <a:p>
+            <a:r>
+              <a:rPr lang="ko-KR" altLang="en-US" sz="1000" dirty="0" smtClean="0"/>
+              <a:t>사거리</a:t>
+            </a:r>
+            <a:endParaRPr lang="en-US" altLang="ko-KR" sz="1000" dirty="0"/>
+          </a:p>
+        </p:txBody>
+      </p:sp>
     </p:spTree>
     <p:extLst>
       <p:ext uri="{BB962C8B-B14F-4D97-AF65-F5344CB8AC3E}">
@@ -10607,11 +10934,7 @@
             </a:r>
             <a:r>
               <a:rPr lang="ko-KR" altLang="en-US" sz="1400" dirty="0"/>
-              <a:t> 발생되는 </a:t>
-            </a:r>
-            <a:r>
-              <a:rPr lang="ko-KR" altLang="en-US" sz="1400" dirty="0"/>
-              <a:t>전투 행동</a:t>
+              <a:t> 발생되는 전투 행동</a:t>
             </a:r>
             <a:r>
               <a:rPr lang="en-US" altLang="ko-KR" sz="1400" dirty="0"/>
@@ -10701,11 +11024,7 @@
             </a:r>
             <a:r>
               <a:rPr lang="ko-KR" altLang="en-US" sz="2000" dirty="0" smtClean="0"/>
-              <a:t>스킬 </a:t>
-            </a:r>
-            <a:r>
-              <a:rPr lang="ko-KR" altLang="en-US" sz="2000" dirty="0" smtClean="0"/>
-              <a:t>공격</a:t>
+              <a:t>스킬 공격</a:t>
             </a:r>
             <a:endParaRPr lang="ko-KR" altLang="en-US" sz="2000" dirty="0"/>
           </a:p>
@@ -10759,11 +11078,7 @@
             </a:r>
             <a:r>
               <a:rPr lang="ko-KR" altLang="en-US" sz="1400" dirty="0"/>
-              <a:t> 눌러 발생되는 </a:t>
-            </a:r>
-            <a:r>
-              <a:rPr lang="ko-KR" altLang="en-US" sz="1400" dirty="0"/>
-              <a:t>전투 행동</a:t>
+              <a:t> 눌러 발생되는 전투 행동</a:t>
             </a:r>
             <a:r>
               <a:rPr lang="en-US" altLang="ko-KR" sz="1400" dirty="0"/>
@@ -11170,11 +11485,7 @@
             </a:r>
             <a:r>
               <a:rPr lang="ko-KR" altLang="en-US" sz="1400" dirty="0"/>
-              <a:t>아이템을 소모하여 발생되는 </a:t>
-            </a:r>
-            <a:r>
-              <a:rPr lang="ko-KR" altLang="en-US" sz="1400" dirty="0"/>
-              <a:t>전투 행동</a:t>
+              <a:t>아이템을 소모하여 발생되는 전투 행동</a:t>
             </a:r>
             <a:r>
               <a:rPr lang="en-US" altLang="ko-KR" sz="1400" dirty="0"/>
@@ -11183,6 +11494,96 @@
           </a:p>
         </p:txBody>
       </p:sp>
+      <p:pic>
+        <p:nvPicPr>
+          <p:cNvPr id="10" name="그림 9"/>
+          <p:cNvPicPr>
+            <a:picLocks noChangeAspect="1"/>
+          </p:cNvPicPr>
+          <p:nvPr/>
+        </p:nvPicPr>
+        <p:blipFill>
+          <a:blip r:embed="rId5" cstate="print">
+            <a:extLst>
+              <a:ext uri="{28A0092B-C50C-407E-A947-70E740481C1C}">
+                <a14:useLocalDpi xmlns:a14="http://schemas.microsoft.com/office/drawing/2010/main" val="0"/>
+              </a:ext>
+            </a:extLst>
+          </a:blip>
+          <a:stretch>
+            <a:fillRect/>
+          </a:stretch>
+        </p:blipFill>
+        <p:spPr>
+          <a:xfrm>
+            <a:off x="6885454" y="1590191"/>
+            <a:ext cx="1219047" cy="1466485"/>
+          </a:xfrm>
+          <a:prstGeom prst="rect">
+            <a:avLst/>
+          </a:prstGeom>
+        </p:spPr>
+      </p:pic>
+      <p:pic>
+        <p:nvPicPr>
+          <p:cNvPr id="11" name="그림 10"/>
+          <p:cNvPicPr>
+            <a:picLocks noChangeAspect="1"/>
+          </p:cNvPicPr>
+          <p:nvPr/>
+        </p:nvPicPr>
+        <p:blipFill>
+          <a:blip r:embed="rId6" cstate="print">
+            <a:extLst>
+              <a:ext uri="{28A0092B-C50C-407E-A947-70E740481C1C}">
+                <a14:useLocalDpi xmlns:a14="http://schemas.microsoft.com/office/drawing/2010/main" val="0"/>
+              </a:ext>
+            </a:extLst>
+          </a:blip>
+          <a:stretch>
+            <a:fillRect/>
+          </a:stretch>
+        </p:blipFill>
+        <p:spPr>
+          <a:xfrm>
+            <a:off x="9290614" y="1590191"/>
+            <a:ext cx="1219047" cy="1466485"/>
+          </a:xfrm>
+          <a:prstGeom prst="rect">
+            <a:avLst/>
+          </a:prstGeom>
+        </p:spPr>
+      </p:pic>
+      <p:pic>
+        <p:nvPicPr>
+          <p:cNvPr id="12" name="그림 11"/>
+          <p:cNvPicPr>
+            <a:picLocks noChangeAspect="1"/>
+          </p:cNvPicPr>
+          <p:nvPr/>
+        </p:nvPicPr>
+        <p:blipFill>
+          <a:blip r:embed="rId7" cstate="print">
+            <a:extLst>
+              <a:ext uri="{28A0092B-C50C-407E-A947-70E740481C1C}">
+                <a14:useLocalDpi xmlns:a14="http://schemas.microsoft.com/office/drawing/2010/main" val="0"/>
+              </a:ext>
+            </a:extLst>
+          </a:blip>
+          <a:stretch>
+            <a:fillRect/>
+          </a:stretch>
+        </p:blipFill>
+        <p:spPr>
+          <a:xfrm>
+            <a:off x="7003441" y="4676573"/>
+            <a:ext cx="982810" cy="1182297"/>
+          </a:xfrm>
+          <a:prstGeom prst="rect">
+            <a:avLst/>
+          </a:prstGeom>
+        </p:spPr>
+      </p:pic>
     </p:spTree>
     <p:extLst>
       <p:ext uri="{BB962C8B-B14F-4D97-AF65-F5344CB8AC3E}">
@@ -11856,9 +12257,27 @@
                 <a:tableStyleId>{BC89EF96-8CEA-46FF-86C4-4CE0E7609802}</a:tableStyleId>
               </a:tblPr>
               <a:tblGrid>
-                <a:gridCol w="1324931"/>
-                <a:gridCol w="997527"/>
-                <a:gridCol w="8454217"/>
+                <a:gridCol w="1324931">
+                  <a:extLst>
+                    <a:ext uri="{9D8B030D-6E8A-4147-A177-3AD203B41FA5}">
+                      <a16:colId xmlns:a16="http://schemas.microsoft.com/office/drawing/2014/main" val="20000"/>
+                    </a:ext>
+                  </a:extLst>
+                </a:gridCol>
+                <a:gridCol w="997527">
+                  <a:extLst>
+                    <a:ext uri="{9D8B030D-6E8A-4147-A177-3AD203B41FA5}">
+                      <a16:colId xmlns:a16="http://schemas.microsoft.com/office/drawing/2014/main" val="20001"/>
+                    </a:ext>
+                  </a:extLst>
+                </a:gridCol>
+                <a:gridCol w="8454217">
+                  <a:extLst>
+                    <a:ext uri="{9D8B030D-6E8A-4147-A177-3AD203B41FA5}">
+                      <a16:colId xmlns:a16="http://schemas.microsoft.com/office/drawing/2014/main" val="20002"/>
+                    </a:ext>
+                  </a:extLst>
+                </a:gridCol>
               </a:tblGrid>
               <a:tr h="246157">
                 <a:tc>
@@ -11954,6 +12373,11 @@
                   </a:txBody>
                   <a:tcPr anchor="ctr"/>
                 </a:tc>
+                <a:extLst>
+                  <a:ext uri="{0D108BD9-81ED-4DB2-BD59-A6C34878D82A}">
+                    <a16:rowId xmlns:a16="http://schemas.microsoft.com/office/drawing/2014/main" val="10000"/>
+                  </a:ext>
+                </a:extLst>
               </a:tr>
               <a:tr h="795102">
                 <a:tc>
@@ -12235,6 +12659,11 @@
                   </a:txBody>
                   <a:tcPr anchor="ctr"/>
                 </a:tc>
+                <a:extLst>
+                  <a:ext uri="{0D108BD9-81ED-4DB2-BD59-A6C34878D82A}">
+                    <a16:rowId xmlns:a16="http://schemas.microsoft.com/office/drawing/2014/main" val="10001"/>
+                  </a:ext>
+                </a:extLst>
               </a:tr>
               <a:tr h="410262">
                 <a:tc>
@@ -12422,6 +12851,11 @@
                   </a:txBody>
                   <a:tcPr anchor="ctr"/>
                 </a:tc>
+                <a:extLst>
+                  <a:ext uri="{0D108BD9-81ED-4DB2-BD59-A6C34878D82A}">
+                    <a16:rowId xmlns:a16="http://schemas.microsoft.com/office/drawing/2014/main" val="10002"/>
+                  </a:ext>
+                </a:extLst>
               </a:tr>
               <a:tr h="410262">
                 <a:tc>
@@ -12640,6 +13074,11 @@
                   </a:txBody>
                   <a:tcPr anchor="ctr"/>
                 </a:tc>
+                <a:extLst>
+                  <a:ext uri="{0D108BD9-81ED-4DB2-BD59-A6C34878D82A}">
+                    <a16:rowId xmlns:a16="http://schemas.microsoft.com/office/drawing/2014/main" val="10003"/>
+                  </a:ext>
+                </a:extLst>
               </a:tr>
               <a:tr h="410262">
                 <a:tc>
@@ -12830,6 +13269,11 @@
                   </a:txBody>
                   <a:tcPr anchor="ctr"/>
                 </a:tc>
+                <a:extLst>
+                  <a:ext uri="{0D108BD9-81ED-4DB2-BD59-A6C34878D82A}">
+                    <a16:rowId xmlns:a16="http://schemas.microsoft.com/office/drawing/2014/main" val="10004"/>
+                  </a:ext>
+                </a:extLst>
               </a:tr>
               <a:tr h="543792">
                 <a:tc>
@@ -13059,6 +13503,11 @@
                   </a:txBody>
                   <a:tcPr anchor="ctr"/>
                 </a:tc>
+                <a:extLst>
+                  <a:ext uri="{0D108BD9-81ED-4DB2-BD59-A6C34878D82A}">
+                    <a16:rowId xmlns:a16="http://schemas.microsoft.com/office/drawing/2014/main" val="10005"/>
+                  </a:ext>
+                </a:extLst>
               </a:tr>
               <a:tr h="415637">
                 <a:tc>
@@ -13400,6 +13849,11 @@
                   </a:txBody>
                   <a:tcPr anchor="ctr"/>
                 </a:tc>
+                <a:extLst>
+                  <a:ext uri="{0D108BD9-81ED-4DB2-BD59-A6C34878D82A}">
+                    <a16:rowId xmlns:a16="http://schemas.microsoft.com/office/drawing/2014/main" val="10006"/>
+                  </a:ext>
+                </a:extLst>
               </a:tr>
             </a:tbl>
           </a:graphicData>
@@ -13706,10 +14160,34 @@
                 <a:tableStyleId>{5DA37D80-6434-44D0-A028-1B22A696006F}</a:tableStyleId>
               </a:tblPr>
               <a:tblGrid>
-                <a:gridCol w="2218411"/>
-                <a:gridCol w="1717351"/>
-                <a:gridCol w="4866610"/>
-                <a:gridCol w="1974304"/>
+                <a:gridCol w="2218411">
+                  <a:extLst>
+                    <a:ext uri="{9D8B030D-6E8A-4147-A177-3AD203B41FA5}">
+                      <a16:colId xmlns:a16="http://schemas.microsoft.com/office/drawing/2014/main" val="20000"/>
+                    </a:ext>
+                  </a:extLst>
+                </a:gridCol>
+                <a:gridCol w="1717351">
+                  <a:extLst>
+                    <a:ext uri="{9D8B030D-6E8A-4147-A177-3AD203B41FA5}">
+                      <a16:colId xmlns:a16="http://schemas.microsoft.com/office/drawing/2014/main" val="20001"/>
+                    </a:ext>
+                  </a:extLst>
+                </a:gridCol>
+                <a:gridCol w="4866610">
+                  <a:extLst>
+                    <a:ext uri="{9D8B030D-6E8A-4147-A177-3AD203B41FA5}">
+                      <a16:colId xmlns:a16="http://schemas.microsoft.com/office/drawing/2014/main" val="20002"/>
+                    </a:ext>
+                  </a:extLst>
+                </a:gridCol>
+                <a:gridCol w="1974304">
+                  <a:extLst>
+                    <a:ext uri="{9D8B030D-6E8A-4147-A177-3AD203B41FA5}">
+                      <a16:colId xmlns:a16="http://schemas.microsoft.com/office/drawing/2014/main" val="20003"/>
+                    </a:ext>
+                  </a:extLst>
+                </a:gridCol>
               </a:tblGrid>
               <a:tr h="288000">
                 <a:tc>
@@ -13868,6 +14346,11 @@
                   </a:txBody>
                   <a:tcPr marL="87741" marR="87741" marT="0" marB="0" anchor="ctr"/>
                 </a:tc>
+                <a:extLst>
+                  <a:ext uri="{0D108BD9-81ED-4DB2-BD59-A6C34878D82A}">
+                    <a16:rowId xmlns:a16="http://schemas.microsoft.com/office/drawing/2014/main" val="10000"/>
+                  </a:ext>
+                </a:extLst>
               </a:tr>
               <a:tr h="288000">
                 <a:tc>
@@ -14059,6 +14542,11 @@
                   </a:txBody>
                   <a:tcPr marL="87741" marR="87741" marT="0" marB="0" anchor="ctr"/>
                 </a:tc>
+                <a:extLst>
+                  <a:ext uri="{0D108BD9-81ED-4DB2-BD59-A6C34878D82A}">
+                    <a16:rowId xmlns:a16="http://schemas.microsoft.com/office/drawing/2014/main" val="10001"/>
+                  </a:ext>
+                </a:extLst>
               </a:tr>
               <a:tr h="288000">
                 <a:tc rowSpan="5">
@@ -14272,6 +14760,11 @@
                   </a:txBody>
                   <a:tcPr marL="87741" marR="87741" marT="0" marB="0" anchor="ctr"/>
                 </a:tc>
+                <a:extLst>
+                  <a:ext uri="{0D108BD9-81ED-4DB2-BD59-A6C34878D82A}">
+                    <a16:rowId xmlns:a16="http://schemas.microsoft.com/office/drawing/2014/main" val="10002"/>
+                  </a:ext>
+                </a:extLst>
               </a:tr>
               <a:tr h="288000">
                 <a:tc vMerge="1">
@@ -14457,6 +14950,11 @@
                   </a:txBody>
                   <a:tcPr marL="87741" marR="87741" marT="0" marB="0" anchor="ctr"/>
                 </a:tc>
+                <a:extLst>
+                  <a:ext uri="{0D108BD9-81ED-4DB2-BD59-A6C34878D82A}">
+                    <a16:rowId xmlns:a16="http://schemas.microsoft.com/office/drawing/2014/main" val="10003"/>
+                  </a:ext>
+                </a:extLst>
               </a:tr>
               <a:tr h="288000">
                 <a:tc vMerge="1">
@@ -14707,6 +15205,11 @@
                   </a:txBody>
                   <a:tcPr marL="87741" marR="87741" marT="0" marB="0" anchor="ctr"/>
                 </a:tc>
+                <a:extLst>
+                  <a:ext uri="{0D108BD9-81ED-4DB2-BD59-A6C34878D82A}">
+                    <a16:rowId xmlns:a16="http://schemas.microsoft.com/office/drawing/2014/main" val="10004"/>
+                  </a:ext>
+                </a:extLst>
               </a:tr>
               <a:tr h="288000">
                 <a:tc vMerge="1">
@@ -14848,6 +15351,11 @@
                   </a:txBody>
                   <a:tcPr marL="87741" marR="87741" marT="0" marB="0" anchor="ctr"/>
                 </a:tc>
+                <a:extLst>
+                  <a:ext uri="{0D108BD9-81ED-4DB2-BD59-A6C34878D82A}">
+                    <a16:rowId xmlns:a16="http://schemas.microsoft.com/office/drawing/2014/main" val="10005"/>
+                  </a:ext>
+                </a:extLst>
               </a:tr>
               <a:tr h="288000">
                 <a:tc vMerge="1">
@@ -15011,6 +15519,11 @@
                   </a:txBody>
                   <a:tcPr marL="87741" marR="87741" marT="0" marB="0" anchor="ctr"/>
                 </a:tc>
+                <a:extLst>
+                  <a:ext uri="{0D108BD9-81ED-4DB2-BD59-A6C34878D82A}">
+                    <a16:rowId xmlns:a16="http://schemas.microsoft.com/office/drawing/2014/main" val="10006"/>
+                  </a:ext>
+                </a:extLst>
               </a:tr>
               <a:tr h="288000">
                 <a:tc rowSpan="2">
@@ -15198,6 +15711,11 @@
                   </a:txBody>
                   <a:tcPr marL="87741" marR="87741" marT="0" marB="0" anchor="ctr"/>
                 </a:tc>
+                <a:extLst>
+                  <a:ext uri="{0D108BD9-81ED-4DB2-BD59-A6C34878D82A}">
+                    <a16:rowId xmlns:a16="http://schemas.microsoft.com/office/drawing/2014/main" val="10007"/>
+                  </a:ext>
+                </a:extLst>
               </a:tr>
               <a:tr h="442749">
                 <a:tc vMerge="1">
@@ -15368,6 +15886,11 @@
                   </a:txBody>
                   <a:tcPr marL="87741" marR="87741" marT="0" marB="0" anchor="ctr"/>
                 </a:tc>
+                <a:extLst>
+                  <a:ext uri="{0D108BD9-81ED-4DB2-BD59-A6C34878D82A}">
+                    <a16:rowId xmlns:a16="http://schemas.microsoft.com/office/drawing/2014/main" val="10008"/>
+                  </a:ext>
+                </a:extLst>
               </a:tr>
               <a:tr h="288000">
                 <a:tc rowSpan="7">
@@ -15543,6 +16066,11 @@
                   </a:txBody>
                   <a:tcPr marL="87741" marR="87741" marT="0" marB="0" anchor="ctr"/>
                 </a:tc>
+                <a:extLst>
+                  <a:ext uri="{0D108BD9-81ED-4DB2-BD59-A6C34878D82A}">
+                    <a16:rowId xmlns:a16="http://schemas.microsoft.com/office/drawing/2014/main" val="10009"/>
+                  </a:ext>
+                </a:extLst>
               </a:tr>
               <a:tr h="288000">
                 <a:tc vMerge="1">
@@ -15684,6 +16212,11 @@
                   </a:txBody>
                   <a:tcPr marL="87741" marR="87741" marT="0" marB="0" anchor="ctr"/>
                 </a:tc>
+                <a:extLst>
+                  <a:ext uri="{0D108BD9-81ED-4DB2-BD59-A6C34878D82A}">
+                    <a16:rowId xmlns:a16="http://schemas.microsoft.com/office/drawing/2014/main" val="10010"/>
+                  </a:ext>
+                </a:extLst>
               </a:tr>
               <a:tr h="288000">
                 <a:tc vMerge="1">
@@ -15825,6 +16358,11 @@
                   </a:txBody>
                   <a:tcPr marL="87741" marR="87741" marT="0" marB="0" anchor="ctr"/>
                 </a:tc>
+                <a:extLst>
+                  <a:ext uri="{0D108BD9-81ED-4DB2-BD59-A6C34878D82A}">
+                    <a16:rowId xmlns:a16="http://schemas.microsoft.com/office/drawing/2014/main" val="10011"/>
+                  </a:ext>
+                </a:extLst>
               </a:tr>
               <a:tr h="288000">
                 <a:tc vMerge="1">
@@ -15999,6 +16537,11 @@
                   </a:txBody>
                   <a:tcPr marL="87741" marR="87741" marT="0" marB="0" anchor="ctr"/>
                 </a:tc>
+                <a:extLst>
+                  <a:ext uri="{0D108BD9-81ED-4DB2-BD59-A6C34878D82A}">
+                    <a16:rowId xmlns:a16="http://schemas.microsoft.com/office/drawing/2014/main" val="10012"/>
+                  </a:ext>
+                </a:extLst>
               </a:tr>
               <a:tr h="288000">
                 <a:tc vMerge="1">
@@ -16195,6 +16738,11 @@
                   </a:txBody>
                   <a:tcPr marL="87741" marR="87741" marT="0" marB="0" anchor="ctr"/>
                 </a:tc>
+                <a:extLst>
+                  <a:ext uri="{0D108BD9-81ED-4DB2-BD59-A6C34878D82A}">
+                    <a16:rowId xmlns:a16="http://schemas.microsoft.com/office/drawing/2014/main" val="10013"/>
+                  </a:ext>
+                </a:extLst>
               </a:tr>
               <a:tr h="288000">
                 <a:tc vMerge="1">
@@ -16402,6 +16950,11 @@
                   </a:txBody>
                   <a:tcPr marL="87741" marR="87741" marT="0" marB="0" anchor="ctr"/>
                 </a:tc>
+                <a:extLst>
+                  <a:ext uri="{0D108BD9-81ED-4DB2-BD59-A6C34878D82A}">
+                    <a16:rowId xmlns:a16="http://schemas.microsoft.com/office/drawing/2014/main" val="10014"/>
+                  </a:ext>
+                </a:extLst>
               </a:tr>
               <a:tr h="288000">
                 <a:tc vMerge="1">
@@ -16609,6 +17162,11 @@
                   </a:txBody>
                   <a:tcPr marL="87741" marR="87741" marT="0" marB="0" anchor="ctr"/>
                 </a:tc>
+                <a:extLst>
+                  <a:ext uri="{0D108BD9-81ED-4DB2-BD59-A6C34878D82A}">
+                    <a16:rowId xmlns:a16="http://schemas.microsoft.com/office/drawing/2014/main" val="10015"/>
+                  </a:ext>
+                </a:extLst>
               </a:tr>
             </a:tbl>
           </a:graphicData>
@@ -16719,12 +17277,48 @@
                 <a:tableStyleId>{5DA37D80-6434-44D0-A028-1B22A696006F}</a:tableStyleId>
               </a:tblPr>
               <a:tblGrid>
-                <a:gridCol w="1288021"/>
-                <a:gridCol w="1287888"/>
-                <a:gridCol w="2824766"/>
-                <a:gridCol w="1463899"/>
-                <a:gridCol w="2524259"/>
-                <a:gridCol w="1412517"/>
+                <a:gridCol w="1288021">
+                  <a:extLst>
+                    <a:ext uri="{9D8B030D-6E8A-4147-A177-3AD203B41FA5}">
+                      <a16:colId xmlns:a16="http://schemas.microsoft.com/office/drawing/2014/main" val="20000"/>
+                    </a:ext>
+                  </a:extLst>
+                </a:gridCol>
+                <a:gridCol w="1287888">
+                  <a:extLst>
+                    <a:ext uri="{9D8B030D-6E8A-4147-A177-3AD203B41FA5}">
+                      <a16:colId xmlns:a16="http://schemas.microsoft.com/office/drawing/2014/main" val="20001"/>
+                    </a:ext>
+                  </a:extLst>
+                </a:gridCol>
+                <a:gridCol w="2824766">
+                  <a:extLst>
+                    <a:ext uri="{9D8B030D-6E8A-4147-A177-3AD203B41FA5}">
+                      <a16:colId xmlns:a16="http://schemas.microsoft.com/office/drawing/2014/main" val="20002"/>
+                    </a:ext>
+                  </a:extLst>
+                </a:gridCol>
+                <a:gridCol w="1463899">
+                  <a:extLst>
+                    <a:ext uri="{9D8B030D-6E8A-4147-A177-3AD203B41FA5}">
+                      <a16:colId xmlns:a16="http://schemas.microsoft.com/office/drawing/2014/main" val="20003"/>
+                    </a:ext>
+                  </a:extLst>
+                </a:gridCol>
+                <a:gridCol w="2524259">
+                  <a:extLst>
+                    <a:ext uri="{9D8B030D-6E8A-4147-A177-3AD203B41FA5}">
+                      <a16:colId xmlns:a16="http://schemas.microsoft.com/office/drawing/2014/main" val="20004"/>
+                    </a:ext>
+                  </a:extLst>
+                </a:gridCol>
+                <a:gridCol w="1412517">
+                  <a:extLst>
+                    <a:ext uri="{9D8B030D-6E8A-4147-A177-3AD203B41FA5}">
+                      <a16:colId xmlns:a16="http://schemas.microsoft.com/office/drawing/2014/main" val="20005"/>
+                    </a:ext>
+                  </a:extLst>
+                </a:gridCol>
               </a:tblGrid>
               <a:tr h="370840">
                 <a:tc>
@@ -16889,6 +17483,11 @@
                   </a:txBody>
                   <a:tcPr/>
                 </a:tc>
+                <a:extLst>
+                  <a:ext uri="{0D108BD9-81ED-4DB2-BD59-A6C34878D82A}">
+                    <a16:rowId xmlns:a16="http://schemas.microsoft.com/office/drawing/2014/main" val="10000"/>
+                  </a:ext>
+                </a:extLst>
               </a:tr>
               <a:tr h="370840">
                 <a:tc>
@@ -17053,6 +17652,11 @@
                   </a:txBody>
                   <a:tcPr anchor="ctr"/>
                 </a:tc>
+                <a:extLst>
+                  <a:ext uri="{0D108BD9-81ED-4DB2-BD59-A6C34878D82A}">
+                    <a16:rowId xmlns:a16="http://schemas.microsoft.com/office/drawing/2014/main" val="10001"/>
+                  </a:ext>
+                </a:extLst>
               </a:tr>
               <a:tr h="370840">
                 <a:tc>
@@ -17157,6 +17761,11 @@
                   </a:txBody>
                   <a:tcPr anchor="ctr"/>
                 </a:tc>
+                <a:extLst>
+                  <a:ext uri="{0D108BD9-81ED-4DB2-BD59-A6C34878D82A}">
+                    <a16:rowId xmlns:a16="http://schemas.microsoft.com/office/drawing/2014/main" val="10002"/>
+                  </a:ext>
+                </a:extLst>
               </a:tr>
               <a:tr h="370840">
                 <a:tc>
@@ -17261,6 +17870,11 @@
                   </a:txBody>
                   <a:tcPr anchor="ctr"/>
                 </a:tc>
+                <a:extLst>
+                  <a:ext uri="{0D108BD9-81ED-4DB2-BD59-A6C34878D82A}">
+                    <a16:rowId xmlns:a16="http://schemas.microsoft.com/office/drawing/2014/main" val="10003"/>
+                  </a:ext>
+                </a:extLst>
               </a:tr>
               <a:tr h="370840">
                 <a:tc>
@@ -17365,6 +17979,11 @@
                   </a:txBody>
                   <a:tcPr anchor="ctr"/>
                 </a:tc>
+                <a:extLst>
+                  <a:ext uri="{0D108BD9-81ED-4DB2-BD59-A6C34878D82A}">
+                    <a16:rowId xmlns:a16="http://schemas.microsoft.com/office/drawing/2014/main" val="10004"/>
+                  </a:ext>
+                </a:extLst>
               </a:tr>
               <a:tr h="370840">
                 <a:tc>
@@ -17469,6 +18088,11 @@
                   </a:txBody>
                   <a:tcPr anchor="ctr"/>
                 </a:tc>
+                <a:extLst>
+                  <a:ext uri="{0D108BD9-81ED-4DB2-BD59-A6C34878D82A}">
+                    <a16:rowId xmlns:a16="http://schemas.microsoft.com/office/drawing/2014/main" val="10005"/>
+                  </a:ext>
+                </a:extLst>
               </a:tr>
               <a:tr h="370840">
                 <a:tc>
@@ -17573,6 +18197,11 @@
                   </a:txBody>
                   <a:tcPr anchor="ctr"/>
                 </a:tc>
+                <a:extLst>
+                  <a:ext uri="{0D108BD9-81ED-4DB2-BD59-A6C34878D82A}">
+                    <a16:rowId xmlns:a16="http://schemas.microsoft.com/office/drawing/2014/main" val="10006"/>
+                  </a:ext>
+                </a:extLst>
               </a:tr>
               <a:tr h="370840">
                 <a:tc>
@@ -17677,6 +18306,11 @@
                   </a:txBody>
                   <a:tcPr anchor="ctr"/>
                 </a:tc>
+                <a:extLst>
+                  <a:ext uri="{0D108BD9-81ED-4DB2-BD59-A6C34878D82A}">
+                    <a16:rowId xmlns:a16="http://schemas.microsoft.com/office/drawing/2014/main" val="10007"/>
+                  </a:ext>
+                </a:extLst>
               </a:tr>
               <a:tr h="370840">
                 <a:tc>
@@ -17781,6 +18415,11 @@
                   </a:txBody>
                   <a:tcPr anchor="ctr"/>
                 </a:tc>
+                <a:extLst>
+                  <a:ext uri="{0D108BD9-81ED-4DB2-BD59-A6C34878D82A}">
+                    <a16:rowId xmlns:a16="http://schemas.microsoft.com/office/drawing/2014/main" val="10008"/>
+                  </a:ext>
+                </a:extLst>
               </a:tr>
               <a:tr h="370840">
                 <a:tc>
@@ -17885,6 +18524,11 @@
                   </a:txBody>
                   <a:tcPr anchor="ctr"/>
                 </a:tc>
+                <a:extLst>
+                  <a:ext uri="{0D108BD9-81ED-4DB2-BD59-A6C34878D82A}">
+                    <a16:rowId xmlns:a16="http://schemas.microsoft.com/office/drawing/2014/main" val="10009"/>
+                  </a:ext>
+                </a:extLst>
               </a:tr>
             </a:tbl>
           </a:graphicData>
@@ -17964,10 +18608,34 @@
                 <a:tableStyleId>{5DA37D80-6434-44D0-A028-1B22A696006F}</a:tableStyleId>
               </a:tblPr>
               <a:tblGrid>
-                <a:gridCol w="2218409"/>
-                <a:gridCol w="1708669"/>
-                <a:gridCol w="4875294"/>
-                <a:gridCol w="1974303"/>
+                <a:gridCol w="2218409">
+                  <a:extLst>
+                    <a:ext uri="{9D8B030D-6E8A-4147-A177-3AD203B41FA5}">
+                      <a16:colId xmlns:a16="http://schemas.microsoft.com/office/drawing/2014/main" val="20000"/>
+                    </a:ext>
+                  </a:extLst>
+                </a:gridCol>
+                <a:gridCol w="1708669">
+                  <a:extLst>
+                    <a:ext uri="{9D8B030D-6E8A-4147-A177-3AD203B41FA5}">
+                      <a16:colId xmlns:a16="http://schemas.microsoft.com/office/drawing/2014/main" val="20001"/>
+                    </a:ext>
+                  </a:extLst>
+                </a:gridCol>
+                <a:gridCol w="4875294">
+                  <a:extLst>
+                    <a:ext uri="{9D8B030D-6E8A-4147-A177-3AD203B41FA5}">
+                      <a16:colId xmlns:a16="http://schemas.microsoft.com/office/drawing/2014/main" val="20002"/>
+                    </a:ext>
+                  </a:extLst>
+                </a:gridCol>
+                <a:gridCol w="1974303">
+                  <a:extLst>
+                    <a:ext uri="{9D8B030D-6E8A-4147-A177-3AD203B41FA5}">
+                      <a16:colId xmlns:a16="http://schemas.microsoft.com/office/drawing/2014/main" val="20003"/>
+                    </a:ext>
+                  </a:extLst>
+                </a:gridCol>
               </a:tblGrid>
               <a:tr h="288000">
                 <a:tc>
@@ -18306,6 +18974,11 @@
                     </a:lnB>
                   </a:tcPr>
                 </a:tc>
+                <a:extLst>
+                  <a:ext uri="{0D108BD9-81ED-4DB2-BD59-A6C34878D82A}">
+                    <a16:rowId xmlns:a16="http://schemas.microsoft.com/office/drawing/2014/main" val="10000"/>
+                  </a:ext>
+                </a:extLst>
               </a:tr>
               <a:tr h="288000">
                 <a:tc rowSpan="7">
@@ -18677,6 +19350,11 @@
                     </a:lnB>
                   </a:tcPr>
                 </a:tc>
+                <a:extLst>
+                  <a:ext uri="{0D108BD9-81ED-4DB2-BD59-A6C34878D82A}">
+                    <a16:rowId xmlns:a16="http://schemas.microsoft.com/office/drawing/2014/main" val="10001"/>
+                  </a:ext>
+                </a:extLst>
               </a:tr>
               <a:tr h="288000">
                 <a:tc vMerge="1">
@@ -18964,6 +19642,11 @@
                     </a:lnB>
                   </a:tcPr>
                 </a:tc>
+                <a:extLst>
+                  <a:ext uri="{0D108BD9-81ED-4DB2-BD59-A6C34878D82A}">
+                    <a16:rowId xmlns:a16="http://schemas.microsoft.com/office/drawing/2014/main" val="10002"/>
+                  </a:ext>
+                </a:extLst>
               </a:tr>
               <a:tr h="399411">
                 <a:tc vMerge="1">
@@ -19272,6 +19955,11 @@
                     </a:lnB>
                   </a:tcPr>
                 </a:tc>
+                <a:extLst>
+                  <a:ext uri="{0D108BD9-81ED-4DB2-BD59-A6C34878D82A}">
+                    <a16:rowId xmlns:a16="http://schemas.microsoft.com/office/drawing/2014/main" val="10003"/>
+                  </a:ext>
+                </a:extLst>
               </a:tr>
               <a:tr h="399411">
                 <a:tc vMerge="1">
@@ -19645,6 +20333,11 @@
                     </a:lnB>
                   </a:tcPr>
                 </a:tc>
+                <a:extLst>
+                  <a:ext uri="{0D108BD9-81ED-4DB2-BD59-A6C34878D82A}">
+                    <a16:rowId xmlns:a16="http://schemas.microsoft.com/office/drawing/2014/main" val="10004"/>
+                  </a:ext>
+                </a:extLst>
               </a:tr>
               <a:tr h="194384">
                 <a:tc vMerge="1">
@@ -19932,6 +20625,11 @@
                     </a:lnB>
                   </a:tcPr>
                 </a:tc>
+                <a:extLst>
+                  <a:ext uri="{0D108BD9-81ED-4DB2-BD59-A6C34878D82A}">
+                    <a16:rowId xmlns:a16="http://schemas.microsoft.com/office/drawing/2014/main" val="10005"/>
+                  </a:ext>
+                </a:extLst>
               </a:tr>
               <a:tr h="831742">
                 <a:tc vMerge="1">
@@ -20437,6 +21135,11 @@
                     </a:lnB>
                   </a:tcPr>
                 </a:tc>
+                <a:extLst>
+                  <a:ext uri="{0D108BD9-81ED-4DB2-BD59-A6C34878D82A}">
+                    <a16:rowId xmlns:a16="http://schemas.microsoft.com/office/drawing/2014/main" val="10006"/>
+                  </a:ext>
+                </a:extLst>
               </a:tr>
               <a:tr h="563052">
                 <a:tc vMerge="1">
@@ -20919,6 +21622,11 @@
                     </a:lnB>
                   </a:tcPr>
                 </a:tc>
+                <a:extLst>
+                  <a:ext uri="{0D108BD9-81ED-4DB2-BD59-A6C34878D82A}">
+                    <a16:rowId xmlns:a16="http://schemas.microsoft.com/office/drawing/2014/main" val="10007"/>
+                  </a:ext>
+                </a:extLst>
               </a:tr>
               <a:tr h="288000">
                 <a:tc>
@@ -21320,6 +22028,11 @@
                     </a:lnB>
                   </a:tcPr>
                 </a:tc>
+                <a:extLst>
+                  <a:ext uri="{0D108BD9-81ED-4DB2-BD59-A6C34878D82A}">
+                    <a16:rowId xmlns:a16="http://schemas.microsoft.com/office/drawing/2014/main" val="10008"/>
+                  </a:ext>
+                </a:extLst>
               </a:tr>
               <a:tr h="288000">
                 <a:tc>
@@ -21669,6 +22382,11 @@
                     </a:lnB>
                   </a:tcPr>
                 </a:tc>
+                <a:extLst>
+                  <a:ext uri="{0D108BD9-81ED-4DB2-BD59-A6C34878D82A}">
+                    <a16:rowId xmlns:a16="http://schemas.microsoft.com/office/drawing/2014/main" val="10009"/>
+                  </a:ext>
+                </a:extLst>
               </a:tr>
               <a:tr h="399411">
                 <a:tc rowSpan="2">
@@ -22047,6 +22765,11 @@
                     </a:lnB>
                   </a:tcPr>
                 </a:tc>
+                <a:extLst>
+                  <a:ext uri="{0D108BD9-81ED-4DB2-BD59-A6C34878D82A}">
+                    <a16:rowId xmlns:a16="http://schemas.microsoft.com/office/drawing/2014/main" val="10010"/>
+                  </a:ext>
+                </a:extLst>
               </a:tr>
               <a:tr h="648000">
                 <a:tc vMerge="1">
@@ -22384,6 +23107,11 @@
                     </a:lnB>
                   </a:tcPr>
                 </a:tc>
+                <a:extLst>
+                  <a:ext uri="{0D108BD9-81ED-4DB2-BD59-A6C34878D82A}">
+                    <a16:rowId xmlns:a16="http://schemas.microsoft.com/office/drawing/2014/main" val="10011"/>
+                  </a:ext>
+                </a:extLst>
               </a:tr>
             </a:tbl>
           </a:graphicData>
@@ -22841,9 +23569,27 @@
                 <a:tableStyleId>{BC89EF96-8CEA-46FF-86C4-4CE0E7609802}</a:tableStyleId>
               </a:tblPr>
               <a:tblGrid>
-                <a:gridCol w="1324931"/>
-                <a:gridCol w="997527"/>
-                <a:gridCol w="8454217"/>
+                <a:gridCol w="1324931">
+                  <a:extLst>
+                    <a:ext uri="{9D8B030D-6E8A-4147-A177-3AD203B41FA5}">
+                      <a16:colId xmlns:a16="http://schemas.microsoft.com/office/drawing/2014/main" val="20000"/>
+                    </a:ext>
+                  </a:extLst>
+                </a:gridCol>
+                <a:gridCol w="997527">
+                  <a:extLst>
+                    <a:ext uri="{9D8B030D-6E8A-4147-A177-3AD203B41FA5}">
+                      <a16:colId xmlns:a16="http://schemas.microsoft.com/office/drawing/2014/main" val="20001"/>
+                    </a:ext>
+                  </a:extLst>
+                </a:gridCol>
+                <a:gridCol w="8454217">
+                  <a:extLst>
+                    <a:ext uri="{9D8B030D-6E8A-4147-A177-3AD203B41FA5}">
+                      <a16:colId xmlns:a16="http://schemas.microsoft.com/office/drawing/2014/main" val="20002"/>
+                    </a:ext>
+                  </a:extLst>
+                </a:gridCol>
               </a:tblGrid>
               <a:tr h="246157">
                 <a:tc>
@@ -22939,6 +23685,11 @@
                   </a:txBody>
                   <a:tcPr anchor="ctr"/>
                 </a:tc>
+                <a:extLst>
+                  <a:ext uri="{0D108BD9-81ED-4DB2-BD59-A6C34878D82A}">
+                    <a16:rowId xmlns:a16="http://schemas.microsoft.com/office/drawing/2014/main" val="10000"/>
+                  </a:ext>
+                </a:extLst>
               </a:tr>
               <a:tr h="795102">
                 <a:tc>
@@ -23116,6 +23867,11 @@
                   </a:txBody>
                   <a:tcPr anchor="ctr"/>
                 </a:tc>
+                <a:extLst>
+                  <a:ext uri="{0D108BD9-81ED-4DB2-BD59-A6C34878D82A}">
+                    <a16:rowId xmlns:a16="http://schemas.microsoft.com/office/drawing/2014/main" val="10001"/>
+                  </a:ext>
+                </a:extLst>
               </a:tr>
               <a:tr h="410262">
                 <a:tc>
@@ -23275,6 +24031,11 @@
                   </a:txBody>
                   <a:tcPr anchor="ctr"/>
                 </a:tc>
+                <a:extLst>
+                  <a:ext uri="{0D108BD9-81ED-4DB2-BD59-A6C34878D82A}">
+                    <a16:rowId xmlns:a16="http://schemas.microsoft.com/office/drawing/2014/main" val="10002"/>
+                  </a:ext>
+                </a:extLst>
               </a:tr>
               <a:tr h="410262">
                 <a:tc>
@@ -23420,6 +24181,11 @@
                   </a:txBody>
                   <a:tcPr anchor="ctr"/>
                 </a:tc>
+                <a:extLst>
+                  <a:ext uri="{0D108BD9-81ED-4DB2-BD59-A6C34878D82A}">
+                    <a16:rowId xmlns:a16="http://schemas.microsoft.com/office/drawing/2014/main" val="10003"/>
+                  </a:ext>
+                </a:extLst>
               </a:tr>
               <a:tr h="410262">
                 <a:tc>
@@ -23607,6 +24373,11 @@
                   </a:txBody>
                   <a:tcPr anchor="ctr"/>
                 </a:tc>
+                <a:extLst>
+                  <a:ext uri="{0D108BD9-81ED-4DB2-BD59-A6C34878D82A}">
+                    <a16:rowId xmlns:a16="http://schemas.microsoft.com/office/drawing/2014/main" val="10004"/>
+                  </a:ext>
+                </a:extLst>
               </a:tr>
             </a:tbl>
           </a:graphicData>
@@ -24501,11 +25272,7 @@
               </a:r>
               <a:r>
                 <a:rPr lang="ko-KR" altLang="en-US" sz="1800" dirty="0" smtClean="0"/>
-                <a:t>전투 </a:t>
-              </a:r>
-              <a:r>
-                <a:rPr lang="ko-KR" altLang="en-US" sz="1800" dirty="0" smtClean="0"/>
-                <a:t>정의</a:t>
+                <a:t>전투 정의</a:t>
               </a:r>
               <a:endParaRPr lang="en-US" altLang="ko-KR" sz="1800" dirty="0" smtClean="0"/>
             </a:p>
@@ -24579,11 +25346,7 @@
               </a:r>
               <a:r>
                 <a:rPr lang="ko-KR" altLang="en-US" sz="1800" dirty="0" smtClean="0"/>
-                <a:t>응용 </a:t>
-              </a:r>
-              <a:r>
-                <a:rPr lang="ko-KR" altLang="en-US" sz="1800" dirty="0" smtClean="0"/>
-                <a:t>전투</a:t>
+                <a:t>응용 전투</a:t>
               </a:r>
               <a:endParaRPr lang="en-US" altLang="ko-KR" sz="1800" dirty="0" smtClean="0"/>
             </a:p>
@@ -27218,11 +27981,7 @@
             <a:p>
               <a:r>
                 <a:rPr lang="ko-KR" altLang="en-US" sz="1400" dirty="0" smtClean="0"/>
-                <a:t>진입 장벽을 낮추어 누구나 손쉽게 할 수 있는 게임을 기획하고자 </a:t>
-              </a:r>
-              <a:r>
-                <a:rPr lang="ko-KR" altLang="en-US" sz="1400" dirty="0" smtClean="0"/>
-                <a:t>하였다</a:t>
+                <a:t>진입 장벽을 낮추어 누구나 손쉽게 할 수 있는 게임을 기획하고자 하였다</a:t>
               </a:r>
               <a:r>
                 <a:rPr lang="en-US" altLang="ko-KR" sz="1400" dirty="0" smtClean="0"/>
@@ -27481,21 +28240,12 @@
             </a:r>
             <a:r>
               <a:rPr lang="ko-KR" altLang="en-US" sz="1400" dirty="0" smtClean="0"/>
-              <a:t>좌에서 </a:t>
-            </a:r>
-            <a:r>
-              <a:rPr lang="ko-KR" altLang="en-US" sz="1400" dirty="0" smtClean="0"/>
-              <a:t>우로 게임을 </a:t>
-            </a:r>
-            <a:r>
-              <a:rPr lang="ko-KR" altLang="en-US" sz="1400" dirty="0" smtClean="0"/>
-              <a:t>진행</a:t>
+              <a:t>좌에서 우로 게임을 진행</a:t>
             </a:r>
             <a:r>
               <a:rPr lang="en-US" altLang="ko-KR" sz="1400" dirty="0" smtClean="0"/>
               <a:t>.)</a:t>
             </a:r>
-            <a:endParaRPr lang="en-US" altLang="ko-KR" sz="1400" dirty="0" smtClean="0"/>
           </a:p>
         </p:txBody>
       </p:sp>
@@ -28053,13 +28803,55 @@
                 <a:tableStyleId>{5DA37D80-6434-44D0-A028-1B22A696006F}</a:tableStyleId>
               </a:tblPr>
               <a:tblGrid>
-                <a:gridCol w="758722"/>
-                <a:gridCol w="1677884"/>
-                <a:gridCol w="1677884"/>
-                <a:gridCol w="1677884"/>
-                <a:gridCol w="1677884"/>
-                <a:gridCol w="1677884"/>
-                <a:gridCol w="1677884"/>
+                <a:gridCol w="758722">
+                  <a:extLst>
+                    <a:ext uri="{9D8B030D-6E8A-4147-A177-3AD203B41FA5}">
+                      <a16:colId xmlns:a16="http://schemas.microsoft.com/office/drawing/2014/main" val="20000"/>
+                    </a:ext>
+                  </a:extLst>
+                </a:gridCol>
+                <a:gridCol w="1677884">
+                  <a:extLst>
+                    <a:ext uri="{9D8B030D-6E8A-4147-A177-3AD203B41FA5}">
+                      <a16:colId xmlns:a16="http://schemas.microsoft.com/office/drawing/2014/main" val="20001"/>
+                    </a:ext>
+                  </a:extLst>
+                </a:gridCol>
+                <a:gridCol w="1677884">
+                  <a:extLst>
+                    <a:ext uri="{9D8B030D-6E8A-4147-A177-3AD203B41FA5}">
+                      <a16:colId xmlns:a16="http://schemas.microsoft.com/office/drawing/2014/main" val="20002"/>
+                    </a:ext>
+                  </a:extLst>
+                </a:gridCol>
+                <a:gridCol w="1677884">
+                  <a:extLst>
+                    <a:ext uri="{9D8B030D-6E8A-4147-A177-3AD203B41FA5}">
+                      <a16:colId xmlns:a16="http://schemas.microsoft.com/office/drawing/2014/main" val="20003"/>
+                    </a:ext>
+                  </a:extLst>
+                </a:gridCol>
+                <a:gridCol w="1677884">
+                  <a:extLst>
+                    <a:ext uri="{9D8B030D-6E8A-4147-A177-3AD203B41FA5}">
+                      <a16:colId xmlns:a16="http://schemas.microsoft.com/office/drawing/2014/main" val="20004"/>
+                    </a:ext>
+                  </a:extLst>
+                </a:gridCol>
+                <a:gridCol w="1677884">
+                  <a:extLst>
+                    <a:ext uri="{9D8B030D-6E8A-4147-A177-3AD203B41FA5}">
+                      <a16:colId xmlns:a16="http://schemas.microsoft.com/office/drawing/2014/main" val="20005"/>
+                    </a:ext>
+                  </a:extLst>
+                </a:gridCol>
+                <a:gridCol w="1677884">
+                  <a:extLst>
+                    <a:ext uri="{9D8B030D-6E8A-4147-A177-3AD203B41FA5}">
+                      <a16:colId xmlns:a16="http://schemas.microsoft.com/office/drawing/2014/main" val="20006"/>
+                    </a:ext>
+                  </a:extLst>
+                </a:gridCol>
               </a:tblGrid>
               <a:tr h="285491">
                 <a:tc>
@@ -28175,6 +28967,11 @@
                   </a:txBody>
                   <a:tcPr anchor="ctr"/>
                 </a:tc>
+                <a:extLst>
+                  <a:ext uri="{0D108BD9-81ED-4DB2-BD59-A6C34878D82A}">
+                    <a16:rowId xmlns:a16="http://schemas.microsoft.com/office/drawing/2014/main" val="10000"/>
+                  </a:ext>
+                </a:extLst>
               </a:tr>
               <a:tr h="474954">
                 <a:tc>
@@ -28357,6 +29154,11 @@
                   </a:txBody>
                   <a:tcPr anchor="ctr"/>
                 </a:tc>
+                <a:extLst>
+                  <a:ext uri="{0D108BD9-81ED-4DB2-BD59-A6C34878D82A}">
+                    <a16:rowId xmlns:a16="http://schemas.microsoft.com/office/drawing/2014/main" val="10001"/>
+                  </a:ext>
+                </a:extLst>
               </a:tr>
               <a:tr h="452608">
                 <a:tc>
@@ -28551,6 +29353,11 @@
                   </a:txBody>
                   <a:tcPr anchor="ctr"/>
                 </a:tc>
+                <a:extLst>
+                  <a:ext uri="{0D108BD9-81ED-4DB2-BD59-A6C34878D82A}">
+                    <a16:rowId xmlns:a16="http://schemas.microsoft.com/office/drawing/2014/main" val="10002"/>
+                  </a:ext>
+                </a:extLst>
               </a:tr>
               <a:tr h="452608">
                 <a:tc>
@@ -28762,6 +29569,11 @@
                   </a:txBody>
                   <a:tcPr anchor="ctr"/>
                 </a:tc>
+                <a:extLst>
+                  <a:ext uri="{0D108BD9-81ED-4DB2-BD59-A6C34878D82A}">
+                    <a16:rowId xmlns:a16="http://schemas.microsoft.com/office/drawing/2014/main" val="10003"/>
+                  </a:ext>
+                </a:extLst>
               </a:tr>
               <a:tr h="343023">
                 <a:tc>
@@ -28932,6 +29744,11 @@
                   </a:txBody>
                   <a:tcPr anchor="ctr"/>
                 </a:tc>
+                <a:extLst>
+                  <a:ext uri="{0D108BD9-81ED-4DB2-BD59-A6C34878D82A}">
+                    <a16:rowId xmlns:a16="http://schemas.microsoft.com/office/drawing/2014/main" val="10004"/>
+                  </a:ext>
+                </a:extLst>
               </a:tr>
             </a:tbl>
           </a:graphicData>
@@ -29071,11 +29888,7 @@
           <a:p>
             <a:r>
               <a:rPr lang="ko-KR" altLang="en-US" sz="1400" dirty="0" smtClean="0"/>
-              <a:t>캐릭터는</a:t>
-            </a:r>
-            <a:r>
-              <a:rPr lang="ko-KR" altLang="en-US" sz="1400" dirty="0" smtClean="0"/>
-              <a:t> 오른쪽</a:t>
+              <a:t>캐릭터는 오른쪽</a:t>
             </a:r>
             <a:r>
               <a:rPr lang="en-US" altLang="ko-KR" sz="1400" dirty="0" smtClean="0"/>
@@ -29263,6 +30076,36 @@
           </a:prstGeom>
         </p:spPr>
       </p:pic>
+      <p:pic>
+        <p:nvPicPr>
+          <p:cNvPr id="7" name="그림 6"/>
+          <p:cNvPicPr>
+            <a:picLocks noChangeAspect="1"/>
+          </p:cNvPicPr>
+          <p:nvPr/>
+        </p:nvPicPr>
+        <p:blipFill>
+          <a:blip r:embed="rId4" cstate="print">
+            <a:extLst>
+              <a:ext uri="{28A0092B-C50C-407E-A947-70E740481C1C}">
+                <a14:useLocalDpi xmlns:a14="http://schemas.microsoft.com/office/drawing/2010/main" val="0"/>
+              </a:ext>
+            </a:extLst>
+          </a:blip>
+          <a:stretch>
+            <a:fillRect/>
+          </a:stretch>
+        </p:blipFill>
+        <p:spPr>
+          <a:xfrm>
+            <a:off x="8196426" y="1485142"/>
+            <a:ext cx="1219048" cy="1466486"/>
+          </a:xfrm>
+          <a:prstGeom prst="rect">
+            <a:avLst/>
+          </a:prstGeom>
+        </p:spPr>
+      </p:pic>
     </p:spTree>
     <p:extLst>
       <p:ext uri="{BB962C8B-B14F-4D97-AF65-F5344CB8AC3E}">
@@ -29273,13 +30116,13 @@
   <p:clrMapOvr>
     <a:masterClrMapping/>
   </p:clrMapOvr>
-  <mc:AlternateContent xmlns:mc="http://schemas.openxmlformats.org/markup-compatibility/2006">
-    <mc:Choice xmlns:p14="http://schemas.microsoft.com/office/powerpoint/2010/main" Requires="p14">
+  <mc:AlternateContent xmlns:mc="http://schemas.openxmlformats.org/markup-compatibility/2006" xmlns:p14="http://schemas.microsoft.com/office/powerpoint/2010/main">
+    <mc:Choice Requires="p14">
       <p:transition spd="med" p14:dur="700">
         <p:fade/>
       </p:transition>
     </mc:Choice>
-    <mc:Fallback>
+    <mc:Fallback xmlns="">
       <p:transition spd="med">
         <p:fade/>
       </p:transition>

--- a/003_게임기획서/노비의모험_전투시스템_김병훈_v001_200122.pptx
+++ b/003_게임기획서/노비의모험_전투시스템_김병훈_v001_200122.pptx
@@ -11576,8 +11576,8 @@
         </p:blipFill>
         <p:spPr>
           <a:xfrm>
-            <a:off x="7003441" y="4676573"/>
-            <a:ext cx="982810" cy="1182297"/>
+            <a:off x="6937073" y="4680000"/>
+            <a:ext cx="982809" cy="1182297"/>
           </a:xfrm>
           <a:prstGeom prst="rect">
             <a:avLst/>

--- a/003_게임기획서/노비의모험_전투시스템_김병훈_v001_200122.pptx
+++ b/003_게임기획서/노비의모험_전투시스템_김병훈_v001_200122.pptx
@@ -9566,13 +9566,13 @@
   <p:clrMapOvr>
     <a:masterClrMapping/>
   </p:clrMapOvr>
-  <mc:AlternateContent xmlns:mc="http://schemas.openxmlformats.org/markup-compatibility/2006" xmlns:p14="http://schemas.microsoft.com/office/powerpoint/2010/main">
-    <mc:Choice Requires="p14">
+  <mc:AlternateContent xmlns:mc="http://schemas.openxmlformats.org/markup-compatibility/2006">
+    <mc:Choice xmlns:p14="http://schemas.microsoft.com/office/powerpoint/2010/main" Requires="p14">
       <p:transition spd="med" p14:dur="700">
         <p:fade/>
       </p:transition>
     </mc:Choice>
-    <mc:Fallback xmlns="">
+    <mc:Fallback>
       <p:transition spd="med">
         <p:fade/>
       </p:transition>
@@ -9832,6 +9832,89 @@
           </a:p>
         </p:txBody>
       </p:sp>
+      <p:grpSp>
+        <p:nvGrpSpPr>
+          <p:cNvPr id="8" name="그룹 7"/>
+          <p:cNvGrpSpPr/>
+          <p:nvPr/>
+        </p:nvGrpSpPr>
+        <p:grpSpPr>
+          <a:xfrm>
+            <a:off x="6503205" y="4259355"/>
+            <a:ext cx="5024519" cy="2167363"/>
+            <a:chOff x="6159270" y="1094389"/>
+            <a:chExt cx="5337406" cy="2302329"/>
+          </a:xfrm>
+        </p:grpSpPr>
+        <p:pic>
+          <p:nvPicPr>
+            <p:cNvPr id="9" name="그림 8"/>
+            <p:cNvPicPr/>
+            <p:nvPr/>
+          </p:nvPicPr>
+          <p:blipFill>
+            <a:blip r:embed="rId3">
+              <a:extLst>
+                <a:ext uri="{28A0092B-C50C-407E-A947-70E740481C1C}">
+                  <a14:useLocalDpi xmlns:a14="http://schemas.microsoft.com/office/drawing/2010/main" val="0"/>
+                </a:ext>
+              </a:extLst>
+            </a:blip>
+            <a:stretch>
+              <a:fillRect/>
+            </a:stretch>
+          </p:blipFill>
+          <p:spPr>
+            <a:xfrm>
+              <a:off x="6159270" y="1094389"/>
+              <a:ext cx="5337406" cy="2302329"/>
+            </a:xfrm>
+            <a:prstGeom prst="rect">
+              <a:avLst/>
+            </a:prstGeom>
+          </p:spPr>
+        </p:pic>
+        <p:cxnSp>
+          <p:nvCxnSpPr>
+            <p:cNvPr id="10" name="직선 화살표 연결선 9"/>
+            <p:cNvCxnSpPr/>
+            <p:nvPr/>
+          </p:nvCxnSpPr>
+          <p:spPr>
+            <a:xfrm>
+              <a:off x="7719935" y="2263515"/>
+              <a:ext cx="1918741" cy="0"/>
+            </a:xfrm>
+            <a:prstGeom prst="straightConnector1">
+              <a:avLst/>
+            </a:prstGeom>
+            <a:ln>
+              <a:solidFill>
+                <a:schemeClr val="tx1">
+                  <a:lumMod val="75000"/>
+                  <a:lumOff val="25000"/>
+                </a:schemeClr>
+              </a:solidFill>
+              <a:headEnd type="triangle"/>
+              <a:tailEnd type="triangle"/>
+            </a:ln>
+          </p:spPr>
+          <p:style>
+            <a:lnRef idx="1">
+              <a:schemeClr val="accent1"/>
+            </a:lnRef>
+            <a:fillRef idx="0">
+              <a:schemeClr val="accent1"/>
+            </a:fillRef>
+            <a:effectRef idx="0">
+              <a:schemeClr val="accent1"/>
+            </a:effectRef>
+            <a:fontRef idx="minor">
+              <a:schemeClr val="tx1"/>
+            </a:fontRef>
+          </p:style>
+        </p:cxnSp>
+      </p:grpSp>
       <p:sp>
         <p:nvSpPr>
           <p:cNvPr id="11" name="제목 1"/>
@@ -9961,27 +10044,9 @@
                 <a:tableStyleId>{69CF1AB2-1976-4502-BF36-3FF5EA218861}</a:tableStyleId>
               </a:tblPr>
               <a:tblGrid>
-                <a:gridCol w="1029971">
-                  <a:extLst>
-                    <a:ext uri="{9D8B030D-6E8A-4147-A177-3AD203B41FA5}">
-                      <a16:colId xmlns:a16="http://schemas.microsoft.com/office/drawing/2014/main" val="20000"/>
-                    </a:ext>
-                  </a:extLst>
-                </a:gridCol>
-                <a:gridCol w="1403131">
-                  <a:extLst>
-                    <a:ext uri="{9D8B030D-6E8A-4147-A177-3AD203B41FA5}">
-                      <a16:colId xmlns:a16="http://schemas.microsoft.com/office/drawing/2014/main" val="20001"/>
-                    </a:ext>
-                  </a:extLst>
-                </a:gridCol>
-                <a:gridCol w="2939172">
-                  <a:extLst>
-                    <a:ext uri="{9D8B030D-6E8A-4147-A177-3AD203B41FA5}">
-                      <a16:colId xmlns:a16="http://schemas.microsoft.com/office/drawing/2014/main" val="20002"/>
-                    </a:ext>
-                  </a:extLst>
-                </a:gridCol>
+                <a:gridCol w="1029971"/>
+                <a:gridCol w="1403131"/>
+                <a:gridCol w="2939172"/>
               </a:tblGrid>
               <a:tr h="288000">
                 <a:tc>
@@ -10047,11 +10112,6 @@
                   </a:txBody>
                   <a:tcPr anchor="ctr"/>
                 </a:tc>
-                <a:extLst>
-                  <a:ext uri="{0D108BD9-81ED-4DB2-BD59-A6C34878D82A}">
-                    <a16:rowId xmlns:a16="http://schemas.microsoft.com/office/drawing/2014/main" val="10000"/>
-                  </a:ext>
-                </a:extLst>
               </a:tr>
               <a:tr h="288000">
                 <a:tc>
@@ -10137,11 +10197,6 @@
                   </a:txBody>
                   <a:tcPr anchor="ctr"/>
                 </a:tc>
-                <a:extLst>
-                  <a:ext uri="{0D108BD9-81ED-4DB2-BD59-A6C34878D82A}">
-                    <a16:rowId xmlns:a16="http://schemas.microsoft.com/office/drawing/2014/main" val="10001"/>
-                  </a:ext>
-                </a:extLst>
               </a:tr>
               <a:tr h="288000">
                 <a:tc>
@@ -10207,11 +10262,6 @@
                   </a:txBody>
                   <a:tcPr anchor="ctr"/>
                 </a:tc>
-                <a:extLst>
-                  <a:ext uri="{0D108BD9-81ED-4DB2-BD59-A6C34878D82A}">
-                    <a16:rowId xmlns:a16="http://schemas.microsoft.com/office/drawing/2014/main" val="10002"/>
-                  </a:ext>
-                </a:extLst>
               </a:tr>
               <a:tr h="288000">
                 <a:tc>
@@ -10309,11 +10359,6 @@
                   </a:txBody>
                   <a:tcPr anchor="ctr"/>
                 </a:tc>
-                <a:extLst>
-                  <a:ext uri="{0D108BD9-81ED-4DB2-BD59-A6C34878D82A}">
-                    <a16:rowId xmlns:a16="http://schemas.microsoft.com/office/drawing/2014/main" val="10003"/>
-                  </a:ext>
-                </a:extLst>
               </a:tr>
             </a:tbl>
           </a:graphicData>
@@ -10321,132 +10366,71 @@
       </p:graphicFrame>
       <p:grpSp>
         <p:nvGrpSpPr>
-          <p:cNvPr id="15" name="그룹 14"/>
+          <p:cNvPr id="30" name="그룹 29"/>
           <p:cNvGrpSpPr/>
           <p:nvPr/>
         </p:nvGrpSpPr>
         <p:grpSpPr>
           <a:xfrm>
-            <a:off x="7549291" y="1308675"/>
-            <a:ext cx="3471134" cy="2146083"/>
-            <a:chOff x="7241833" y="1064523"/>
-            <a:chExt cx="3962525" cy="2686455"/>
+            <a:off x="7241833" y="1064523"/>
+            <a:ext cx="3962525" cy="2686455"/>
+            <a:chOff x="6996171" y="1237777"/>
+            <a:chExt cx="4008939" cy="2717922"/>
           </a:xfrm>
         </p:grpSpPr>
-        <p:grpSp>
-          <p:nvGrpSpPr>
-            <p:cNvPr id="30" name="그룹 29"/>
-            <p:cNvGrpSpPr/>
+        <p:pic>
+          <p:nvPicPr>
+            <p:cNvPr id="5" name="그림 4"/>
+            <p:cNvPicPr/>
             <p:nvPr/>
-          </p:nvGrpSpPr>
-          <p:grpSpPr>
+          </p:nvPicPr>
+          <p:blipFill>
+            <a:blip r:embed="rId4">
+              <a:extLst>
+                <a:ext uri="{28A0092B-C50C-407E-A947-70E740481C1C}">
+                  <a14:useLocalDpi xmlns:a14="http://schemas.microsoft.com/office/drawing/2010/main" val="0"/>
+                </a:ext>
+              </a:extLst>
+            </a:blip>
+            <a:stretch>
+              <a:fillRect/>
+            </a:stretch>
+          </p:blipFill>
+          <p:spPr bwMode="auto">
             <a:xfrm>
-              <a:off x="7241833" y="1064523"/>
-              <a:ext cx="3962525" cy="2686455"/>
-              <a:chOff x="6996171" y="1237777"/>
-              <a:chExt cx="4008939" cy="2717922"/>
+              <a:off x="6996171" y="1440001"/>
+              <a:ext cx="3979943" cy="2515698"/>
             </a:xfrm>
-          </p:grpSpPr>
-          <p:pic>
-            <p:nvPicPr>
-              <p:cNvPr id="5" name="그림 4"/>
-              <p:cNvPicPr/>
-              <p:nvPr/>
-            </p:nvPicPr>
-            <p:blipFill>
-              <a:blip r:embed="rId3">
-                <a:extLst>
-                  <a:ext uri="{28A0092B-C50C-407E-A947-70E740481C1C}">
-                    <a14:useLocalDpi xmlns:a14="http://schemas.microsoft.com/office/drawing/2010/main" val="0"/>
-                  </a:ext>
-                </a:extLst>
-              </a:blip>
-              <a:stretch>
-                <a:fillRect/>
-              </a:stretch>
-            </p:blipFill>
-            <p:spPr bwMode="auto">
-              <a:xfrm>
-                <a:off x="6996171" y="1440001"/>
-                <a:ext cx="3979943" cy="2515698"/>
-              </a:xfrm>
-              <a:prstGeom prst="rect">
-                <a:avLst/>
-              </a:prstGeom>
+            <a:prstGeom prst="rect">
+              <a:avLst/>
+            </a:prstGeom>
+            <a:noFill/>
+            <a:ln>
               <a:noFill/>
-              <a:ln>
-                <a:noFill/>
-              </a:ln>
-            </p:spPr>
-          </p:pic>
-          <p:sp>
-            <p:nvSpPr>
-              <p:cNvPr id="12" name="직사각형 11"/>
-              <p:cNvSpPr/>
-              <p:nvPr/>
-            </p:nvSpPr>
-            <p:spPr>
-              <a:xfrm>
-                <a:off x="7972382" y="1237777"/>
-                <a:ext cx="3032728" cy="1041400"/>
-              </a:xfrm>
-              <a:prstGeom prst="rect">
-                <a:avLst/>
-              </a:prstGeom>
-              <a:solidFill>
-                <a:schemeClr val="bg1"/>
-              </a:solidFill>
-              <a:ln>
-                <a:solidFill>
-                  <a:schemeClr val="bg1"/>
-                </a:solidFill>
-              </a:ln>
-            </p:spPr>
-            <p:style>
-              <a:lnRef idx="2">
-                <a:schemeClr val="accent1">
-                  <a:shade val="50000"/>
-                </a:schemeClr>
-              </a:lnRef>
-              <a:fillRef idx="1">
-                <a:schemeClr val="accent1"/>
-              </a:fillRef>
-              <a:effectRef idx="0">
-                <a:schemeClr val="accent1"/>
-              </a:effectRef>
-              <a:fontRef idx="minor">
-                <a:schemeClr val="lt1"/>
-              </a:fontRef>
-            </p:style>
-            <p:txBody>
-              <a:bodyPr rtlCol="0" anchor="ctr"/>
-              <a:lstStyle/>
-              <a:p>
-                <a:pPr algn="ctr"/>
-                <a:endParaRPr lang="ko-KR" altLang="en-US"/>
-              </a:p>
-            </p:txBody>
-          </p:sp>
-        </p:grpSp>
+            </a:ln>
+          </p:spPr>
+        </p:pic>
         <p:sp>
           <p:nvSpPr>
-            <p:cNvPr id="14" name="모서리가 둥근 직사각형 13"/>
+            <p:cNvPr id="12" name="직사각형 11"/>
             <p:cNvSpPr/>
             <p:nvPr/>
           </p:nvSpPr>
           <p:spPr>
             <a:xfrm>
-              <a:off x="7241833" y="1202155"/>
-              <a:ext cx="412364" cy="1545505"/>
+              <a:off x="7972382" y="1237777"/>
+              <a:ext cx="3032728" cy="1041400"/>
             </a:xfrm>
-            <a:prstGeom prst="roundRect">
+            <a:prstGeom prst="rect">
               <a:avLst/>
             </a:prstGeom>
             <a:solidFill>
               <a:schemeClr val="bg1"/>
             </a:solidFill>
             <a:ln>
-              <a:noFill/>
+              <a:solidFill>
+                <a:schemeClr val="bg1"/>
+              </a:solidFill>
             </a:ln>
           </p:spPr>
           <p:style>
@@ -10475,317 +10459,6 @@
           </p:txBody>
         </p:sp>
       </p:grpSp>
-      <p:pic>
-        <p:nvPicPr>
-          <p:cNvPr id="2" name="그림 1"/>
-          <p:cNvPicPr>
-            <a:picLocks noChangeAspect="1"/>
-          </p:cNvPicPr>
-          <p:nvPr/>
-        </p:nvPicPr>
-        <p:blipFill>
-          <a:blip r:embed="rId4" cstate="print">
-            <a:extLst>
-              <a:ext uri="{28A0092B-C50C-407E-A947-70E740481C1C}">
-                <a14:useLocalDpi xmlns:a14="http://schemas.microsoft.com/office/drawing/2010/main" val="0"/>
-              </a:ext>
-            </a:extLst>
-          </a:blip>
-          <a:stretch>
-            <a:fillRect/>
-          </a:stretch>
-        </p:blipFill>
-        <p:spPr>
-          <a:xfrm>
-            <a:off x="6959034" y="1426520"/>
-            <a:ext cx="1219048" cy="1466486"/>
-          </a:xfrm>
-          <a:prstGeom prst="rect">
-            <a:avLst/>
-          </a:prstGeom>
-        </p:spPr>
-      </p:pic>
-      <p:pic>
-        <p:nvPicPr>
-          <p:cNvPr id="16" name="그림 15"/>
-          <p:cNvPicPr>
-            <a:picLocks noChangeAspect="1"/>
-          </p:cNvPicPr>
-          <p:nvPr/>
-        </p:nvPicPr>
-        <p:blipFill>
-          <a:blip r:embed="rId5" cstate="print">
-            <a:extLst>
-              <a:ext uri="{28A0092B-C50C-407E-A947-70E740481C1C}">
-                <a14:useLocalDpi xmlns:a14="http://schemas.microsoft.com/office/drawing/2010/main" val="0"/>
-              </a:ext>
-            </a:extLst>
-          </a:blip>
-          <a:stretch>
-            <a:fillRect/>
-          </a:stretch>
-        </p:blipFill>
-        <p:spPr>
-          <a:xfrm>
-            <a:off x="7076616" y="4082668"/>
-            <a:ext cx="1219047" cy="1466486"/>
-          </a:xfrm>
-          <a:prstGeom prst="rect">
-            <a:avLst/>
-          </a:prstGeom>
-        </p:spPr>
-      </p:pic>
-      <p:pic>
-        <p:nvPicPr>
-          <p:cNvPr id="17" name="그림 16"/>
-          <p:cNvPicPr>
-            <a:picLocks noChangeAspect="1"/>
-          </p:cNvPicPr>
-          <p:nvPr/>
-        </p:nvPicPr>
-        <p:blipFill>
-          <a:blip r:embed="rId6" cstate="print">
-            <a:extLst>
-              <a:ext uri="{28A0092B-C50C-407E-A947-70E740481C1C}">
-                <a14:useLocalDpi xmlns:a14="http://schemas.microsoft.com/office/drawing/2010/main" val="0"/>
-              </a:ext>
-            </a:extLst>
-          </a:blip>
-          <a:stretch>
-            <a:fillRect/>
-          </a:stretch>
-        </p:blipFill>
-        <p:spPr>
-          <a:xfrm>
-            <a:off x="9160604" y="4082668"/>
-            <a:ext cx="1219047" cy="1466485"/>
-          </a:xfrm>
-          <a:prstGeom prst="rect">
-            <a:avLst/>
-          </a:prstGeom>
-        </p:spPr>
-      </p:pic>
-      <p:sp>
-        <p:nvSpPr>
-          <p:cNvPr id="18" name="제목 1"/>
-          <p:cNvSpPr txBox="1">
-            <a:spLocks/>
-          </p:cNvSpPr>
-          <p:nvPr/>
-        </p:nvSpPr>
-        <p:spPr>
-          <a:xfrm>
-            <a:off x="7251358" y="5596679"/>
-            <a:ext cx="727341" cy="303215"/>
-          </a:xfrm>
-          <a:prstGeom prst="rect">
-            <a:avLst/>
-          </a:prstGeom>
-        </p:spPr>
-        <p:txBody>
-          <a:bodyPr vert="horz" rtlCol="0" anchor="t">
-            <a:noAutofit/>
-          </a:bodyPr>
-          <a:lstStyle>
-            <a:lvl1pPr algn="l" rtl="0" eaLnBrk="1" latinLnBrk="1" hangingPunct="1">
-              <a:spcBef>
-                <a:spcPct val="0"/>
-              </a:spcBef>
-              <a:buNone/>
-              <a:defRPr kumimoji="0" sz="4000" kern="1200">
-                <a:solidFill>
-                  <a:schemeClr val="tx2"/>
-                </a:solidFill>
-                <a:latin typeface="맑은 고딕" panose="020B0503020000020004" pitchFamily="50" charset="-127"/>
-                <a:ea typeface="+mj-ea"/>
-                <a:cs typeface="+mj-cs"/>
-              </a:defRPr>
-            </a:lvl1pPr>
-          </a:lstStyle>
-          <a:p>
-            <a:r>
-              <a:rPr lang="ko-KR" altLang="en-US" sz="1000" dirty="0" smtClean="0"/>
-              <a:t>캐릭터</a:t>
-            </a:r>
-            <a:endParaRPr lang="en-US" altLang="ko-KR" sz="1000" dirty="0"/>
-          </a:p>
-        </p:txBody>
-      </p:sp>
-      <p:sp>
-        <p:nvSpPr>
-          <p:cNvPr id="19" name="제목 1"/>
-          <p:cNvSpPr txBox="1">
-            <a:spLocks/>
-          </p:cNvSpPr>
-          <p:nvPr/>
-        </p:nvSpPr>
-        <p:spPr>
-          <a:xfrm>
-            <a:off x="9530281" y="5596679"/>
-            <a:ext cx="727341" cy="303215"/>
-          </a:xfrm>
-          <a:prstGeom prst="rect">
-            <a:avLst/>
-          </a:prstGeom>
-        </p:spPr>
-        <p:txBody>
-          <a:bodyPr vert="horz" rtlCol="0" anchor="t">
-            <a:noAutofit/>
-          </a:bodyPr>
-          <a:lstStyle>
-            <a:lvl1pPr algn="l" rtl="0" eaLnBrk="1" latinLnBrk="1" hangingPunct="1">
-              <a:spcBef>
-                <a:spcPct val="0"/>
-              </a:spcBef>
-              <a:buNone/>
-              <a:defRPr kumimoji="0" sz="4000" kern="1200">
-                <a:solidFill>
-                  <a:schemeClr val="tx2"/>
-                </a:solidFill>
-                <a:latin typeface="맑은 고딕" panose="020B0503020000020004" pitchFamily="50" charset="-127"/>
-                <a:ea typeface="+mj-ea"/>
-                <a:cs typeface="+mj-cs"/>
-              </a:defRPr>
-            </a:lvl1pPr>
-          </a:lstStyle>
-          <a:p>
-            <a:r>
-              <a:rPr lang="ko-KR" altLang="en-US" sz="1000" dirty="0" smtClean="0"/>
-              <a:t>몬스터</a:t>
-            </a:r>
-            <a:endParaRPr lang="en-US" altLang="ko-KR" sz="1000" dirty="0"/>
-          </a:p>
-        </p:txBody>
-      </p:sp>
-      <p:sp>
-        <p:nvSpPr>
-          <p:cNvPr id="22" name="제목 1"/>
-          <p:cNvSpPr txBox="1">
-            <a:spLocks/>
-          </p:cNvSpPr>
-          <p:nvPr/>
-        </p:nvSpPr>
-        <p:spPr>
-          <a:xfrm>
-            <a:off x="7213173" y="1167573"/>
-            <a:ext cx="727341" cy="303215"/>
-          </a:xfrm>
-          <a:prstGeom prst="rect">
-            <a:avLst/>
-          </a:prstGeom>
-        </p:spPr>
-        <p:txBody>
-          <a:bodyPr vert="horz" rtlCol="0" anchor="t">
-            <a:noAutofit/>
-          </a:bodyPr>
-          <a:lstStyle>
-            <a:lvl1pPr algn="l" rtl="0" eaLnBrk="1" latinLnBrk="1" hangingPunct="1">
-              <a:spcBef>
-                <a:spcPct val="0"/>
-              </a:spcBef>
-              <a:buNone/>
-              <a:defRPr kumimoji="0" sz="4000" kern="1200">
-                <a:solidFill>
-                  <a:schemeClr val="tx2"/>
-                </a:solidFill>
-                <a:latin typeface="맑은 고딕" panose="020B0503020000020004" pitchFamily="50" charset="-127"/>
-                <a:ea typeface="+mj-ea"/>
-                <a:cs typeface="+mj-cs"/>
-              </a:defRPr>
-            </a:lvl1pPr>
-          </a:lstStyle>
-          <a:p>
-            <a:r>
-              <a:rPr lang="ko-KR" altLang="en-US" sz="1000" dirty="0" smtClean="0"/>
-              <a:t>캐릭터</a:t>
-            </a:r>
-            <a:endParaRPr lang="en-US" altLang="ko-KR" sz="1000" dirty="0"/>
-          </a:p>
-        </p:txBody>
-      </p:sp>
-      <p:cxnSp>
-        <p:nvCxnSpPr>
-          <p:cNvPr id="23" name="직선 화살표 연결선 22"/>
-          <p:cNvCxnSpPr/>
-          <p:nvPr/>
-        </p:nvCxnSpPr>
-        <p:spPr>
-          <a:xfrm>
-            <a:off x="7962636" y="5453288"/>
-            <a:ext cx="1491080" cy="0"/>
-          </a:xfrm>
-          <a:prstGeom prst="straightConnector1">
-            <a:avLst/>
-          </a:prstGeom>
-          <a:ln>
-            <a:solidFill>
-              <a:schemeClr val="tx1"/>
-            </a:solidFill>
-            <a:headEnd type="triangle"/>
-            <a:tailEnd type="triangle"/>
-          </a:ln>
-        </p:spPr>
-        <p:style>
-          <a:lnRef idx="1">
-            <a:schemeClr val="accent1"/>
-          </a:lnRef>
-          <a:fillRef idx="0">
-            <a:schemeClr val="accent1"/>
-          </a:fillRef>
-          <a:effectRef idx="0">
-            <a:schemeClr val="accent1"/>
-          </a:effectRef>
-          <a:fontRef idx="minor">
-            <a:schemeClr val="tx1"/>
-          </a:fontRef>
-        </p:style>
-      </p:cxnSp>
-      <p:sp>
-        <p:nvSpPr>
-          <p:cNvPr id="27" name="제목 1"/>
-          <p:cNvSpPr txBox="1">
-            <a:spLocks/>
-          </p:cNvSpPr>
-          <p:nvPr/>
-        </p:nvSpPr>
-        <p:spPr>
-          <a:xfrm>
-            <a:off x="8416388" y="5596679"/>
-            <a:ext cx="583575" cy="303215"/>
-          </a:xfrm>
-          <a:prstGeom prst="rect">
-            <a:avLst/>
-          </a:prstGeom>
-        </p:spPr>
-        <p:txBody>
-          <a:bodyPr vert="horz" rtlCol="0" anchor="t">
-            <a:noAutofit/>
-          </a:bodyPr>
-          <a:lstStyle>
-            <a:lvl1pPr algn="l" rtl="0" eaLnBrk="1" latinLnBrk="1" hangingPunct="1">
-              <a:spcBef>
-                <a:spcPct val="0"/>
-              </a:spcBef>
-              <a:buNone/>
-              <a:defRPr kumimoji="0" sz="4000" kern="1200">
-                <a:solidFill>
-                  <a:schemeClr val="tx2"/>
-                </a:solidFill>
-                <a:latin typeface="맑은 고딕" panose="020B0503020000020004" pitchFamily="50" charset="-127"/>
-                <a:ea typeface="+mj-ea"/>
-                <a:cs typeface="+mj-cs"/>
-              </a:defRPr>
-            </a:lvl1pPr>
-          </a:lstStyle>
-          <a:p>
-            <a:r>
-              <a:rPr lang="ko-KR" altLang="en-US" sz="1000" dirty="0" smtClean="0"/>
-              <a:t>사거리</a:t>
-            </a:r>
-            <a:endParaRPr lang="en-US" altLang="ko-KR" sz="1000" dirty="0"/>
-          </a:p>
-        </p:txBody>
-      </p:sp>
     </p:spTree>
     <p:extLst>
       <p:ext uri="{BB962C8B-B14F-4D97-AF65-F5344CB8AC3E}">
@@ -10934,7 +10607,11 @@
             </a:r>
             <a:r>
               <a:rPr lang="ko-KR" altLang="en-US" sz="1400" dirty="0"/>
-              <a:t> 발생되는 전투 행동</a:t>
+              <a:t> 발생되는 </a:t>
+            </a:r>
+            <a:r>
+              <a:rPr lang="ko-KR" altLang="en-US" sz="1400" dirty="0"/>
+              <a:t>전투 행동</a:t>
             </a:r>
             <a:r>
               <a:rPr lang="en-US" altLang="ko-KR" sz="1400" dirty="0"/>
@@ -11024,7 +10701,11 @@
             </a:r>
             <a:r>
               <a:rPr lang="ko-KR" altLang="en-US" sz="2000" dirty="0" smtClean="0"/>
-              <a:t>스킬 공격</a:t>
+              <a:t>스킬 </a:t>
+            </a:r>
+            <a:r>
+              <a:rPr lang="ko-KR" altLang="en-US" sz="2000" dirty="0" smtClean="0"/>
+              <a:t>공격</a:t>
             </a:r>
             <a:endParaRPr lang="ko-KR" altLang="en-US" sz="2000" dirty="0"/>
           </a:p>
@@ -11078,7 +10759,11 @@
             </a:r>
             <a:r>
               <a:rPr lang="ko-KR" altLang="en-US" sz="1400" dirty="0"/>
-              <a:t> 눌러 발생되는 전투 행동</a:t>
+              <a:t> 눌러 발생되는 </a:t>
+            </a:r>
+            <a:r>
+              <a:rPr lang="ko-KR" altLang="en-US" sz="1400" dirty="0"/>
+              <a:t>전투 행동</a:t>
             </a:r>
             <a:r>
               <a:rPr lang="en-US" altLang="ko-KR" sz="1400" dirty="0"/>
@@ -11485,7 +11170,11 @@
             </a:r>
             <a:r>
               <a:rPr lang="ko-KR" altLang="en-US" sz="1400" dirty="0"/>
-              <a:t>아이템을 소모하여 발생되는 전투 행동</a:t>
+              <a:t>아이템을 소모하여 발생되는 </a:t>
+            </a:r>
+            <a:r>
+              <a:rPr lang="ko-KR" altLang="en-US" sz="1400" dirty="0"/>
+              <a:t>전투 행동</a:t>
             </a:r>
             <a:r>
               <a:rPr lang="en-US" altLang="ko-KR" sz="1400" dirty="0"/>
@@ -11494,96 +11183,6 @@
           </a:p>
         </p:txBody>
       </p:sp>
-      <p:pic>
-        <p:nvPicPr>
-          <p:cNvPr id="10" name="그림 9"/>
-          <p:cNvPicPr>
-            <a:picLocks noChangeAspect="1"/>
-          </p:cNvPicPr>
-          <p:nvPr/>
-        </p:nvPicPr>
-        <p:blipFill>
-          <a:blip r:embed="rId5" cstate="print">
-            <a:extLst>
-              <a:ext uri="{28A0092B-C50C-407E-A947-70E740481C1C}">
-                <a14:useLocalDpi xmlns:a14="http://schemas.microsoft.com/office/drawing/2010/main" val="0"/>
-              </a:ext>
-            </a:extLst>
-          </a:blip>
-          <a:stretch>
-            <a:fillRect/>
-          </a:stretch>
-        </p:blipFill>
-        <p:spPr>
-          <a:xfrm>
-            <a:off x="6885454" y="1590191"/>
-            <a:ext cx="1219047" cy="1466485"/>
-          </a:xfrm>
-          <a:prstGeom prst="rect">
-            <a:avLst/>
-          </a:prstGeom>
-        </p:spPr>
-      </p:pic>
-      <p:pic>
-        <p:nvPicPr>
-          <p:cNvPr id="11" name="그림 10"/>
-          <p:cNvPicPr>
-            <a:picLocks noChangeAspect="1"/>
-          </p:cNvPicPr>
-          <p:nvPr/>
-        </p:nvPicPr>
-        <p:blipFill>
-          <a:blip r:embed="rId6" cstate="print">
-            <a:extLst>
-              <a:ext uri="{28A0092B-C50C-407E-A947-70E740481C1C}">
-                <a14:useLocalDpi xmlns:a14="http://schemas.microsoft.com/office/drawing/2010/main" val="0"/>
-              </a:ext>
-            </a:extLst>
-          </a:blip>
-          <a:stretch>
-            <a:fillRect/>
-          </a:stretch>
-        </p:blipFill>
-        <p:spPr>
-          <a:xfrm>
-            <a:off x="9290614" y="1590191"/>
-            <a:ext cx="1219047" cy="1466485"/>
-          </a:xfrm>
-          <a:prstGeom prst="rect">
-            <a:avLst/>
-          </a:prstGeom>
-        </p:spPr>
-      </p:pic>
-      <p:pic>
-        <p:nvPicPr>
-          <p:cNvPr id="12" name="그림 11"/>
-          <p:cNvPicPr>
-            <a:picLocks noChangeAspect="1"/>
-          </p:cNvPicPr>
-          <p:nvPr/>
-        </p:nvPicPr>
-        <p:blipFill>
-          <a:blip r:embed="rId7" cstate="print">
-            <a:extLst>
-              <a:ext uri="{28A0092B-C50C-407E-A947-70E740481C1C}">
-                <a14:useLocalDpi xmlns:a14="http://schemas.microsoft.com/office/drawing/2010/main" val="0"/>
-              </a:ext>
-            </a:extLst>
-          </a:blip>
-          <a:stretch>
-            <a:fillRect/>
-          </a:stretch>
-        </p:blipFill>
-        <p:spPr>
-          <a:xfrm>
-            <a:off x="6937073" y="4680000"/>
-            <a:ext cx="982809" cy="1182297"/>
-          </a:xfrm>
-          <a:prstGeom prst="rect">
-            <a:avLst/>
-          </a:prstGeom>
-        </p:spPr>
-      </p:pic>
     </p:spTree>
     <p:extLst>
       <p:ext uri="{BB962C8B-B14F-4D97-AF65-F5344CB8AC3E}">
@@ -12257,27 +11856,9 @@
                 <a:tableStyleId>{BC89EF96-8CEA-46FF-86C4-4CE0E7609802}</a:tableStyleId>
               </a:tblPr>
               <a:tblGrid>
-                <a:gridCol w="1324931">
-                  <a:extLst>
-                    <a:ext uri="{9D8B030D-6E8A-4147-A177-3AD203B41FA5}">
-                      <a16:colId xmlns:a16="http://schemas.microsoft.com/office/drawing/2014/main" val="20000"/>
-                    </a:ext>
-                  </a:extLst>
-                </a:gridCol>
-                <a:gridCol w="997527">
-                  <a:extLst>
-                    <a:ext uri="{9D8B030D-6E8A-4147-A177-3AD203B41FA5}">
-                      <a16:colId xmlns:a16="http://schemas.microsoft.com/office/drawing/2014/main" val="20001"/>
-                    </a:ext>
-                  </a:extLst>
-                </a:gridCol>
-                <a:gridCol w="8454217">
-                  <a:extLst>
-                    <a:ext uri="{9D8B030D-6E8A-4147-A177-3AD203B41FA5}">
-                      <a16:colId xmlns:a16="http://schemas.microsoft.com/office/drawing/2014/main" val="20002"/>
-                    </a:ext>
-                  </a:extLst>
-                </a:gridCol>
+                <a:gridCol w="1324931"/>
+                <a:gridCol w="997527"/>
+                <a:gridCol w="8454217"/>
               </a:tblGrid>
               <a:tr h="246157">
                 <a:tc>
@@ -12373,11 +11954,6 @@
                   </a:txBody>
                   <a:tcPr anchor="ctr"/>
                 </a:tc>
-                <a:extLst>
-                  <a:ext uri="{0D108BD9-81ED-4DB2-BD59-A6C34878D82A}">
-                    <a16:rowId xmlns:a16="http://schemas.microsoft.com/office/drawing/2014/main" val="10000"/>
-                  </a:ext>
-                </a:extLst>
               </a:tr>
               <a:tr h="795102">
                 <a:tc>
@@ -12659,11 +12235,6 @@
                   </a:txBody>
                   <a:tcPr anchor="ctr"/>
                 </a:tc>
-                <a:extLst>
-                  <a:ext uri="{0D108BD9-81ED-4DB2-BD59-A6C34878D82A}">
-                    <a16:rowId xmlns:a16="http://schemas.microsoft.com/office/drawing/2014/main" val="10001"/>
-                  </a:ext>
-                </a:extLst>
               </a:tr>
               <a:tr h="410262">
                 <a:tc>
@@ -12851,11 +12422,6 @@
                   </a:txBody>
                   <a:tcPr anchor="ctr"/>
                 </a:tc>
-                <a:extLst>
-                  <a:ext uri="{0D108BD9-81ED-4DB2-BD59-A6C34878D82A}">
-                    <a16:rowId xmlns:a16="http://schemas.microsoft.com/office/drawing/2014/main" val="10002"/>
-                  </a:ext>
-                </a:extLst>
               </a:tr>
               <a:tr h="410262">
                 <a:tc>
@@ -13074,11 +12640,6 @@
                   </a:txBody>
                   <a:tcPr anchor="ctr"/>
                 </a:tc>
-                <a:extLst>
-                  <a:ext uri="{0D108BD9-81ED-4DB2-BD59-A6C34878D82A}">
-                    <a16:rowId xmlns:a16="http://schemas.microsoft.com/office/drawing/2014/main" val="10003"/>
-                  </a:ext>
-                </a:extLst>
               </a:tr>
               <a:tr h="410262">
                 <a:tc>
@@ -13269,11 +12830,6 @@
                   </a:txBody>
                   <a:tcPr anchor="ctr"/>
                 </a:tc>
-                <a:extLst>
-                  <a:ext uri="{0D108BD9-81ED-4DB2-BD59-A6C34878D82A}">
-                    <a16:rowId xmlns:a16="http://schemas.microsoft.com/office/drawing/2014/main" val="10004"/>
-                  </a:ext>
-                </a:extLst>
               </a:tr>
               <a:tr h="543792">
                 <a:tc>
@@ -13503,11 +13059,6 @@
                   </a:txBody>
                   <a:tcPr anchor="ctr"/>
                 </a:tc>
-                <a:extLst>
-                  <a:ext uri="{0D108BD9-81ED-4DB2-BD59-A6C34878D82A}">
-                    <a16:rowId xmlns:a16="http://schemas.microsoft.com/office/drawing/2014/main" val="10005"/>
-                  </a:ext>
-                </a:extLst>
               </a:tr>
               <a:tr h="415637">
                 <a:tc>
@@ -13849,11 +13400,6 @@
                   </a:txBody>
                   <a:tcPr anchor="ctr"/>
                 </a:tc>
-                <a:extLst>
-                  <a:ext uri="{0D108BD9-81ED-4DB2-BD59-A6C34878D82A}">
-                    <a16:rowId xmlns:a16="http://schemas.microsoft.com/office/drawing/2014/main" val="10006"/>
-                  </a:ext>
-                </a:extLst>
               </a:tr>
             </a:tbl>
           </a:graphicData>
@@ -14160,34 +13706,10 @@
                 <a:tableStyleId>{5DA37D80-6434-44D0-A028-1B22A696006F}</a:tableStyleId>
               </a:tblPr>
               <a:tblGrid>
-                <a:gridCol w="2218411">
-                  <a:extLst>
-                    <a:ext uri="{9D8B030D-6E8A-4147-A177-3AD203B41FA5}">
-                      <a16:colId xmlns:a16="http://schemas.microsoft.com/office/drawing/2014/main" val="20000"/>
-                    </a:ext>
-                  </a:extLst>
-                </a:gridCol>
-                <a:gridCol w="1717351">
-                  <a:extLst>
-                    <a:ext uri="{9D8B030D-6E8A-4147-A177-3AD203B41FA5}">
-                      <a16:colId xmlns:a16="http://schemas.microsoft.com/office/drawing/2014/main" val="20001"/>
-                    </a:ext>
-                  </a:extLst>
-                </a:gridCol>
-                <a:gridCol w="4866610">
-                  <a:extLst>
-                    <a:ext uri="{9D8B030D-6E8A-4147-A177-3AD203B41FA5}">
-                      <a16:colId xmlns:a16="http://schemas.microsoft.com/office/drawing/2014/main" val="20002"/>
-                    </a:ext>
-                  </a:extLst>
-                </a:gridCol>
-                <a:gridCol w="1974304">
-                  <a:extLst>
-                    <a:ext uri="{9D8B030D-6E8A-4147-A177-3AD203B41FA5}">
-                      <a16:colId xmlns:a16="http://schemas.microsoft.com/office/drawing/2014/main" val="20003"/>
-                    </a:ext>
-                  </a:extLst>
-                </a:gridCol>
+                <a:gridCol w="2218411"/>
+                <a:gridCol w="1717351"/>
+                <a:gridCol w="4866610"/>
+                <a:gridCol w="1974304"/>
               </a:tblGrid>
               <a:tr h="288000">
                 <a:tc>
@@ -14346,11 +13868,6 @@
                   </a:txBody>
                   <a:tcPr marL="87741" marR="87741" marT="0" marB="0" anchor="ctr"/>
                 </a:tc>
-                <a:extLst>
-                  <a:ext uri="{0D108BD9-81ED-4DB2-BD59-A6C34878D82A}">
-                    <a16:rowId xmlns:a16="http://schemas.microsoft.com/office/drawing/2014/main" val="10000"/>
-                  </a:ext>
-                </a:extLst>
               </a:tr>
               <a:tr h="288000">
                 <a:tc>
@@ -14542,11 +14059,6 @@
                   </a:txBody>
                   <a:tcPr marL="87741" marR="87741" marT="0" marB="0" anchor="ctr"/>
                 </a:tc>
-                <a:extLst>
-                  <a:ext uri="{0D108BD9-81ED-4DB2-BD59-A6C34878D82A}">
-                    <a16:rowId xmlns:a16="http://schemas.microsoft.com/office/drawing/2014/main" val="10001"/>
-                  </a:ext>
-                </a:extLst>
               </a:tr>
               <a:tr h="288000">
                 <a:tc rowSpan="5">
@@ -14760,11 +14272,6 @@
                   </a:txBody>
                   <a:tcPr marL="87741" marR="87741" marT="0" marB="0" anchor="ctr"/>
                 </a:tc>
-                <a:extLst>
-                  <a:ext uri="{0D108BD9-81ED-4DB2-BD59-A6C34878D82A}">
-                    <a16:rowId xmlns:a16="http://schemas.microsoft.com/office/drawing/2014/main" val="10002"/>
-                  </a:ext>
-                </a:extLst>
               </a:tr>
               <a:tr h="288000">
                 <a:tc vMerge="1">
@@ -14950,11 +14457,6 @@
                   </a:txBody>
                   <a:tcPr marL="87741" marR="87741" marT="0" marB="0" anchor="ctr"/>
                 </a:tc>
-                <a:extLst>
-                  <a:ext uri="{0D108BD9-81ED-4DB2-BD59-A6C34878D82A}">
-                    <a16:rowId xmlns:a16="http://schemas.microsoft.com/office/drawing/2014/main" val="10003"/>
-                  </a:ext>
-                </a:extLst>
               </a:tr>
               <a:tr h="288000">
                 <a:tc vMerge="1">
@@ -15205,11 +14707,6 @@
                   </a:txBody>
                   <a:tcPr marL="87741" marR="87741" marT="0" marB="0" anchor="ctr"/>
                 </a:tc>
-                <a:extLst>
-                  <a:ext uri="{0D108BD9-81ED-4DB2-BD59-A6C34878D82A}">
-                    <a16:rowId xmlns:a16="http://schemas.microsoft.com/office/drawing/2014/main" val="10004"/>
-                  </a:ext>
-                </a:extLst>
               </a:tr>
               <a:tr h="288000">
                 <a:tc vMerge="1">
@@ -15351,11 +14848,6 @@
                   </a:txBody>
                   <a:tcPr marL="87741" marR="87741" marT="0" marB="0" anchor="ctr"/>
                 </a:tc>
-                <a:extLst>
-                  <a:ext uri="{0D108BD9-81ED-4DB2-BD59-A6C34878D82A}">
-                    <a16:rowId xmlns:a16="http://schemas.microsoft.com/office/drawing/2014/main" val="10005"/>
-                  </a:ext>
-                </a:extLst>
               </a:tr>
               <a:tr h="288000">
                 <a:tc vMerge="1">
@@ -15519,11 +15011,6 @@
                   </a:txBody>
                   <a:tcPr marL="87741" marR="87741" marT="0" marB="0" anchor="ctr"/>
                 </a:tc>
-                <a:extLst>
-                  <a:ext uri="{0D108BD9-81ED-4DB2-BD59-A6C34878D82A}">
-                    <a16:rowId xmlns:a16="http://schemas.microsoft.com/office/drawing/2014/main" val="10006"/>
-                  </a:ext>
-                </a:extLst>
               </a:tr>
               <a:tr h="288000">
                 <a:tc rowSpan="2">
@@ -15711,11 +15198,6 @@
                   </a:txBody>
                   <a:tcPr marL="87741" marR="87741" marT="0" marB="0" anchor="ctr"/>
                 </a:tc>
-                <a:extLst>
-                  <a:ext uri="{0D108BD9-81ED-4DB2-BD59-A6C34878D82A}">
-                    <a16:rowId xmlns:a16="http://schemas.microsoft.com/office/drawing/2014/main" val="10007"/>
-                  </a:ext>
-                </a:extLst>
               </a:tr>
               <a:tr h="442749">
                 <a:tc vMerge="1">
@@ -15886,11 +15368,6 @@
                   </a:txBody>
                   <a:tcPr marL="87741" marR="87741" marT="0" marB="0" anchor="ctr"/>
                 </a:tc>
-                <a:extLst>
-                  <a:ext uri="{0D108BD9-81ED-4DB2-BD59-A6C34878D82A}">
-                    <a16:rowId xmlns:a16="http://schemas.microsoft.com/office/drawing/2014/main" val="10008"/>
-                  </a:ext>
-                </a:extLst>
               </a:tr>
               <a:tr h="288000">
                 <a:tc rowSpan="7">
@@ -16066,11 +15543,6 @@
                   </a:txBody>
                   <a:tcPr marL="87741" marR="87741" marT="0" marB="0" anchor="ctr"/>
                 </a:tc>
-                <a:extLst>
-                  <a:ext uri="{0D108BD9-81ED-4DB2-BD59-A6C34878D82A}">
-                    <a16:rowId xmlns:a16="http://schemas.microsoft.com/office/drawing/2014/main" val="10009"/>
-                  </a:ext>
-                </a:extLst>
               </a:tr>
               <a:tr h="288000">
                 <a:tc vMerge="1">
@@ -16212,11 +15684,6 @@
                   </a:txBody>
                   <a:tcPr marL="87741" marR="87741" marT="0" marB="0" anchor="ctr"/>
                 </a:tc>
-                <a:extLst>
-                  <a:ext uri="{0D108BD9-81ED-4DB2-BD59-A6C34878D82A}">
-                    <a16:rowId xmlns:a16="http://schemas.microsoft.com/office/drawing/2014/main" val="10010"/>
-                  </a:ext>
-                </a:extLst>
               </a:tr>
               <a:tr h="288000">
                 <a:tc vMerge="1">
@@ -16358,11 +15825,6 @@
                   </a:txBody>
                   <a:tcPr marL="87741" marR="87741" marT="0" marB="0" anchor="ctr"/>
                 </a:tc>
-                <a:extLst>
-                  <a:ext uri="{0D108BD9-81ED-4DB2-BD59-A6C34878D82A}">
-                    <a16:rowId xmlns:a16="http://schemas.microsoft.com/office/drawing/2014/main" val="10011"/>
-                  </a:ext>
-                </a:extLst>
               </a:tr>
               <a:tr h="288000">
                 <a:tc vMerge="1">
@@ -16537,11 +15999,6 @@
                   </a:txBody>
                   <a:tcPr marL="87741" marR="87741" marT="0" marB="0" anchor="ctr"/>
                 </a:tc>
-                <a:extLst>
-                  <a:ext uri="{0D108BD9-81ED-4DB2-BD59-A6C34878D82A}">
-                    <a16:rowId xmlns:a16="http://schemas.microsoft.com/office/drawing/2014/main" val="10012"/>
-                  </a:ext>
-                </a:extLst>
               </a:tr>
               <a:tr h="288000">
                 <a:tc vMerge="1">
@@ -16738,11 +16195,6 @@
                   </a:txBody>
                   <a:tcPr marL="87741" marR="87741" marT="0" marB="0" anchor="ctr"/>
                 </a:tc>
-                <a:extLst>
-                  <a:ext uri="{0D108BD9-81ED-4DB2-BD59-A6C34878D82A}">
-                    <a16:rowId xmlns:a16="http://schemas.microsoft.com/office/drawing/2014/main" val="10013"/>
-                  </a:ext>
-                </a:extLst>
               </a:tr>
               <a:tr h="288000">
                 <a:tc vMerge="1">
@@ -16950,11 +16402,6 @@
                   </a:txBody>
                   <a:tcPr marL="87741" marR="87741" marT="0" marB="0" anchor="ctr"/>
                 </a:tc>
-                <a:extLst>
-                  <a:ext uri="{0D108BD9-81ED-4DB2-BD59-A6C34878D82A}">
-                    <a16:rowId xmlns:a16="http://schemas.microsoft.com/office/drawing/2014/main" val="10014"/>
-                  </a:ext>
-                </a:extLst>
               </a:tr>
               <a:tr h="288000">
                 <a:tc vMerge="1">
@@ -17162,11 +16609,6 @@
                   </a:txBody>
                   <a:tcPr marL="87741" marR="87741" marT="0" marB="0" anchor="ctr"/>
                 </a:tc>
-                <a:extLst>
-                  <a:ext uri="{0D108BD9-81ED-4DB2-BD59-A6C34878D82A}">
-                    <a16:rowId xmlns:a16="http://schemas.microsoft.com/office/drawing/2014/main" val="10015"/>
-                  </a:ext>
-                </a:extLst>
               </a:tr>
             </a:tbl>
           </a:graphicData>
@@ -17277,48 +16719,12 @@
                 <a:tableStyleId>{5DA37D80-6434-44D0-A028-1B22A696006F}</a:tableStyleId>
               </a:tblPr>
               <a:tblGrid>
-                <a:gridCol w="1288021">
-                  <a:extLst>
-                    <a:ext uri="{9D8B030D-6E8A-4147-A177-3AD203B41FA5}">
-                      <a16:colId xmlns:a16="http://schemas.microsoft.com/office/drawing/2014/main" val="20000"/>
-                    </a:ext>
-                  </a:extLst>
-                </a:gridCol>
-                <a:gridCol w="1287888">
-                  <a:extLst>
-                    <a:ext uri="{9D8B030D-6E8A-4147-A177-3AD203B41FA5}">
-                      <a16:colId xmlns:a16="http://schemas.microsoft.com/office/drawing/2014/main" val="20001"/>
-                    </a:ext>
-                  </a:extLst>
-                </a:gridCol>
-                <a:gridCol w="2824766">
-                  <a:extLst>
-                    <a:ext uri="{9D8B030D-6E8A-4147-A177-3AD203B41FA5}">
-                      <a16:colId xmlns:a16="http://schemas.microsoft.com/office/drawing/2014/main" val="20002"/>
-                    </a:ext>
-                  </a:extLst>
-                </a:gridCol>
-                <a:gridCol w="1463899">
-                  <a:extLst>
-                    <a:ext uri="{9D8B030D-6E8A-4147-A177-3AD203B41FA5}">
-                      <a16:colId xmlns:a16="http://schemas.microsoft.com/office/drawing/2014/main" val="20003"/>
-                    </a:ext>
-                  </a:extLst>
-                </a:gridCol>
-                <a:gridCol w="2524259">
-                  <a:extLst>
-                    <a:ext uri="{9D8B030D-6E8A-4147-A177-3AD203B41FA5}">
-                      <a16:colId xmlns:a16="http://schemas.microsoft.com/office/drawing/2014/main" val="20004"/>
-                    </a:ext>
-                  </a:extLst>
-                </a:gridCol>
-                <a:gridCol w="1412517">
-                  <a:extLst>
-                    <a:ext uri="{9D8B030D-6E8A-4147-A177-3AD203B41FA5}">
-                      <a16:colId xmlns:a16="http://schemas.microsoft.com/office/drawing/2014/main" val="20005"/>
-                    </a:ext>
-                  </a:extLst>
-                </a:gridCol>
+                <a:gridCol w="1288021"/>
+                <a:gridCol w="1287888"/>
+                <a:gridCol w="2824766"/>
+                <a:gridCol w="1463899"/>
+                <a:gridCol w="2524259"/>
+                <a:gridCol w="1412517"/>
               </a:tblGrid>
               <a:tr h="370840">
                 <a:tc>
@@ -17483,11 +16889,6 @@
                   </a:txBody>
                   <a:tcPr/>
                 </a:tc>
-                <a:extLst>
-                  <a:ext uri="{0D108BD9-81ED-4DB2-BD59-A6C34878D82A}">
-                    <a16:rowId xmlns:a16="http://schemas.microsoft.com/office/drawing/2014/main" val="10000"/>
-                  </a:ext>
-                </a:extLst>
               </a:tr>
               <a:tr h="370840">
                 <a:tc>
@@ -17652,11 +17053,6 @@
                   </a:txBody>
                   <a:tcPr anchor="ctr"/>
                 </a:tc>
-                <a:extLst>
-                  <a:ext uri="{0D108BD9-81ED-4DB2-BD59-A6C34878D82A}">
-                    <a16:rowId xmlns:a16="http://schemas.microsoft.com/office/drawing/2014/main" val="10001"/>
-                  </a:ext>
-                </a:extLst>
               </a:tr>
               <a:tr h="370840">
                 <a:tc>
@@ -17761,11 +17157,6 @@
                   </a:txBody>
                   <a:tcPr anchor="ctr"/>
                 </a:tc>
-                <a:extLst>
-                  <a:ext uri="{0D108BD9-81ED-4DB2-BD59-A6C34878D82A}">
-                    <a16:rowId xmlns:a16="http://schemas.microsoft.com/office/drawing/2014/main" val="10002"/>
-                  </a:ext>
-                </a:extLst>
               </a:tr>
               <a:tr h="370840">
                 <a:tc>
@@ -17870,11 +17261,6 @@
                   </a:txBody>
                   <a:tcPr anchor="ctr"/>
                 </a:tc>
-                <a:extLst>
-                  <a:ext uri="{0D108BD9-81ED-4DB2-BD59-A6C34878D82A}">
-                    <a16:rowId xmlns:a16="http://schemas.microsoft.com/office/drawing/2014/main" val="10003"/>
-                  </a:ext>
-                </a:extLst>
               </a:tr>
               <a:tr h="370840">
                 <a:tc>
@@ -17979,11 +17365,6 @@
                   </a:txBody>
                   <a:tcPr anchor="ctr"/>
                 </a:tc>
-                <a:extLst>
-                  <a:ext uri="{0D108BD9-81ED-4DB2-BD59-A6C34878D82A}">
-                    <a16:rowId xmlns:a16="http://schemas.microsoft.com/office/drawing/2014/main" val="10004"/>
-                  </a:ext>
-                </a:extLst>
               </a:tr>
               <a:tr h="370840">
                 <a:tc>
@@ -18088,11 +17469,6 @@
                   </a:txBody>
                   <a:tcPr anchor="ctr"/>
                 </a:tc>
-                <a:extLst>
-                  <a:ext uri="{0D108BD9-81ED-4DB2-BD59-A6C34878D82A}">
-                    <a16:rowId xmlns:a16="http://schemas.microsoft.com/office/drawing/2014/main" val="10005"/>
-                  </a:ext>
-                </a:extLst>
               </a:tr>
               <a:tr h="370840">
                 <a:tc>
@@ -18197,11 +17573,6 @@
                   </a:txBody>
                   <a:tcPr anchor="ctr"/>
                 </a:tc>
-                <a:extLst>
-                  <a:ext uri="{0D108BD9-81ED-4DB2-BD59-A6C34878D82A}">
-                    <a16:rowId xmlns:a16="http://schemas.microsoft.com/office/drawing/2014/main" val="10006"/>
-                  </a:ext>
-                </a:extLst>
               </a:tr>
               <a:tr h="370840">
                 <a:tc>
@@ -18306,11 +17677,6 @@
                   </a:txBody>
                   <a:tcPr anchor="ctr"/>
                 </a:tc>
-                <a:extLst>
-                  <a:ext uri="{0D108BD9-81ED-4DB2-BD59-A6C34878D82A}">
-                    <a16:rowId xmlns:a16="http://schemas.microsoft.com/office/drawing/2014/main" val="10007"/>
-                  </a:ext>
-                </a:extLst>
               </a:tr>
               <a:tr h="370840">
                 <a:tc>
@@ -18415,11 +17781,6 @@
                   </a:txBody>
                   <a:tcPr anchor="ctr"/>
                 </a:tc>
-                <a:extLst>
-                  <a:ext uri="{0D108BD9-81ED-4DB2-BD59-A6C34878D82A}">
-                    <a16:rowId xmlns:a16="http://schemas.microsoft.com/office/drawing/2014/main" val="10008"/>
-                  </a:ext>
-                </a:extLst>
               </a:tr>
               <a:tr h="370840">
                 <a:tc>
@@ -18524,11 +17885,6 @@
                   </a:txBody>
                   <a:tcPr anchor="ctr"/>
                 </a:tc>
-                <a:extLst>
-                  <a:ext uri="{0D108BD9-81ED-4DB2-BD59-A6C34878D82A}">
-                    <a16:rowId xmlns:a16="http://schemas.microsoft.com/office/drawing/2014/main" val="10009"/>
-                  </a:ext>
-                </a:extLst>
               </a:tr>
             </a:tbl>
           </a:graphicData>
@@ -18608,34 +17964,10 @@
                 <a:tableStyleId>{5DA37D80-6434-44D0-A028-1B22A696006F}</a:tableStyleId>
               </a:tblPr>
               <a:tblGrid>
-                <a:gridCol w="2218409">
-                  <a:extLst>
-                    <a:ext uri="{9D8B030D-6E8A-4147-A177-3AD203B41FA5}">
-                      <a16:colId xmlns:a16="http://schemas.microsoft.com/office/drawing/2014/main" val="20000"/>
-                    </a:ext>
-                  </a:extLst>
-                </a:gridCol>
-                <a:gridCol w="1708669">
-                  <a:extLst>
-                    <a:ext uri="{9D8B030D-6E8A-4147-A177-3AD203B41FA5}">
-                      <a16:colId xmlns:a16="http://schemas.microsoft.com/office/drawing/2014/main" val="20001"/>
-                    </a:ext>
-                  </a:extLst>
-                </a:gridCol>
-                <a:gridCol w="4875294">
-                  <a:extLst>
-                    <a:ext uri="{9D8B030D-6E8A-4147-A177-3AD203B41FA5}">
-                      <a16:colId xmlns:a16="http://schemas.microsoft.com/office/drawing/2014/main" val="20002"/>
-                    </a:ext>
-                  </a:extLst>
-                </a:gridCol>
-                <a:gridCol w="1974303">
-                  <a:extLst>
-                    <a:ext uri="{9D8B030D-6E8A-4147-A177-3AD203B41FA5}">
-                      <a16:colId xmlns:a16="http://schemas.microsoft.com/office/drawing/2014/main" val="20003"/>
-                    </a:ext>
-                  </a:extLst>
-                </a:gridCol>
+                <a:gridCol w="2218409"/>
+                <a:gridCol w="1708669"/>
+                <a:gridCol w="4875294"/>
+                <a:gridCol w="1974303"/>
               </a:tblGrid>
               <a:tr h="288000">
                 <a:tc>
@@ -18974,11 +18306,6 @@
                     </a:lnB>
                   </a:tcPr>
                 </a:tc>
-                <a:extLst>
-                  <a:ext uri="{0D108BD9-81ED-4DB2-BD59-A6C34878D82A}">
-                    <a16:rowId xmlns:a16="http://schemas.microsoft.com/office/drawing/2014/main" val="10000"/>
-                  </a:ext>
-                </a:extLst>
               </a:tr>
               <a:tr h="288000">
                 <a:tc rowSpan="7">
@@ -19350,11 +18677,6 @@
                     </a:lnB>
                   </a:tcPr>
                 </a:tc>
-                <a:extLst>
-                  <a:ext uri="{0D108BD9-81ED-4DB2-BD59-A6C34878D82A}">
-                    <a16:rowId xmlns:a16="http://schemas.microsoft.com/office/drawing/2014/main" val="10001"/>
-                  </a:ext>
-                </a:extLst>
               </a:tr>
               <a:tr h="288000">
                 <a:tc vMerge="1">
@@ -19642,11 +18964,6 @@
                     </a:lnB>
                   </a:tcPr>
                 </a:tc>
-                <a:extLst>
-                  <a:ext uri="{0D108BD9-81ED-4DB2-BD59-A6C34878D82A}">
-                    <a16:rowId xmlns:a16="http://schemas.microsoft.com/office/drawing/2014/main" val="10002"/>
-                  </a:ext>
-                </a:extLst>
               </a:tr>
               <a:tr h="399411">
                 <a:tc vMerge="1">
@@ -19955,11 +19272,6 @@
                     </a:lnB>
                   </a:tcPr>
                 </a:tc>
-                <a:extLst>
-                  <a:ext uri="{0D108BD9-81ED-4DB2-BD59-A6C34878D82A}">
-                    <a16:rowId xmlns:a16="http://schemas.microsoft.com/office/drawing/2014/main" val="10003"/>
-                  </a:ext>
-                </a:extLst>
               </a:tr>
               <a:tr h="399411">
                 <a:tc vMerge="1">
@@ -20333,11 +19645,6 @@
                     </a:lnB>
                   </a:tcPr>
                 </a:tc>
-                <a:extLst>
-                  <a:ext uri="{0D108BD9-81ED-4DB2-BD59-A6C34878D82A}">
-                    <a16:rowId xmlns:a16="http://schemas.microsoft.com/office/drawing/2014/main" val="10004"/>
-                  </a:ext>
-                </a:extLst>
               </a:tr>
               <a:tr h="194384">
                 <a:tc vMerge="1">
@@ -20625,11 +19932,6 @@
                     </a:lnB>
                   </a:tcPr>
                 </a:tc>
-                <a:extLst>
-                  <a:ext uri="{0D108BD9-81ED-4DB2-BD59-A6C34878D82A}">
-                    <a16:rowId xmlns:a16="http://schemas.microsoft.com/office/drawing/2014/main" val="10005"/>
-                  </a:ext>
-                </a:extLst>
               </a:tr>
               <a:tr h="831742">
                 <a:tc vMerge="1">
@@ -21135,11 +20437,6 @@
                     </a:lnB>
                   </a:tcPr>
                 </a:tc>
-                <a:extLst>
-                  <a:ext uri="{0D108BD9-81ED-4DB2-BD59-A6C34878D82A}">
-                    <a16:rowId xmlns:a16="http://schemas.microsoft.com/office/drawing/2014/main" val="10006"/>
-                  </a:ext>
-                </a:extLst>
               </a:tr>
               <a:tr h="563052">
                 <a:tc vMerge="1">
@@ -21622,11 +20919,6 @@
                     </a:lnB>
                   </a:tcPr>
                 </a:tc>
-                <a:extLst>
-                  <a:ext uri="{0D108BD9-81ED-4DB2-BD59-A6C34878D82A}">
-                    <a16:rowId xmlns:a16="http://schemas.microsoft.com/office/drawing/2014/main" val="10007"/>
-                  </a:ext>
-                </a:extLst>
               </a:tr>
               <a:tr h="288000">
                 <a:tc>
@@ -22028,11 +21320,6 @@
                     </a:lnB>
                   </a:tcPr>
                 </a:tc>
-                <a:extLst>
-                  <a:ext uri="{0D108BD9-81ED-4DB2-BD59-A6C34878D82A}">
-                    <a16:rowId xmlns:a16="http://schemas.microsoft.com/office/drawing/2014/main" val="10008"/>
-                  </a:ext>
-                </a:extLst>
               </a:tr>
               <a:tr h="288000">
                 <a:tc>
@@ -22382,11 +21669,6 @@
                     </a:lnB>
                   </a:tcPr>
                 </a:tc>
-                <a:extLst>
-                  <a:ext uri="{0D108BD9-81ED-4DB2-BD59-A6C34878D82A}">
-                    <a16:rowId xmlns:a16="http://schemas.microsoft.com/office/drawing/2014/main" val="10009"/>
-                  </a:ext>
-                </a:extLst>
               </a:tr>
               <a:tr h="399411">
                 <a:tc rowSpan="2">
@@ -22765,11 +22047,6 @@
                     </a:lnB>
                   </a:tcPr>
                 </a:tc>
-                <a:extLst>
-                  <a:ext uri="{0D108BD9-81ED-4DB2-BD59-A6C34878D82A}">
-                    <a16:rowId xmlns:a16="http://schemas.microsoft.com/office/drawing/2014/main" val="10010"/>
-                  </a:ext>
-                </a:extLst>
               </a:tr>
               <a:tr h="648000">
                 <a:tc vMerge="1">
@@ -23107,11 +22384,6 @@
                     </a:lnB>
                   </a:tcPr>
                 </a:tc>
-                <a:extLst>
-                  <a:ext uri="{0D108BD9-81ED-4DB2-BD59-A6C34878D82A}">
-                    <a16:rowId xmlns:a16="http://schemas.microsoft.com/office/drawing/2014/main" val="10011"/>
-                  </a:ext>
-                </a:extLst>
               </a:tr>
             </a:tbl>
           </a:graphicData>
@@ -23569,27 +22841,9 @@
                 <a:tableStyleId>{BC89EF96-8CEA-46FF-86C4-4CE0E7609802}</a:tableStyleId>
               </a:tblPr>
               <a:tblGrid>
-                <a:gridCol w="1324931">
-                  <a:extLst>
-                    <a:ext uri="{9D8B030D-6E8A-4147-A177-3AD203B41FA5}">
-                      <a16:colId xmlns:a16="http://schemas.microsoft.com/office/drawing/2014/main" val="20000"/>
-                    </a:ext>
-                  </a:extLst>
-                </a:gridCol>
-                <a:gridCol w="997527">
-                  <a:extLst>
-                    <a:ext uri="{9D8B030D-6E8A-4147-A177-3AD203B41FA5}">
-                      <a16:colId xmlns:a16="http://schemas.microsoft.com/office/drawing/2014/main" val="20001"/>
-                    </a:ext>
-                  </a:extLst>
-                </a:gridCol>
-                <a:gridCol w="8454217">
-                  <a:extLst>
-                    <a:ext uri="{9D8B030D-6E8A-4147-A177-3AD203B41FA5}">
-                      <a16:colId xmlns:a16="http://schemas.microsoft.com/office/drawing/2014/main" val="20002"/>
-                    </a:ext>
-                  </a:extLst>
-                </a:gridCol>
+                <a:gridCol w="1324931"/>
+                <a:gridCol w="997527"/>
+                <a:gridCol w="8454217"/>
               </a:tblGrid>
               <a:tr h="246157">
                 <a:tc>
@@ -23685,11 +22939,6 @@
                   </a:txBody>
                   <a:tcPr anchor="ctr"/>
                 </a:tc>
-                <a:extLst>
-                  <a:ext uri="{0D108BD9-81ED-4DB2-BD59-A6C34878D82A}">
-                    <a16:rowId xmlns:a16="http://schemas.microsoft.com/office/drawing/2014/main" val="10000"/>
-                  </a:ext>
-                </a:extLst>
               </a:tr>
               <a:tr h="795102">
                 <a:tc>
@@ -23867,11 +23116,6 @@
                   </a:txBody>
                   <a:tcPr anchor="ctr"/>
                 </a:tc>
-                <a:extLst>
-                  <a:ext uri="{0D108BD9-81ED-4DB2-BD59-A6C34878D82A}">
-                    <a16:rowId xmlns:a16="http://schemas.microsoft.com/office/drawing/2014/main" val="10001"/>
-                  </a:ext>
-                </a:extLst>
               </a:tr>
               <a:tr h="410262">
                 <a:tc>
@@ -24031,11 +23275,6 @@
                   </a:txBody>
                   <a:tcPr anchor="ctr"/>
                 </a:tc>
-                <a:extLst>
-                  <a:ext uri="{0D108BD9-81ED-4DB2-BD59-A6C34878D82A}">
-                    <a16:rowId xmlns:a16="http://schemas.microsoft.com/office/drawing/2014/main" val="10002"/>
-                  </a:ext>
-                </a:extLst>
               </a:tr>
               <a:tr h="410262">
                 <a:tc>
@@ -24181,11 +23420,6 @@
                   </a:txBody>
                   <a:tcPr anchor="ctr"/>
                 </a:tc>
-                <a:extLst>
-                  <a:ext uri="{0D108BD9-81ED-4DB2-BD59-A6C34878D82A}">
-                    <a16:rowId xmlns:a16="http://schemas.microsoft.com/office/drawing/2014/main" val="10003"/>
-                  </a:ext>
-                </a:extLst>
               </a:tr>
               <a:tr h="410262">
                 <a:tc>
@@ -24373,11 +23607,6 @@
                   </a:txBody>
                   <a:tcPr anchor="ctr"/>
                 </a:tc>
-                <a:extLst>
-                  <a:ext uri="{0D108BD9-81ED-4DB2-BD59-A6C34878D82A}">
-                    <a16:rowId xmlns:a16="http://schemas.microsoft.com/office/drawing/2014/main" val="10004"/>
-                  </a:ext>
-                </a:extLst>
               </a:tr>
             </a:tbl>
           </a:graphicData>
@@ -25272,7 +24501,11 @@
               </a:r>
               <a:r>
                 <a:rPr lang="ko-KR" altLang="en-US" sz="1800" dirty="0" smtClean="0"/>
-                <a:t>전투 정의</a:t>
+                <a:t>전투 </a:t>
+              </a:r>
+              <a:r>
+                <a:rPr lang="ko-KR" altLang="en-US" sz="1800" dirty="0" smtClean="0"/>
+                <a:t>정의</a:t>
               </a:r>
               <a:endParaRPr lang="en-US" altLang="ko-KR" sz="1800" dirty="0" smtClean="0"/>
             </a:p>
@@ -25346,7 +24579,11 @@
               </a:r>
               <a:r>
                 <a:rPr lang="ko-KR" altLang="en-US" sz="1800" dirty="0" smtClean="0"/>
-                <a:t>응용 전투</a:t>
+                <a:t>응용 </a:t>
+              </a:r>
+              <a:r>
+                <a:rPr lang="ko-KR" altLang="en-US" sz="1800" dirty="0" smtClean="0"/>
+                <a:t>전투</a:t>
               </a:r>
               <a:endParaRPr lang="en-US" altLang="ko-KR" sz="1800" dirty="0" smtClean="0"/>
             </a:p>
@@ -27981,7 +27218,11 @@
             <a:p>
               <a:r>
                 <a:rPr lang="ko-KR" altLang="en-US" sz="1400" dirty="0" smtClean="0"/>
-                <a:t>진입 장벽을 낮추어 누구나 손쉽게 할 수 있는 게임을 기획하고자 하였다</a:t>
+                <a:t>진입 장벽을 낮추어 누구나 손쉽게 할 수 있는 게임을 기획하고자 </a:t>
+              </a:r>
+              <a:r>
+                <a:rPr lang="ko-KR" altLang="en-US" sz="1400" dirty="0" smtClean="0"/>
+                <a:t>하였다</a:t>
               </a:r>
               <a:r>
                 <a:rPr lang="en-US" altLang="ko-KR" sz="1400" dirty="0" smtClean="0"/>
@@ -28240,12 +27481,21 @@
             </a:r>
             <a:r>
               <a:rPr lang="ko-KR" altLang="en-US" sz="1400" dirty="0" smtClean="0"/>
-              <a:t>좌에서 우로 게임을 진행</a:t>
+              <a:t>좌에서 </a:t>
+            </a:r>
+            <a:r>
+              <a:rPr lang="ko-KR" altLang="en-US" sz="1400" dirty="0" smtClean="0"/>
+              <a:t>우로 게임을 </a:t>
+            </a:r>
+            <a:r>
+              <a:rPr lang="ko-KR" altLang="en-US" sz="1400" dirty="0" smtClean="0"/>
+              <a:t>진행</a:t>
             </a:r>
             <a:r>
               <a:rPr lang="en-US" altLang="ko-KR" sz="1400" dirty="0" smtClean="0"/>
               <a:t>.)</a:t>
             </a:r>
+            <a:endParaRPr lang="en-US" altLang="ko-KR" sz="1400" dirty="0" smtClean="0"/>
           </a:p>
         </p:txBody>
       </p:sp>
@@ -28803,55 +28053,13 @@
                 <a:tableStyleId>{5DA37D80-6434-44D0-A028-1B22A696006F}</a:tableStyleId>
               </a:tblPr>
               <a:tblGrid>
-                <a:gridCol w="758722">
-                  <a:extLst>
-                    <a:ext uri="{9D8B030D-6E8A-4147-A177-3AD203B41FA5}">
-                      <a16:colId xmlns:a16="http://schemas.microsoft.com/office/drawing/2014/main" val="20000"/>
-                    </a:ext>
-                  </a:extLst>
-                </a:gridCol>
-                <a:gridCol w="1677884">
-                  <a:extLst>
-                    <a:ext uri="{9D8B030D-6E8A-4147-A177-3AD203B41FA5}">
-                      <a16:colId xmlns:a16="http://schemas.microsoft.com/office/drawing/2014/main" val="20001"/>
-                    </a:ext>
-                  </a:extLst>
-                </a:gridCol>
-                <a:gridCol w="1677884">
-                  <a:extLst>
-                    <a:ext uri="{9D8B030D-6E8A-4147-A177-3AD203B41FA5}">
-                      <a16:colId xmlns:a16="http://schemas.microsoft.com/office/drawing/2014/main" val="20002"/>
-                    </a:ext>
-                  </a:extLst>
-                </a:gridCol>
-                <a:gridCol w="1677884">
-                  <a:extLst>
-                    <a:ext uri="{9D8B030D-6E8A-4147-A177-3AD203B41FA5}">
-                      <a16:colId xmlns:a16="http://schemas.microsoft.com/office/drawing/2014/main" val="20003"/>
-                    </a:ext>
-                  </a:extLst>
-                </a:gridCol>
-                <a:gridCol w="1677884">
-                  <a:extLst>
-                    <a:ext uri="{9D8B030D-6E8A-4147-A177-3AD203B41FA5}">
-                      <a16:colId xmlns:a16="http://schemas.microsoft.com/office/drawing/2014/main" val="20004"/>
-                    </a:ext>
-                  </a:extLst>
-                </a:gridCol>
-                <a:gridCol w="1677884">
-                  <a:extLst>
-                    <a:ext uri="{9D8B030D-6E8A-4147-A177-3AD203B41FA5}">
-                      <a16:colId xmlns:a16="http://schemas.microsoft.com/office/drawing/2014/main" val="20005"/>
-                    </a:ext>
-                  </a:extLst>
-                </a:gridCol>
-                <a:gridCol w="1677884">
-                  <a:extLst>
-                    <a:ext uri="{9D8B030D-6E8A-4147-A177-3AD203B41FA5}">
-                      <a16:colId xmlns:a16="http://schemas.microsoft.com/office/drawing/2014/main" val="20006"/>
-                    </a:ext>
-                  </a:extLst>
-                </a:gridCol>
+                <a:gridCol w="758722"/>
+                <a:gridCol w="1677884"/>
+                <a:gridCol w="1677884"/>
+                <a:gridCol w="1677884"/>
+                <a:gridCol w="1677884"/>
+                <a:gridCol w="1677884"/>
+                <a:gridCol w="1677884"/>
               </a:tblGrid>
               <a:tr h="285491">
                 <a:tc>
@@ -28967,11 +28175,6 @@
                   </a:txBody>
                   <a:tcPr anchor="ctr"/>
                 </a:tc>
-                <a:extLst>
-                  <a:ext uri="{0D108BD9-81ED-4DB2-BD59-A6C34878D82A}">
-                    <a16:rowId xmlns:a16="http://schemas.microsoft.com/office/drawing/2014/main" val="10000"/>
-                  </a:ext>
-                </a:extLst>
               </a:tr>
               <a:tr h="474954">
                 <a:tc>
@@ -29154,11 +28357,6 @@
                   </a:txBody>
                   <a:tcPr anchor="ctr"/>
                 </a:tc>
-                <a:extLst>
-                  <a:ext uri="{0D108BD9-81ED-4DB2-BD59-A6C34878D82A}">
-                    <a16:rowId xmlns:a16="http://schemas.microsoft.com/office/drawing/2014/main" val="10001"/>
-                  </a:ext>
-                </a:extLst>
               </a:tr>
               <a:tr h="452608">
                 <a:tc>
@@ -29353,11 +28551,6 @@
                   </a:txBody>
                   <a:tcPr anchor="ctr"/>
                 </a:tc>
-                <a:extLst>
-                  <a:ext uri="{0D108BD9-81ED-4DB2-BD59-A6C34878D82A}">
-                    <a16:rowId xmlns:a16="http://schemas.microsoft.com/office/drawing/2014/main" val="10002"/>
-                  </a:ext>
-                </a:extLst>
               </a:tr>
               <a:tr h="452608">
                 <a:tc>
@@ -29569,11 +28762,6 @@
                   </a:txBody>
                   <a:tcPr anchor="ctr"/>
                 </a:tc>
-                <a:extLst>
-                  <a:ext uri="{0D108BD9-81ED-4DB2-BD59-A6C34878D82A}">
-                    <a16:rowId xmlns:a16="http://schemas.microsoft.com/office/drawing/2014/main" val="10003"/>
-                  </a:ext>
-                </a:extLst>
               </a:tr>
               <a:tr h="343023">
                 <a:tc>
@@ -29744,11 +28932,6 @@
                   </a:txBody>
                   <a:tcPr anchor="ctr"/>
                 </a:tc>
-                <a:extLst>
-                  <a:ext uri="{0D108BD9-81ED-4DB2-BD59-A6C34878D82A}">
-                    <a16:rowId xmlns:a16="http://schemas.microsoft.com/office/drawing/2014/main" val="10004"/>
-                  </a:ext>
-                </a:extLst>
               </a:tr>
             </a:tbl>
           </a:graphicData>
@@ -29888,7 +29071,11 @@
           <a:p>
             <a:r>
               <a:rPr lang="ko-KR" altLang="en-US" sz="1400" dirty="0" smtClean="0"/>
-              <a:t>캐릭터는 오른쪽</a:t>
+              <a:t>캐릭터는</a:t>
+            </a:r>
+            <a:r>
+              <a:rPr lang="ko-KR" altLang="en-US" sz="1400" dirty="0" smtClean="0"/>
+              <a:t> 오른쪽</a:t>
             </a:r>
             <a:r>
               <a:rPr lang="en-US" altLang="ko-KR" sz="1400" dirty="0" smtClean="0"/>
@@ -30076,36 +29263,6 @@
           </a:prstGeom>
         </p:spPr>
       </p:pic>
-      <p:pic>
-        <p:nvPicPr>
-          <p:cNvPr id="7" name="그림 6"/>
-          <p:cNvPicPr>
-            <a:picLocks noChangeAspect="1"/>
-          </p:cNvPicPr>
-          <p:nvPr/>
-        </p:nvPicPr>
-        <p:blipFill>
-          <a:blip r:embed="rId4" cstate="print">
-            <a:extLst>
-              <a:ext uri="{28A0092B-C50C-407E-A947-70E740481C1C}">
-                <a14:useLocalDpi xmlns:a14="http://schemas.microsoft.com/office/drawing/2010/main" val="0"/>
-              </a:ext>
-            </a:extLst>
-          </a:blip>
-          <a:stretch>
-            <a:fillRect/>
-          </a:stretch>
-        </p:blipFill>
-        <p:spPr>
-          <a:xfrm>
-            <a:off x="8196426" y="1485142"/>
-            <a:ext cx="1219048" cy="1466486"/>
-          </a:xfrm>
-          <a:prstGeom prst="rect">
-            <a:avLst/>
-          </a:prstGeom>
-        </p:spPr>
-      </p:pic>
     </p:spTree>
     <p:extLst>
       <p:ext uri="{BB962C8B-B14F-4D97-AF65-F5344CB8AC3E}">
@@ -30116,13 +29273,13 @@
   <p:clrMapOvr>
     <a:masterClrMapping/>
   </p:clrMapOvr>
-  <mc:AlternateContent xmlns:mc="http://schemas.openxmlformats.org/markup-compatibility/2006" xmlns:p14="http://schemas.microsoft.com/office/powerpoint/2010/main">
-    <mc:Choice Requires="p14">
+  <mc:AlternateContent xmlns:mc="http://schemas.openxmlformats.org/markup-compatibility/2006">
+    <mc:Choice xmlns:p14="http://schemas.microsoft.com/office/powerpoint/2010/main" Requires="p14">
       <p:transition spd="med" p14:dur="700">
         <p:fade/>
       </p:transition>
     </mc:Choice>
-    <mc:Fallback xmlns="">
+    <mc:Fallback>
       <p:transition spd="med">
         <p:fade/>
       </p:transition>
